--- a/Project Presentation Slides.pptx
+++ b/Project Presentation Slides.pptx
@@ -8,6 +8,7 @@
     <p:sldId id="256" r:id="rId2"/>
     <p:sldId id="257" r:id="rId3"/>
     <p:sldId id="258" r:id="rId4"/>
+    <p:sldId id="259" r:id="rId5"/>
   </p:sldIdLst>
   <p:sldSz cx="12192000" cy="6858000"/>
   <p:notesSz cx="6858000" cy="9144000"/>
@@ -7287,10 +7288,10 @@
       </p:grpSpPr>
       <p:sp useBgFill="1">
         <p:nvSpPr>
-          <p:cNvPr id="11" name="Rectangle 10">
+          <p:cNvPr id="229" name="Rectangle 22">
             <a:extLst>
               <a:ext uri="{FF2B5EF4-FFF2-40B4-BE49-F238E27FC236}">
-                <a16:creationId xmlns:a16="http://schemas.microsoft.com/office/drawing/2014/main" id="{A3363022-C969-41E9-8EB2-E4C94908C1FA}"/>
+                <a16:creationId xmlns:a16="http://schemas.microsoft.com/office/drawing/2014/main" id="{91F32EBA-ED97-466E-8CFA-8382584155D0}"/>
               </a:ext>
               <a:ext uri="{C183D7F6-B498-43B3-948B-1728B52AA6E4}">
                 <adec:decorative xmlns:adec="http://schemas.microsoft.com/office/drawing/2017/decorative" val="1"/>
@@ -7310,8 +7311,8 @@
         </p:nvSpPr>
         <p:spPr>
           <a:xfrm>
-            <a:off x="0" y="-1"/>
-            <a:ext cx="12191695" cy="6852025"/>
+            <a:off x="0" y="0"/>
+            <a:ext cx="12192000" cy="6858000"/>
           </a:xfrm>
           <a:prstGeom prst="rect">
             <a:avLst/>
@@ -7347,10 +7348,347 @@
       </p:sp>
       <p:sp>
         <p:nvSpPr>
-          <p:cNvPr id="13" name="Rectangle 12">
+          <p:cNvPr id="7" name="מלבן 6">
             <a:extLst>
               <a:ext uri="{FF2B5EF4-FFF2-40B4-BE49-F238E27FC236}">
-                <a16:creationId xmlns:a16="http://schemas.microsoft.com/office/drawing/2014/main" id="{8D1AD6B3-BE88-4CEB-BA17-790657CC4729}"/>
+                <a16:creationId xmlns:a16="http://schemas.microsoft.com/office/drawing/2014/main" id="{71F76F5F-04F4-4100-A552-6105C7593593}"/>
+              </a:ext>
+            </a:extLst>
+          </p:cNvPr>
+          <p:cNvSpPr/>
+          <p:nvPr/>
+        </p:nvSpPr>
+        <p:spPr>
+          <a:xfrm>
+            <a:off x="7964483" y="2"/>
+            <a:ext cx="2359026" cy="1253953"/>
+          </a:xfrm>
+          <a:prstGeom prst="rect">
+            <a:avLst/>
+          </a:prstGeom>
+        </p:spPr>
+        <p:txBody>
+          <a:bodyPr vert="horz" lIns="91440" tIns="45720" rIns="91440" bIns="45720" rtlCol="0" anchor="ctr">
+            <a:normAutofit/>
+          </a:bodyPr>
+          <a:lstStyle/>
+          <a:p>
+            <a:pPr algn="l" rtl="0">
+              <a:lnSpc>
+                <a:spcPct val="90000"/>
+              </a:lnSpc>
+              <a:spcBef>
+                <a:spcPct val="0"/>
+              </a:spcBef>
+              <a:spcAft>
+                <a:spcPts val="600"/>
+              </a:spcAft>
+            </a:pPr>
+            <a:r>
+              <a:rPr lang="en-US" sz="4000" b="0" kern="1200" cap="none" spc="0" dirty="0">
+                <a:ln w="0"/>
+                <a:solidFill>
+                  <a:schemeClr val="tx1"/>
+                </a:solidFill>
+                <a:effectLst>
+                  <a:reflection blurRad="6350" stA="53000" endA="300" endPos="35500" dir="5400000" sy="-90000" algn="bl" rotWithShape="0"/>
+                </a:effectLst>
+                <a:latin typeface="+mj-lt"/>
+                <a:ea typeface="+mj-ea"/>
+                <a:cs typeface="+mj-cs"/>
+              </a:rPr>
+              <a:t>Database</a:t>
+            </a:r>
+          </a:p>
+        </p:txBody>
+      </p:sp>
+      <p:sp>
+        <p:nvSpPr>
+          <p:cNvPr id="230" name="תיבת טקסט 8">
+            <a:extLst>
+              <a:ext uri="{FF2B5EF4-FFF2-40B4-BE49-F238E27FC236}">
+                <a16:creationId xmlns:a16="http://schemas.microsoft.com/office/drawing/2014/main" id="{3735085D-0D51-494A-939B-D5468C90F837}"/>
+              </a:ext>
+            </a:extLst>
+          </p:cNvPr>
+          <p:cNvSpPr txBox="1"/>
+          <p:nvPr/>
+        </p:nvSpPr>
+        <p:spPr>
+          <a:xfrm>
+            <a:off x="664911" y="177900"/>
+            <a:ext cx="4048344" cy="3536236"/>
+          </a:xfrm>
+          <a:prstGeom prst="rect">
+            <a:avLst/>
+          </a:prstGeom>
+        </p:spPr>
+        <p:txBody>
+          <a:bodyPr vert="horz" lIns="91440" tIns="45720" rIns="91440" bIns="45720" rtlCol="0">
+            <a:noAutofit/>
+          </a:bodyPr>
+          <a:lstStyle/>
+          <a:p>
+            <a:pPr indent="-228600" algn="l" rtl="0">
+              <a:lnSpc>
+                <a:spcPct val="90000"/>
+              </a:lnSpc>
+              <a:spcAft>
+                <a:spcPts val="600"/>
+              </a:spcAft>
+              <a:buFont typeface="Arial" panose="020B0604020202020204" pitchFamily="34" charset="0"/>
+              <a:buChar char="•"/>
+            </a:pPr>
+            <a:r>
+              <a:rPr lang="en-US" sz="1550" dirty="0"/>
+              <a:t>Django supports numerous databases:</a:t>
+            </a:r>
+          </a:p>
+          <a:p>
+            <a:pPr marL="742950" lvl="1" indent="-228600" algn="l" rtl="0">
+              <a:lnSpc>
+                <a:spcPct val="90000"/>
+              </a:lnSpc>
+              <a:spcAft>
+                <a:spcPts val="600"/>
+              </a:spcAft>
+              <a:buFont typeface="Arial" panose="020B0604020202020204" pitchFamily="34" charset="0"/>
+              <a:buChar char="•"/>
+            </a:pPr>
+            <a:r>
+              <a:rPr lang="en-US" sz="1550" dirty="0"/>
+              <a:t>PostgreSQL</a:t>
+            </a:r>
+          </a:p>
+          <a:p>
+            <a:pPr marL="742950" lvl="1" indent="-228600" algn="l" rtl="0">
+              <a:lnSpc>
+                <a:spcPct val="90000"/>
+              </a:lnSpc>
+              <a:spcAft>
+                <a:spcPts val="600"/>
+              </a:spcAft>
+              <a:buFont typeface="Arial" panose="020B0604020202020204" pitchFamily="34" charset="0"/>
+              <a:buChar char="•"/>
+            </a:pPr>
+            <a:r>
+              <a:rPr lang="en-US" sz="1550" dirty="0"/>
+              <a:t>MariaDB</a:t>
+            </a:r>
+          </a:p>
+          <a:p>
+            <a:pPr marL="742950" lvl="1" indent="-228600" algn="l" rtl="0">
+              <a:lnSpc>
+                <a:spcPct val="90000"/>
+              </a:lnSpc>
+              <a:spcAft>
+                <a:spcPts val="600"/>
+              </a:spcAft>
+              <a:buFont typeface="Arial" panose="020B0604020202020204" pitchFamily="34" charset="0"/>
+              <a:buChar char="•"/>
+            </a:pPr>
+            <a:r>
+              <a:rPr lang="en-US" sz="1550" dirty="0"/>
+              <a:t>MySQL</a:t>
+            </a:r>
+          </a:p>
+          <a:p>
+            <a:pPr marL="742950" lvl="1" indent="-228600" algn="l" rtl="0">
+              <a:lnSpc>
+                <a:spcPct val="90000"/>
+              </a:lnSpc>
+              <a:spcAft>
+                <a:spcPts val="600"/>
+              </a:spcAft>
+              <a:buFont typeface="Arial" panose="020B0604020202020204" pitchFamily="34" charset="0"/>
+              <a:buChar char="•"/>
+            </a:pPr>
+            <a:r>
+              <a:rPr lang="en-US" sz="1550" dirty="0"/>
+              <a:t>Oracle</a:t>
+            </a:r>
+          </a:p>
+          <a:p>
+            <a:pPr marL="742950" lvl="1" indent="-228600" algn="l" rtl="0">
+              <a:lnSpc>
+                <a:spcPct val="90000"/>
+              </a:lnSpc>
+              <a:spcAft>
+                <a:spcPts val="600"/>
+              </a:spcAft>
+              <a:buFont typeface="Arial" panose="020B0604020202020204" pitchFamily="34" charset="0"/>
+              <a:buChar char="•"/>
+            </a:pPr>
+            <a:r>
+              <a:rPr lang="en-US" sz="1550" dirty="0"/>
+              <a:t>SQLite</a:t>
+            </a:r>
+          </a:p>
+          <a:p>
+            <a:pPr indent="-228600" algn="l" rtl="0">
+              <a:lnSpc>
+                <a:spcPct val="90000"/>
+              </a:lnSpc>
+              <a:spcAft>
+                <a:spcPts val="600"/>
+              </a:spcAft>
+              <a:buFont typeface="Arial" panose="020B0604020202020204" pitchFamily="34" charset="0"/>
+              <a:buChar char="•"/>
+            </a:pPr>
+            <a:endParaRPr lang="en-US" sz="1550" dirty="0"/>
+          </a:p>
+          <a:p>
+            <a:pPr indent="-228600" algn="l" rtl="0">
+              <a:lnSpc>
+                <a:spcPct val="90000"/>
+              </a:lnSpc>
+              <a:spcAft>
+                <a:spcPts val="600"/>
+              </a:spcAft>
+              <a:buFont typeface="Arial" panose="020B0604020202020204" pitchFamily="34" charset="0"/>
+              <a:buChar char="•"/>
+            </a:pPr>
+            <a:r>
+              <a:rPr lang="en-US" sz="1550" dirty="0"/>
+              <a:t>About SQLite:</a:t>
+            </a:r>
+          </a:p>
+          <a:p>
+            <a:pPr lvl="1" indent="-228600" algn="l" rtl="0">
+              <a:lnSpc>
+                <a:spcPct val="90000"/>
+              </a:lnSpc>
+              <a:spcAft>
+                <a:spcPts val="600"/>
+              </a:spcAft>
+              <a:buFont typeface="Arial" panose="020B0604020202020204" pitchFamily="34" charset="0"/>
+              <a:buChar char="•"/>
+            </a:pPr>
+            <a:r>
+              <a:rPr lang="en-US" sz="1550" dirty="0"/>
+              <a:t>SQLite is a relational database management system (RDBMS) contained in a C library. In contrast to many other database management systems, SQLite is not a client–server database engine. Rather, it is embedded into the end program.</a:t>
+            </a:r>
+          </a:p>
+          <a:p>
+            <a:pPr lvl="1" indent="-228600" algn="l" rtl="0">
+              <a:lnSpc>
+                <a:spcPct val="90000"/>
+              </a:lnSpc>
+              <a:spcAft>
+                <a:spcPts val="600"/>
+              </a:spcAft>
+              <a:buFont typeface="Arial" panose="020B0604020202020204" pitchFamily="34" charset="0"/>
+              <a:buChar char="•"/>
+            </a:pPr>
+            <a:endParaRPr lang="en-US" sz="1550" dirty="0"/>
+          </a:p>
+          <a:p>
+            <a:pPr indent="-228600" algn="l" rtl="0">
+              <a:lnSpc>
+                <a:spcPct val="90000"/>
+              </a:lnSpc>
+              <a:spcAft>
+                <a:spcPts val="600"/>
+              </a:spcAft>
+              <a:buFont typeface="Arial" panose="020B0604020202020204" pitchFamily="34" charset="0"/>
+              <a:buChar char="•"/>
+            </a:pPr>
+            <a:r>
+              <a:rPr lang="en-US" sz="1550" dirty="0"/>
+              <a:t>Why we decided to use SQLite in this project:</a:t>
+            </a:r>
+          </a:p>
+          <a:p>
+            <a:pPr marL="742950" lvl="1" indent="-228600" algn="l" rtl="0">
+              <a:lnSpc>
+                <a:spcPct val="90000"/>
+              </a:lnSpc>
+              <a:spcAft>
+                <a:spcPts val="600"/>
+              </a:spcAft>
+              <a:buFont typeface="Arial" panose="020B0604020202020204" pitchFamily="34" charset="0"/>
+              <a:buChar char="•"/>
+            </a:pPr>
+            <a:r>
+              <a:rPr lang="en-US" sz="1550" b="0" i="0" dirty="0">
+                <a:effectLst/>
+              </a:rPr>
+              <a:t>Suitable for basic development and testing</a:t>
+            </a:r>
+          </a:p>
+          <a:p>
+            <a:pPr marL="742950" lvl="1" indent="-228600" algn="l" rtl="0">
+              <a:lnSpc>
+                <a:spcPct val="90000"/>
+              </a:lnSpc>
+              <a:spcAft>
+                <a:spcPts val="600"/>
+              </a:spcAft>
+              <a:buFont typeface="Arial" panose="020B0604020202020204" pitchFamily="34" charset="0"/>
+              <a:buChar char="•"/>
+            </a:pPr>
+            <a:r>
+              <a:rPr lang="en-US" sz="1550" b="0" i="0" dirty="0">
+                <a:effectLst/>
+              </a:rPr>
+              <a:t>Easy to use</a:t>
+            </a:r>
+          </a:p>
+          <a:p>
+            <a:pPr marL="742950" lvl="1" indent="-228600" algn="l" rtl="0">
+              <a:lnSpc>
+                <a:spcPct val="90000"/>
+              </a:lnSpc>
+              <a:spcAft>
+                <a:spcPts val="600"/>
+              </a:spcAft>
+              <a:buFont typeface="Arial" panose="020B0604020202020204" pitchFamily="34" charset="0"/>
+              <a:buChar char="•"/>
+            </a:pPr>
+            <a:r>
+              <a:rPr lang="en-US" sz="1550" b="0" i="0" dirty="0">
+                <a:effectLst/>
+              </a:rPr>
+              <a:t>Easily portable</a:t>
+            </a:r>
+          </a:p>
+          <a:p>
+            <a:pPr marL="742950" lvl="1" indent="-228600" algn="l" rtl="0">
+              <a:lnSpc>
+                <a:spcPct val="90000"/>
+              </a:lnSpc>
+              <a:spcAft>
+                <a:spcPts val="600"/>
+              </a:spcAft>
+              <a:buFont typeface="Arial" panose="020B0604020202020204" pitchFamily="34" charset="0"/>
+              <a:buChar char="•"/>
+            </a:pPr>
+            <a:r>
+              <a:rPr lang="en-US" sz="1550" dirty="0"/>
+              <a:t>When scalability becomes an issue, Django’s framework allows us very easily migrate to a more advanced database such as MySQL.</a:t>
+            </a:r>
+          </a:p>
+          <a:p>
+            <a:pPr indent="-228600" algn="l" rtl="0">
+              <a:lnSpc>
+                <a:spcPct val="90000"/>
+              </a:lnSpc>
+              <a:spcAft>
+                <a:spcPts val="600"/>
+              </a:spcAft>
+              <a:buFont typeface="Arial" panose="020B0604020202020204" pitchFamily="34" charset="0"/>
+              <a:buChar char="•"/>
+            </a:pPr>
+            <a:endParaRPr lang="en-US" sz="1550" dirty="0"/>
+          </a:p>
+        </p:txBody>
+      </p:sp>
+      <p:sp>
+        <p:nvSpPr>
+          <p:cNvPr id="231" name="Freeform: Shape 24">
+            <a:extLst>
+              <a:ext uri="{FF2B5EF4-FFF2-40B4-BE49-F238E27FC236}">
+                <a16:creationId xmlns:a16="http://schemas.microsoft.com/office/drawing/2014/main" id="{62A38935-BB53-4DF7-A56E-48DD25B685D7}"/>
               </a:ext>
               <a:ext uri="{C183D7F6-B498-43B3-948B-1728B52AA6E4}">
                 <adec:decorative xmlns:adec="http://schemas.microsoft.com/office/drawing/2017/decorative" val="1"/>
@@ -7370,14 +7708,723 @@
         </p:nvSpPr>
         <p:spPr>
           <a:xfrm>
-            <a:off x="305" y="0"/>
-            <a:ext cx="12191695" cy="6858000"/>
+            <a:off x="5510370" y="851518"/>
+            <a:ext cx="6184806" cy="5154967"/>
           </a:xfrm>
-          <a:prstGeom prst="rect">
+          <a:custGeom>
             <a:avLst/>
-          </a:prstGeom>
+            <a:gdLst>
+              <a:gd name="connsiteX0" fmla="*/ 363179 w 6184806"/>
+              <a:gd name="connsiteY0" fmla="*/ 3125191 h 5154967"/>
+              <a:gd name="connsiteX1" fmla="*/ 898270 w 6184806"/>
+              <a:gd name="connsiteY1" fmla="*/ 3125191 h 5154967"/>
+              <a:gd name="connsiteX2" fmla="*/ 980326 w 6184806"/>
+              <a:gd name="connsiteY2" fmla="*/ 3173551 h 5154967"/>
+              <a:gd name="connsiteX3" fmla="*/ 1248448 w 6184806"/>
+              <a:gd name="connsiteY3" fmla="*/ 3635277 h 5154967"/>
+              <a:gd name="connsiteX4" fmla="*/ 1248448 w 6184806"/>
+              <a:gd name="connsiteY4" fmla="*/ 3729695 h 5154967"/>
+              <a:gd name="connsiteX5" fmla="*/ 980326 w 6184806"/>
+              <a:gd name="connsiteY5" fmla="*/ 4191421 h 5154967"/>
+              <a:gd name="connsiteX6" fmla="*/ 898270 w 6184806"/>
+              <a:gd name="connsiteY6" fmla="*/ 4239781 h 5154967"/>
+              <a:gd name="connsiteX7" fmla="*/ 363179 w 6184806"/>
+              <a:gd name="connsiteY7" fmla="*/ 4239781 h 5154967"/>
+              <a:gd name="connsiteX8" fmla="*/ 279969 w 6184806"/>
+              <a:gd name="connsiteY8" fmla="*/ 4191421 h 5154967"/>
+              <a:gd name="connsiteX9" fmla="*/ 13002 w 6184806"/>
+              <a:gd name="connsiteY9" fmla="*/ 3729695 h 5154967"/>
+              <a:gd name="connsiteX10" fmla="*/ 13002 w 6184806"/>
+              <a:gd name="connsiteY10" fmla="*/ 3635277 h 5154967"/>
+              <a:gd name="connsiteX11" fmla="*/ 279969 w 6184806"/>
+              <a:gd name="connsiteY11" fmla="*/ 3173551 h 5154967"/>
+              <a:gd name="connsiteX12" fmla="*/ 363179 w 6184806"/>
+              <a:gd name="connsiteY12" fmla="*/ 3125191 h 5154967"/>
+              <a:gd name="connsiteX13" fmla="*/ 2489721 w 6184806"/>
+              <a:gd name="connsiteY13" fmla="*/ 570035 h 5154967"/>
+              <a:gd name="connsiteX14" fmla="*/ 2764862 w 6184806"/>
+              <a:gd name="connsiteY14" fmla="*/ 570035 h 5154967"/>
+              <a:gd name="connsiteX15" fmla="*/ 2796959 w 6184806"/>
+              <a:gd name="connsiteY15" fmla="*/ 570035 h 5154967"/>
+              <a:gd name="connsiteX16" fmla="*/ 2827587 w 6184806"/>
+              <a:gd name="connsiteY16" fmla="*/ 622777 h 5154967"/>
+              <a:gd name="connsiteX17" fmla="*/ 2977604 w 6184806"/>
+              <a:gd name="connsiteY17" fmla="*/ 881117 h 5154967"/>
+              <a:gd name="connsiteX18" fmla="*/ 2977604 w 6184806"/>
+              <a:gd name="connsiteY18" fmla="*/ 1025720 h 5154967"/>
+              <a:gd name="connsiteX19" fmla="*/ 2566968 w 6184806"/>
+              <a:gd name="connsiteY19" fmla="*/ 1732863 h 5154967"/>
+              <a:gd name="connsiteX20" fmla="*/ 2441299 w 6184806"/>
+              <a:gd name="connsiteY20" fmla="*/ 1806927 h 5154967"/>
+              <a:gd name="connsiteX21" fmla="*/ 1621798 w 6184806"/>
+              <a:gd name="connsiteY21" fmla="*/ 1806927 h 5154967"/>
+              <a:gd name="connsiteX22" fmla="*/ 1583218 w 6184806"/>
+              <a:gd name="connsiteY22" fmla="*/ 1801802 h 5154967"/>
+              <a:gd name="connsiteX23" fmla="*/ 1556683 w 6184806"/>
+              <a:gd name="connsiteY23" fmla="*/ 1790677 h 5154967"/>
+              <a:gd name="connsiteX24" fmla="*/ 1572899 w 6184806"/>
+              <a:gd name="connsiteY24" fmla="*/ 1762631 h 5154967"/>
+              <a:gd name="connsiteX25" fmla="*/ 2147429 w 6184806"/>
+              <a:gd name="connsiteY25" fmla="*/ 768968 h 5154967"/>
+              <a:gd name="connsiteX26" fmla="*/ 2489721 w 6184806"/>
+              <a:gd name="connsiteY26" fmla="*/ 570035 h 5154967"/>
+              <a:gd name="connsiteX27" fmla="*/ 1573268 w 6184806"/>
+              <a:gd name="connsiteY27" fmla="*/ 0 h 5154967"/>
+              <a:gd name="connsiteX28" fmla="*/ 2497662 w 6184806"/>
+              <a:gd name="connsiteY28" fmla="*/ 0 h 5154967"/>
+              <a:gd name="connsiteX29" fmla="*/ 2639415 w 6184806"/>
+              <a:gd name="connsiteY29" fmla="*/ 83546 h 5154967"/>
+              <a:gd name="connsiteX30" fmla="*/ 2887862 w 6184806"/>
+              <a:gd name="connsiteY30" fmla="*/ 511387 h 5154967"/>
+              <a:gd name="connsiteX31" fmla="*/ 2915928 w 6184806"/>
+              <a:gd name="connsiteY31" fmla="*/ 559720 h 5154967"/>
+              <a:gd name="connsiteX32" fmla="*/ 2893844 w 6184806"/>
+              <a:gd name="connsiteY32" fmla="*/ 559720 h 5154967"/>
+              <a:gd name="connsiteX33" fmla="*/ 2789466 w 6184806"/>
+              <a:gd name="connsiteY33" fmla="*/ 559720 h 5154967"/>
+              <a:gd name="connsiteX34" fmla="*/ 2744122 w 6184806"/>
+              <a:gd name="connsiteY34" fmla="*/ 481634 h 5154967"/>
+              <a:gd name="connsiteX35" fmla="*/ 2570885 w 6184806"/>
+              <a:gd name="connsiteY35" fmla="*/ 183309 h 5154967"/>
+              <a:gd name="connsiteX36" fmla="*/ 2445216 w 6184806"/>
+              <a:gd name="connsiteY36" fmla="*/ 109244 h 5154967"/>
+              <a:gd name="connsiteX37" fmla="*/ 1625714 w 6184806"/>
+              <a:gd name="connsiteY37" fmla="*/ 109244 h 5154967"/>
+              <a:gd name="connsiteX38" fmla="*/ 1498276 w 6184806"/>
+              <a:gd name="connsiteY38" fmla="*/ 183309 h 5154967"/>
+              <a:gd name="connsiteX39" fmla="*/ 1089410 w 6184806"/>
+              <a:gd name="connsiteY39" fmla="*/ 890450 h 5154967"/>
+              <a:gd name="connsiteX40" fmla="*/ 1089410 w 6184806"/>
+              <a:gd name="connsiteY40" fmla="*/ 1035054 h 5154967"/>
+              <a:gd name="connsiteX41" fmla="*/ 1498276 w 6184806"/>
+              <a:gd name="connsiteY41" fmla="*/ 1742196 h 5154967"/>
+              <a:gd name="connsiteX42" fmla="*/ 1552039 w 6184806"/>
+              <a:gd name="connsiteY42" fmla="*/ 1796421 h 5154967"/>
+              <a:gd name="connsiteX43" fmla="*/ 1558260 w 6184806"/>
+              <a:gd name="connsiteY43" fmla="*/ 1799029 h 5154967"/>
+              <a:gd name="connsiteX44" fmla="*/ 1524911 w 6184806"/>
+              <a:gd name="connsiteY44" fmla="*/ 1856707 h 5154967"/>
+              <a:gd name="connsiteX45" fmla="*/ 1500108 w 6184806"/>
+              <a:gd name="connsiteY45" fmla="*/ 1899604 h 5154967"/>
+              <a:gd name="connsiteX46" fmla="*/ 1525834 w 6184806"/>
+              <a:gd name="connsiteY46" fmla="*/ 1910390 h 5154967"/>
+              <a:gd name="connsiteX47" fmla="*/ 1569352 w 6184806"/>
+              <a:gd name="connsiteY47" fmla="*/ 1916170 h 5154967"/>
+              <a:gd name="connsiteX48" fmla="*/ 2493745 w 6184806"/>
+              <a:gd name="connsiteY48" fmla="*/ 1916170 h 5154967"/>
+              <a:gd name="connsiteX49" fmla="*/ 2635498 w 6184806"/>
+              <a:gd name="connsiteY49" fmla="*/ 1832627 h 5154967"/>
+              <a:gd name="connsiteX50" fmla="*/ 3098693 w 6184806"/>
+              <a:gd name="connsiteY50" fmla="*/ 1034974 h 5154967"/>
+              <a:gd name="connsiteX51" fmla="*/ 3098693 w 6184806"/>
+              <a:gd name="connsiteY51" fmla="*/ 871863 h 5154967"/>
+              <a:gd name="connsiteX52" fmla="*/ 2945803 w 6184806"/>
+              <a:gd name="connsiteY52" fmla="*/ 608576 h 5154967"/>
+              <a:gd name="connsiteX53" fmla="*/ 2923422 w 6184806"/>
+              <a:gd name="connsiteY53" fmla="*/ 570035 h 5154967"/>
+              <a:gd name="connsiteX54" fmla="*/ 3027104 w 6184806"/>
+              <a:gd name="connsiteY54" fmla="*/ 570035 h 5154967"/>
+              <a:gd name="connsiteX55" fmla="*/ 4690846 w 6184806"/>
+              <a:gd name="connsiteY55" fmla="*/ 570035 h 5154967"/>
+              <a:gd name="connsiteX56" fmla="*/ 5028384 w 6184806"/>
+              <a:gd name="connsiteY56" fmla="*/ 768968 h 5154967"/>
+              <a:gd name="connsiteX57" fmla="*/ 6131323 w 6184806"/>
+              <a:gd name="connsiteY57" fmla="*/ 2668304 h 5154967"/>
+              <a:gd name="connsiteX58" fmla="*/ 6131323 w 6184806"/>
+              <a:gd name="connsiteY58" fmla="*/ 3056698 h 5154967"/>
+              <a:gd name="connsiteX59" fmla="*/ 5028384 w 6184806"/>
+              <a:gd name="connsiteY59" fmla="*/ 4956035 h 5154967"/>
+              <a:gd name="connsiteX60" fmla="*/ 4690846 w 6184806"/>
+              <a:gd name="connsiteY60" fmla="*/ 5154967 h 5154967"/>
+              <a:gd name="connsiteX61" fmla="*/ 2489721 w 6184806"/>
+              <a:gd name="connsiteY61" fmla="*/ 5154967 h 5154967"/>
+              <a:gd name="connsiteX62" fmla="*/ 2147429 w 6184806"/>
+              <a:gd name="connsiteY62" fmla="*/ 4956035 h 5154967"/>
+              <a:gd name="connsiteX63" fmla="*/ 1049243 w 6184806"/>
+              <a:gd name="connsiteY63" fmla="*/ 3056698 h 5154967"/>
+              <a:gd name="connsiteX64" fmla="*/ 1049243 w 6184806"/>
+              <a:gd name="connsiteY64" fmla="*/ 2668304 h 5154967"/>
+              <a:gd name="connsiteX65" fmla="*/ 1457007 w 6184806"/>
+              <a:gd name="connsiteY65" fmla="*/ 1963067 h 5154967"/>
+              <a:gd name="connsiteX66" fmla="*/ 1491373 w 6184806"/>
+              <a:gd name="connsiteY66" fmla="*/ 1903634 h 5154967"/>
+              <a:gd name="connsiteX67" fmla="*/ 1490164 w 6184806"/>
+              <a:gd name="connsiteY67" fmla="*/ 1903127 h 5154967"/>
+              <a:gd name="connsiteX68" fmla="*/ 1429519 w 6184806"/>
+              <a:gd name="connsiteY68" fmla="*/ 1841960 h 5154967"/>
+              <a:gd name="connsiteX69" fmla="*/ 968320 w 6184806"/>
+              <a:gd name="connsiteY69" fmla="*/ 1044307 h 5154967"/>
+              <a:gd name="connsiteX70" fmla="*/ 968320 w 6184806"/>
+              <a:gd name="connsiteY70" fmla="*/ 881196 h 5154967"/>
+              <a:gd name="connsiteX71" fmla="*/ 1429519 w 6184806"/>
+              <a:gd name="connsiteY71" fmla="*/ 83546 h 5154967"/>
+              <a:gd name="connsiteX72" fmla="*/ 1573268 w 6184806"/>
+              <a:gd name="connsiteY72" fmla="*/ 0 h 5154967"/>
+            </a:gdLst>
+            <a:ahLst/>
+            <a:cxnLst>
+              <a:cxn ang="0">
+                <a:pos x="connsiteX0" y="connsiteY0"/>
+              </a:cxn>
+              <a:cxn ang="0">
+                <a:pos x="connsiteX1" y="connsiteY1"/>
+              </a:cxn>
+              <a:cxn ang="0">
+                <a:pos x="connsiteX2" y="connsiteY2"/>
+              </a:cxn>
+              <a:cxn ang="0">
+                <a:pos x="connsiteX3" y="connsiteY3"/>
+              </a:cxn>
+              <a:cxn ang="0">
+                <a:pos x="connsiteX4" y="connsiteY4"/>
+              </a:cxn>
+              <a:cxn ang="0">
+                <a:pos x="connsiteX5" y="connsiteY5"/>
+              </a:cxn>
+              <a:cxn ang="0">
+                <a:pos x="connsiteX6" y="connsiteY6"/>
+              </a:cxn>
+              <a:cxn ang="0">
+                <a:pos x="connsiteX7" y="connsiteY7"/>
+              </a:cxn>
+              <a:cxn ang="0">
+                <a:pos x="connsiteX8" y="connsiteY8"/>
+              </a:cxn>
+              <a:cxn ang="0">
+                <a:pos x="connsiteX9" y="connsiteY9"/>
+              </a:cxn>
+              <a:cxn ang="0">
+                <a:pos x="connsiteX10" y="connsiteY10"/>
+              </a:cxn>
+              <a:cxn ang="0">
+                <a:pos x="connsiteX11" y="connsiteY11"/>
+              </a:cxn>
+              <a:cxn ang="0">
+                <a:pos x="connsiteX12" y="connsiteY12"/>
+              </a:cxn>
+              <a:cxn ang="0">
+                <a:pos x="connsiteX13" y="connsiteY13"/>
+              </a:cxn>
+              <a:cxn ang="0">
+                <a:pos x="connsiteX14" y="connsiteY14"/>
+              </a:cxn>
+              <a:cxn ang="0">
+                <a:pos x="connsiteX15" y="connsiteY15"/>
+              </a:cxn>
+              <a:cxn ang="0">
+                <a:pos x="connsiteX16" y="connsiteY16"/>
+              </a:cxn>
+              <a:cxn ang="0">
+                <a:pos x="connsiteX17" y="connsiteY17"/>
+              </a:cxn>
+              <a:cxn ang="0">
+                <a:pos x="connsiteX18" y="connsiteY18"/>
+              </a:cxn>
+              <a:cxn ang="0">
+                <a:pos x="connsiteX19" y="connsiteY19"/>
+              </a:cxn>
+              <a:cxn ang="0">
+                <a:pos x="connsiteX20" y="connsiteY20"/>
+              </a:cxn>
+              <a:cxn ang="0">
+                <a:pos x="connsiteX21" y="connsiteY21"/>
+              </a:cxn>
+              <a:cxn ang="0">
+                <a:pos x="connsiteX22" y="connsiteY22"/>
+              </a:cxn>
+              <a:cxn ang="0">
+                <a:pos x="connsiteX23" y="connsiteY23"/>
+              </a:cxn>
+              <a:cxn ang="0">
+                <a:pos x="connsiteX24" y="connsiteY24"/>
+              </a:cxn>
+              <a:cxn ang="0">
+                <a:pos x="connsiteX25" y="connsiteY25"/>
+              </a:cxn>
+              <a:cxn ang="0">
+                <a:pos x="connsiteX26" y="connsiteY26"/>
+              </a:cxn>
+              <a:cxn ang="0">
+                <a:pos x="connsiteX27" y="connsiteY27"/>
+              </a:cxn>
+              <a:cxn ang="0">
+                <a:pos x="connsiteX28" y="connsiteY28"/>
+              </a:cxn>
+              <a:cxn ang="0">
+                <a:pos x="connsiteX29" y="connsiteY29"/>
+              </a:cxn>
+              <a:cxn ang="0">
+                <a:pos x="connsiteX30" y="connsiteY30"/>
+              </a:cxn>
+              <a:cxn ang="0">
+                <a:pos x="connsiteX31" y="connsiteY31"/>
+              </a:cxn>
+              <a:cxn ang="0">
+                <a:pos x="connsiteX32" y="connsiteY32"/>
+              </a:cxn>
+              <a:cxn ang="0">
+                <a:pos x="connsiteX33" y="connsiteY33"/>
+              </a:cxn>
+              <a:cxn ang="0">
+                <a:pos x="connsiteX34" y="connsiteY34"/>
+              </a:cxn>
+              <a:cxn ang="0">
+                <a:pos x="connsiteX35" y="connsiteY35"/>
+              </a:cxn>
+              <a:cxn ang="0">
+                <a:pos x="connsiteX36" y="connsiteY36"/>
+              </a:cxn>
+              <a:cxn ang="0">
+                <a:pos x="connsiteX37" y="connsiteY37"/>
+              </a:cxn>
+              <a:cxn ang="0">
+                <a:pos x="connsiteX38" y="connsiteY38"/>
+              </a:cxn>
+              <a:cxn ang="0">
+                <a:pos x="connsiteX39" y="connsiteY39"/>
+              </a:cxn>
+              <a:cxn ang="0">
+                <a:pos x="connsiteX40" y="connsiteY40"/>
+              </a:cxn>
+              <a:cxn ang="0">
+                <a:pos x="connsiteX41" y="connsiteY41"/>
+              </a:cxn>
+              <a:cxn ang="0">
+                <a:pos x="connsiteX42" y="connsiteY42"/>
+              </a:cxn>
+              <a:cxn ang="0">
+                <a:pos x="connsiteX43" y="connsiteY43"/>
+              </a:cxn>
+              <a:cxn ang="0">
+                <a:pos x="connsiteX44" y="connsiteY44"/>
+              </a:cxn>
+              <a:cxn ang="0">
+                <a:pos x="connsiteX45" y="connsiteY45"/>
+              </a:cxn>
+              <a:cxn ang="0">
+                <a:pos x="connsiteX46" y="connsiteY46"/>
+              </a:cxn>
+              <a:cxn ang="0">
+                <a:pos x="connsiteX47" y="connsiteY47"/>
+              </a:cxn>
+              <a:cxn ang="0">
+                <a:pos x="connsiteX48" y="connsiteY48"/>
+              </a:cxn>
+              <a:cxn ang="0">
+                <a:pos x="connsiteX49" y="connsiteY49"/>
+              </a:cxn>
+              <a:cxn ang="0">
+                <a:pos x="connsiteX50" y="connsiteY50"/>
+              </a:cxn>
+              <a:cxn ang="0">
+                <a:pos x="connsiteX51" y="connsiteY51"/>
+              </a:cxn>
+              <a:cxn ang="0">
+                <a:pos x="connsiteX52" y="connsiteY52"/>
+              </a:cxn>
+              <a:cxn ang="0">
+                <a:pos x="connsiteX53" y="connsiteY53"/>
+              </a:cxn>
+              <a:cxn ang="0">
+                <a:pos x="connsiteX54" y="connsiteY54"/>
+              </a:cxn>
+              <a:cxn ang="0">
+                <a:pos x="connsiteX55" y="connsiteY55"/>
+              </a:cxn>
+              <a:cxn ang="0">
+                <a:pos x="connsiteX56" y="connsiteY56"/>
+              </a:cxn>
+              <a:cxn ang="0">
+                <a:pos x="connsiteX57" y="connsiteY57"/>
+              </a:cxn>
+              <a:cxn ang="0">
+                <a:pos x="connsiteX58" y="connsiteY58"/>
+              </a:cxn>
+              <a:cxn ang="0">
+                <a:pos x="connsiteX59" y="connsiteY59"/>
+              </a:cxn>
+              <a:cxn ang="0">
+                <a:pos x="connsiteX60" y="connsiteY60"/>
+              </a:cxn>
+              <a:cxn ang="0">
+                <a:pos x="connsiteX61" y="connsiteY61"/>
+              </a:cxn>
+              <a:cxn ang="0">
+                <a:pos x="connsiteX62" y="connsiteY62"/>
+              </a:cxn>
+              <a:cxn ang="0">
+                <a:pos x="connsiteX63" y="connsiteY63"/>
+              </a:cxn>
+              <a:cxn ang="0">
+                <a:pos x="connsiteX64" y="connsiteY64"/>
+              </a:cxn>
+              <a:cxn ang="0">
+                <a:pos x="connsiteX65" y="connsiteY65"/>
+              </a:cxn>
+              <a:cxn ang="0">
+                <a:pos x="connsiteX66" y="connsiteY66"/>
+              </a:cxn>
+              <a:cxn ang="0">
+                <a:pos x="connsiteX67" y="connsiteY67"/>
+              </a:cxn>
+              <a:cxn ang="0">
+                <a:pos x="connsiteX68" y="connsiteY68"/>
+              </a:cxn>
+              <a:cxn ang="0">
+                <a:pos x="connsiteX69" y="connsiteY69"/>
+              </a:cxn>
+              <a:cxn ang="0">
+                <a:pos x="connsiteX70" y="connsiteY70"/>
+              </a:cxn>
+              <a:cxn ang="0">
+                <a:pos x="connsiteX71" y="connsiteY71"/>
+              </a:cxn>
+              <a:cxn ang="0">
+                <a:pos x="connsiteX72" y="connsiteY72"/>
+              </a:cxn>
+            </a:cxnLst>
+            <a:rect l="l" t="t" r="r" b="b"/>
+            <a:pathLst>
+              <a:path w="6184806" h="5154967">
+                <a:moveTo>
+                  <a:pt x="363179" y="3125191"/>
+                </a:moveTo>
+                <a:cubicBezTo>
+                  <a:pt x="363179" y="3125191"/>
+                  <a:pt x="363179" y="3125191"/>
+                  <a:pt x="898270" y="3125191"/>
+                </a:cubicBezTo>
+                <a:cubicBezTo>
+                  <a:pt x="931786" y="3125191"/>
+                  <a:pt x="964145" y="3143614"/>
+                  <a:pt x="980326" y="3173551"/>
+                </a:cubicBezTo>
+                <a:cubicBezTo>
+                  <a:pt x="980326" y="3173551"/>
+                  <a:pt x="980326" y="3173551"/>
+                  <a:pt x="1248448" y="3635277"/>
+                </a:cubicBezTo>
+                <a:cubicBezTo>
+                  <a:pt x="1265784" y="3664063"/>
+                  <a:pt x="1265784" y="3700909"/>
+                  <a:pt x="1248448" y="3729695"/>
+                </a:cubicBezTo>
+                <a:cubicBezTo>
+                  <a:pt x="1248448" y="3729695"/>
+                  <a:pt x="1248448" y="3729695"/>
+                  <a:pt x="980326" y="4191421"/>
+                </a:cubicBezTo>
+                <a:cubicBezTo>
+                  <a:pt x="964145" y="4221358"/>
+                  <a:pt x="931786" y="4239781"/>
+                  <a:pt x="898270" y="4239781"/>
+                </a:cubicBezTo>
+                <a:cubicBezTo>
+                  <a:pt x="898270" y="4239781"/>
+                  <a:pt x="898270" y="4239781"/>
+                  <a:pt x="363179" y="4239781"/>
+                </a:cubicBezTo>
+                <a:cubicBezTo>
+                  <a:pt x="328508" y="4239781"/>
+                  <a:pt x="297305" y="4221358"/>
+                  <a:pt x="279969" y="4191421"/>
+                </a:cubicBezTo>
+                <a:cubicBezTo>
+                  <a:pt x="279969" y="4191421"/>
+                  <a:pt x="279969" y="4191421"/>
+                  <a:pt x="13002" y="3729695"/>
+                </a:cubicBezTo>
+                <a:cubicBezTo>
+                  <a:pt x="-4334" y="3700909"/>
+                  <a:pt x="-4334" y="3664063"/>
+                  <a:pt x="13002" y="3635277"/>
+                </a:cubicBezTo>
+                <a:cubicBezTo>
+                  <a:pt x="13002" y="3635277"/>
+                  <a:pt x="13002" y="3635277"/>
+                  <a:pt x="279969" y="3173551"/>
+                </a:cubicBezTo>
+                <a:cubicBezTo>
+                  <a:pt x="297305" y="3143614"/>
+                  <a:pt x="328508" y="3125191"/>
+                  <a:pt x="363179" y="3125191"/>
+                </a:cubicBezTo>
+                <a:close/>
+                <a:moveTo>
+                  <a:pt x="2489721" y="570035"/>
+                </a:moveTo>
+                <a:cubicBezTo>
+                  <a:pt x="2489721" y="570035"/>
+                  <a:pt x="2489721" y="570035"/>
+                  <a:pt x="2764862" y="570035"/>
+                </a:cubicBezTo>
+                <a:lnTo>
+                  <a:pt x="2796959" y="570035"/>
+                </a:lnTo>
+                <a:lnTo>
+                  <a:pt x="2827587" y="622777"/>
+                </a:lnTo>
+                <a:cubicBezTo>
+                  <a:pt x="2870233" y="696217"/>
+                  <a:pt x="2919858" y="781675"/>
+                  <a:pt x="2977604" y="881117"/>
+                </a:cubicBezTo>
+                <a:cubicBezTo>
+                  <a:pt x="3004153" y="925204"/>
+                  <a:pt x="3004153" y="981634"/>
+                  <a:pt x="2977604" y="1025720"/>
+                </a:cubicBezTo>
+                <a:cubicBezTo>
+                  <a:pt x="2977604" y="1025720"/>
+                  <a:pt x="2977604" y="1025720"/>
+                  <a:pt x="2566968" y="1732863"/>
+                </a:cubicBezTo>
+                <a:cubicBezTo>
+                  <a:pt x="2542188" y="1778712"/>
+                  <a:pt x="2492629" y="1806927"/>
+                  <a:pt x="2441299" y="1806927"/>
+                </a:cubicBezTo>
+                <a:cubicBezTo>
+                  <a:pt x="2441299" y="1806927"/>
+                  <a:pt x="2441299" y="1806927"/>
+                  <a:pt x="1621798" y="1806927"/>
+                </a:cubicBezTo>
+                <a:cubicBezTo>
+                  <a:pt x="1608523" y="1806927"/>
+                  <a:pt x="1595580" y="1805163"/>
+                  <a:pt x="1583218" y="1801802"/>
+                </a:cubicBezTo>
+                <a:lnTo>
+                  <a:pt x="1556683" y="1790677"/>
+                </a:lnTo>
+                <a:lnTo>
+                  <a:pt x="1572899" y="1762631"/>
+                </a:lnTo>
+                <a:cubicBezTo>
+                  <a:pt x="1719523" y="1509042"/>
+                  <a:pt x="1907201" y="1184448"/>
+                  <a:pt x="2147429" y="768968"/>
+                </a:cubicBezTo>
+                <a:cubicBezTo>
+                  <a:pt x="2218739" y="645819"/>
+                  <a:pt x="2347099" y="570035"/>
+                  <a:pt x="2489721" y="570035"/>
+                </a:cubicBezTo>
+                <a:close/>
+                <a:moveTo>
+                  <a:pt x="1573268" y="0"/>
+                </a:moveTo>
+                <a:cubicBezTo>
+                  <a:pt x="1573268" y="0"/>
+                  <a:pt x="1573268" y="0"/>
+                  <a:pt x="2497662" y="0"/>
+                </a:cubicBezTo>
+                <a:cubicBezTo>
+                  <a:pt x="2555561" y="0"/>
+                  <a:pt x="2611463" y="31828"/>
+                  <a:pt x="2639415" y="83546"/>
+                </a:cubicBezTo>
+                <a:cubicBezTo>
+                  <a:pt x="2639415" y="83546"/>
+                  <a:pt x="2639415" y="83546"/>
+                  <a:pt x="2887862" y="511387"/>
+                </a:cubicBezTo>
+                <a:lnTo>
+                  <a:pt x="2915928" y="559720"/>
+                </a:lnTo>
+                <a:lnTo>
+                  <a:pt x="2893844" y="559720"/>
+                </a:lnTo>
+                <a:lnTo>
+                  <a:pt x="2789466" y="559720"/>
+                </a:lnTo>
+                <a:lnTo>
+                  <a:pt x="2744122" y="481634"/>
+                </a:lnTo>
+                <a:cubicBezTo>
+                  <a:pt x="2570885" y="183309"/>
+                  <a:pt x="2570885" y="183309"/>
+                  <a:pt x="2570885" y="183309"/>
+                </a:cubicBezTo>
+                <a:cubicBezTo>
+                  <a:pt x="2546104" y="137459"/>
+                  <a:pt x="2496545" y="109244"/>
+                  <a:pt x="2445216" y="109244"/>
+                </a:cubicBezTo>
+                <a:cubicBezTo>
+                  <a:pt x="1625714" y="109244"/>
+                  <a:pt x="1625714" y="109244"/>
+                  <a:pt x="1625714" y="109244"/>
+                </a:cubicBezTo>
+                <a:cubicBezTo>
+                  <a:pt x="1572615" y="109244"/>
+                  <a:pt x="1524825" y="137459"/>
+                  <a:pt x="1498276" y="183309"/>
+                </a:cubicBezTo>
+                <a:cubicBezTo>
+                  <a:pt x="1089410" y="890450"/>
+                  <a:pt x="1089410" y="890450"/>
+                  <a:pt x="1089410" y="890450"/>
+                </a:cubicBezTo>
+                <a:cubicBezTo>
+                  <a:pt x="1062860" y="934537"/>
+                  <a:pt x="1062860" y="990968"/>
+                  <a:pt x="1089410" y="1035054"/>
+                </a:cubicBezTo>
+                <a:cubicBezTo>
+                  <a:pt x="1498276" y="1742196"/>
+                  <a:pt x="1498276" y="1742196"/>
+                  <a:pt x="1498276" y="1742196"/>
+                </a:cubicBezTo>
+                <a:cubicBezTo>
+                  <a:pt x="1511551" y="1765121"/>
+                  <a:pt x="1530135" y="1783637"/>
+                  <a:pt x="1552039" y="1796421"/>
+                </a:cubicBezTo>
+                <a:lnTo>
+                  <a:pt x="1558260" y="1799029"/>
+                </a:lnTo>
+                <a:lnTo>
+                  <a:pt x="1524911" y="1856707"/>
+                </a:lnTo>
+                <a:lnTo>
+                  <a:pt x="1500108" y="1899604"/>
+                </a:lnTo>
+                <a:lnTo>
+                  <a:pt x="1525834" y="1910390"/>
+                </a:lnTo>
+                <a:cubicBezTo>
+                  <a:pt x="1539779" y="1914181"/>
+                  <a:pt x="1554378" y="1916170"/>
+                  <a:pt x="1569352" y="1916170"/>
+                </a:cubicBezTo>
+                <a:cubicBezTo>
+                  <a:pt x="2493745" y="1916170"/>
+                  <a:pt x="2493745" y="1916170"/>
+                  <a:pt x="2493745" y="1916170"/>
+                </a:cubicBezTo>
+                <a:cubicBezTo>
+                  <a:pt x="2551645" y="1916170"/>
+                  <a:pt x="2607546" y="1884345"/>
+                  <a:pt x="2635498" y="1832627"/>
+                </a:cubicBezTo>
+                <a:cubicBezTo>
+                  <a:pt x="3098693" y="1034974"/>
+                  <a:pt x="3098693" y="1034974"/>
+                  <a:pt x="3098693" y="1034974"/>
+                </a:cubicBezTo>
+                <a:cubicBezTo>
+                  <a:pt x="3128641" y="985246"/>
+                  <a:pt x="3128641" y="921593"/>
+                  <a:pt x="3098693" y="871863"/>
+                </a:cubicBezTo>
+                <a:cubicBezTo>
+                  <a:pt x="3040794" y="772157"/>
+                  <a:pt x="2990132" y="684914"/>
+                  <a:pt x="2945803" y="608576"/>
+                </a:cubicBezTo>
+                <a:lnTo>
+                  <a:pt x="2923422" y="570035"/>
+                </a:lnTo>
+                <a:lnTo>
+                  <a:pt x="3027104" y="570035"/>
+                </a:lnTo>
+                <a:cubicBezTo>
+                  <a:pt x="3349535" y="570035"/>
+                  <a:pt x="3865424" y="570035"/>
+                  <a:pt x="4690846" y="570035"/>
+                </a:cubicBezTo>
+                <a:cubicBezTo>
+                  <a:pt x="4828714" y="570035"/>
+                  <a:pt x="4961827" y="645819"/>
+                  <a:pt x="5028384" y="768968"/>
+                </a:cubicBezTo>
+                <a:cubicBezTo>
+                  <a:pt x="5028384" y="768968"/>
+                  <a:pt x="5028384" y="768968"/>
+                  <a:pt x="6131323" y="2668304"/>
+                </a:cubicBezTo>
+                <a:cubicBezTo>
+                  <a:pt x="6202634" y="2786717"/>
+                  <a:pt x="6202634" y="2938285"/>
+                  <a:pt x="6131323" y="3056698"/>
+                </a:cubicBezTo>
+                <a:cubicBezTo>
+                  <a:pt x="6131323" y="3056698"/>
+                  <a:pt x="6131323" y="3056698"/>
+                  <a:pt x="5028384" y="4956035"/>
+                </a:cubicBezTo>
+                <a:cubicBezTo>
+                  <a:pt x="4961827" y="5079184"/>
+                  <a:pt x="4828714" y="5154967"/>
+                  <a:pt x="4690846" y="5154967"/>
+                </a:cubicBezTo>
+                <a:cubicBezTo>
+                  <a:pt x="4690846" y="5154967"/>
+                  <a:pt x="4690846" y="5154967"/>
+                  <a:pt x="2489721" y="5154967"/>
+                </a:cubicBezTo>
+                <a:cubicBezTo>
+                  <a:pt x="2347099" y="5154967"/>
+                  <a:pt x="2218739" y="5079184"/>
+                  <a:pt x="2147429" y="4956035"/>
+                </a:cubicBezTo>
+                <a:cubicBezTo>
+                  <a:pt x="2147429" y="4956035"/>
+                  <a:pt x="2147429" y="4956035"/>
+                  <a:pt x="1049243" y="3056698"/>
+                </a:cubicBezTo>
+                <a:cubicBezTo>
+                  <a:pt x="977932" y="2938285"/>
+                  <a:pt x="977932" y="2786717"/>
+                  <a:pt x="1049243" y="2668304"/>
+                </a:cubicBezTo>
+                <a:cubicBezTo>
+                  <a:pt x="1049243" y="2668304"/>
+                  <a:pt x="1049243" y="2668304"/>
+                  <a:pt x="1457007" y="1963067"/>
+                </a:cubicBezTo>
+                <a:lnTo>
+                  <a:pt x="1491373" y="1903634"/>
+                </a:lnTo>
+                <a:lnTo>
+                  <a:pt x="1490164" y="1903127"/>
+                </a:lnTo>
+                <a:cubicBezTo>
+                  <a:pt x="1465456" y="1888705"/>
+                  <a:pt x="1444493" y="1867820"/>
+                  <a:pt x="1429519" y="1841960"/>
+                </a:cubicBezTo>
+                <a:cubicBezTo>
+                  <a:pt x="1429519" y="1841960"/>
+                  <a:pt x="1429519" y="1841960"/>
+                  <a:pt x="968320" y="1044307"/>
+                </a:cubicBezTo>
+                <a:cubicBezTo>
+                  <a:pt x="938371" y="994579"/>
+                  <a:pt x="938371" y="930926"/>
+                  <a:pt x="968320" y="881196"/>
+                </a:cubicBezTo>
+                <a:cubicBezTo>
+                  <a:pt x="968320" y="881196"/>
+                  <a:pt x="968320" y="881196"/>
+                  <a:pt x="1429519" y="83546"/>
+                </a:cubicBezTo>
+                <a:cubicBezTo>
+                  <a:pt x="1459466" y="31828"/>
+                  <a:pt x="1513373" y="0"/>
+                  <a:pt x="1573268" y="0"/>
+                </a:cubicBezTo>
+                <a:close/>
+              </a:path>
+            </a:pathLst>
+          </a:custGeom>
           <a:solidFill>
-            <a:schemeClr val="bg1"/>
+            <a:schemeClr val="tx1">
+              <a:lumMod val="50000"/>
+              <a:lumOff val="50000"/>
+              <a:alpha val="15000"/>
+            </a:schemeClr>
           </a:solidFill>
           <a:ln>
             <a:noFill/>
@@ -7400,7 +8447,9 @@
           </a:fontRef>
         </p:style>
         <p:txBody>
-          <a:bodyPr rtlCol="0" anchor="ctr"/>
+          <a:bodyPr wrap="square" rtlCol="0" anchor="ctr">
+            <a:noAutofit/>
+          </a:bodyPr>
           <a:lstStyle/>
           <a:p>
             <a:pPr algn="ctr"/>
@@ -7439,2360 +8488,14 @@
         </p:blipFill>
         <p:spPr>
           <a:xfrm>
-            <a:off x="-367083" y="1824557"/>
-            <a:ext cx="4141760" cy="4141760"/>
-          </a:xfrm>
-          <a:custGeom>
-            <a:avLst/>
-            <a:gdLst/>
-            <a:ahLst/>
-            <a:cxnLst/>
-            <a:rect l="l" t="t" r="r" b="b"/>
-            <a:pathLst>
-              <a:path w="4141760" h="4377846">
-                <a:moveTo>
-                  <a:pt x="0" y="0"/>
-                </a:moveTo>
-                <a:lnTo>
-                  <a:pt x="4141760" y="0"/>
-                </a:lnTo>
-                <a:lnTo>
-                  <a:pt x="4141760" y="4377846"/>
-                </a:lnTo>
-                <a:lnTo>
-                  <a:pt x="0" y="4377846"/>
-                </a:lnTo>
-                <a:close/>
-              </a:path>
-            </a:pathLst>
-          </a:custGeom>
-        </p:spPr>
-      </p:pic>
-      <p:grpSp>
-        <p:nvGrpSpPr>
-          <p:cNvPr id="15" name="Group 14">
-            <a:extLst>
-              <a:ext uri="{FF2B5EF4-FFF2-40B4-BE49-F238E27FC236}">
-                <a16:creationId xmlns:a16="http://schemas.microsoft.com/office/drawing/2014/main" id="{89D1390B-7E13-4B4F-9CB2-391063412E54}"/>
-              </a:ext>
-              <a:ext uri="{C183D7F6-B498-43B3-948B-1728B52AA6E4}">
-                <adec:decorative xmlns:adec="http://schemas.microsoft.com/office/drawing/2017/decorative" val="1"/>
-              </a:ext>
-            </a:extLst>
-          </p:cNvPr>
-          <p:cNvGrpSpPr>
-            <a:grpSpLocks noGrp="1" noUngrp="1" noRot="1" noChangeAspect="1" noMove="1" noResize="1"/>
-          </p:cNvGrpSpPr>
-          <p:nvPr>
-            <p:extLst>
-              <p:ext uri="{386F3935-93C4-4BCD-93E2-E3B085C9AB24}">
-                <p16:designElem xmlns:p16="http://schemas.microsoft.com/office/powerpoint/2015/main" val="1"/>
-              </p:ext>
-            </p:extLst>
-          </p:nvPr>
-        </p:nvGrpSpPr>
-        <p:grpSpPr>
-          <a:xfrm>
-            <a:off x="-4253" y="-5977"/>
-            <a:ext cx="6238675" cy="6863979"/>
-            <a:chOff x="305" y="-5977"/>
-            <a:chExt cx="6238675" cy="6863979"/>
-          </a:xfrm>
-        </p:grpSpPr>
-        <p:sp>
-          <p:nvSpPr>
-            <p:cNvPr id="16" name="Freeform: Shape 15">
-              <a:extLst>
-                <a:ext uri="{FF2B5EF4-FFF2-40B4-BE49-F238E27FC236}">
-                  <a16:creationId xmlns:a16="http://schemas.microsoft.com/office/drawing/2014/main" id="{9E720206-AA49-4786-A932-A2650DE09183}"/>
-                </a:ext>
-                <a:ext uri="{C183D7F6-B498-43B3-948B-1728B52AA6E4}">
-                  <adec:decorative xmlns:adec="http://schemas.microsoft.com/office/drawing/2017/decorative" val="1"/>
-                </a:ext>
-              </a:extLst>
-            </p:cNvPr>
-            <p:cNvSpPr/>
-            <p:nvPr>
-              <p:extLst>
-                <p:ext uri="{386F3935-93C4-4BCD-93E2-E3B085C9AB24}">
-                  <p16:designElem xmlns:p16="http://schemas.microsoft.com/office/powerpoint/2015/main" val="1"/>
-                </p:ext>
-              </p:extLst>
-            </p:nvPr>
-          </p:nvSpPr>
-          <p:spPr>
-            <a:xfrm flipH="1">
-              <a:off x="305" y="34854"/>
-              <a:ext cx="6028697" cy="6817170"/>
-            </a:xfrm>
-            <a:custGeom>
-              <a:avLst/>
-              <a:gdLst>
-                <a:gd name="connsiteX0" fmla="*/ 6028697 w 6028697"/>
-                <a:gd name="connsiteY0" fmla="*/ 6155323 h 6817170"/>
-                <a:gd name="connsiteX1" fmla="*/ 6028697 w 6028697"/>
-                <a:gd name="connsiteY1" fmla="*/ 6817170 h 6817170"/>
-                <a:gd name="connsiteX2" fmla="*/ 5157862 w 6028697"/>
-                <a:gd name="connsiteY2" fmla="*/ 6817170 h 6817170"/>
-                <a:gd name="connsiteX3" fmla="*/ 5347156 w 6028697"/>
-                <a:gd name="connsiteY3" fmla="*/ 6687553 h 6817170"/>
-                <a:gd name="connsiteX4" fmla="*/ 5487470 w 6028697"/>
-                <a:gd name="connsiteY4" fmla="*/ 6581714 h 6817170"/>
-                <a:gd name="connsiteX5" fmla="*/ 5627642 w 6028697"/>
-                <a:gd name="connsiteY5" fmla="*/ 6472328 h 6817170"/>
-                <a:gd name="connsiteX6" fmla="*/ 5911392 w 6028697"/>
-                <a:gd name="connsiteY6" fmla="*/ 6245328 h 6817170"/>
-                <a:gd name="connsiteX7" fmla="*/ 4481066 w 6028697"/>
-                <a:gd name="connsiteY7" fmla="*/ 478 h 6817170"/>
-                <a:gd name="connsiteX8" fmla="*/ 4672258 w 6028697"/>
-                <a:gd name="connsiteY8" fmla="*/ 7519 h 6817170"/>
-                <a:gd name="connsiteX9" fmla="*/ 5429869 w 6028697"/>
-                <a:gd name="connsiteY9" fmla="*/ 125134 h 6817170"/>
-                <a:gd name="connsiteX10" fmla="*/ 5976319 w 6028697"/>
-                <a:gd name="connsiteY10" fmla="*/ 314893 h 6817170"/>
-                <a:gd name="connsiteX11" fmla="*/ 6028697 w 6028697"/>
-                <a:gd name="connsiteY11" fmla="*/ 339901 h 6817170"/>
-                <a:gd name="connsiteX12" fmla="*/ 6028697 w 6028697"/>
-                <a:gd name="connsiteY12" fmla="*/ 732458 h 6817170"/>
-                <a:gd name="connsiteX13" fmla="*/ 5990985 w 6028697"/>
-                <a:gd name="connsiteY13" fmla="*/ 712211 h 6817170"/>
-                <a:gd name="connsiteX14" fmla="*/ 5341339 w 6028697"/>
-                <a:gd name="connsiteY14" fmla="*/ 475281 h 6817170"/>
-                <a:gd name="connsiteX15" fmla="*/ 4651969 w 6028697"/>
-                <a:gd name="connsiteY15" fmla="*/ 377104 h 6817170"/>
-                <a:gd name="connsiteX16" fmla="*/ 3953093 w 6028697"/>
-                <a:gd name="connsiteY16" fmla="*/ 402498 h 6817170"/>
-                <a:gd name="connsiteX17" fmla="*/ 3267413 w 6028697"/>
-                <a:gd name="connsiteY17" fmla="*/ 546643 h 6817170"/>
-                <a:gd name="connsiteX18" fmla="*/ 1439498 w 6028697"/>
-                <a:gd name="connsiteY18" fmla="*/ 1568141 h 6817170"/>
-                <a:gd name="connsiteX19" fmla="*/ 960671 w 6028697"/>
-                <a:gd name="connsiteY19" fmla="*/ 2082013 h 6817170"/>
-                <a:gd name="connsiteX20" fmla="*/ 581866 w 6028697"/>
-                <a:gd name="connsiteY20" fmla="*/ 2672638 h 6817170"/>
-                <a:gd name="connsiteX21" fmla="*/ 324789 w 6028697"/>
-                <a:gd name="connsiteY21" fmla="*/ 3325262 h 6817170"/>
-                <a:gd name="connsiteX22" fmla="*/ 231151 w 6028697"/>
-                <a:gd name="connsiteY22" fmla="*/ 4022292 h 6817170"/>
-                <a:gd name="connsiteX23" fmla="*/ 270592 w 6028697"/>
-                <a:gd name="connsiteY23" fmla="*/ 4362792 h 6817170"/>
-                <a:gd name="connsiteX24" fmla="*/ 387213 w 6028697"/>
-                <a:gd name="connsiteY24" fmla="*/ 4681585 h 6817170"/>
-                <a:gd name="connsiteX25" fmla="*/ 468507 w 6028697"/>
-                <a:gd name="connsiteY25" fmla="*/ 4831546 h 6817170"/>
-                <a:gd name="connsiteX26" fmla="*/ 561862 w 6028697"/>
-                <a:gd name="connsiteY26" fmla="*/ 4976826 h 6817170"/>
-                <a:gd name="connsiteX27" fmla="*/ 777511 w 6028697"/>
-                <a:gd name="connsiteY27" fmla="*/ 5257597 h 6817170"/>
-                <a:gd name="connsiteX28" fmla="*/ 1010895 w 6028697"/>
-                <a:gd name="connsiteY28" fmla="*/ 5540494 h 6817170"/>
-                <a:gd name="connsiteX29" fmla="*/ 1126948 w 6028697"/>
-                <a:gd name="connsiteY29" fmla="*/ 5688186 h 6817170"/>
-                <a:gd name="connsiteX30" fmla="*/ 1182706 w 6028697"/>
-                <a:gd name="connsiteY30" fmla="*/ 5760543 h 6817170"/>
-                <a:gd name="connsiteX31" fmla="*/ 1237327 w 6028697"/>
-                <a:gd name="connsiteY31" fmla="*/ 5830060 h 6817170"/>
-                <a:gd name="connsiteX32" fmla="*/ 1706649 w 6028697"/>
-                <a:gd name="connsiteY32" fmla="*/ 6342797 h 6817170"/>
-                <a:gd name="connsiteX33" fmla="*/ 1956207 w 6028697"/>
-                <a:gd name="connsiteY33" fmla="*/ 6573484 h 6817170"/>
-                <a:gd name="connsiteX34" fmla="*/ 2217681 w 6028697"/>
-                <a:gd name="connsiteY34" fmla="*/ 6786297 h 6817170"/>
-                <a:gd name="connsiteX35" fmla="*/ 2260820 w 6028697"/>
-                <a:gd name="connsiteY35" fmla="*/ 6817170 h 6817170"/>
-                <a:gd name="connsiteX36" fmla="*/ 1429497 w 6028697"/>
-                <a:gd name="connsiteY36" fmla="*/ 6817170 h 6817170"/>
-                <a:gd name="connsiteX37" fmla="*/ 1327275 w 6028697"/>
-                <a:gd name="connsiteY37" fmla="*/ 6713800 h 6817170"/>
-                <a:gd name="connsiteX38" fmla="*/ 1080556 w 6028697"/>
-                <a:gd name="connsiteY38" fmla="*/ 6414443 h 6817170"/>
-                <a:gd name="connsiteX39" fmla="*/ 865189 w 6028697"/>
-                <a:gd name="connsiteY39" fmla="*/ 6097496 h 6817170"/>
-                <a:gd name="connsiteX40" fmla="*/ 814823 w 6028697"/>
-                <a:gd name="connsiteY40" fmla="*/ 6016911 h 6817170"/>
-                <a:gd name="connsiteX41" fmla="*/ 766729 w 6028697"/>
-                <a:gd name="connsiteY41" fmla="*/ 5938453 h 6817170"/>
-                <a:gd name="connsiteX42" fmla="*/ 671672 w 6028697"/>
-                <a:gd name="connsiteY42" fmla="*/ 5786648 h 6817170"/>
-                <a:gd name="connsiteX43" fmla="*/ 474608 w 6028697"/>
-                <a:gd name="connsiteY43" fmla="*/ 5474664 h 6817170"/>
-                <a:gd name="connsiteX44" fmla="*/ 282652 w 6028697"/>
-                <a:gd name="connsiteY44" fmla="*/ 5146508 h 6817170"/>
-                <a:gd name="connsiteX45" fmla="*/ 196108 w 6028697"/>
-                <a:gd name="connsiteY45" fmla="*/ 4972712 h 6817170"/>
-                <a:gd name="connsiteX46" fmla="*/ 122474 w 6028697"/>
-                <a:gd name="connsiteY46" fmla="*/ 4791821 h 6817170"/>
-                <a:gd name="connsiteX47" fmla="*/ 65724 w 6028697"/>
-                <a:gd name="connsiteY47" fmla="*/ 4603129 h 6817170"/>
-                <a:gd name="connsiteX48" fmla="*/ 44727 w 6028697"/>
-                <a:gd name="connsiteY48" fmla="*/ 4506937 h 6817170"/>
-                <a:gd name="connsiteX49" fmla="*/ 35505 w 6028697"/>
-                <a:gd name="connsiteY49" fmla="*/ 4458699 h 6817170"/>
-                <a:gd name="connsiteX50" fmla="*/ 27845 w 6028697"/>
-                <a:gd name="connsiteY50" fmla="*/ 4410320 h 6817170"/>
-                <a:gd name="connsiteX51" fmla="*/ 37 w 6028697"/>
-                <a:gd name="connsiteY51" fmla="*/ 4022292 h 6817170"/>
-                <a:gd name="connsiteX52" fmla="*/ 78777 w 6028697"/>
-                <a:gd name="connsiteY52" fmla="*/ 3267236 h 6817170"/>
-                <a:gd name="connsiteX53" fmla="*/ 315424 w 6028697"/>
-                <a:gd name="connsiteY53" fmla="*/ 2543673 h 6817170"/>
-                <a:gd name="connsiteX54" fmla="*/ 1202710 w 6028697"/>
-                <a:gd name="connsiteY54" fmla="*/ 1314895 h 6817170"/>
-                <a:gd name="connsiteX55" fmla="*/ 1791065 w 6028697"/>
-                <a:gd name="connsiteY55" fmla="*/ 833514 h 6817170"/>
-                <a:gd name="connsiteX56" fmla="*/ 3908404 w 6028697"/>
-                <a:gd name="connsiteY56" fmla="*/ 29794 h 6817170"/>
-                <a:gd name="connsiteX57" fmla="*/ 4481066 w 6028697"/>
-                <a:gd name="connsiteY57" fmla="*/ 478 h 6817170"/>
-              </a:gdLst>
-              <a:ahLst/>
-              <a:cxnLst>
-                <a:cxn ang="0">
-                  <a:pos x="connsiteX0" y="connsiteY0"/>
-                </a:cxn>
-                <a:cxn ang="0">
-                  <a:pos x="connsiteX1" y="connsiteY1"/>
-                </a:cxn>
-                <a:cxn ang="0">
-                  <a:pos x="connsiteX2" y="connsiteY2"/>
-                </a:cxn>
-                <a:cxn ang="0">
-                  <a:pos x="connsiteX3" y="connsiteY3"/>
-                </a:cxn>
-                <a:cxn ang="0">
-                  <a:pos x="connsiteX4" y="connsiteY4"/>
-                </a:cxn>
-                <a:cxn ang="0">
-                  <a:pos x="connsiteX5" y="connsiteY5"/>
-                </a:cxn>
-                <a:cxn ang="0">
-                  <a:pos x="connsiteX6" y="connsiteY6"/>
-                </a:cxn>
-                <a:cxn ang="0">
-                  <a:pos x="connsiteX7" y="connsiteY7"/>
-                </a:cxn>
-                <a:cxn ang="0">
-                  <a:pos x="connsiteX8" y="connsiteY8"/>
-                </a:cxn>
-                <a:cxn ang="0">
-                  <a:pos x="connsiteX9" y="connsiteY9"/>
-                </a:cxn>
-                <a:cxn ang="0">
-                  <a:pos x="connsiteX10" y="connsiteY10"/>
-                </a:cxn>
-                <a:cxn ang="0">
-                  <a:pos x="connsiteX11" y="connsiteY11"/>
-                </a:cxn>
-                <a:cxn ang="0">
-                  <a:pos x="connsiteX12" y="connsiteY12"/>
-                </a:cxn>
-                <a:cxn ang="0">
-                  <a:pos x="connsiteX13" y="connsiteY13"/>
-                </a:cxn>
-                <a:cxn ang="0">
-                  <a:pos x="connsiteX14" y="connsiteY14"/>
-                </a:cxn>
-                <a:cxn ang="0">
-                  <a:pos x="connsiteX15" y="connsiteY15"/>
-                </a:cxn>
-                <a:cxn ang="0">
-                  <a:pos x="connsiteX16" y="connsiteY16"/>
-                </a:cxn>
-                <a:cxn ang="0">
-                  <a:pos x="connsiteX17" y="connsiteY17"/>
-                </a:cxn>
-                <a:cxn ang="0">
-                  <a:pos x="connsiteX18" y="connsiteY18"/>
-                </a:cxn>
-                <a:cxn ang="0">
-                  <a:pos x="connsiteX19" y="connsiteY19"/>
-                </a:cxn>
-                <a:cxn ang="0">
-                  <a:pos x="connsiteX20" y="connsiteY20"/>
-                </a:cxn>
-                <a:cxn ang="0">
-                  <a:pos x="connsiteX21" y="connsiteY21"/>
-                </a:cxn>
-                <a:cxn ang="0">
-                  <a:pos x="connsiteX22" y="connsiteY22"/>
-                </a:cxn>
-                <a:cxn ang="0">
-                  <a:pos x="connsiteX23" y="connsiteY23"/>
-                </a:cxn>
-                <a:cxn ang="0">
-                  <a:pos x="connsiteX24" y="connsiteY24"/>
-                </a:cxn>
-                <a:cxn ang="0">
-                  <a:pos x="connsiteX25" y="connsiteY25"/>
-                </a:cxn>
-                <a:cxn ang="0">
-                  <a:pos x="connsiteX26" y="connsiteY26"/>
-                </a:cxn>
-                <a:cxn ang="0">
-                  <a:pos x="connsiteX27" y="connsiteY27"/>
-                </a:cxn>
-                <a:cxn ang="0">
-                  <a:pos x="connsiteX28" y="connsiteY28"/>
-                </a:cxn>
-                <a:cxn ang="0">
-                  <a:pos x="connsiteX29" y="connsiteY29"/>
-                </a:cxn>
-                <a:cxn ang="0">
-                  <a:pos x="connsiteX30" y="connsiteY30"/>
-                </a:cxn>
-                <a:cxn ang="0">
-                  <a:pos x="connsiteX31" y="connsiteY31"/>
-                </a:cxn>
-                <a:cxn ang="0">
-                  <a:pos x="connsiteX32" y="connsiteY32"/>
-                </a:cxn>
-                <a:cxn ang="0">
-                  <a:pos x="connsiteX33" y="connsiteY33"/>
-                </a:cxn>
-                <a:cxn ang="0">
-                  <a:pos x="connsiteX34" y="connsiteY34"/>
-                </a:cxn>
-                <a:cxn ang="0">
-                  <a:pos x="connsiteX35" y="connsiteY35"/>
-                </a:cxn>
-                <a:cxn ang="0">
-                  <a:pos x="connsiteX36" y="connsiteY36"/>
-                </a:cxn>
-                <a:cxn ang="0">
-                  <a:pos x="connsiteX37" y="connsiteY37"/>
-                </a:cxn>
-                <a:cxn ang="0">
-                  <a:pos x="connsiteX38" y="connsiteY38"/>
-                </a:cxn>
-                <a:cxn ang="0">
-                  <a:pos x="connsiteX39" y="connsiteY39"/>
-                </a:cxn>
-                <a:cxn ang="0">
-                  <a:pos x="connsiteX40" y="connsiteY40"/>
-                </a:cxn>
-                <a:cxn ang="0">
-                  <a:pos x="connsiteX41" y="connsiteY41"/>
-                </a:cxn>
-                <a:cxn ang="0">
-                  <a:pos x="connsiteX42" y="connsiteY42"/>
-                </a:cxn>
-                <a:cxn ang="0">
-                  <a:pos x="connsiteX43" y="connsiteY43"/>
-                </a:cxn>
-                <a:cxn ang="0">
-                  <a:pos x="connsiteX44" y="connsiteY44"/>
-                </a:cxn>
-                <a:cxn ang="0">
-                  <a:pos x="connsiteX45" y="connsiteY45"/>
-                </a:cxn>
-                <a:cxn ang="0">
-                  <a:pos x="connsiteX46" y="connsiteY46"/>
-                </a:cxn>
-                <a:cxn ang="0">
-                  <a:pos x="connsiteX47" y="connsiteY47"/>
-                </a:cxn>
-                <a:cxn ang="0">
-                  <a:pos x="connsiteX48" y="connsiteY48"/>
-                </a:cxn>
-                <a:cxn ang="0">
-                  <a:pos x="connsiteX49" y="connsiteY49"/>
-                </a:cxn>
-                <a:cxn ang="0">
-                  <a:pos x="connsiteX50" y="connsiteY50"/>
-                </a:cxn>
-                <a:cxn ang="0">
-                  <a:pos x="connsiteX51" y="connsiteY51"/>
-                </a:cxn>
-                <a:cxn ang="0">
-                  <a:pos x="connsiteX52" y="connsiteY52"/>
-                </a:cxn>
-                <a:cxn ang="0">
-                  <a:pos x="connsiteX53" y="connsiteY53"/>
-                </a:cxn>
-                <a:cxn ang="0">
-                  <a:pos x="connsiteX54" y="connsiteY54"/>
-                </a:cxn>
-                <a:cxn ang="0">
-                  <a:pos x="connsiteX55" y="connsiteY55"/>
-                </a:cxn>
-                <a:cxn ang="0">
-                  <a:pos x="connsiteX56" y="connsiteY56"/>
-                </a:cxn>
-                <a:cxn ang="0">
-                  <a:pos x="connsiteX57" y="connsiteY57"/>
-                </a:cxn>
-              </a:cxnLst>
-              <a:rect l="l" t="t" r="r" b="b"/>
-              <a:pathLst>
-                <a:path w="6028697" h="6817170">
-                  <a:moveTo>
-                    <a:pt x="6028697" y="6155323"/>
-                  </a:moveTo>
-                  <a:lnTo>
-                    <a:pt x="6028697" y="6817170"/>
-                  </a:lnTo>
-                  <a:lnTo>
-                    <a:pt x="5157862" y="6817170"/>
-                  </a:lnTo>
-                  <a:lnTo>
-                    <a:pt x="5347156" y="6687553"/>
-                  </a:lnTo>
-                  <a:cubicBezTo>
-                    <a:pt x="5394117" y="6653219"/>
-                    <a:pt x="5440793" y="6617608"/>
-                    <a:pt x="5487470" y="6581714"/>
-                  </a:cubicBezTo>
-                  <a:cubicBezTo>
-                    <a:pt x="5534147" y="6545820"/>
-                    <a:pt x="5580966" y="6509358"/>
-                    <a:pt x="5627642" y="6472328"/>
-                  </a:cubicBezTo>
-                  <a:lnTo>
-                    <a:pt x="5911392" y="6245328"/>
-                  </a:lnTo>
-                  <a:close/>
-                  <a:moveTo>
-                    <a:pt x="4481066" y="478"/>
-                  </a:moveTo>
-                  <a:cubicBezTo>
-                    <a:pt x="4544817" y="1422"/>
-                    <a:pt x="4608563" y="3769"/>
-                    <a:pt x="4672258" y="7519"/>
-                  </a:cubicBezTo>
-                  <a:cubicBezTo>
-                    <a:pt x="4927973" y="22364"/>
-                    <a:pt x="5181687" y="61751"/>
-                    <a:pt x="5429869" y="125134"/>
-                  </a:cubicBezTo>
-                  <a:cubicBezTo>
-                    <a:pt x="5617090" y="173104"/>
-                    <a:pt x="5799867" y="236595"/>
-                    <a:pt x="5976319" y="314893"/>
-                  </a:cubicBezTo>
-                  <a:lnTo>
-                    <a:pt x="6028697" y="339901"/>
-                  </a:lnTo>
-                  <a:lnTo>
-                    <a:pt x="6028697" y="732458"/>
-                  </a:lnTo>
-                  <a:lnTo>
-                    <a:pt x="5990985" y="712211"/>
-                  </a:lnTo>
-                  <a:cubicBezTo>
-                    <a:pt x="5783917" y="609342"/>
-                    <a:pt x="5566013" y="529876"/>
-                    <a:pt x="5341339" y="475281"/>
-                  </a:cubicBezTo>
-                  <a:cubicBezTo>
-                    <a:pt x="5115233" y="420503"/>
-                    <a:pt x="4884375" y="387624"/>
-                    <a:pt x="4651969" y="377104"/>
-                  </a:cubicBezTo>
-                  <a:cubicBezTo>
-                    <a:pt x="4418713" y="365171"/>
-                    <a:pt x="4184861" y="373670"/>
-                    <a:pt x="3953093" y="402498"/>
-                  </a:cubicBezTo>
-                  <a:cubicBezTo>
-                    <a:pt x="3721001" y="431832"/>
-                    <a:pt x="3491675" y="480040"/>
-                    <a:pt x="3267413" y="546643"/>
-                  </a:cubicBezTo>
-                  <a:cubicBezTo>
-                    <a:pt x="2591323" y="750761"/>
-                    <a:pt x="1967642" y="1099289"/>
-                    <a:pt x="1439498" y="1568141"/>
-                  </a:cubicBezTo>
-                  <a:cubicBezTo>
-                    <a:pt x="1265589" y="1725523"/>
-                    <a:pt x="1105393" y="1897434"/>
-                    <a:pt x="960671" y="2082013"/>
-                  </a:cubicBezTo>
-                  <a:cubicBezTo>
-                    <a:pt x="815775" y="2266294"/>
-                    <a:pt x="688923" y="2464081"/>
-                    <a:pt x="581866" y="2672638"/>
-                  </a:cubicBezTo>
-                  <a:cubicBezTo>
-                    <a:pt x="473765" y="2880669"/>
-                    <a:pt x="387610" y="3099397"/>
-                    <a:pt x="324789" y="3325262"/>
-                  </a:cubicBezTo>
-                  <a:cubicBezTo>
-                    <a:pt x="262714" y="3552403"/>
-                    <a:pt x="231223" y="3786822"/>
-                    <a:pt x="231151" y="4022292"/>
-                  </a:cubicBezTo>
-                  <a:cubicBezTo>
-                    <a:pt x="231413" y="4136912"/>
-                    <a:pt x="244645" y="4251136"/>
-                    <a:pt x="270592" y="4362792"/>
-                  </a:cubicBezTo>
-                  <a:cubicBezTo>
-                    <a:pt x="297885" y="4472943"/>
-                    <a:pt x="336983" y="4579833"/>
-                    <a:pt x="387213" y="4681585"/>
-                  </a:cubicBezTo>
-                  <a:cubicBezTo>
-                    <a:pt x="412042" y="4732517"/>
-                    <a:pt x="439423" y="4782457"/>
-                    <a:pt x="468507" y="4831546"/>
-                  </a:cubicBezTo>
-                  <a:cubicBezTo>
-                    <a:pt x="497591" y="4880636"/>
-                    <a:pt x="529230" y="4929015"/>
-                    <a:pt x="561862" y="4976826"/>
-                  </a:cubicBezTo>
-                  <a:cubicBezTo>
-                    <a:pt x="627975" y="5072166"/>
-                    <a:pt x="701466" y="5164668"/>
-                    <a:pt x="777511" y="5257597"/>
-                  </a:cubicBezTo>
-                  <a:cubicBezTo>
-                    <a:pt x="853556" y="5350524"/>
-                    <a:pt x="933574" y="5443594"/>
-                    <a:pt x="1010895" y="5540494"/>
-                  </a:cubicBezTo>
-                  <a:cubicBezTo>
-                    <a:pt x="1049957" y="5588732"/>
-                    <a:pt x="1088642" y="5637963"/>
-                    <a:pt x="1126948" y="5688186"/>
-                  </a:cubicBezTo>
-                  <a:lnTo>
-                    <a:pt x="1182706" y="5760543"/>
-                  </a:lnTo>
-                  <a:cubicBezTo>
-                    <a:pt x="1201007" y="5783669"/>
-                    <a:pt x="1218458" y="5807503"/>
-                    <a:pt x="1237327" y="5830060"/>
-                  </a:cubicBezTo>
-                  <a:cubicBezTo>
-                    <a:pt x="1383714" y="6009916"/>
-                    <a:pt x="1540413" y="6181116"/>
-                    <a:pt x="1706649" y="6342797"/>
-                  </a:cubicBezTo>
-                  <a:cubicBezTo>
-                    <a:pt x="1788084" y="6422531"/>
-                    <a:pt x="1871265" y="6499427"/>
-                    <a:pt x="1956207" y="6573484"/>
-                  </a:cubicBezTo>
-                  <a:cubicBezTo>
-                    <a:pt x="2041332" y="6647402"/>
-                    <a:pt x="2127733" y="6718907"/>
-                    <a:pt x="2217681" y="6786297"/>
-                  </a:cubicBezTo>
-                  <a:lnTo>
-                    <a:pt x="2260820" y="6817170"/>
-                  </a:lnTo>
-                  <a:lnTo>
-                    <a:pt x="1429497" y="6817170"/>
-                  </a:lnTo>
-                  <a:lnTo>
-                    <a:pt x="1327275" y="6713800"/>
-                  </a:lnTo>
-                  <a:cubicBezTo>
-                    <a:pt x="1239186" y="6618984"/>
-                    <a:pt x="1156797" y="6519019"/>
-                    <a:pt x="1080556" y="6414443"/>
-                  </a:cubicBezTo>
-                  <a:cubicBezTo>
-                    <a:pt x="1004653" y="6310734"/>
-                    <a:pt x="932439" y="6205177"/>
-                    <a:pt x="865189" y="6097496"/>
-                  </a:cubicBezTo>
-                  <a:cubicBezTo>
-                    <a:pt x="847881" y="6070823"/>
-                    <a:pt x="831565" y="6043725"/>
-                    <a:pt x="814823" y="6016911"/>
-                  </a:cubicBezTo>
-                  <a:lnTo>
-                    <a:pt x="766729" y="5938453"/>
-                  </a:lnTo>
-                  <a:cubicBezTo>
-                    <a:pt x="735941" y="5887947"/>
-                    <a:pt x="703878" y="5837581"/>
-                    <a:pt x="671672" y="5786648"/>
-                  </a:cubicBezTo>
-                  <a:lnTo>
-                    <a:pt x="474608" y="5474664"/>
-                  </a:lnTo>
-                  <a:cubicBezTo>
-                    <a:pt x="408778" y="5368968"/>
-                    <a:pt x="343516" y="5260008"/>
-                    <a:pt x="282652" y="5146508"/>
-                  </a:cubicBezTo>
-                  <a:cubicBezTo>
-                    <a:pt x="252290" y="5089759"/>
-                    <a:pt x="223065" y="5032015"/>
-                    <a:pt x="196108" y="4972712"/>
-                  </a:cubicBezTo>
-                  <a:cubicBezTo>
-                    <a:pt x="169152" y="4913408"/>
-                    <a:pt x="144607" y="4853111"/>
-                    <a:pt x="122474" y="4791821"/>
-                  </a:cubicBezTo>
-                  <a:cubicBezTo>
-                    <a:pt x="100342" y="4730532"/>
-                    <a:pt x="81757" y="4666830"/>
-                    <a:pt x="65724" y="4603129"/>
-                  </a:cubicBezTo>
-                  <a:cubicBezTo>
-                    <a:pt x="58205" y="4571064"/>
-                    <a:pt x="50828" y="4539143"/>
-                    <a:pt x="44727" y="4506937"/>
-                  </a:cubicBezTo>
-                  <a:lnTo>
-                    <a:pt x="35505" y="4458699"/>
-                  </a:lnTo>
-                  <a:lnTo>
-                    <a:pt x="27845" y="4410320"/>
-                  </a:lnTo>
-                  <a:cubicBezTo>
-                    <a:pt x="8635" y="4281881"/>
-                    <a:pt x="-661" y="4152150"/>
-                    <a:pt x="37" y="4022292"/>
-                  </a:cubicBezTo>
-                  <a:cubicBezTo>
-                    <a:pt x="712" y="3768592"/>
-                    <a:pt x="27094" y="3515615"/>
-                    <a:pt x="78777" y="3267236"/>
-                  </a:cubicBezTo>
-                  <a:cubicBezTo>
-                    <a:pt x="130048" y="3017876"/>
-                    <a:pt x="209439" y="2775142"/>
-                    <a:pt x="315424" y="2543673"/>
-                  </a:cubicBezTo>
-                  <a:cubicBezTo>
-                    <a:pt x="528236" y="2081161"/>
-                    <a:pt x="838234" y="1667312"/>
-                    <a:pt x="1202710" y="1314895"/>
-                  </a:cubicBezTo>
-                  <a:cubicBezTo>
-                    <a:pt x="1385514" y="1138814"/>
-                    <a:pt x="1582282" y="977831"/>
-                    <a:pt x="1791065" y="833514"/>
-                  </a:cubicBezTo>
-                  <a:cubicBezTo>
-                    <a:pt x="2420037" y="395614"/>
-                    <a:pt x="3147288" y="119557"/>
-                    <a:pt x="3908404" y="29794"/>
-                  </a:cubicBezTo>
-                  <a:cubicBezTo>
-                    <a:pt x="4098509" y="7429"/>
-                    <a:pt x="4289811" y="-2355"/>
-                    <a:pt x="4481066" y="478"/>
-                  </a:cubicBezTo>
-                  <a:close/>
-                </a:path>
-              </a:pathLst>
-            </a:custGeom>
-            <a:gradFill>
-              <a:gsLst>
-                <a:gs pos="2000">
-                  <a:schemeClr val="bg1">
-                    <a:alpha val="10000"/>
-                  </a:schemeClr>
-                </a:gs>
-                <a:gs pos="16000">
-                  <a:schemeClr val="accent6">
-                    <a:alpha val="10000"/>
-                  </a:schemeClr>
-                </a:gs>
-                <a:gs pos="100000">
-                  <a:schemeClr val="bg1">
-                    <a:alpha val="10000"/>
-                  </a:schemeClr>
-                </a:gs>
-                <a:gs pos="85000">
-                  <a:schemeClr val="accent1">
-                    <a:alpha val="10000"/>
-                  </a:schemeClr>
-                </a:gs>
-              </a:gsLst>
-              <a:lin ang="12000000" scaled="0"/>
-            </a:gradFill>
-            <a:ln>
-              <a:noFill/>
-            </a:ln>
-          </p:spPr>
-          <p:style>
-            <a:lnRef idx="2">
-              <a:schemeClr val="accent1">
-                <a:shade val="50000"/>
-              </a:schemeClr>
-            </a:lnRef>
-            <a:fillRef idx="1">
-              <a:schemeClr val="accent1"/>
-            </a:fillRef>
-            <a:effectRef idx="0">
-              <a:schemeClr val="accent1"/>
-            </a:effectRef>
-            <a:fontRef idx="minor">
-              <a:schemeClr val="lt1"/>
-            </a:fontRef>
-          </p:style>
-          <p:txBody>
-            <a:bodyPr rtlCol="0" anchor="ctr"/>
-            <a:lstStyle/>
-            <a:p>
-              <a:pPr algn="ctr"/>
-              <a:endParaRPr lang="en-US" dirty="0"/>
-            </a:p>
-          </p:txBody>
-        </p:sp>
-        <p:sp>
-          <p:nvSpPr>
-            <p:cNvPr id="17" name="Freeform: Shape 16">
-              <a:extLst>
-                <a:ext uri="{FF2B5EF4-FFF2-40B4-BE49-F238E27FC236}">
-                  <a16:creationId xmlns:a16="http://schemas.microsoft.com/office/drawing/2014/main" id="{C72F6EE6-EDE9-45A5-8F6D-02B9B7CB2C2F}"/>
-                </a:ext>
-                <a:ext uri="{C183D7F6-B498-43B3-948B-1728B52AA6E4}">
-                  <adec:decorative xmlns:adec="http://schemas.microsoft.com/office/drawing/2017/decorative" val="1"/>
-                </a:ext>
-              </a:extLst>
-            </p:cNvPr>
-            <p:cNvSpPr/>
-            <p:nvPr>
-              <p:extLst>
-                <p:ext uri="{386F3935-93C4-4BCD-93E2-E3B085C9AB24}">
-                  <p16:designElem xmlns:p16="http://schemas.microsoft.com/office/powerpoint/2015/main" val="1"/>
-                </p:ext>
-              </p:extLst>
-            </p:nvPr>
-          </p:nvSpPr>
-          <p:spPr>
-            <a:xfrm flipH="1">
-              <a:off x="305" y="1"/>
-              <a:ext cx="6165116" cy="6858001"/>
-            </a:xfrm>
-            <a:custGeom>
-              <a:avLst/>
-              <a:gdLst>
-                <a:gd name="connsiteX0" fmla="*/ 6264586 w 6264586"/>
-                <a:gd name="connsiteY0" fmla="*/ 6646464 h 6858001"/>
-                <a:gd name="connsiteX1" fmla="*/ 6264586 w 6264586"/>
-                <a:gd name="connsiteY1" fmla="*/ 6858001 h 6858001"/>
-                <a:gd name="connsiteX2" fmla="*/ 5997170 w 6264586"/>
-                <a:gd name="connsiteY2" fmla="*/ 6858001 h 6858001"/>
-                <a:gd name="connsiteX3" fmla="*/ 6121512 w 6264586"/>
-                <a:gd name="connsiteY3" fmla="*/ 6761029 h 6858001"/>
-                <a:gd name="connsiteX4" fmla="*/ 2693206 w 6264586"/>
-                <a:gd name="connsiteY4" fmla="*/ 0 h 6858001"/>
-                <a:gd name="connsiteX5" fmla="*/ 5872285 w 6264586"/>
-                <a:gd name="connsiteY5" fmla="*/ 0 h 6858001"/>
-                <a:gd name="connsiteX6" fmla="*/ 6024875 w 6264586"/>
-                <a:gd name="connsiteY6" fmla="*/ 68385 h 6858001"/>
-                <a:gd name="connsiteX7" fmla="*/ 6206432 w 6264586"/>
-                <a:gd name="connsiteY7" fmla="*/ 162336 h 6858001"/>
-                <a:gd name="connsiteX8" fmla="*/ 6264586 w 6264586"/>
-                <a:gd name="connsiteY8" fmla="*/ 196704 h 6858001"/>
-                <a:gd name="connsiteX9" fmla="*/ 6264586 w 6264586"/>
-                <a:gd name="connsiteY9" fmla="*/ 537242 h 6858001"/>
-                <a:gd name="connsiteX10" fmla="*/ 6230189 w 6264586"/>
-                <a:gd name="connsiteY10" fmla="*/ 517260 h 6858001"/>
-                <a:gd name="connsiteX11" fmla="*/ 5540536 w 6264586"/>
-                <a:gd name="connsiteY11" fmla="*/ 249543 h 6858001"/>
-                <a:gd name="connsiteX12" fmla="*/ 5178896 w 6264586"/>
-                <a:gd name="connsiteY12" fmla="*/ 178606 h 6858001"/>
-                <a:gd name="connsiteX13" fmla="*/ 4814279 w 6264586"/>
-                <a:gd name="connsiteY13" fmla="*/ 146683 h 6858001"/>
-                <a:gd name="connsiteX14" fmla="*/ 4655095 w 6264586"/>
-                <a:gd name="connsiteY14" fmla="*/ 143421 h 6858001"/>
-                <a:gd name="connsiteX15" fmla="*/ 4081069 w 6264586"/>
-                <a:gd name="connsiteY15" fmla="*/ 185983 h 6858001"/>
-                <a:gd name="connsiteX16" fmla="*/ 3720566 w 6264586"/>
-                <a:gd name="connsiteY16" fmla="*/ 256921 h 6858001"/>
-                <a:gd name="connsiteX17" fmla="*/ 3365879 w 6264586"/>
-                <a:gd name="connsiteY17" fmla="*/ 357651 h 6858001"/>
-                <a:gd name="connsiteX18" fmla="*/ 3020555 w 6264586"/>
-                <a:gd name="connsiteY18" fmla="*/ 486190 h 6858001"/>
-                <a:gd name="connsiteX19" fmla="*/ 2685163 w 6264586"/>
-                <a:gd name="connsiteY19" fmla="*/ 641542 h 6858001"/>
-                <a:gd name="connsiteX20" fmla="*/ 2047720 w 6264586"/>
-                <a:gd name="connsiteY20" fmla="*/ 1025030 h 6858001"/>
-                <a:gd name="connsiteX21" fmla="*/ 1897333 w 6264586"/>
-                <a:gd name="connsiteY21" fmla="*/ 1134983 h 6858001"/>
-                <a:gd name="connsiteX22" fmla="*/ 1835758 w 6264586"/>
-                <a:gd name="connsiteY22" fmla="*/ 1182227 h 6858001"/>
-                <a:gd name="connsiteX23" fmla="*/ 1823273 w 6264586"/>
-                <a:gd name="connsiteY23" fmla="*/ 1192016 h 6858001"/>
-                <a:gd name="connsiteX24" fmla="*/ 1750918 w 6264586"/>
-                <a:gd name="connsiteY24" fmla="*/ 1249760 h 6858001"/>
-                <a:gd name="connsiteX25" fmla="*/ 1469297 w 6264586"/>
-                <a:gd name="connsiteY25" fmla="*/ 1496906 h 6858001"/>
-                <a:gd name="connsiteX26" fmla="*/ 967769 w 6264586"/>
-                <a:gd name="connsiteY26" fmla="*/ 2056602 h 6858001"/>
-                <a:gd name="connsiteX27" fmla="*/ 754105 w 6264586"/>
-                <a:gd name="connsiteY27" fmla="*/ 2368727 h 6858001"/>
-                <a:gd name="connsiteX28" fmla="*/ 572364 w 6264586"/>
-                <a:gd name="connsiteY28" fmla="*/ 2701140 h 6858001"/>
-                <a:gd name="connsiteX29" fmla="*/ 532497 w 6264586"/>
-                <a:gd name="connsiteY29" fmla="*/ 2786265 h 6858001"/>
-                <a:gd name="connsiteX30" fmla="*/ 512918 w 6264586"/>
-                <a:gd name="connsiteY30" fmla="*/ 2828827 h 6858001"/>
-                <a:gd name="connsiteX31" fmla="*/ 494475 w 6264586"/>
-                <a:gd name="connsiteY31" fmla="*/ 2872240 h 6858001"/>
-                <a:gd name="connsiteX32" fmla="*/ 491637 w 6264586"/>
-                <a:gd name="connsiteY32" fmla="*/ 2878908 h 6858001"/>
-                <a:gd name="connsiteX33" fmla="*/ 459290 w 6264586"/>
-                <a:gd name="connsiteY33" fmla="*/ 2959635 h 6858001"/>
-                <a:gd name="connsiteX34" fmla="*/ 446805 w 6264586"/>
-                <a:gd name="connsiteY34" fmla="*/ 2992408 h 6858001"/>
-                <a:gd name="connsiteX35" fmla="*/ 426090 w 6264586"/>
-                <a:gd name="connsiteY35" fmla="*/ 3049158 h 6858001"/>
-                <a:gd name="connsiteX36" fmla="*/ 426090 w 6264586"/>
-                <a:gd name="connsiteY36" fmla="*/ 3049867 h 6858001"/>
-                <a:gd name="connsiteX37" fmla="*/ 318124 w 6264586"/>
-                <a:gd name="connsiteY37" fmla="*/ 3414202 h 6858001"/>
-                <a:gd name="connsiteX38" fmla="*/ 230729 w 6264586"/>
-                <a:gd name="connsiteY38" fmla="*/ 4169260 h 6858001"/>
-                <a:gd name="connsiteX39" fmla="*/ 268893 w 6264586"/>
-                <a:gd name="connsiteY39" fmla="*/ 4544236 h 6858001"/>
-                <a:gd name="connsiteX40" fmla="*/ 379840 w 6264586"/>
-                <a:gd name="connsiteY40" fmla="*/ 4900056 h 6858001"/>
-                <a:gd name="connsiteX41" fmla="*/ 406512 w 6264586"/>
-                <a:gd name="connsiteY41" fmla="*/ 4960211 h 6858001"/>
-                <a:gd name="connsiteX42" fmla="*/ 417862 w 6264586"/>
-                <a:gd name="connsiteY42" fmla="*/ 4984613 h 6858001"/>
-                <a:gd name="connsiteX43" fmla="*/ 428077 w 6264586"/>
-                <a:gd name="connsiteY43" fmla="*/ 5005043 h 6858001"/>
-                <a:gd name="connsiteX44" fmla="*/ 460140 w 6264586"/>
-                <a:gd name="connsiteY44" fmla="*/ 5067327 h 6858001"/>
-                <a:gd name="connsiteX45" fmla="*/ 555197 w 6264586"/>
-                <a:gd name="connsiteY45" fmla="*/ 5229773 h 6858001"/>
-                <a:gd name="connsiteX46" fmla="*/ 660611 w 6264586"/>
-                <a:gd name="connsiteY46" fmla="*/ 5387396 h 6858001"/>
-                <a:gd name="connsiteX47" fmla="*/ 774110 w 6264586"/>
-                <a:gd name="connsiteY47" fmla="*/ 5542182 h 6858001"/>
-                <a:gd name="connsiteX48" fmla="*/ 917829 w 6264586"/>
-                <a:gd name="connsiteY48" fmla="*/ 5727896 h 6858001"/>
-                <a:gd name="connsiteX49" fmla="*/ 1012885 w 6264586"/>
-                <a:gd name="connsiteY49" fmla="*/ 5849767 h 6858001"/>
-                <a:gd name="connsiteX50" fmla="*/ 1133053 w 6264586"/>
-                <a:gd name="connsiteY50" fmla="*/ 6006822 h 6858001"/>
-                <a:gd name="connsiteX51" fmla="*/ 1194343 w 6264586"/>
-                <a:gd name="connsiteY51" fmla="*/ 6090245 h 6858001"/>
-                <a:gd name="connsiteX52" fmla="*/ 1249390 w 6264586"/>
-                <a:gd name="connsiteY52" fmla="*/ 6165155 h 6858001"/>
-                <a:gd name="connsiteX53" fmla="*/ 1345724 w 6264586"/>
-                <a:gd name="connsiteY53" fmla="*/ 6292132 h 6858001"/>
-                <a:gd name="connsiteX54" fmla="*/ 1364310 w 6264586"/>
-                <a:gd name="connsiteY54" fmla="*/ 6316251 h 6858001"/>
-                <a:gd name="connsiteX55" fmla="*/ 1373673 w 6264586"/>
-                <a:gd name="connsiteY55" fmla="*/ 6327885 h 6858001"/>
-                <a:gd name="connsiteX56" fmla="*/ 1484619 w 6264586"/>
-                <a:gd name="connsiteY56" fmla="*/ 6462240 h 6858001"/>
-                <a:gd name="connsiteX57" fmla="*/ 1739000 w 6264586"/>
-                <a:gd name="connsiteY57" fmla="*/ 6737335 h 6858001"/>
-                <a:gd name="connsiteX58" fmla="*/ 1866801 w 6264586"/>
-                <a:gd name="connsiteY58" fmla="*/ 6858001 h 6858001"/>
-                <a:gd name="connsiteX59" fmla="*/ 1144149 w 6264586"/>
-                <a:gd name="connsiteY59" fmla="*/ 6858001 h 6858001"/>
-                <a:gd name="connsiteX60" fmla="*/ 1058349 w 6264586"/>
-                <a:gd name="connsiteY60" fmla="*/ 6766452 h 6858001"/>
-                <a:gd name="connsiteX61" fmla="*/ 580309 w 6264586"/>
-                <a:gd name="connsiteY61" fmla="*/ 6105000 h 6858001"/>
-                <a:gd name="connsiteX62" fmla="*/ 1 w 6264586"/>
-                <a:gd name="connsiteY62" fmla="*/ 3960094 h 6858001"/>
-                <a:gd name="connsiteX63" fmla="*/ 2599292 w 6264586"/>
-                <a:gd name="connsiteY63" fmla="*/ 37050 h 6858001"/>
-              </a:gdLst>
-              <a:ahLst/>
-              <a:cxnLst>
-                <a:cxn ang="0">
-                  <a:pos x="connsiteX0" y="connsiteY0"/>
-                </a:cxn>
-                <a:cxn ang="0">
-                  <a:pos x="connsiteX1" y="connsiteY1"/>
-                </a:cxn>
-                <a:cxn ang="0">
-                  <a:pos x="connsiteX2" y="connsiteY2"/>
-                </a:cxn>
-                <a:cxn ang="0">
-                  <a:pos x="connsiteX3" y="connsiteY3"/>
-                </a:cxn>
-                <a:cxn ang="0">
-                  <a:pos x="connsiteX4" y="connsiteY4"/>
-                </a:cxn>
-                <a:cxn ang="0">
-                  <a:pos x="connsiteX5" y="connsiteY5"/>
-                </a:cxn>
-                <a:cxn ang="0">
-                  <a:pos x="connsiteX6" y="connsiteY6"/>
-                </a:cxn>
-                <a:cxn ang="0">
-                  <a:pos x="connsiteX7" y="connsiteY7"/>
-                </a:cxn>
-                <a:cxn ang="0">
-                  <a:pos x="connsiteX8" y="connsiteY8"/>
-                </a:cxn>
-                <a:cxn ang="0">
-                  <a:pos x="connsiteX9" y="connsiteY9"/>
-                </a:cxn>
-                <a:cxn ang="0">
-                  <a:pos x="connsiteX10" y="connsiteY10"/>
-                </a:cxn>
-                <a:cxn ang="0">
-                  <a:pos x="connsiteX11" y="connsiteY11"/>
-                </a:cxn>
-                <a:cxn ang="0">
-                  <a:pos x="connsiteX12" y="connsiteY12"/>
-                </a:cxn>
-                <a:cxn ang="0">
-                  <a:pos x="connsiteX13" y="connsiteY13"/>
-                </a:cxn>
-                <a:cxn ang="0">
-                  <a:pos x="connsiteX14" y="connsiteY14"/>
-                </a:cxn>
-                <a:cxn ang="0">
-                  <a:pos x="connsiteX15" y="connsiteY15"/>
-                </a:cxn>
-                <a:cxn ang="0">
-                  <a:pos x="connsiteX16" y="connsiteY16"/>
-                </a:cxn>
-                <a:cxn ang="0">
-                  <a:pos x="connsiteX17" y="connsiteY17"/>
-                </a:cxn>
-                <a:cxn ang="0">
-                  <a:pos x="connsiteX18" y="connsiteY18"/>
-                </a:cxn>
-                <a:cxn ang="0">
-                  <a:pos x="connsiteX19" y="connsiteY19"/>
-                </a:cxn>
-                <a:cxn ang="0">
-                  <a:pos x="connsiteX20" y="connsiteY20"/>
-                </a:cxn>
-                <a:cxn ang="0">
-                  <a:pos x="connsiteX21" y="connsiteY21"/>
-                </a:cxn>
-                <a:cxn ang="0">
-                  <a:pos x="connsiteX22" y="connsiteY22"/>
-                </a:cxn>
-                <a:cxn ang="0">
-                  <a:pos x="connsiteX23" y="connsiteY23"/>
-                </a:cxn>
-                <a:cxn ang="0">
-                  <a:pos x="connsiteX24" y="connsiteY24"/>
-                </a:cxn>
-                <a:cxn ang="0">
-                  <a:pos x="connsiteX25" y="connsiteY25"/>
-                </a:cxn>
-                <a:cxn ang="0">
-                  <a:pos x="connsiteX26" y="connsiteY26"/>
-                </a:cxn>
-                <a:cxn ang="0">
-                  <a:pos x="connsiteX27" y="connsiteY27"/>
-                </a:cxn>
-                <a:cxn ang="0">
-                  <a:pos x="connsiteX28" y="connsiteY28"/>
-                </a:cxn>
-                <a:cxn ang="0">
-                  <a:pos x="connsiteX29" y="connsiteY29"/>
-                </a:cxn>
-                <a:cxn ang="0">
-                  <a:pos x="connsiteX30" y="connsiteY30"/>
-                </a:cxn>
-                <a:cxn ang="0">
-                  <a:pos x="connsiteX31" y="connsiteY31"/>
-                </a:cxn>
-                <a:cxn ang="0">
-                  <a:pos x="connsiteX32" y="connsiteY32"/>
-                </a:cxn>
-                <a:cxn ang="0">
-                  <a:pos x="connsiteX33" y="connsiteY33"/>
-                </a:cxn>
-                <a:cxn ang="0">
-                  <a:pos x="connsiteX34" y="connsiteY34"/>
-                </a:cxn>
-                <a:cxn ang="0">
-                  <a:pos x="connsiteX35" y="connsiteY35"/>
-                </a:cxn>
-                <a:cxn ang="0">
-                  <a:pos x="connsiteX36" y="connsiteY36"/>
-                </a:cxn>
-                <a:cxn ang="0">
-                  <a:pos x="connsiteX37" y="connsiteY37"/>
-                </a:cxn>
-                <a:cxn ang="0">
-                  <a:pos x="connsiteX38" y="connsiteY38"/>
-                </a:cxn>
-                <a:cxn ang="0">
-                  <a:pos x="connsiteX39" y="connsiteY39"/>
-                </a:cxn>
-                <a:cxn ang="0">
-                  <a:pos x="connsiteX40" y="connsiteY40"/>
-                </a:cxn>
-                <a:cxn ang="0">
-                  <a:pos x="connsiteX41" y="connsiteY41"/>
-                </a:cxn>
-                <a:cxn ang="0">
-                  <a:pos x="connsiteX42" y="connsiteY42"/>
-                </a:cxn>
-                <a:cxn ang="0">
-                  <a:pos x="connsiteX43" y="connsiteY43"/>
-                </a:cxn>
-                <a:cxn ang="0">
-                  <a:pos x="connsiteX44" y="connsiteY44"/>
-                </a:cxn>
-                <a:cxn ang="0">
-                  <a:pos x="connsiteX45" y="connsiteY45"/>
-                </a:cxn>
-                <a:cxn ang="0">
-                  <a:pos x="connsiteX46" y="connsiteY46"/>
-                </a:cxn>
-                <a:cxn ang="0">
-                  <a:pos x="connsiteX47" y="connsiteY47"/>
-                </a:cxn>
-                <a:cxn ang="0">
-                  <a:pos x="connsiteX48" y="connsiteY48"/>
-                </a:cxn>
-                <a:cxn ang="0">
-                  <a:pos x="connsiteX49" y="connsiteY49"/>
-                </a:cxn>
-                <a:cxn ang="0">
-                  <a:pos x="connsiteX50" y="connsiteY50"/>
-                </a:cxn>
-                <a:cxn ang="0">
-                  <a:pos x="connsiteX51" y="connsiteY51"/>
-                </a:cxn>
-                <a:cxn ang="0">
-                  <a:pos x="connsiteX52" y="connsiteY52"/>
-                </a:cxn>
-                <a:cxn ang="0">
-                  <a:pos x="connsiteX53" y="connsiteY53"/>
-                </a:cxn>
-                <a:cxn ang="0">
-                  <a:pos x="connsiteX54" y="connsiteY54"/>
-                </a:cxn>
-                <a:cxn ang="0">
-                  <a:pos x="connsiteX55" y="connsiteY55"/>
-                </a:cxn>
-                <a:cxn ang="0">
-                  <a:pos x="connsiteX56" y="connsiteY56"/>
-                </a:cxn>
-                <a:cxn ang="0">
-                  <a:pos x="connsiteX57" y="connsiteY57"/>
-                </a:cxn>
-                <a:cxn ang="0">
-                  <a:pos x="connsiteX58" y="connsiteY58"/>
-                </a:cxn>
-                <a:cxn ang="0">
-                  <a:pos x="connsiteX59" y="connsiteY59"/>
-                </a:cxn>
-                <a:cxn ang="0">
-                  <a:pos x="connsiteX60" y="connsiteY60"/>
-                </a:cxn>
-                <a:cxn ang="0">
-                  <a:pos x="connsiteX61" y="connsiteY61"/>
-                </a:cxn>
-                <a:cxn ang="0">
-                  <a:pos x="connsiteX62" y="connsiteY62"/>
-                </a:cxn>
-                <a:cxn ang="0">
-                  <a:pos x="connsiteX63" y="connsiteY63"/>
-                </a:cxn>
-              </a:cxnLst>
-              <a:rect l="l" t="t" r="r" b="b"/>
-              <a:pathLst>
-                <a:path w="6264586" h="6858001">
-                  <a:moveTo>
-                    <a:pt x="6264586" y="6646464"/>
-                  </a:moveTo>
-                  <a:lnTo>
-                    <a:pt x="6264586" y="6858001"/>
-                  </a:lnTo>
-                  <a:lnTo>
-                    <a:pt x="5997170" y="6858001"/>
-                  </a:lnTo>
-                  <a:lnTo>
-                    <a:pt x="6121512" y="6761029"/>
-                  </a:lnTo>
-                  <a:close/>
-                  <a:moveTo>
-                    <a:pt x="2693206" y="0"/>
-                  </a:moveTo>
-                  <a:lnTo>
-                    <a:pt x="5872285" y="0"/>
-                  </a:lnTo>
-                  <a:lnTo>
-                    <a:pt x="6024875" y="68385"/>
-                  </a:lnTo>
-                  <a:cubicBezTo>
-                    <a:pt x="6086250" y="97989"/>
-                    <a:pt x="6146793" y="129318"/>
-                    <a:pt x="6206432" y="162336"/>
-                  </a:cubicBezTo>
-                  <a:lnTo>
-                    <a:pt x="6264586" y="196704"/>
-                  </a:lnTo>
-                  <a:lnTo>
-                    <a:pt x="6264586" y="537242"/>
-                  </a:lnTo>
-                  <a:lnTo>
-                    <a:pt x="6230189" y="517260"/>
-                  </a:lnTo>
-                  <a:cubicBezTo>
-                    <a:pt x="6012226" y="399931"/>
-                    <a:pt x="5780573" y="310008"/>
-                    <a:pt x="5540536" y="249543"/>
-                  </a:cubicBezTo>
-                  <a:cubicBezTo>
-                    <a:pt x="5421375" y="219324"/>
-                    <a:pt x="5300641" y="195644"/>
-                    <a:pt x="5178896" y="178606"/>
-                  </a:cubicBezTo>
-                  <a:cubicBezTo>
-                    <a:pt x="5057977" y="161840"/>
-                    <a:pt x="4936276" y="151186"/>
-                    <a:pt x="4814279" y="146683"/>
-                  </a:cubicBezTo>
-                  <a:cubicBezTo>
-                    <a:pt x="4761501" y="144556"/>
-                    <a:pt x="4708015" y="143421"/>
-                    <a:pt x="4655095" y="143421"/>
-                  </a:cubicBezTo>
-                  <a:cubicBezTo>
-                    <a:pt x="4462968" y="143573"/>
-                    <a:pt x="4271111" y="157799"/>
-                    <a:pt x="4081069" y="185983"/>
-                  </a:cubicBezTo>
-                  <a:cubicBezTo>
-                    <a:pt x="3956361" y="205703"/>
-                    <a:pt x="3835058" y="229396"/>
-                    <a:pt x="3720566" y="256921"/>
-                  </a:cubicBezTo>
-                  <a:cubicBezTo>
-                    <a:pt x="3596708" y="286714"/>
-                    <a:pt x="3477677" y="320905"/>
-                    <a:pt x="3365879" y="357651"/>
-                  </a:cubicBezTo>
-                  <a:cubicBezTo>
-                    <a:pt x="3249257" y="395958"/>
-                    <a:pt x="3133487" y="438945"/>
-                    <a:pt x="3020555" y="486190"/>
-                  </a:cubicBezTo>
-                  <a:cubicBezTo>
-                    <a:pt x="2907623" y="533434"/>
-                    <a:pt x="2794832" y="585786"/>
-                    <a:pt x="2685163" y="641542"/>
-                  </a:cubicBezTo>
-                  <a:cubicBezTo>
-                    <a:pt x="2463995" y="754348"/>
-                    <a:pt x="2250998" y="882488"/>
-                    <a:pt x="2047720" y="1025030"/>
-                  </a:cubicBezTo>
-                  <a:cubicBezTo>
-                    <a:pt x="2006151" y="1054399"/>
-                    <a:pt x="1951528" y="1093415"/>
-                    <a:pt x="1897333" y="1134983"/>
-                  </a:cubicBezTo>
-                  <a:cubicBezTo>
-                    <a:pt x="1876761" y="1150164"/>
-                    <a:pt x="1855905" y="1166479"/>
-                    <a:pt x="1835758" y="1182227"/>
-                  </a:cubicBezTo>
-                  <a:lnTo>
-                    <a:pt x="1823273" y="1192016"/>
-                  </a:lnTo>
-                  <a:cubicBezTo>
-                    <a:pt x="1797027" y="1211879"/>
-                    <a:pt x="1772057" y="1232309"/>
-                    <a:pt x="1750918" y="1249760"/>
-                  </a:cubicBezTo>
-                  <a:cubicBezTo>
-                    <a:pt x="1645931" y="1335737"/>
-                    <a:pt x="1554422" y="1416605"/>
-                    <a:pt x="1469297" y="1496906"/>
-                  </a:cubicBezTo>
-                  <a:cubicBezTo>
-                    <a:pt x="1286595" y="1668957"/>
-                    <a:pt x="1118818" y="1856190"/>
-                    <a:pt x="967769" y="2056602"/>
-                  </a:cubicBezTo>
-                  <a:cubicBezTo>
-                    <a:pt x="890731" y="2159603"/>
-                    <a:pt x="818800" y="2264590"/>
-                    <a:pt x="754105" y="2368727"/>
-                  </a:cubicBezTo>
-                  <a:cubicBezTo>
-                    <a:pt x="681749" y="2488328"/>
-                    <a:pt x="622304" y="2596720"/>
-                    <a:pt x="572364" y="2701140"/>
-                  </a:cubicBezTo>
-                  <a:cubicBezTo>
-                    <a:pt x="557609" y="2730507"/>
-                    <a:pt x="543989" y="2760443"/>
-                    <a:pt x="532497" y="2786265"/>
-                  </a:cubicBezTo>
-                  <a:lnTo>
-                    <a:pt x="512918" y="2828827"/>
-                  </a:lnTo>
-                  <a:lnTo>
-                    <a:pt x="494475" y="2872240"/>
-                  </a:lnTo>
-                  <a:lnTo>
-                    <a:pt x="491637" y="2878908"/>
-                  </a:lnTo>
-                  <a:cubicBezTo>
-                    <a:pt x="480146" y="2906575"/>
-                    <a:pt x="469220" y="2932821"/>
-                    <a:pt x="459290" y="2959635"/>
-                  </a:cubicBezTo>
-                  <a:cubicBezTo>
-                    <a:pt x="455176" y="2970559"/>
-                    <a:pt x="451060" y="2981484"/>
-                    <a:pt x="446805" y="2992408"/>
-                  </a:cubicBezTo>
-                  <a:cubicBezTo>
-                    <a:pt x="439427" y="3012412"/>
-                    <a:pt x="432333" y="3030572"/>
-                    <a:pt x="426090" y="3049158"/>
-                  </a:cubicBezTo>
-                  <a:lnTo>
-                    <a:pt x="426090" y="3049867"/>
-                  </a:lnTo>
-                  <a:cubicBezTo>
-                    <a:pt x="383010" y="3169099"/>
-                    <a:pt x="346959" y="3290756"/>
-                    <a:pt x="318124" y="3414202"/>
-                  </a:cubicBezTo>
-                  <a:cubicBezTo>
-                    <a:pt x="260107" y="3661703"/>
-                    <a:pt x="230780" y="3915049"/>
-                    <a:pt x="230729" y="4169260"/>
-                  </a:cubicBezTo>
-                  <a:cubicBezTo>
-                    <a:pt x="231621" y="4295173"/>
-                    <a:pt x="244398" y="4420719"/>
-                    <a:pt x="268893" y="4544236"/>
-                  </a:cubicBezTo>
-                  <a:cubicBezTo>
-                    <a:pt x="293708" y="4666304"/>
-                    <a:pt x="330882" y="4785521"/>
-                    <a:pt x="379840" y="4900056"/>
-                  </a:cubicBezTo>
-                  <a:cubicBezTo>
-                    <a:pt x="387926" y="4919919"/>
-                    <a:pt x="397006" y="4939498"/>
-                    <a:pt x="406512" y="4960211"/>
-                  </a:cubicBezTo>
-                  <a:cubicBezTo>
-                    <a:pt x="410343" y="4968299"/>
-                    <a:pt x="414173" y="4976385"/>
-                    <a:pt x="417862" y="4984613"/>
-                  </a:cubicBezTo>
-                  <a:lnTo>
-                    <a:pt x="428077" y="5005043"/>
-                  </a:lnTo>
-                  <a:cubicBezTo>
-                    <a:pt x="438860" y="5026751"/>
-                    <a:pt x="449075" y="5047181"/>
-                    <a:pt x="460140" y="5067327"/>
-                  </a:cubicBezTo>
-                  <a:cubicBezTo>
-                    <a:pt x="485536" y="5116273"/>
-                    <a:pt x="514763" y="5165789"/>
-                    <a:pt x="555197" y="5229773"/>
-                  </a:cubicBezTo>
-                  <a:cubicBezTo>
-                    <a:pt x="586836" y="5280282"/>
-                    <a:pt x="620318" y="5329511"/>
-                    <a:pt x="660611" y="5387396"/>
-                  </a:cubicBezTo>
-                  <a:cubicBezTo>
-                    <a:pt x="698065" y="5440741"/>
-                    <a:pt x="737223" y="5493094"/>
-                    <a:pt x="774110" y="5542182"/>
-                  </a:cubicBezTo>
-                  <a:cubicBezTo>
-                    <a:pt x="821070" y="5604324"/>
-                    <a:pt x="870301" y="5667173"/>
-                    <a:pt x="917829" y="5727896"/>
-                  </a:cubicBezTo>
-                  <a:cubicBezTo>
-                    <a:pt x="949042" y="5767762"/>
-                    <a:pt x="979828" y="5807063"/>
-                    <a:pt x="1012885" y="5849767"/>
-                  </a:cubicBezTo>
-                  <a:cubicBezTo>
-                    <a:pt x="1045942" y="5892471"/>
-                    <a:pt x="1089497" y="5948796"/>
-                    <a:pt x="1133053" y="6006822"/>
-                  </a:cubicBezTo>
-                  <a:cubicBezTo>
-                    <a:pt x="1153624" y="6034345"/>
-                    <a:pt x="1175332" y="6063998"/>
-                    <a:pt x="1194343" y="6090245"/>
-                  </a:cubicBezTo>
-                  <a:cubicBezTo>
-                    <a:pt x="1213355" y="6116491"/>
-                    <a:pt x="1231372" y="6141178"/>
-                    <a:pt x="1249390" y="6165155"/>
-                  </a:cubicBezTo>
-                  <a:cubicBezTo>
-                    <a:pt x="1280461" y="6208000"/>
-                    <a:pt x="1313659" y="6250847"/>
-                    <a:pt x="1345724" y="6292132"/>
-                  </a:cubicBezTo>
-                  <a:lnTo>
-                    <a:pt x="1364310" y="6316251"/>
-                  </a:lnTo>
-                  <a:lnTo>
-                    <a:pt x="1373673" y="6327885"/>
-                  </a:lnTo>
-                  <a:cubicBezTo>
-                    <a:pt x="1409566" y="6372433"/>
-                    <a:pt x="1446738" y="6418542"/>
-                    <a:pt x="1484619" y="6462240"/>
-                  </a:cubicBezTo>
-                  <a:cubicBezTo>
-                    <a:pt x="1567899" y="6559850"/>
-                    <a:pt x="1653876" y="6652211"/>
-                    <a:pt x="1739000" y="6737335"/>
-                  </a:cubicBezTo>
-                  <a:lnTo>
-                    <a:pt x="1866801" y="6858001"/>
-                  </a:lnTo>
-                  <a:lnTo>
-                    <a:pt x="1144149" y="6858001"/>
-                  </a:lnTo>
-                  <a:lnTo>
-                    <a:pt x="1058349" y="6766452"/>
-                  </a:lnTo>
-                  <a:cubicBezTo>
-                    <a:pt x="878978" y="6562465"/>
-                    <a:pt x="718756" y="6341104"/>
-                    <a:pt x="580309" y="6105000"/>
-                  </a:cubicBezTo>
-                  <a:cubicBezTo>
-                    <a:pt x="200401" y="5454007"/>
-                    <a:pt x="146" y="4713831"/>
-                    <a:pt x="1" y="3960094"/>
-                  </a:cubicBezTo>
-                  <a:cubicBezTo>
-                    <a:pt x="-335" y="2196754"/>
-                    <a:pt x="1071479" y="683605"/>
-                    <a:pt x="2599292" y="37050"/>
-                  </a:cubicBezTo>
-                  <a:close/>
-                </a:path>
-              </a:pathLst>
-            </a:custGeom>
-            <a:gradFill>
-              <a:gsLst>
-                <a:gs pos="2000">
-                  <a:schemeClr val="bg1">
-                    <a:alpha val="10000"/>
-                  </a:schemeClr>
-                </a:gs>
-                <a:gs pos="16000">
-                  <a:schemeClr val="accent6">
-                    <a:alpha val="10000"/>
-                  </a:schemeClr>
-                </a:gs>
-                <a:gs pos="100000">
-                  <a:schemeClr val="bg1">
-                    <a:alpha val="10000"/>
-                  </a:schemeClr>
-                </a:gs>
-                <a:gs pos="85000">
-                  <a:schemeClr val="accent1">
-                    <a:alpha val="10000"/>
-                  </a:schemeClr>
-                </a:gs>
-              </a:gsLst>
-              <a:lin ang="12000000" scaled="0"/>
-            </a:gradFill>
-            <a:ln>
-              <a:noFill/>
-            </a:ln>
-          </p:spPr>
-          <p:style>
-            <a:lnRef idx="2">
-              <a:schemeClr val="accent1">
-                <a:shade val="50000"/>
-              </a:schemeClr>
-            </a:lnRef>
-            <a:fillRef idx="1">
-              <a:schemeClr val="accent1"/>
-            </a:fillRef>
-            <a:effectRef idx="0">
-              <a:schemeClr val="accent1"/>
-            </a:effectRef>
-            <a:fontRef idx="minor">
-              <a:schemeClr val="lt1"/>
-            </a:fontRef>
-          </p:style>
-          <p:txBody>
-            <a:bodyPr rtlCol="0" anchor="ctr"/>
-            <a:lstStyle/>
-            <a:p>
-              <a:pPr algn="ctr"/>
-              <a:endParaRPr lang="en-US" dirty="0"/>
-            </a:p>
-          </p:txBody>
-        </p:sp>
-        <p:sp>
-          <p:nvSpPr>
-            <p:cNvPr id="18" name="Freeform: Shape 17">
-              <a:extLst>
-                <a:ext uri="{FF2B5EF4-FFF2-40B4-BE49-F238E27FC236}">
-                  <a16:creationId xmlns:a16="http://schemas.microsoft.com/office/drawing/2014/main" id="{C093DC50-3BD7-46B1-A300-CD207E152FF4}"/>
-                </a:ext>
-                <a:ext uri="{C183D7F6-B498-43B3-948B-1728B52AA6E4}">
-                  <adec:decorative xmlns:adec="http://schemas.microsoft.com/office/drawing/2017/decorative" val="1"/>
-                </a:ext>
-              </a:extLst>
-            </p:cNvPr>
-            <p:cNvSpPr/>
-            <p:nvPr>
-              <p:extLst>
-                <p:ext uri="{386F3935-93C4-4BCD-93E2-E3B085C9AB24}">
-                  <p16:designElem xmlns:p16="http://schemas.microsoft.com/office/powerpoint/2015/main" val="1"/>
-                </p:ext>
-              </p:extLst>
-            </p:nvPr>
-          </p:nvSpPr>
-          <p:spPr>
-            <a:xfrm flipH="1">
-              <a:off x="305" y="-5977"/>
-              <a:ext cx="6238675" cy="6858001"/>
-            </a:xfrm>
-            <a:custGeom>
-              <a:avLst/>
-              <a:gdLst>
-                <a:gd name="connsiteX0" fmla="*/ 6264586 w 6264586"/>
-                <a:gd name="connsiteY0" fmla="*/ 6646464 h 6858001"/>
-                <a:gd name="connsiteX1" fmla="*/ 6264586 w 6264586"/>
-                <a:gd name="connsiteY1" fmla="*/ 6858001 h 6858001"/>
-                <a:gd name="connsiteX2" fmla="*/ 5997170 w 6264586"/>
-                <a:gd name="connsiteY2" fmla="*/ 6858001 h 6858001"/>
-                <a:gd name="connsiteX3" fmla="*/ 6121512 w 6264586"/>
-                <a:gd name="connsiteY3" fmla="*/ 6761029 h 6858001"/>
-                <a:gd name="connsiteX4" fmla="*/ 2693206 w 6264586"/>
-                <a:gd name="connsiteY4" fmla="*/ 0 h 6858001"/>
-                <a:gd name="connsiteX5" fmla="*/ 5872285 w 6264586"/>
-                <a:gd name="connsiteY5" fmla="*/ 0 h 6858001"/>
-                <a:gd name="connsiteX6" fmla="*/ 6024875 w 6264586"/>
-                <a:gd name="connsiteY6" fmla="*/ 68385 h 6858001"/>
-                <a:gd name="connsiteX7" fmla="*/ 6206432 w 6264586"/>
-                <a:gd name="connsiteY7" fmla="*/ 162336 h 6858001"/>
-                <a:gd name="connsiteX8" fmla="*/ 6264586 w 6264586"/>
-                <a:gd name="connsiteY8" fmla="*/ 196704 h 6858001"/>
-                <a:gd name="connsiteX9" fmla="*/ 6264586 w 6264586"/>
-                <a:gd name="connsiteY9" fmla="*/ 537242 h 6858001"/>
-                <a:gd name="connsiteX10" fmla="*/ 6230189 w 6264586"/>
-                <a:gd name="connsiteY10" fmla="*/ 517260 h 6858001"/>
-                <a:gd name="connsiteX11" fmla="*/ 5540536 w 6264586"/>
-                <a:gd name="connsiteY11" fmla="*/ 249543 h 6858001"/>
-                <a:gd name="connsiteX12" fmla="*/ 5178896 w 6264586"/>
-                <a:gd name="connsiteY12" fmla="*/ 178606 h 6858001"/>
-                <a:gd name="connsiteX13" fmla="*/ 4814279 w 6264586"/>
-                <a:gd name="connsiteY13" fmla="*/ 146683 h 6858001"/>
-                <a:gd name="connsiteX14" fmla="*/ 4655095 w 6264586"/>
-                <a:gd name="connsiteY14" fmla="*/ 143421 h 6858001"/>
-                <a:gd name="connsiteX15" fmla="*/ 4081069 w 6264586"/>
-                <a:gd name="connsiteY15" fmla="*/ 185983 h 6858001"/>
-                <a:gd name="connsiteX16" fmla="*/ 3720566 w 6264586"/>
-                <a:gd name="connsiteY16" fmla="*/ 256921 h 6858001"/>
-                <a:gd name="connsiteX17" fmla="*/ 3365879 w 6264586"/>
-                <a:gd name="connsiteY17" fmla="*/ 357651 h 6858001"/>
-                <a:gd name="connsiteX18" fmla="*/ 3020555 w 6264586"/>
-                <a:gd name="connsiteY18" fmla="*/ 486190 h 6858001"/>
-                <a:gd name="connsiteX19" fmla="*/ 2685163 w 6264586"/>
-                <a:gd name="connsiteY19" fmla="*/ 641542 h 6858001"/>
-                <a:gd name="connsiteX20" fmla="*/ 2047720 w 6264586"/>
-                <a:gd name="connsiteY20" fmla="*/ 1025030 h 6858001"/>
-                <a:gd name="connsiteX21" fmla="*/ 1897333 w 6264586"/>
-                <a:gd name="connsiteY21" fmla="*/ 1134983 h 6858001"/>
-                <a:gd name="connsiteX22" fmla="*/ 1835758 w 6264586"/>
-                <a:gd name="connsiteY22" fmla="*/ 1182227 h 6858001"/>
-                <a:gd name="connsiteX23" fmla="*/ 1823273 w 6264586"/>
-                <a:gd name="connsiteY23" fmla="*/ 1192016 h 6858001"/>
-                <a:gd name="connsiteX24" fmla="*/ 1750918 w 6264586"/>
-                <a:gd name="connsiteY24" fmla="*/ 1249760 h 6858001"/>
-                <a:gd name="connsiteX25" fmla="*/ 1469297 w 6264586"/>
-                <a:gd name="connsiteY25" fmla="*/ 1496906 h 6858001"/>
-                <a:gd name="connsiteX26" fmla="*/ 967769 w 6264586"/>
-                <a:gd name="connsiteY26" fmla="*/ 2056602 h 6858001"/>
-                <a:gd name="connsiteX27" fmla="*/ 754105 w 6264586"/>
-                <a:gd name="connsiteY27" fmla="*/ 2368727 h 6858001"/>
-                <a:gd name="connsiteX28" fmla="*/ 572364 w 6264586"/>
-                <a:gd name="connsiteY28" fmla="*/ 2701140 h 6858001"/>
-                <a:gd name="connsiteX29" fmla="*/ 532497 w 6264586"/>
-                <a:gd name="connsiteY29" fmla="*/ 2786265 h 6858001"/>
-                <a:gd name="connsiteX30" fmla="*/ 512918 w 6264586"/>
-                <a:gd name="connsiteY30" fmla="*/ 2828827 h 6858001"/>
-                <a:gd name="connsiteX31" fmla="*/ 494475 w 6264586"/>
-                <a:gd name="connsiteY31" fmla="*/ 2872240 h 6858001"/>
-                <a:gd name="connsiteX32" fmla="*/ 491637 w 6264586"/>
-                <a:gd name="connsiteY32" fmla="*/ 2878908 h 6858001"/>
-                <a:gd name="connsiteX33" fmla="*/ 459290 w 6264586"/>
-                <a:gd name="connsiteY33" fmla="*/ 2959635 h 6858001"/>
-                <a:gd name="connsiteX34" fmla="*/ 446805 w 6264586"/>
-                <a:gd name="connsiteY34" fmla="*/ 2992408 h 6858001"/>
-                <a:gd name="connsiteX35" fmla="*/ 426090 w 6264586"/>
-                <a:gd name="connsiteY35" fmla="*/ 3049158 h 6858001"/>
-                <a:gd name="connsiteX36" fmla="*/ 426090 w 6264586"/>
-                <a:gd name="connsiteY36" fmla="*/ 3049867 h 6858001"/>
-                <a:gd name="connsiteX37" fmla="*/ 318124 w 6264586"/>
-                <a:gd name="connsiteY37" fmla="*/ 3414202 h 6858001"/>
-                <a:gd name="connsiteX38" fmla="*/ 230729 w 6264586"/>
-                <a:gd name="connsiteY38" fmla="*/ 4169260 h 6858001"/>
-                <a:gd name="connsiteX39" fmla="*/ 268893 w 6264586"/>
-                <a:gd name="connsiteY39" fmla="*/ 4544236 h 6858001"/>
-                <a:gd name="connsiteX40" fmla="*/ 379840 w 6264586"/>
-                <a:gd name="connsiteY40" fmla="*/ 4900056 h 6858001"/>
-                <a:gd name="connsiteX41" fmla="*/ 406512 w 6264586"/>
-                <a:gd name="connsiteY41" fmla="*/ 4960211 h 6858001"/>
-                <a:gd name="connsiteX42" fmla="*/ 417862 w 6264586"/>
-                <a:gd name="connsiteY42" fmla="*/ 4984613 h 6858001"/>
-                <a:gd name="connsiteX43" fmla="*/ 428077 w 6264586"/>
-                <a:gd name="connsiteY43" fmla="*/ 5005043 h 6858001"/>
-                <a:gd name="connsiteX44" fmla="*/ 460140 w 6264586"/>
-                <a:gd name="connsiteY44" fmla="*/ 5067327 h 6858001"/>
-                <a:gd name="connsiteX45" fmla="*/ 555197 w 6264586"/>
-                <a:gd name="connsiteY45" fmla="*/ 5229773 h 6858001"/>
-                <a:gd name="connsiteX46" fmla="*/ 660611 w 6264586"/>
-                <a:gd name="connsiteY46" fmla="*/ 5387396 h 6858001"/>
-                <a:gd name="connsiteX47" fmla="*/ 774110 w 6264586"/>
-                <a:gd name="connsiteY47" fmla="*/ 5542182 h 6858001"/>
-                <a:gd name="connsiteX48" fmla="*/ 917829 w 6264586"/>
-                <a:gd name="connsiteY48" fmla="*/ 5727896 h 6858001"/>
-                <a:gd name="connsiteX49" fmla="*/ 1012885 w 6264586"/>
-                <a:gd name="connsiteY49" fmla="*/ 5849767 h 6858001"/>
-                <a:gd name="connsiteX50" fmla="*/ 1133053 w 6264586"/>
-                <a:gd name="connsiteY50" fmla="*/ 6006822 h 6858001"/>
-                <a:gd name="connsiteX51" fmla="*/ 1194343 w 6264586"/>
-                <a:gd name="connsiteY51" fmla="*/ 6090245 h 6858001"/>
-                <a:gd name="connsiteX52" fmla="*/ 1249390 w 6264586"/>
-                <a:gd name="connsiteY52" fmla="*/ 6165155 h 6858001"/>
-                <a:gd name="connsiteX53" fmla="*/ 1345724 w 6264586"/>
-                <a:gd name="connsiteY53" fmla="*/ 6292132 h 6858001"/>
-                <a:gd name="connsiteX54" fmla="*/ 1364310 w 6264586"/>
-                <a:gd name="connsiteY54" fmla="*/ 6316251 h 6858001"/>
-                <a:gd name="connsiteX55" fmla="*/ 1373673 w 6264586"/>
-                <a:gd name="connsiteY55" fmla="*/ 6327885 h 6858001"/>
-                <a:gd name="connsiteX56" fmla="*/ 1484619 w 6264586"/>
-                <a:gd name="connsiteY56" fmla="*/ 6462240 h 6858001"/>
-                <a:gd name="connsiteX57" fmla="*/ 1739000 w 6264586"/>
-                <a:gd name="connsiteY57" fmla="*/ 6737335 h 6858001"/>
-                <a:gd name="connsiteX58" fmla="*/ 1866801 w 6264586"/>
-                <a:gd name="connsiteY58" fmla="*/ 6858001 h 6858001"/>
-                <a:gd name="connsiteX59" fmla="*/ 1144149 w 6264586"/>
-                <a:gd name="connsiteY59" fmla="*/ 6858001 h 6858001"/>
-                <a:gd name="connsiteX60" fmla="*/ 1058349 w 6264586"/>
-                <a:gd name="connsiteY60" fmla="*/ 6766452 h 6858001"/>
-                <a:gd name="connsiteX61" fmla="*/ 580309 w 6264586"/>
-                <a:gd name="connsiteY61" fmla="*/ 6105000 h 6858001"/>
-                <a:gd name="connsiteX62" fmla="*/ 1 w 6264586"/>
-                <a:gd name="connsiteY62" fmla="*/ 3960094 h 6858001"/>
-                <a:gd name="connsiteX63" fmla="*/ 2599292 w 6264586"/>
-                <a:gd name="connsiteY63" fmla="*/ 37050 h 6858001"/>
-              </a:gdLst>
-              <a:ahLst/>
-              <a:cxnLst>
-                <a:cxn ang="0">
-                  <a:pos x="connsiteX0" y="connsiteY0"/>
-                </a:cxn>
-                <a:cxn ang="0">
-                  <a:pos x="connsiteX1" y="connsiteY1"/>
-                </a:cxn>
-                <a:cxn ang="0">
-                  <a:pos x="connsiteX2" y="connsiteY2"/>
-                </a:cxn>
-                <a:cxn ang="0">
-                  <a:pos x="connsiteX3" y="connsiteY3"/>
-                </a:cxn>
-                <a:cxn ang="0">
-                  <a:pos x="connsiteX4" y="connsiteY4"/>
-                </a:cxn>
-                <a:cxn ang="0">
-                  <a:pos x="connsiteX5" y="connsiteY5"/>
-                </a:cxn>
-                <a:cxn ang="0">
-                  <a:pos x="connsiteX6" y="connsiteY6"/>
-                </a:cxn>
-                <a:cxn ang="0">
-                  <a:pos x="connsiteX7" y="connsiteY7"/>
-                </a:cxn>
-                <a:cxn ang="0">
-                  <a:pos x="connsiteX8" y="connsiteY8"/>
-                </a:cxn>
-                <a:cxn ang="0">
-                  <a:pos x="connsiteX9" y="connsiteY9"/>
-                </a:cxn>
-                <a:cxn ang="0">
-                  <a:pos x="connsiteX10" y="connsiteY10"/>
-                </a:cxn>
-                <a:cxn ang="0">
-                  <a:pos x="connsiteX11" y="connsiteY11"/>
-                </a:cxn>
-                <a:cxn ang="0">
-                  <a:pos x="connsiteX12" y="connsiteY12"/>
-                </a:cxn>
-                <a:cxn ang="0">
-                  <a:pos x="connsiteX13" y="connsiteY13"/>
-                </a:cxn>
-                <a:cxn ang="0">
-                  <a:pos x="connsiteX14" y="connsiteY14"/>
-                </a:cxn>
-                <a:cxn ang="0">
-                  <a:pos x="connsiteX15" y="connsiteY15"/>
-                </a:cxn>
-                <a:cxn ang="0">
-                  <a:pos x="connsiteX16" y="connsiteY16"/>
-                </a:cxn>
-                <a:cxn ang="0">
-                  <a:pos x="connsiteX17" y="connsiteY17"/>
-                </a:cxn>
-                <a:cxn ang="0">
-                  <a:pos x="connsiteX18" y="connsiteY18"/>
-                </a:cxn>
-                <a:cxn ang="0">
-                  <a:pos x="connsiteX19" y="connsiteY19"/>
-                </a:cxn>
-                <a:cxn ang="0">
-                  <a:pos x="connsiteX20" y="connsiteY20"/>
-                </a:cxn>
-                <a:cxn ang="0">
-                  <a:pos x="connsiteX21" y="connsiteY21"/>
-                </a:cxn>
-                <a:cxn ang="0">
-                  <a:pos x="connsiteX22" y="connsiteY22"/>
-                </a:cxn>
-                <a:cxn ang="0">
-                  <a:pos x="connsiteX23" y="connsiteY23"/>
-                </a:cxn>
-                <a:cxn ang="0">
-                  <a:pos x="connsiteX24" y="connsiteY24"/>
-                </a:cxn>
-                <a:cxn ang="0">
-                  <a:pos x="connsiteX25" y="connsiteY25"/>
-                </a:cxn>
-                <a:cxn ang="0">
-                  <a:pos x="connsiteX26" y="connsiteY26"/>
-                </a:cxn>
-                <a:cxn ang="0">
-                  <a:pos x="connsiteX27" y="connsiteY27"/>
-                </a:cxn>
-                <a:cxn ang="0">
-                  <a:pos x="connsiteX28" y="connsiteY28"/>
-                </a:cxn>
-                <a:cxn ang="0">
-                  <a:pos x="connsiteX29" y="connsiteY29"/>
-                </a:cxn>
-                <a:cxn ang="0">
-                  <a:pos x="connsiteX30" y="connsiteY30"/>
-                </a:cxn>
-                <a:cxn ang="0">
-                  <a:pos x="connsiteX31" y="connsiteY31"/>
-                </a:cxn>
-                <a:cxn ang="0">
-                  <a:pos x="connsiteX32" y="connsiteY32"/>
-                </a:cxn>
-                <a:cxn ang="0">
-                  <a:pos x="connsiteX33" y="connsiteY33"/>
-                </a:cxn>
-                <a:cxn ang="0">
-                  <a:pos x="connsiteX34" y="connsiteY34"/>
-                </a:cxn>
-                <a:cxn ang="0">
-                  <a:pos x="connsiteX35" y="connsiteY35"/>
-                </a:cxn>
-                <a:cxn ang="0">
-                  <a:pos x="connsiteX36" y="connsiteY36"/>
-                </a:cxn>
-                <a:cxn ang="0">
-                  <a:pos x="connsiteX37" y="connsiteY37"/>
-                </a:cxn>
-                <a:cxn ang="0">
-                  <a:pos x="connsiteX38" y="connsiteY38"/>
-                </a:cxn>
-                <a:cxn ang="0">
-                  <a:pos x="connsiteX39" y="connsiteY39"/>
-                </a:cxn>
-                <a:cxn ang="0">
-                  <a:pos x="connsiteX40" y="connsiteY40"/>
-                </a:cxn>
-                <a:cxn ang="0">
-                  <a:pos x="connsiteX41" y="connsiteY41"/>
-                </a:cxn>
-                <a:cxn ang="0">
-                  <a:pos x="connsiteX42" y="connsiteY42"/>
-                </a:cxn>
-                <a:cxn ang="0">
-                  <a:pos x="connsiteX43" y="connsiteY43"/>
-                </a:cxn>
-                <a:cxn ang="0">
-                  <a:pos x="connsiteX44" y="connsiteY44"/>
-                </a:cxn>
-                <a:cxn ang="0">
-                  <a:pos x="connsiteX45" y="connsiteY45"/>
-                </a:cxn>
-                <a:cxn ang="0">
-                  <a:pos x="connsiteX46" y="connsiteY46"/>
-                </a:cxn>
-                <a:cxn ang="0">
-                  <a:pos x="connsiteX47" y="connsiteY47"/>
-                </a:cxn>
-                <a:cxn ang="0">
-                  <a:pos x="connsiteX48" y="connsiteY48"/>
-                </a:cxn>
-                <a:cxn ang="0">
-                  <a:pos x="connsiteX49" y="connsiteY49"/>
-                </a:cxn>
-                <a:cxn ang="0">
-                  <a:pos x="connsiteX50" y="connsiteY50"/>
-                </a:cxn>
-                <a:cxn ang="0">
-                  <a:pos x="connsiteX51" y="connsiteY51"/>
-                </a:cxn>
-                <a:cxn ang="0">
-                  <a:pos x="connsiteX52" y="connsiteY52"/>
-                </a:cxn>
-                <a:cxn ang="0">
-                  <a:pos x="connsiteX53" y="connsiteY53"/>
-                </a:cxn>
-                <a:cxn ang="0">
-                  <a:pos x="connsiteX54" y="connsiteY54"/>
-                </a:cxn>
-                <a:cxn ang="0">
-                  <a:pos x="connsiteX55" y="connsiteY55"/>
-                </a:cxn>
-                <a:cxn ang="0">
-                  <a:pos x="connsiteX56" y="connsiteY56"/>
-                </a:cxn>
-                <a:cxn ang="0">
-                  <a:pos x="connsiteX57" y="connsiteY57"/>
-                </a:cxn>
-                <a:cxn ang="0">
-                  <a:pos x="connsiteX58" y="connsiteY58"/>
-                </a:cxn>
-                <a:cxn ang="0">
-                  <a:pos x="connsiteX59" y="connsiteY59"/>
-                </a:cxn>
-                <a:cxn ang="0">
-                  <a:pos x="connsiteX60" y="connsiteY60"/>
-                </a:cxn>
-                <a:cxn ang="0">
-                  <a:pos x="connsiteX61" y="connsiteY61"/>
-                </a:cxn>
-                <a:cxn ang="0">
-                  <a:pos x="connsiteX62" y="connsiteY62"/>
-                </a:cxn>
-                <a:cxn ang="0">
-                  <a:pos x="connsiteX63" y="connsiteY63"/>
-                </a:cxn>
-              </a:cxnLst>
-              <a:rect l="l" t="t" r="r" b="b"/>
-              <a:pathLst>
-                <a:path w="6264586" h="6858001">
-                  <a:moveTo>
-                    <a:pt x="6264586" y="6646464"/>
-                  </a:moveTo>
-                  <a:lnTo>
-                    <a:pt x="6264586" y="6858001"/>
-                  </a:lnTo>
-                  <a:lnTo>
-                    <a:pt x="5997170" y="6858001"/>
-                  </a:lnTo>
-                  <a:lnTo>
-                    <a:pt x="6121512" y="6761029"/>
-                  </a:lnTo>
-                  <a:close/>
-                  <a:moveTo>
-                    <a:pt x="2693206" y="0"/>
-                  </a:moveTo>
-                  <a:lnTo>
-                    <a:pt x="5872285" y="0"/>
-                  </a:lnTo>
-                  <a:lnTo>
-                    <a:pt x="6024875" y="68385"/>
-                  </a:lnTo>
-                  <a:cubicBezTo>
-                    <a:pt x="6086250" y="97989"/>
-                    <a:pt x="6146793" y="129318"/>
-                    <a:pt x="6206432" y="162336"/>
-                  </a:cubicBezTo>
-                  <a:lnTo>
-                    <a:pt x="6264586" y="196704"/>
-                  </a:lnTo>
-                  <a:lnTo>
-                    <a:pt x="6264586" y="537242"/>
-                  </a:lnTo>
-                  <a:lnTo>
-                    <a:pt x="6230189" y="517260"/>
-                  </a:lnTo>
-                  <a:cubicBezTo>
-                    <a:pt x="6012226" y="399931"/>
-                    <a:pt x="5780573" y="310008"/>
-                    <a:pt x="5540536" y="249543"/>
-                  </a:cubicBezTo>
-                  <a:cubicBezTo>
-                    <a:pt x="5421375" y="219324"/>
-                    <a:pt x="5300641" y="195644"/>
-                    <a:pt x="5178896" y="178606"/>
-                  </a:cubicBezTo>
-                  <a:cubicBezTo>
-                    <a:pt x="5057977" y="161840"/>
-                    <a:pt x="4936276" y="151186"/>
-                    <a:pt x="4814279" y="146683"/>
-                  </a:cubicBezTo>
-                  <a:cubicBezTo>
-                    <a:pt x="4761501" y="144556"/>
-                    <a:pt x="4708015" y="143421"/>
-                    <a:pt x="4655095" y="143421"/>
-                  </a:cubicBezTo>
-                  <a:cubicBezTo>
-                    <a:pt x="4462968" y="143573"/>
-                    <a:pt x="4271111" y="157799"/>
-                    <a:pt x="4081069" y="185983"/>
-                  </a:cubicBezTo>
-                  <a:cubicBezTo>
-                    <a:pt x="3956361" y="205703"/>
-                    <a:pt x="3835058" y="229396"/>
-                    <a:pt x="3720566" y="256921"/>
-                  </a:cubicBezTo>
-                  <a:cubicBezTo>
-                    <a:pt x="3596708" y="286714"/>
-                    <a:pt x="3477677" y="320905"/>
-                    <a:pt x="3365879" y="357651"/>
-                  </a:cubicBezTo>
-                  <a:cubicBezTo>
-                    <a:pt x="3249257" y="395958"/>
-                    <a:pt x="3133487" y="438945"/>
-                    <a:pt x="3020555" y="486190"/>
-                  </a:cubicBezTo>
-                  <a:cubicBezTo>
-                    <a:pt x="2907623" y="533434"/>
-                    <a:pt x="2794832" y="585786"/>
-                    <a:pt x="2685163" y="641542"/>
-                  </a:cubicBezTo>
-                  <a:cubicBezTo>
-                    <a:pt x="2463995" y="754348"/>
-                    <a:pt x="2250998" y="882488"/>
-                    <a:pt x="2047720" y="1025030"/>
-                  </a:cubicBezTo>
-                  <a:cubicBezTo>
-                    <a:pt x="2006151" y="1054399"/>
-                    <a:pt x="1951528" y="1093415"/>
-                    <a:pt x="1897333" y="1134983"/>
-                  </a:cubicBezTo>
-                  <a:cubicBezTo>
-                    <a:pt x="1876761" y="1150164"/>
-                    <a:pt x="1855905" y="1166479"/>
-                    <a:pt x="1835758" y="1182227"/>
-                  </a:cubicBezTo>
-                  <a:lnTo>
-                    <a:pt x="1823273" y="1192016"/>
-                  </a:lnTo>
-                  <a:cubicBezTo>
-                    <a:pt x="1797027" y="1211879"/>
-                    <a:pt x="1772057" y="1232309"/>
-                    <a:pt x="1750918" y="1249760"/>
-                  </a:cubicBezTo>
-                  <a:cubicBezTo>
-                    <a:pt x="1645931" y="1335737"/>
-                    <a:pt x="1554422" y="1416605"/>
-                    <a:pt x="1469297" y="1496906"/>
-                  </a:cubicBezTo>
-                  <a:cubicBezTo>
-                    <a:pt x="1286595" y="1668957"/>
-                    <a:pt x="1118818" y="1856190"/>
-                    <a:pt x="967769" y="2056602"/>
-                  </a:cubicBezTo>
-                  <a:cubicBezTo>
-                    <a:pt x="890731" y="2159603"/>
-                    <a:pt x="818800" y="2264590"/>
-                    <a:pt x="754105" y="2368727"/>
-                  </a:cubicBezTo>
-                  <a:cubicBezTo>
-                    <a:pt x="681749" y="2488328"/>
-                    <a:pt x="622304" y="2596720"/>
-                    <a:pt x="572364" y="2701140"/>
-                  </a:cubicBezTo>
-                  <a:cubicBezTo>
-                    <a:pt x="557609" y="2730507"/>
-                    <a:pt x="543989" y="2760443"/>
-                    <a:pt x="532497" y="2786265"/>
-                  </a:cubicBezTo>
-                  <a:lnTo>
-                    <a:pt x="512918" y="2828827"/>
-                  </a:lnTo>
-                  <a:lnTo>
-                    <a:pt x="494475" y="2872240"/>
-                  </a:lnTo>
-                  <a:lnTo>
-                    <a:pt x="491637" y="2878908"/>
-                  </a:lnTo>
-                  <a:cubicBezTo>
-                    <a:pt x="480146" y="2906575"/>
-                    <a:pt x="469220" y="2932821"/>
-                    <a:pt x="459290" y="2959635"/>
-                  </a:cubicBezTo>
-                  <a:cubicBezTo>
-                    <a:pt x="455176" y="2970559"/>
-                    <a:pt x="451060" y="2981484"/>
-                    <a:pt x="446805" y="2992408"/>
-                  </a:cubicBezTo>
-                  <a:cubicBezTo>
-                    <a:pt x="439427" y="3012412"/>
-                    <a:pt x="432333" y="3030572"/>
-                    <a:pt x="426090" y="3049158"/>
-                  </a:cubicBezTo>
-                  <a:lnTo>
-                    <a:pt x="426090" y="3049867"/>
-                  </a:lnTo>
-                  <a:cubicBezTo>
-                    <a:pt x="383010" y="3169099"/>
-                    <a:pt x="346959" y="3290756"/>
-                    <a:pt x="318124" y="3414202"/>
-                  </a:cubicBezTo>
-                  <a:cubicBezTo>
-                    <a:pt x="260107" y="3661703"/>
-                    <a:pt x="230780" y="3915049"/>
-                    <a:pt x="230729" y="4169260"/>
-                  </a:cubicBezTo>
-                  <a:cubicBezTo>
-                    <a:pt x="231621" y="4295173"/>
-                    <a:pt x="244398" y="4420719"/>
-                    <a:pt x="268893" y="4544236"/>
-                  </a:cubicBezTo>
-                  <a:cubicBezTo>
-                    <a:pt x="293708" y="4666304"/>
-                    <a:pt x="330882" y="4785521"/>
-                    <a:pt x="379840" y="4900056"/>
-                  </a:cubicBezTo>
-                  <a:cubicBezTo>
-                    <a:pt x="387926" y="4919919"/>
-                    <a:pt x="397006" y="4939498"/>
-                    <a:pt x="406512" y="4960211"/>
-                  </a:cubicBezTo>
-                  <a:cubicBezTo>
-                    <a:pt x="410343" y="4968299"/>
-                    <a:pt x="414173" y="4976385"/>
-                    <a:pt x="417862" y="4984613"/>
-                  </a:cubicBezTo>
-                  <a:lnTo>
-                    <a:pt x="428077" y="5005043"/>
-                  </a:lnTo>
-                  <a:cubicBezTo>
-                    <a:pt x="438860" y="5026751"/>
-                    <a:pt x="449075" y="5047181"/>
-                    <a:pt x="460140" y="5067327"/>
-                  </a:cubicBezTo>
-                  <a:cubicBezTo>
-                    <a:pt x="485536" y="5116273"/>
-                    <a:pt x="514763" y="5165789"/>
-                    <a:pt x="555197" y="5229773"/>
-                  </a:cubicBezTo>
-                  <a:cubicBezTo>
-                    <a:pt x="586836" y="5280282"/>
-                    <a:pt x="620318" y="5329511"/>
-                    <a:pt x="660611" y="5387396"/>
-                  </a:cubicBezTo>
-                  <a:cubicBezTo>
-                    <a:pt x="698065" y="5440741"/>
-                    <a:pt x="737223" y="5493094"/>
-                    <a:pt x="774110" y="5542182"/>
-                  </a:cubicBezTo>
-                  <a:cubicBezTo>
-                    <a:pt x="821070" y="5604324"/>
-                    <a:pt x="870301" y="5667173"/>
-                    <a:pt x="917829" y="5727896"/>
-                  </a:cubicBezTo>
-                  <a:cubicBezTo>
-                    <a:pt x="949042" y="5767762"/>
-                    <a:pt x="979828" y="5807063"/>
-                    <a:pt x="1012885" y="5849767"/>
-                  </a:cubicBezTo>
-                  <a:cubicBezTo>
-                    <a:pt x="1045942" y="5892471"/>
-                    <a:pt x="1089497" y="5948796"/>
-                    <a:pt x="1133053" y="6006822"/>
-                  </a:cubicBezTo>
-                  <a:cubicBezTo>
-                    <a:pt x="1153624" y="6034345"/>
-                    <a:pt x="1175332" y="6063998"/>
-                    <a:pt x="1194343" y="6090245"/>
-                  </a:cubicBezTo>
-                  <a:cubicBezTo>
-                    <a:pt x="1213355" y="6116491"/>
-                    <a:pt x="1231372" y="6141178"/>
-                    <a:pt x="1249390" y="6165155"/>
-                  </a:cubicBezTo>
-                  <a:cubicBezTo>
-                    <a:pt x="1280461" y="6208000"/>
-                    <a:pt x="1313659" y="6250847"/>
-                    <a:pt x="1345724" y="6292132"/>
-                  </a:cubicBezTo>
-                  <a:lnTo>
-                    <a:pt x="1364310" y="6316251"/>
-                  </a:lnTo>
-                  <a:lnTo>
-                    <a:pt x="1373673" y="6327885"/>
-                  </a:lnTo>
-                  <a:cubicBezTo>
-                    <a:pt x="1409566" y="6372433"/>
-                    <a:pt x="1446738" y="6418542"/>
-                    <a:pt x="1484619" y="6462240"/>
-                  </a:cubicBezTo>
-                  <a:cubicBezTo>
-                    <a:pt x="1567899" y="6559850"/>
-                    <a:pt x="1653876" y="6652211"/>
-                    <a:pt x="1739000" y="6737335"/>
-                  </a:cubicBezTo>
-                  <a:lnTo>
-                    <a:pt x="1866801" y="6858001"/>
-                  </a:lnTo>
-                  <a:lnTo>
-                    <a:pt x="1144149" y="6858001"/>
-                  </a:lnTo>
-                  <a:lnTo>
-                    <a:pt x="1058349" y="6766452"/>
-                  </a:lnTo>
-                  <a:cubicBezTo>
-                    <a:pt x="878978" y="6562465"/>
-                    <a:pt x="718756" y="6341104"/>
-                    <a:pt x="580309" y="6105000"/>
-                  </a:cubicBezTo>
-                  <a:cubicBezTo>
-                    <a:pt x="200401" y="5454007"/>
-                    <a:pt x="146" y="4713831"/>
-                    <a:pt x="1" y="3960094"/>
-                  </a:cubicBezTo>
-                  <a:cubicBezTo>
-                    <a:pt x="-335" y="2196754"/>
-                    <a:pt x="1071479" y="683605"/>
-                    <a:pt x="2599292" y="37050"/>
-                  </a:cubicBezTo>
-                  <a:close/>
-                </a:path>
-              </a:pathLst>
-            </a:custGeom>
-            <a:gradFill>
-              <a:gsLst>
-                <a:gs pos="2000">
-                  <a:schemeClr val="bg1">
-                    <a:alpha val="10000"/>
-                  </a:schemeClr>
-                </a:gs>
-                <a:gs pos="16000">
-                  <a:schemeClr val="accent6">
-                    <a:alpha val="10000"/>
-                  </a:schemeClr>
-                </a:gs>
-                <a:gs pos="100000">
-                  <a:schemeClr val="bg1">
-                    <a:alpha val="10000"/>
-                  </a:schemeClr>
-                </a:gs>
-                <a:gs pos="85000">
-                  <a:schemeClr val="accent1">
-                    <a:alpha val="10000"/>
-                  </a:schemeClr>
-                </a:gs>
-              </a:gsLst>
-              <a:lin ang="12000000" scaled="0"/>
-            </a:gradFill>
-            <a:ln>
-              <a:noFill/>
-            </a:ln>
-          </p:spPr>
-          <p:style>
-            <a:lnRef idx="2">
-              <a:schemeClr val="accent1">
-                <a:shade val="50000"/>
-              </a:schemeClr>
-            </a:lnRef>
-            <a:fillRef idx="1">
-              <a:schemeClr val="accent1"/>
-            </a:fillRef>
-            <a:effectRef idx="0">
-              <a:schemeClr val="accent1"/>
-            </a:effectRef>
-            <a:fontRef idx="minor">
-              <a:schemeClr val="lt1"/>
-            </a:fontRef>
-          </p:style>
-          <p:txBody>
-            <a:bodyPr rtlCol="0" anchor="ctr"/>
-            <a:lstStyle/>
-            <a:p>
-              <a:pPr algn="ctr"/>
-              <a:endParaRPr lang="en-US" dirty="0"/>
-            </a:p>
-          </p:txBody>
-        </p:sp>
-      </p:grpSp>
-      <p:sp>
-        <p:nvSpPr>
-          <p:cNvPr id="7" name="מלבן 6">
-            <a:extLst>
-              <a:ext uri="{FF2B5EF4-FFF2-40B4-BE49-F238E27FC236}">
-                <a16:creationId xmlns:a16="http://schemas.microsoft.com/office/drawing/2014/main" id="{71F76F5F-04F4-4100-A552-6105C7593593}"/>
-              </a:ext>
-            </a:extLst>
-          </p:cNvPr>
-          <p:cNvSpPr/>
-          <p:nvPr/>
-        </p:nvSpPr>
-        <p:spPr>
-          <a:xfrm>
-            <a:off x="311560" y="471207"/>
-            <a:ext cx="2803524" cy="923330"/>
+            <a:off x="7535330" y="2105470"/>
+            <a:ext cx="3217333" cy="3217333"/>
           </a:xfrm>
           <a:prstGeom prst="rect">
             <a:avLst/>
           </a:prstGeom>
-          <a:noFill/>
         </p:spPr>
-        <p:txBody>
-          <a:bodyPr wrap="none" lIns="91440" tIns="45720" rIns="91440" bIns="45720">
-            <a:spAutoFit/>
-          </a:bodyPr>
-          <a:lstStyle/>
-          <a:p>
-            <a:pPr algn="ctr"/>
-            <a:r>
-              <a:rPr lang="en-US" sz="5400" b="0" cap="none" spc="0" dirty="0">
-                <a:ln w="0"/>
-                <a:gradFill>
-                  <a:gsLst>
-                    <a:gs pos="0">
-                      <a:schemeClr val="accent5">
-                        <a:lumMod val="50000"/>
-                      </a:schemeClr>
-                    </a:gs>
-                    <a:gs pos="50000">
-                      <a:schemeClr val="accent5"/>
-                    </a:gs>
-                    <a:gs pos="100000">
-                      <a:schemeClr val="accent5">
-                        <a:lumMod val="60000"/>
-                        <a:lumOff val="40000"/>
-                      </a:schemeClr>
-                    </a:gs>
-                  </a:gsLst>
-                  <a:lin ang="5400000"/>
-                </a:gradFill>
-                <a:effectLst>
-                  <a:reflection blurRad="6350" stA="53000" endA="300" endPos="35500" dir="5400000" sy="-90000" algn="bl" rotWithShape="0"/>
-                </a:effectLst>
-              </a:rPr>
-              <a:t>Database</a:t>
-            </a:r>
-            <a:endParaRPr lang="he-IL" sz="5400" b="0" cap="none" spc="0" dirty="0">
-              <a:ln w="0"/>
-              <a:gradFill>
-                <a:gsLst>
-                  <a:gs pos="0">
-                    <a:schemeClr val="accent5">
-                      <a:lumMod val="50000"/>
-                    </a:schemeClr>
-                  </a:gs>
-                  <a:gs pos="50000">
-                    <a:schemeClr val="accent5"/>
-                  </a:gs>
-                  <a:gs pos="100000">
-                    <a:schemeClr val="accent5">
-                      <a:lumMod val="60000"/>
-                      <a:lumOff val="40000"/>
-                    </a:schemeClr>
-                  </a:gs>
-                </a:gsLst>
-                <a:lin ang="5400000"/>
-              </a:gradFill>
-              <a:effectLst>
-                <a:reflection blurRad="6350" stA="53000" endA="300" endPos="35500" dir="5400000" sy="-90000" algn="bl" rotWithShape="0"/>
-              </a:effectLst>
-            </a:endParaRPr>
-          </a:p>
-        </p:txBody>
-      </p:sp>
-      <p:sp>
-        <p:nvSpPr>
-          <p:cNvPr id="9" name="תיבת טקסט 8">
-            <a:extLst>
-              <a:ext uri="{FF2B5EF4-FFF2-40B4-BE49-F238E27FC236}">
-                <a16:creationId xmlns:a16="http://schemas.microsoft.com/office/drawing/2014/main" id="{3735085D-0D51-494A-939B-D5468C90F837}"/>
-              </a:ext>
-            </a:extLst>
-          </p:cNvPr>
-          <p:cNvSpPr txBox="1"/>
-          <p:nvPr/>
-        </p:nvSpPr>
-        <p:spPr>
-          <a:xfrm>
-            <a:off x="3426339" y="630535"/>
-            <a:ext cx="8576159" cy="5355312"/>
-          </a:xfrm>
-          <a:prstGeom prst="rect">
-            <a:avLst/>
-          </a:prstGeom>
-          <a:noFill/>
-        </p:spPr>
-        <p:txBody>
-          <a:bodyPr wrap="square" rtlCol="0">
-            <a:spAutoFit/>
-          </a:bodyPr>
-          <a:lstStyle/>
-          <a:p>
-            <a:pPr algn="l"/>
-            <a:r>
-              <a:rPr lang="en-US" dirty="0"/>
-              <a:t>Django supports numerous databases:</a:t>
-            </a:r>
-          </a:p>
-          <a:p>
-            <a:pPr marL="285750" indent="-285750" algn="l" rtl="0">
-              <a:buFont typeface="Arial" panose="020B0604020202020204" pitchFamily="34" charset="0"/>
-              <a:buChar char="•"/>
-            </a:pPr>
-            <a:r>
-              <a:rPr lang="en-US" dirty="0"/>
-              <a:t>PostgreSQL</a:t>
-            </a:r>
-          </a:p>
-          <a:p>
-            <a:pPr marL="285750" indent="-285750" algn="l" rtl="0">
-              <a:buFont typeface="Arial" panose="020B0604020202020204" pitchFamily="34" charset="0"/>
-              <a:buChar char="•"/>
-            </a:pPr>
-            <a:r>
-              <a:rPr lang="en-US" dirty="0"/>
-              <a:t>MariaDB</a:t>
-            </a:r>
-          </a:p>
-          <a:p>
-            <a:pPr marL="285750" indent="-285750" algn="l" rtl="0">
-              <a:buFont typeface="Arial" panose="020B0604020202020204" pitchFamily="34" charset="0"/>
-              <a:buChar char="•"/>
-            </a:pPr>
-            <a:r>
-              <a:rPr lang="en-US" dirty="0"/>
-              <a:t>MySQL</a:t>
-            </a:r>
-          </a:p>
-          <a:p>
-            <a:pPr marL="285750" indent="-285750" algn="l" rtl="0">
-              <a:buFont typeface="Arial" panose="020B0604020202020204" pitchFamily="34" charset="0"/>
-              <a:buChar char="•"/>
-            </a:pPr>
-            <a:r>
-              <a:rPr lang="en-US" dirty="0"/>
-              <a:t>Oracle</a:t>
-            </a:r>
-          </a:p>
-          <a:p>
-            <a:pPr marL="285750" indent="-285750" algn="l" rtl="0">
-              <a:buFont typeface="Arial" panose="020B0604020202020204" pitchFamily="34" charset="0"/>
-              <a:buChar char="•"/>
-            </a:pPr>
-            <a:r>
-              <a:rPr lang="en-US" dirty="0"/>
-              <a:t>SQLite</a:t>
-            </a:r>
-          </a:p>
-          <a:p>
-            <a:pPr algn="l" rtl="0"/>
-            <a:endParaRPr lang="en-US" dirty="0"/>
-          </a:p>
-          <a:p>
-            <a:pPr algn="l" rtl="0"/>
-            <a:r>
-              <a:rPr lang="en-US" dirty="0"/>
-              <a:t>About SQLite:</a:t>
-            </a:r>
-          </a:p>
-          <a:p>
-            <a:pPr algn="l" rtl="0"/>
-            <a:r>
-              <a:rPr lang="en-US"/>
-              <a:t>SQLite is </a:t>
-            </a:r>
-            <a:r>
-              <a:rPr lang="en-US" dirty="0"/>
-              <a:t>a relational database management system (RDBMS) contained in a C library. In contrast to many other database management systems, SQLite is not a client–server database engine. Rather, it is embedded into the end program.</a:t>
-            </a:r>
-          </a:p>
-          <a:p>
-            <a:pPr algn="l" rtl="0"/>
-            <a:endParaRPr lang="en-US" dirty="0"/>
-          </a:p>
-          <a:p>
-            <a:pPr algn="l" rtl="0"/>
-            <a:r>
-              <a:rPr lang="en-US" dirty="0"/>
-              <a:t>Why we decided to use SQLite in this project:</a:t>
-            </a:r>
-          </a:p>
-          <a:p>
-            <a:pPr marL="285750" indent="-285750" algn="l" rtl="0">
-              <a:buFont typeface="Arial" panose="020B0604020202020204" pitchFamily="34" charset="0"/>
-              <a:buChar char="•"/>
-            </a:pPr>
-            <a:r>
-              <a:rPr lang="en-US" b="0" i="0" dirty="0">
-                <a:solidFill>
-                  <a:srgbClr val="36344D"/>
-                </a:solidFill>
-                <a:effectLst/>
-                <a:latin typeface="Muli"/>
-              </a:rPr>
-              <a:t>Suitable for basic development and testing</a:t>
-            </a:r>
-          </a:p>
-          <a:p>
-            <a:pPr marL="285750" indent="-285750" algn="l" rtl="0">
-              <a:buFont typeface="Arial" panose="020B0604020202020204" pitchFamily="34" charset="0"/>
-              <a:buChar char="•"/>
-            </a:pPr>
-            <a:r>
-              <a:rPr lang="en-US" b="0" i="0" dirty="0">
-                <a:solidFill>
-                  <a:srgbClr val="36344D"/>
-                </a:solidFill>
-                <a:effectLst/>
-                <a:latin typeface="Muli"/>
-              </a:rPr>
-              <a:t>Easy to use</a:t>
-            </a:r>
-          </a:p>
-          <a:p>
-            <a:pPr marL="285750" indent="-285750" algn="l" rtl="0">
-              <a:buFont typeface="Arial" panose="020B0604020202020204" pitchFamily="34" charset="0"/>
-              <a:buChar char="•"/>
-            </a:pPr>
-            <a:r>
-              <a:rPr lang="en-US" b="0" i="0" dirty="0">
-                <a:solidFill>
-                  <a:srgbClr val="36344D"/>
-                </a:solidFill>
-                <a:effectLst/>
-                <a:latin typeface="Muli"/>
-              </a:rPr>
-              <a:t>Easily portable</a:t>
-            </a:r>
-          </a:p>
-          <a:p>
-            <a:pPr marL="285750" indent="-285750" algn="l" rtl="0">
-              <a:buFont typeface="Arial" panose="020B0604020202020204" pitchFamily="34" charset="0"/>
-              <a:buChar char="•"/>
-            </a:pPr>
-            <a:r>
-              <a:rPr lang="en-US" dirty="0"/>
-              <a:t>When scalability becomes an issue, Django’s framework allows us very easily migrate to a more advanced database such as MySQL.</a:t>
-            </a:r>
-          </a:p>
-          <a:p>
-            <a:pPr algn="l" rtl="0"/>
-            <a:endParaRPr lang="en-US" dirty="0"/>
-          </a:p>
-        </p:txBody>
-      </p:sp>
+      </p:pic>
     </p:spTree>
     <p:extLst>
       <p:ext uri="{BB962C8B-B14F-4D97-AF65-F5344CB8AC3E}">
@@ -9892,6 +8595,653 @@
       </p:par>
     </p:tnLst>
   </p:timing>
+</p:sld>
+</file>
+
+<file path=ppt/slides/slide4.xml><?xml version="1.0" encoding="utf-8"?>
+<p:sld xmlns:a="http://schemas.openxmlformats.org/drawingml/2006/main" xmlns:r="http://schemas.openxmlformats.org/officeDocument/2006/relationships" xmlns:p="http://schemas.openxmlformats.org/presentationml/2006/main">
+  <p:cSld>
+    <p:bg>
+      <p:bgPr>
+        <a:solidFill>
+          <a:schemeClr val="bg1"/>
+        </a:solidFill>
+        <a:effectLst/>
+      </p:bgPr>
+    </p:bg>
+    <p:spTree>
+      <p:nvGrpSpPr>
+        <p:cNvPr id="1" name=""/>
+        <p:cNvGrpSpPr/>
+        <p:nvPr/>
+      </p:nvGrpSpPr>
+      <p:grpSpPr>
+        <a:xfrm>
+          <a:off x="0" y="0"/>
+          <a:ext cx="0" cy="0"/>
+          <a:chOff x="0" y="0"/>
+          <a:chExt cx="0" cy="0"/>
+        </a:xfrm>
+      </p:grpSpPr>
+      <p:sp>
+        <p:nvSpPr>
+          <p:cNvPr id="71" name="Rectangle 70">
+            <a:extLst>
+              <a:ext uri="{FF2B5EF4-FFF2-40B4-BE49-F238E27FC236}">
+                <a16:creationId xmlns:a16="http://schemas.microsoft.com/office/drawing/2014/main" id="{24747089-0322-4B03-B224-817DD4C8B708}"/>
+              </a:ext>
+              <a:ext uri="{C183D7F6-B498-43B3-948B-1728B52AA6E4}">
+                <adec:decorative xmlns:adec="http://schemas.microsoft.com/office/drawing/2017/decorative" val="1"/>
+              </a:ext>
+            </a:extLst>
+          </p:cNvPr>
+          <p:cNvSpPr>
+            <a:spLocks noGrp="1" noRot="1" noChangeAspect="1" noMove="1" noResize="1" noEditPoints="1" noAdjustHandles="1" noChangeArrowheads="1" noChangeShapeType="1" noTextEdit="1"/>
+          </p:cNvSpPr>
+          <p:nvPr>
+            <p:extLst>
+              <p:ext uri="{386F3935-93C4-4BCD-93E2-E3B085C9AB24}">
+                <p16:designElem xmlns:p16="http://schemas.microsoft.com/office/powerpoint/2015/main" val="1"/>
+              </p:ext>
+            </p:extLst>
+          </p:nvPr>
+        </p:nvSpPr>
+        <p:spPr>
+          <a:xfrm>
+            <a:off x="0" y="0"/>
+            <a:ext cx="12192000" cy="6858000"/>
+          </a:xfrm>
+          <a:prstGeom prst="rect">
+            <a:avLst/>
+          </a:prstGeom>
+          <a:solidFill>
+            <a:schemeClr val="bg2"/>
+          </a:solidFill>
+          <a:ln>
+            <a:noFill/>
+          </a:ln>
+        </p:spPr>
+        <p:style>
+          <a:lnRef idx="2">
+            <a:schemeClr val="accent1">
+              <a:shade val="50000"/>
+            </a:schemeClr>
+          </a:lnRef>
+          <a:fillRef idx="1">
+            <a:schemeClr val="accent1"/>
+          </a:fillRef>
+          <a:effectRef idx="0">
+            <a:schemeClr val="accent1"/>
+          </a:effectRef>
+          <a:fontRef idx="minor">
+            <a:schemeClr val="lt1"/>
+          </a:fontRef>
+        </p:style>
+        <p:txBody>
+          <a:bodyPr rtlCol="0" anchor="ctr"/>
+          <a:lstStyle/>
+          <a:p>
+            <a:pPr algn="ctr"/>
+            <a:endParaRPr lang="en-US" dirty="0"/>
+          </a:p>
+        </p:txBody>
+      </p:sp>
+      <p:sp>
+        <p:nvSpPr>
+          <p:cNvPr id="73" name="Freeform: Shape 72">
+            <a:extLst>
+              <a:ext uri="{FF2B5EF4-FFF2-40B4-BE49-F238E27FC236}">
+                <a16:creationId xmlns:a16="http://schemas.microsoft.com/office/drawing/2014/main" id="{7228512D-3055-4911-A4D1-4A084C9C4201}"/>
+              </a:ext>
+              <a:ext uri="{C183D7F6-B498-43B3-948B-1728B52AA6E4}">
+                <adec:decorative xmlns:adec="http://schemas.microsoft.com/office/drawing/2017/decorative" val="1"/>
+              </a:ext>
+            </a:extLst>
+          </p:cNvPr>
+          <p:cNvSpPr>
+            <a:spLocks noGrp="1" noRot="1" noChangeAspect="1" noMove="1" noResize="1" noEditPoints="1" noAdjustHandles="1" noChangeArrowheads="1" noChangeShapeType="1" noTextEdit="1"/>
+          </p:cNvSpPr>
+          <p:nvPr>
+            <p:extLst>
+              <p:ext uri="{386F3935-93C4-4BCD-93E2-E3B085C9AB24}">
+                <p16:designElem xmlns:p16="http://schemas.microsoft.com/office/powerpoint/2015/main" val="1"/>
+              </p:ext>
+            </p:extLst>
+          </p:nvPr>
+        </p:nvSpPr>
+        <p:spPr>
+          <a:xfrm rot="18900000" flipH="1">
+            <a:off x="7933928" y="1372793"/>
+            <a:ext cx="6135300" cy="5537781"/>
+          </a:xfrm>
+          <a:custGeom>
+            <a:avLst/>
+            <a:gdLst>
+              <a:gd name="connsiteX0" fmla="*/ 0 w 6135300"/>
+              <a:gd name="connsiteY0" fmla="*/ 0 h 5537781"/>
+              <a:gd name="connsiteX1" fmla="*/ 6135300 w 6135300"/>
+              <a:gd name="connsiteY1" fmla="*/ 0 h 5537781"/>
+              <a:gd name="connsiteX2" fmla="*/ 6135300 w 6135300"/>
+              <a:gd name="connsiteY2" fmla="*/ 3548931 h 5537781"/>
+              <a:gd name="connsiteX3" fmla="*/ 4146451 w 6135300"/>
+              <a:gd name="connsiteY3" fmla="*/ 5537781 h 5537781"/>
+              <a:gd name="connsiteX4" fmla="*/ 0 w 6135300"/>
+              <a:gd name="connsiteY4" fmla="*/ 1391331 h 5537781"/>
+            </a:gdLst>
+            <a:ahLst/>
+            <a:cxnLst>
+              <a:cxn ang="0">
+                <a:pos x="connsiteX0" y="connsiteY0"/>
+              </a:cxn>
+              <a:cxn ang="0">
+                <a:pos x="connsiteX1" y="connsiteY1"/>
+              </a:cxn>
+              <a:cxn ang="0">
+                <a:pos x="connsiteX2" y="connsiteY2"/>
+              </a:cxn>
+              <a:cxn ang="0">
+                <a:pos x="connsiteX3" y="connsiteY3"/>
+              </a:cxn>
+              <a:cxn ang="0">
+                <a:pos x="connsiteX4" y="connsiteY4"/>
+              </a:cxn>
+            </a:cxnLst>
+            <a:rect l="l" t="t" r="r" b="b"/>
+            <a:pathLst>
+              <a:path w="6135300" h="5537781">
+                <a:moveTo>
+                  <a:pt x="0" y="0"/>
+                </a:moveTo>
+                <a:lnTo>
+                  <a:pt x="6135300" y="0"/>
+                </a:lnTo>
+                <a:lnTo>
+                  <a:pt x="6135300" y="3548931"/>
+                </a:lnTo>
+                <a:lnTo>
+                  <a:pt x="4146451" y="5537781"/>
+                </a:lnTo>
+                <a:lnTo>
+                  <a:pt x="0" y="1391331"/>
+                </a:lnTo>
+                <a:close/>
+              </a:path>
+            </a:pathLst>
+          </a:custGeom>
+          <a:solidFill>
+            <a:schemeClr val="accent1">
+              <a:alpha val="30000"/>
+            </a:schemeClr>
+          </a:solidFill>
+          <a:ln>
+            <a:noFill/>
+          </a:ln>
+        </p:spPr>
+        <p:style>
+          <a:lnRef idx="2">
+            <a:schemeClr val="accent1">
+              <a:shade val="50000"/>
+            </a:schemeClr>
+          </a:lnRef>
+          <a:fillRef idx="1">
+            <a:schemeClr val="accent1"/>
+          </a:fillRef>
+          <a:effectRef idx="0">
+            <a:schemeClr val="accent1"/>
+          </a:effectRef>
+          <a:fontRef idx="minor">
+            <a:schemeClr val="lt1"/>
+          </a:fontRef>
+        </p:style>
+        <p:txBody>
+          <a:bodyPr rtlCol="0" anchor="ctr"/>
+          <a:lstStyle/>
+          <a:p>
+            <a:pPr algn="ctr"/>
+            <a:endParaRPr lang="en-US"/>
+          </a:p>
+        </p:txBody>
+      </p:sp>
+      <p:sp>
+        <p:nvSpPr>
+          <p:cNvPr id="75" name="Isosceles Triangle 74">
+            <a:extLst>
+              <a:ext uri="{FF2B5EF4-FFF2-40B4-BE49-F238E27FC236}">
+                <a16:creationId xmlns:a16="http://schemas.microsoft.com/office/drawing/2014/main" id="{3C98C7BF-70D9-4D19-BD2D-D808991FDF60}"/>
+              </a:ext>
+              <a:ext uri="{C183D7F6-B498-43B3-948B-1728B52AA6E4}">
+                <adec:decorative xmlns:adec="http://schemas.microsoft.com/office/drawing/2017/decorative" val="1"/>
+              </a:ext>
+            </a:extLst>
+          </p:cNvPr>
+          <p:cNvSpPr>
+            <a:spLocks noGrp="1" noRot="1" noChangeAspect="1" noMove="1" noResize="1" noEditPoints="1" noAdjustHandles="1" noChangeArrowheads="1" noChangeShapeType="1" noTextEdit="1"/>
+          </p:cNvSpPr>
+          <p:nvPr>
+            <p:extLst>
+              <p:ext uri="{386F3935-93C4-4BCD-93E2-E3B085C9AB24}">
+                <p16:designElem xmlns:p16="http://schemas.microsoft.com/office/powerpoint/2015/main" val="1"/>
+              </p:ext>
+            </p:extLst>
+          </p:nvPr>
+        </p:nvSpPr>
+        <p:spPr>
+          <a:xfrm>
+            <a:off x="4783853" y="5272381"/>
+            <a:ext cx="3171238" cy="1585619"/>
+          </a:xfrm>
+          <a:prstGeom prst="triangle">
+            <a:avLst/>
+          </a:prstGeom>
+          <a:solidFill>
+            <a:schemeClr val="accent4">
+              <a:alpha val="30000"/>
+            </a:schemeClr>
+          </a:solidFill>
+          <a:ln>
+            <a:noFill/>
+          </a:ln>
+        </p:spPr>
+        <p:style>
+          <a:lnRef idx="2">
+            <a:schemeClr val="accent1">
+              <a:shade val="50000"/>
+            </a:schemeClr>
+          </a:lnRef>
+          <a:fillRef idx="1">
+            <a:schemeClr val="accent1"/>
+          </a:fillRef>
+          <a:effectRef idx="0">
+            <a:schemeClr val="accent1"/>
+          </a:effectRef>
+          <a:fontRef idx="minor">
+            <a:schemeClr val="lt1"/>
+          </a:fontRef>
+        </p:style>
+        <p:txBody>
+          <a:bodyPr rtlCol="0" anchor="ctr"/>
+          <a:lstStyle/>
+          <a:p>
+            <a:pPr algn="ctr"/>
+            <a:endParaRPr lang="en-US"/>
+          </a:p>
+        </p:txBody>
+      </p:sp>
+      <p:sp>
+        <p:nvSpPr>
+          <p:cNvPr id="77" name="Rectangle 76">
+            <a:extLst>
+              <a:ext uri="{FF2B5EF4-FFF2-40B4-BE49-F238E27FC236}">
+                <a16:creationId xmlns:a16="http://schemas.microsoft.com/office/drawing/2014/main" id="{B497CCB5-5FC2-473C-AFCC-2430CEF1DF71}"/>
+              </a:ext>
+              <a:ext uri="{C183D7F6-B498-43B3-948B-1728B52AA6E4}">
+                <adec:decorative xmlns:adec="http://schemas.microsoft.com/office/drawing/2017/decorative" val="1"/>
+              </a:ext>
+            </a:extLst>
+          </p:cNvPr>
+          <p:cNvSpPr>
+            <a:spLocks noGrp="1" noRot="1" noChangeAspect="1" noMove="1" noResize="1" noEditPoints="1" noAdjustHandles="1" noChangeArrowheads="1" noChangeShapeType="1" noTextEdit="1"/>
+          </p:cNvSpPr>
+          <p:nvPr>
+            <p:extLst>
+              <p:ext uri="{386F3935-93C4-4BCD-93E2-E3B085C9AB24}">
+                <p16:designElem xmlns:p16="http://schemas.microsoft.com/office/powerpoint/2015/main" val="1"/>
+              </p:ext>
+            </p:extLst>
+          </p:nvPr>
+        </p:nvSpPr>
+        <p:spPr>
+          <a:xfrm rot="2700000">
+            <a:off x="6940246" y="1742916"/>
+            <a:ext cx="3372170" cy="3372168"/>
+          </a:xfrm>
+          <a:prstGeom prst="rect">
+            <a:avLst/>
+          </a:prstGeom>
+          <a:solidFill>
+            <a:srgbClr val="FFFFFF"/>
+          </a:solidFill>
+          <a:ln>
+            <a:noFill/>
+          </a:ln>
+        </p:spPr>
+        <p:style>
+          <a:lnRef idx="2">
+            <a:schemeClr val="accent1">
+              <a:shade val="50000"/>
+            </a:schemeClr>
+          </a:lnRef>
+          <a:fillRef idx="1">
+            <a:schemeClr val="accent1"/>
+          </a:fillRef>
+          <a:effectRef idx="0">
+            <a:schemeClr val="accent1"/>
+          </a:effectRef>
+          <a:fontRef idx="minor">
+            <a:schemeClr val="lt1"/>
+          </a:fontRef>
+        </p:style>
+        <p:txBody>
+          <a:bodyPr rtlCol="0" anchor="ctr"/>
+          <a:lstStyle/>
+          <a:p>
+            <a:pPr algn="ctr"/>
+            <a:endParaRPr lang="en-US"/>
+          </a:p>
+        </p:txBody>
+      </p:sp>
+      <p:sp>
+        <p:nvSpPr>
+          <p:cNvPr id="79" name="Frame 78">
+            <a:extLst>
+              <a:ext uri="{FF2B5EF4-FFF2-40B4-BE49-F238E27FC236}">
+                <a16:creationId xmlns:a16="http://schemas.microsoft.com/office/drawing/2014/main" id="{599C8C75-BFDF-44E7-A028-EEB5EDD58817}"/>
+              </a:ext>
+              <a:ext uri="{C183D7F6-B498-43B3-948B-1728B52AA6E4}">
+                <adec:decorative xmlns:adec="http://schemas.microsoft.com/office/drawing/2017/decorative" val="1"/>
+              </a:ext>
+            </a:extLst>
+          </p:cNvPr>
+          <p:cNvSpPr>
+            <a:spLocks noGrp="1" noRot="1" noChangeAspect="1" noMove="1" noResize="1" noEditPoints="1" noAdjustHandles="1" noChangeArrowheads="1" noChangeShapeType="1" noTextEdit="1"/>
+          </p:cNvSpPr>
+          <p:nvPr>
+            <p:extLst>
+              <p:ext uri="{386F3935-93C4-4BCD-93E2-E3B085C9AB24}">
+                <p16:designElem xmlns:p16="http://schemas.microsoft.com/office/powerpoint/2015/main" val="1"/>
+              </p:ext>
+            </p:extLst>
+          </p:nvPr>
+        </p:nvSpPr>
+        <p:spPr>
+          <a:xfrm rot="2700000">
+            <a:off x="6501609" y="1304278"/>
+            <a:ext cx="4249446" cy="4249444"/>
+          </a:xfrm>
+          <a:prstGeom prst="frame">
+            <a:avLst>
+              <a:gd name="adj1" fmla="val 1195"/>
+            </a:avLst>
+          </a:prstGeom>
+          <a:solidFill>
+            <a:srgbClr val="FFFFFF">
+              <a:alpha val="60000"/>
+            </a:srgbClr>
+          </a:solidFill>
+          <a:ln>
+            <a:noFill/>
+          </a:ln>
+        </p:spPr>
+        <p:style>
+          <a:lnRef idx="2">
+            <a:schemeClr val="accent1">
+              <a:shade val="50000"/>
+            </a:schemeClr>
+          </a:lnRef>
+          <a:fillRef idx="1">
+            <a:schemeClr val="accent1"/>
+          </a:fillRef>
+          <a:effectRef idx="0">
+            <a:schemeClr val="accent1"/>
+          </a:effectRef>
+          <a:fontRef idx="minor">
+            <a:schemeClr val="lt1"/>
+          </a:fontRef>
+        </p:style>
+        <p:txBody>
+          <a:bodyPr rtlCol="0" anchor="ctr"/>
+          <a:lstStyle/>
+          <a:p>
+            <a:pPr algn="ctr"/>
+            <a:endParaRPr lang="en-US">
+              <a:solidFill>
+                <a:schemeClr val="tx1"/>
+              </a:solidFill>
+            </a:endParaRPr>
+          </a:p>
+        </p:txBody>
+      </p:sp>
+      <p:sp>
+        <p:nvSpPr>
+          <p:cNvPr id="4" name="מלבן 3">
+            <a:extLst>
+              <a:ext uri="{FF2B5EF4-FFF2-40B4-BE49-F238E27FC236}">
+                <a16:creationId xmlns:a16="http://schemas.microsoft.com/office/drawing/2014/main" id="{8EE8BF87-EB3B-4617-B19A-42E86015D13F}"/>
+              </a:ext>
+            </a:extLst>
+          </p:cNvPr>
+          <p:cNvSpPr/>
+          <p:nvPr/>
+        </p:nvSpPr>
+        <p:spPr>
+          <a:xfrm>
+            <a:off x="6817190" y="2721789"/>
+            <a:ext cx="3618284" cy="1345720"/>
+          </a:xfrm>
+          <a:prstGeom prst="rect">
+            <a:avLst/>
+          </a:prstGeom>
+          <a:noFill/>
+        </p:spPr>
+        <p:txBody>
+          <a:bodyPr vert="horz" lIns="91440" tIns="45720" rIns="91440" bIns="45720" rtlCol="0" anchor="ctr">
+            <a:normAutofit/>
+          </a:bodyPr>
+          <a:lstStyle/>
+          <a:p>
+            <a:pPr algn="ctr" rtl="0">
+              <a:lnSpc>
+                <a:spcPct val="90000"/>
+              </a:lnSpc>
+              <a:spcBef>
+                <a:spcPct val="0"/>
+              </a:spcBef>
+              <a:spcAft>
+                <a:spcPts val="600"/>
+              </a:spcAft>
+            </a:pPr>
+            <a:r>
+              <a:rPr lang="en-US" sz="2800" kern="1200">
+                <a:ln w="0"/>
+                <a:solidFill>
+                  <a:srgbClr val="080808"/>
+                </a:solidFill>
+                <a:effectLst>
+                  <a:reflection blurRad="6350" stA="53000" endA="300" endPos="35500" dir="5400000" sy="-90000" algn="bl" rotWithShape="0"/>
+                </a:effectLst>
+                <a:latin typeface="+mj-lt"/>
+                <a:ea typeface="+mj-ea"/>
+                <a:cs typeface="+mj-cs"/>
+              </a:rPr>
+              <a:t>Flowchart of the Project</a:t>
+            </a:r>
+            <a:endParaRPr lang="en-US" sz="2800" b="0" kern="1200" cap="none" spc="0">
+              <a:ln w="0"/>
+              <a:solidFill>
+                <a:srgbClr val="080808"/>
+              </a:solidFill>
+              <a:effectLst>
+                <a:reflection blurRad="6350" stA="53000" endA="300" endPos="35500" dir="5400000" sy="-90000" algn="bl" rotWithShape="0"/>
+              </a:effectLst>
+              <a:latin typeface="+mj-lt"/>
+              <a:ea typeface="+mj-ea"/>
+              <a:cs typeface="+mj-cs"/>
+            </a:endParaRPr>
+          </a:p>
+        </p:txBody>
+      </p:sp>
+      <p:sp>
+        <p:nvSpPr>
+          <p:cNvPr id="81" name="Freeform: Shape 80">
+            <a:extLst>
+              <a:ext uri="{FF2B5EF4-FFF2-40B4-BE49-F238E27FC236}">
+                <a16:creationId xmlns:a16="http://schemas.microsoft.com/office/drawing/2014/main" id="{FFD685C2-1A84-41DE-BFA0-0A068F83D2D2}"/>
+              </a:ext>
+              <a:ext uri="{C183D7F6-B498-43B3-948B-1728B52AA6E4}">
+                <adec:decorative xmlns:adec="http://schemas.microsoft.com/office/drawing/2017/decorative" val="1"/>
+              </a:ext>
+            </a:extLst>
+          </p:cNvPr>
+          <p:cNvSpPr>
+            <a:spLocks noGrp="1" noRot="1" noChangeAspect="1" noMove="1" noResize="1" noEditPoints="1" noAdjustHandles="1" noChangeArrowheads="1" noChangeShapeType="1" noTextEdit="1"/>
+          </p:cNvSpPr>
+          <p:nvPr>
+            <p:extLst>
+              <p:ext uri="{386F3935-93C4-4BCD-93E2-E3B085C9AB24}">
+                <p16:designElem xmlns:p16="http://schemas.microsoft.com/office/powerpoint/2015/main" val="1"/>
+              </p:ext>
+            </p:extLst>
+          </p:nvPr>
+        </p:nvSpPr>
+        <p:spPr>
+          <a:xfrm rot="18900000" flipH="1">
+            <a:off x="-914977" y="292975"/>
+            <a:ext cx="5056735" cy="9206602"/>
+          </a:xfrm>
+          <a:custGeom>
+            <a:avLst/>
+            <a:gdLst>
+              <a:gd name="connsiteX0" fmla="*/ 0 w 5053652"/>
+              <a:gd name="connsiteY0" fmla="*/ 209273 h 9200989"/>
+              <a:gd name="connsiteX1" fmla="*/ 209274 w 5053652"/>
+              <a:gd name="connsiteY1" fmla="*/ 0 h 9200989"/>
+              <a:gd name="connsiteX2" fmla="*/ 5053652 w 5053652"/>
+              <a:gd name="connsiteY2" fmla="*/ 4844379 h 9200989"/>
+              <a:gd name="connsiteX3" fmla="*/ 697042 w 5053652"/>
+              <a:gd name="connsiteY3" fmla="*/ 9200989 h 9200989"/>
+              <a:gd name="connsiteX4" fmla="*/ 0 w 5053652"/>
+              <a:gd name="connsiteY4" fmla="*/ 9200989 h 9200989"/>
+            </a:gdLst>
+            <a:ahLst/>
+            <a:cxnLst>
+              <a:cxn ang="0">
+                <a:pos x="connsiteX0" y="connsiteY0"/>
+              </a:cxn>
+              <a:cxn ang="0">
+                <a:pos x="connsiteX1" y="connsiteY1"/>
+              </a:cxn>
+              <a:cxn ang="0">
+                <a:pos x="connsiteX2" y="connsiteY2"/>
+              </a:cxn>
+              <a:cxn ang="0">
+                <a:pos x="connsiteX3" y="connsiteY3"/>
+              </a:cxn>
+              <a:cxn ang="0">
+                <a:pos x="connsiteX4" y="connsiteY4"/>
+              </a:cxn>
+            </a:cxnLst>
+            <a:rect l="l" t="t" r="r" b="b"/>
+            <a:pathLst>
+              <a:path w="5053652" h="9200989">
+                <a:moveTo>
+                  <a:pt x="0" y="209273"/>
+                </a:moveTo>
+                <a:lnTo>
+                  <a:pt x="209274" y="0"/>
+                </a:lnTo>
+                <a:lnTo>
+                  <a:pt x="5053652" y="4844379"/>
+                </a:lnTo>
+                <a:lnTo>
+                  <a:pt x="697042" y="9200989"/>
+                </a:lnTo>
+                <a:lnTo>
+                  <a:pt x="0" y="9200989"/>
+                </a:lnTo>
+                <a:close/>
+              </a:path>
+            </a:pathLst>
+          </a:custGeom>
+          <a:solidFill>
+            <a:schemeClr val="accent1">
+              <a:alpha val="30000"/>
+            </a:schemeClr>
+          </a:solidFill>
+          <a:ln>
+            <a:noFill/>
+          </a:ln>
+        </p:spPr>
+        <p:style>
+          <a:lnRef idx="2">
+            <a:schemeClr val="accent1">
+              <a:shade val="50000"/>
+            </a:schemeClr>
+          </a:lnRef>
+          <a:fillRef idx="1">
+            <a:schemeClr val="accent1"/>
+          </a:fillRef>
+          <a:effectRef idx="0">
+            <a:schemeClr val="accent1"/>
+          </a:effectRef>
+          <a:fontRef idx="minor">
+            <a:schemeClr val="lt1"/>
+          </a:fontRef>
+        </p:style>
+        <p:txBody>
+          <a:bodyPr rtlCol="0" anchor="ctr"/>
+          <a:lstStyle/>
+          <a:p>
+            <a:pPr algn="ctr"/>
+            <a:endParaRPr lang="en-US"/>
+          </a:p>
+        </p:txBody>
+      </p:sp>
+      <p:pic>
+        <p:nvPicPr>
+          <p:cNvPr id="1026" name="Picture 2">
+            <a:extLst>
+              <a:ext uri="{FF2B5EF4-FFF2-40B4-BE49-F238E27FC236}">
+                <a16:creationId xmlns:a16="http://schemas.microsoft.com/office/drawing/2014/main" id="{5C94F097-DD3F-4DFA-AD4F-D2CD11615A1D}"/>
+              </a:ext>
+            </a:extLst>
+          </p:cNvPr>
+          <p:cNvPicPr>
+            <a:picLocks noChangeAspect="1" noChangeArrowheads="1"/>
+          </p:cNvPicPr>
+          <p:nvPr/>
+        </p:nvPicPr>
+        <p:blipFill>
+          <a:blip r:embed="rId2">
+            <a:extLst>
+              <a:ext uri="{28A0092B-C50C-407E-A947-70E740481C1C}">
+                <a14:useLocalDpi xmlns:a14="http://schemas.microsoft.com/office/drawing/2010/main" val="0"/>
+              </a:ext>
+            </a:extLst>
+          </a:blip>
+          <a:stretch>
+            <a:fillRect/>
+          </a:stretch>
+        </p:blipFill>
+        <p:spPr bwMode="auto">
+          <a:xfrm>
+            <a:off x="706089" y="95077"/>
+            <a:ext cx="4467455" cy="6667845"/>
+          </a:xfrm>
+          <a:prstGeom prst="rect">
+            <a:avLst/>
+          </a:prstGeom>
+          <a:noFill/>
+          <a:extLst>
+            <a:ext uri="{909E8E84-426E-40DD-AFC4-6F175D3DCCD1}">
+              <a14:hiddenFill xmlns:a14="http://schemas.microsoft.com/office/drawing/2010/main">
+                <a:solidFill>
+                  <a:srgbClr val="FFFFFF"/>
+                </a:solidFill>
+              </a14:hiddenFill>
+            </a:ext>
+          </a:extLst>
+        </p:spPr>
+      </p:pic>
+    </p:spTree>
+    <p:extLst>
+      <p:ext uri="{BB962C8B-B14F-4D97-AF65-F5344CB8AC3E}">
+        <p14:creationId xmlns:p14="http://schemas.microsoft.com/office/powerpoint/2010/main" val="2660270932"/>
+      </p:ext>
+    </p:extLst>
+  </p:cSld>
+  <p:clrMapOvr>
+    <a:masterClrMapping/>
+  </p:clrMapOvr>
 </p:sld>
 </file>
 

--- a/Project Presentation Slides.pptx
+++ b/Project Presentation Slides.pptx
@@ -8,7 +8,21 @@
     <p:sldId id="256" r:id="rId2"/>
     <p:sldId id="257" r:id="rId3"/>
     <p:sldId id="258" r:id="rId4"/>
-    <p:sldId id="259" r:id="rId5"/>
+    <p:sldId id="271" r:id="rId5"/>
+    <p:sldId id="259" r:id="rId6"/>
+    <p:sldId id="260" r:id="rId7"/>
+    <p:sldId id="261" r:id="rId8"/>
+    <p:sldId id="262" r:id="rId9"/>
+    <p:sldId id="265" r:id="rId10"/>
+    <p:sldId id="264" r:id="rId11"/>
+    <p:sldId id="266" r:id="rId12"/>
+    <p:sldId id="267" r:id="rId13"/>
+    <p:sldId id="268" r:id="rId14"/>
+    <p:sldId id="269" r:id="rId15"/>
+    <p:sldId id="270" r:id="rId16"/>
+    <p:sldId id="272" r:id="rId17"/>
+    <p:sldId id="273" r:id="rId18"/>
+    <p:sldId id="274" r:id="rId19"/>
   </p:sldIdLst>
   <p:sldSz cx="12192000" cy="6858000"/>
   <p:notesSz cx="6858000" cy="9144000"/>
@@ -107,6 +121,37 @@
       </a:defRPr>
     </a:lvl9pPr>
   </p:defaultTextStyle>
+  <p:extLst>
+    <p:ext uri="{521415D9-36F7-43E2-AB2F-B90AF26B5E84}">
+      <p14:sectionLst xmlns:p14="http://schemas.microsoft.com/office/powerpoint/2010/main">
+        <p14:section name="מקטע ברירת מחדל" id="{BCA2DBF2-5C94-47D3-880F-3597446A5A6C}">
+          <p14:sldIdLst>
+            <p14:sldId id="256"/>
+            <p14:sldId id="257"/>
+            <p14:sldId id="258"/>
+            <p14:sldId id="271"/>
+            <p14:sldId id="259"/>
+            <p14:sldId id="260"/>
+            <p14:sldId id="261"/>
+            <p14:sldId id="262"/>
+            <p14:sldId id="265"/>
+            <p14:sldId id="264"/>
+            <p14:sldId id="266"/>
+            <p14:sldId id="267"/>
+            <p14:sldId id="268"/>
+            <p14:sldId id="269"/>
+            <p14:sldId id="270"/>
+            <p14:sldId id="272"/>
+            <p14:sldId id="273"/>
+            <p14:sldId id="274"/>
+          </p14:sldIdLst>
+        </p14:section>
+      </p14:sectionLst>
+    </p:ext>
+    <p:ext uri="{EFAFB233-063F-42B5-8137-9DF3F51BA10A}">
+      <p15:sldGuideLst xmlns:p15="http://schemas.microsoft.com/office/powerpoint/2012/main"/>
+    </p:ext>
+  </p:extLst>
 </p:presentation>
 </file>
 
@@ -1051,7 +1096,11 @@
         <a:lstStyle/>
         <a:p>
           <a:r>
-            <a:rPr lang="en-US"/>
+            <a:rPr lang="en-US" dirty="0">
+              <a:latin typeface="Lato" panose="020F0502020204030203" pitchFamily="34" charset="0"/>
+              <a:ea typeface="Lato" panose="020F0502020204030203" pitchFamily="34" charset="0"/>
+              <a:cs typeface="Lato" panose="020F0502020204030203" pitchFamily="34" charset="0"/>
+            </a:rPr>
             <a:t>Object Oriented</a:t>
           </a:r>
         </a:p>
@@ -1087,7 +1136,11 @@
         <a:lstStyle/>
         <a:p>
           <a:r>
-            <a:rPr lang="en-US"/>
+            <a:rPr lang="en-US" dirty="0">
+              <a:latin typeface="Lato" panose="020F0502020204030203" pitchFamily="34" charset="0"/>
+              <a:ea typeface="Lato" panose="020F0502020204030203" pitchFamily="34" charset="0"/>
+              <a:cs typeface="Lato" panose="020F0502020204030203" pitchFamily="34" charset="0"/>
+            </a:rPr>
             <a:t>Procedural</a:t>
           </a:r>
         </a:p>
@@ -1123,7 +1176,11 @@
         <a:lstStyle/>
         <a:p>
           <a:r>
-            <a:rPr lang="en-US"/>
+            <a:rPr lang="en-US">
+              <a:latin typeface="Lato" panose="020F0502020204030203" pitchFamily="34" charset="0"/>
+              <a:ea typeface="Lato" panose="020F0502020204030203" pitchFamily="34" charset="0"/>
+              <a:cs typeface="Lato" panose="020F0502020204030203" pitchFamily="34" charset="0"/>
+            </a:rPr>
             <a:t>Functional</a:t>
           </a:r>
         </a:p>
@@ -1159,7 +1216,11 @@
         <a:lstStyle/>
         <a:p>
           <a:r>
-            <a:rPr lang="en-US"/>
+            <a:rPr lang="en-US" dirty="0">
+              <a:latin typeface="Lato" panose="020F0502020204030203" pitchFamily="34" charset="0"/>
+              <a:ea typeface="Lato" panose="020F0502020204030203" pitchFamily="34" charset="0"/>
+              <a:cs typeface="Lato" panose="020F0502020204030203" pitchFamily="34" charset="0"/>
+            </a:rPr>
             <a:t>Structured</a:t>
           </a:r>
         </a:p>
@@ -1195,7 +1256,11 @@
         <a:lstStyle/>
         <a:p>
           <a:r>
-            <a:rPr lang="en-US"/>
+            <a:rPr lang="en-US" dirty="0">
+              <a:latin typeface="Lato" panose="020F0502020204030203" pitchFamily="34" charset="0"/>
+              <a:ea typeface="Lato" panose="020F0502020204030203" pitchFamily="34" charset="0"/>
+              <a:cs typeface="Lato" panose="020F0502020204030203" pitchFamily="34" charset="0"/>
+            </a:rPr>
             <a:t>Dynamically Typed</a:t>
           </a:r>
         </a:p>
@@ -1231,7 +1296,11 @@
         <a:lstStyle/>
         <a:p>
           <a:r>
-            <a:rPr lang="en-US"/>
+            <a:rPr lang="en-US" dirty="0">
+              <a:latin typeface="Lato" panose="020F0502020204030203" pitchFamily="34" charset="0"/>
+              <a:ea typeface="Lato" panose="020F0502020204030203" pitchFamily="34" charset="0"/>
+              <a:cs typeface="Lato" panose="020F0502020204030203" pitchFamily="34" charset="0"/>
+            </a:rPr>
             <a:t>Strongly Typed</a:t>
           </a:r>
         </a:p>
@@ -1267,7 +1336,11 @@
         <a:lstStyle/>
         <a:p>
           <a:r>
-            <a:rPr lang="en-US"/>
+            <a:rPr lang="en-US" dirty="0">
+              <a:latin typeface="Lato" panose="020F0502020204030203" pitchFamily="34" charset="0"/>
+              <a:ea typeface="Lato" panose="020F0502020204030203" pitchFamily="34" charset="0"/>
+              <a:cs typeface="Lato" panose="020F0502020204030203" pitchFamily="34" charset="0"/>
+            </a:rPr>
             <a:t>Garbage Collected</a:t>
           </a:r>
         </a:p>
@@ -1483,12 +1556,12 @@
         </a:fontRef>
       </dsp:style>
       <dsp:txBody>
-        <a:bodyPr spcFirstLastPara="0" vert="horz" wrap="square" lIns="129540" tIns="129540" rIns="129540" bIns="129540" numCol="1" spcCol="1270" anchor="ctr" anchorCtr="0">
+        <a:bodyPr spcFirstLastPara="0" vert="horz" wrap="square" lIns="121920" tIns="121920" rIns="121920" bIns="121920" numCol="1" spcCol="1270" anchor="ctr" anchorCtr="0">
           <a:noAutofit/>
         </a:bodyPr>
         <a:lstStyle/>
         <a:p>
-          <a:pPr marL="0" lvl="0" indent="0" algn="ctr" defTabSz="1511300">
+          <a:pPr marL="0" lvl="0" indent="0" algn="ctr" defTabSz="1422400">
             <a:lnSpc>
               <a:spcPct val="90000"/>
             </a:lnSpc>
@@ -1501,7 +1574,11 @@
             <a:buNone/>
           </a:pPr>
           <a:r>
-            <a:rPr lang="en-US" sz="3400" kern="1200"/>
+            <a:rPr lang="en-US" sz="3200" kern="1200" dirty="0">
+              <a:latin typeface="Lato" panose="020F0502020204030203" pitchFamily="34" charset="0"/>
+              <a:ea typeface="Lato" panose="020F0502020204030203" pitchFamily="34" charset="0"/>
+              <a:cs typeface="Lato" panose="020F0502020204030203" pitchFamily="34" charset="0"/>
+            </a:rPr>
             <a:t>Object Oriented</a:t>
           </a:r>
         </a:p>
@@ -1561,12 +1638,12 @@
         </a:fontRef>
       </dsp:style>
       <dsp:txBody>
-        <a:bodyPr spcFirstLastPara="0" vert="horz" wrap="square" lIns="129540" tIns="129540" rIns="129540" bIns="129540" numCol="1" spcCol="1270" anchor="ctr" anchorCtr="0">
+        <a:bodyPr spcFirstLastPara="0" vert="horz" wrap="square" lIns="121920" tIns="121920" rIns="121920" bIns="121920" numCol="1" spcCol="1270" anchor="ctr" anchorCtr="0">
           <a:noAutofit/>
         </a:bodyPr>
         <a:lstStyle/>
         <a:p>
-          <a:pPr marL="0" lvl="0" indent="0" algn="ctr" defTabSz="1511300">
+          <a:pPr marL="0" lvl="0" indent="0" algn="ctr" defTabSz="1422400">
             <a:lnSpc>
               <a:spcPct val="90000"/>
             </a:lnSpc>
@@ -1579,7 +1656,11 @@
             <a:buNone/>
           </a:pPr>
           <a:r>
-            <a:rPr lang="en-US" sz="3400" kern="1200"/>
+            <a:rPr lang="en-US" sz="3200" kern="1200" dirty="0">
+              <a:latin typeface="Lato" panose="020F0502020204030203" pitchFamily="34" charset="0"/>
+              <a:ea typeface="Lato" panose="020F0502020204030203" pitchFamily="34" charset="0"/>
+              <a:cs typeface="Lato" panose="020F0502020204030203" pitchFamily="34" charset="0"/>
+            </a:rPr>
             <a:t>Procedural</a:t>
           </a:r>
         </a:p>
@@ -1639,12 +1720,12 @@
         </a:fontRef>
       </dsp:style>
       <dsp:txBody>
-        <a:bodyPr spcFirstLastPara="0" vert="horz" wrap="square" lIns="129540" tIns="129540" rIns="129540" bIns="129540" numCol="1" spcCol="1270" anchor="ctr" anchorCtr="0">
+        <a:bodyPr spcFirstLastPara="0" vert="horz" wrap="square" lIns="121920" tIns="121920" rIns="121920" bIns="121920" numCol="1" spcCol="1270" anchor="ctr" anchorCtr="0">
           <a:noAutofit/>
         </a:bodyPr>
         <a:lstStyle/>
         <a:p>
-          <a:pPr marL="0" lvl="0" indent="0" algn="ctr" defTabSz="1511300">
+          <a:pPr marL="0" lvl="0" indent="0" algn="ctr" defTabSz="1422400">
             <a:lnSpc>
               <a:spcPct val="90000"/>
             </a:lnSpc>
@@ -1657,7 +1738,11 @@
             <a:buNone/>
           </a:pPr>
           <a:r>
-            <a:rPr lang="en-US" sz="3400" kern="1200"/>
+            <a:rPr lang="en-US" sz="3200" kern="1200">
+              <a:latin typeface="Lato" panose="020F0502020204030203" pitchFamily="34" charset="0"/>
+              <a:ea typeface="Lato" panose="020F0502020204030203" pitchFamily="34" charset="0"/>
+              <a:cs typeface="Lato" panose="020F0502020204030203" pitchFamily="34" charset="0"/>
+            </a:rPr>
             <a:t>Functional</a:t>
           </a:r>
         </a:p>
@@ -1717,12 +1802,12 @@
         </a:fontRef>
       </dsp:style>
       <dsp:txBody>
-        <a:bodyPr spcFirstLastPara="0" vert="horz" wrap="square" lIns="129540" tIns="129540" rIns="129540" bIns="129540" numCol="1" spcCol="1270" anchor="ctr" anchorCtr="0">
+        <a:bodyPr spcFirstLastPara="0" vert="horz" wrap="square" lIns="121920" tIns="121920" rIns="121920" bIns="121920" numCol="1" spcCol="1270" anchor="ctr" anchorCtr="0">
           <a:noAutofit/>
         </a:bodyPr>
         <a:lstStyle/>
         <a:p>
-          <a:pPr marL="0" lvl="0" indent="0" algn="ctr" defTabSz="1511300">
+          <a:pPr marL="0" lvl="0" indent="0" algn="ctr" defTabSz="1422400">
             <a:lnSpc>
               <a:spcPct val="90000"/>
             </a:lnSpc>
@@ -1735,7 +1820,11 @@
             <a:buNone/>
           </a:pPr>
           <a:r>
-            <a:rPr lang="en-US" sz="3400" kern="1200"/>
+            <a:rPr lang="en-US" sz="3200" kern="1200" dirty="0">
+              <a:latin typeface="Lato" panose="020F0502020204030203" pitchFamily="34" charset="0"/>
+              <a:ea typeface="Lato" panose="020F0502020204030203" pitchFamily="34" charset="0"/>
+              <a:cs typeface="Lato" panose="020F0502020204030203" pitchFamily="34" charset="0"/>
+            </a:rPr>
             <a:t>Structured</a:t>
           </a:r>
         </a:p>
@@ -1795,12 +1884,12 @@
         </a:fontRef>
       </dsp:style>
       <dsp:txBody>
-        <a:bodyPr spcFirstLastPara="0" vert="horz" wrap="square" lIns="129540" tIns="129540" rIns="129540" bIns="129540" numCol="1" spcCol="1270" anchor="ctr" anchorCtr="0">
+        <a:bodyPr spcFirstLastPara="0" vert="horz" wrap="square" lIns="121920" tIns="121920" rIns="121920" bIns="121920" numCol="1" spcCol="1270" anchor="ctr" anchorCtr="0">
           <a:noAutofit/>
         </a:bodyPr>
         <a:lstStyle/>
         <a:p>
-          <a:pPr marL="0" lvl="0" indent="0" algn="ctr" defTabSz="1511300">
+          <a:pPr marL="0" lvl="0" indent="0" algn="ctr" defTabSz="1422400">
             <a:lnSpc>
               <a:spcPct val="90000"/>
             </a:lnSpc>
@@ -1813,7 +1902,11 @@
             <a:buNone/>
           </a:pPr>
           <a:r>
-            <a:rPr lang="en-US" sz="3400" kern="1200"/>
+            <a:rPr lang="en-US" sz="3200" kern="1200" dirty="0">
+              <a:latin typeface="Lato" panose="020F0502020204030203" pitchFamily="34" charset="0"/>
+              <a:ea typeface="Lato" panose="020F0502020204030203" pitchFamily="34" charset="0"/>
+              <a:cs typeface="Lato" panose="020F0502020204030203" pitchFamily="34" charset="0"/>
+            </a:rPr>
             <a:t>Dynamically Typed</a:t>
           </a:r>
         </a:p>
@@ -1873,12 +1966,12 @@
         </a:fontRef>
       </dsp:style>
       <dsp:txBody>
-        <a:bodyPr spcFirstLastPara="0" vert="horz" wrap="square" lIns="129540" tIns="129540" rIns="129540" bIns="129540" numCol="1" spcCol="1270" anchor="ctr" anchorCtr="0">
+        <a:bodyPr spcFirstLastPara="0" vert="horz" wrap="square" lIns="121920" tIns="121920" rIns="121920" bIns="121920" numCol="1" spcCol="1270" anchor="ctr" anchorCtr="0">
           <a:noAutofit/>
         </a:bodyPr>
         <a:lstStyle/>
         <a:p>
-          <a:pPr marL="0" lvl="0" indent="0" algn="ctr" defTabSz="1511300">
+          <a:pPr marL="0" lvl="0" indent="0" algn="ctr" defTabSz="1422400">
             <a:lnSpc>
               <a:spcPct val="90000"/>
             </a:lnSpc>
@@ -1891,7 +1984,11 @@
             <a:buNone/>
           </a:pPr>
           <a:r>
-            <a:rPr lang="en-US" sz="3400" kern="1200"/>
+            <a:rPr lang="en-US" sz="3200" kern="1200" dirty="0">
+              <a:latin typeface="Lato" panose="020F0502020204030203" pitchFamily="34" charset="0"/>
+              <a:ea typeface="Lato" panose="020F0502020204030203" pitchFamily="34" charset="0"/>
+              <a:cs typeface="Lato" panose="020F0502020204030203" pitchFamily="34" charset="0"/>
+            </a:rPr>
             <a:t>Strongly Typed</a:t>
           </a:r>
         </a:p>
@@ -1951,12 +2048,12 @@
         </a:fontRef>
       </dsp:style>
       <dsp:txBody>
-        <a:bodyPr spcFirstLastPara="0" vert="horz" wrap="square" lIns="129540" tIns="129540" rIns="129540" bIns="129540" numCol="1" spcCol="1270" anchor="ctr" anchorCtr="0">
+        <a:bodyPr spcFirstLastPara="0" vert="horz" wrap="square" lIns="121920" tIns="121920" rIns="121920" bIns="121920" numCol="1" spcCol="1270" anchor="ctr" anchorCtr="0">
           <a:noAutofit/>
         </a:bodyPr>
         <a:lstStyle/>
         <a:p>
-          <a:pPr marL="0" lvl="0" indent="0" algn="ctr" defTabSz="1511300">
+          <a:pPr marL="0" lvl="0" indent="0" algn="ctr" defTabSz="1422400">
             <a:lnSpc>
               <a:spcPct val="90000"/>
             </a:lnSpc>
@@ -1969,7 +2066,11 @@
             <a:buNone/>
           </a:pPr>
           <a:r>
-            <a:rPr lang="en-US" sz="3400" kern="1200"/>
+            <a:rPr lang="en-US" sz="3200" kern="1200" dirty="0">
+              <a:latin typeface="Lato" panose="020F0502020204030203" pitchFamily="34" charset="0"/>
+              <a:ea typeface="Lato" panose="020F0502020204030203" pitchFamily="34" charset="0"/>
+              <a:cs typeface="Lato" panose="020F0502020204030203" pitchFamily="34" charset="0"/>
+            </a:rPr>
             <a:t>Garbage Collected</a:t>
           </a:r>
         </a:p>
@@ -3313,7 +3414,7 @@
           <a:p>
             <a:fld id="{48A87A34-81AB-432B-8DAE-1953F412C126}" type="datetimeFigureOut">
               <a:rPr lang="en-US" smtClean="0"/>
-              <a:t>12/24/2021</a:t>
+              <a:t>12/26/2021</a:t>
             </a:fld>
             <a:endParaRPr lang="en-US" dirty="0"/>
           </a:p>
@@ -3514,7 +3615,7 @@
             <a:fld id="{48A87A34-81AB-432B-8DAE-1953F412C126}" type="datetimeFigureOut">
               <a:rPr lang="en-US" smtClean="0"/>
               <a:pPr/>
-              <a:t>12/24/2021</a:t>
+              <a:t>12/26/2021</a:t>
             </a:fld>
             <a:endParaRPr lang="en-US" dirty="0"/>
           </a:p>
@@ -3726,7 +3827,7 @@
             <a:fld id="{48A87A34-81AB-432B-8DAE-1953F412C126}" type="datetimeFigureOut">
               <a:rPr lang="en-US" smtClean="0"/>
               <a:pPr/>
-              <a:t>12/24/2021</a:t>
+              <a:t>12/26/2021</a:t>
             </a:fld>
             <a:endParaRPr lang="en-US" dirty="0"/>
           </a:p>
@@ -3928,7 +4029,7 @@
             <a:fld id="{48A87A34-81AB-432B-8DAE-1953F412C126}" type="datetimeFigureOut">
               <a:rPr lang="en-US" smtClean="0"/>
               <a:pPr/>
-              <a:t>12/24/2021</a:t>
+              <a:t>12/26/2021</a:t>
             </a:fld>
             <a:endParaRPr lang="en-US" dirty="0"/>
           </a:p>
@@ -4205,7 +4306,7 @@
           <a:p>
             <a:fld id="{48A87A34-81AB-432B-8DAE-1953F412C126}" type="datetimeFigureOut">
               <a:rPr lang="en-US" smtClean="0"/>
-              <a:t>12/24/2021</a:t>
+              <a:t>12/26/2021</a:t>
             </a:fld>
             <a:endParaRPr lang="en-US" dirty="0"/>
           </a:p>
@@ -4474,7 +4575,7 @@
             <a:fld id="{48A87A34-81AB-432B-8DAE-1953F412C126}" type="datetimeFigureOut">
               <a:rPr lang="en-US" smtClean="0"/>
               <a:pPr/>
-              <a:t>12/24/2021</a:t>
+              <a:t>12/26/2021</a:t>
             </a:fld>
             <a:endParaRPr lang="en-US" dirty="0"/>
           </a:p>
@@ -4891,7 +4992,7 @@
             <a:fld id="{48A87A34-81AB-432B-8DAE-1953F412C126}" type="datetimeFigureOut">
               <a:rPr lang="en-US" smtClean="0"/>
               <a:pPr/>
-              <a:t>12/24/2021</a:t>
+              <a:t>12/26/2021</a:t>
             </a:fld>
             <a:endParaRPr lang="en-US" dirty="0"/>
           </a:p>
@@ -5034,7 +5135,7 @@
           <a:p>
             <a:fld id="{48A87A34-81AB-432B-8DAE-1953F412C126}" type="datetimeFigureOut">
               <a:rPr lang="en-US" smtClean="0"/>
-              <a:t>12/24/2021</a:t>
+              <a:t>12/26/2021</a:t>
             </a:fld>
             <a:endParaRPr lang="en-US" dirty="0"/>
           </a:p>
@@ -5147,7 +5248,7 @@
           <a:p>
             <a:fld id="{48A87A34-81AB-432B-8DAE-1953F412C126}" type="datetimeFigureOut">
               <a:rPr lang="en-US" smtClean="0"/>
-              <a:t>12/24/2021</a:t>
+              <a:t>12/26/2021</a:t>
             </a:fld>
             <a:endParaRPr lang="en-US" dirty="0"/>
           </a:p>
@@ -5461,7 +5562,7 @@
             <a:fld id="{48A87A34-81AB-432B-8DAE-1953F412C126}" type="datetimeFigureOut">
               <a:rPr lang="en-US" smtClean="0"/>
               <a:pPr/>
-              <a:t>12/24/2021</a:t>
+              <a:t>12/26/2021</a:t>
             </a:fld>
             <a:endParaRPr lang="en-US" dirty="0"/>
           </a:p>
@@ -5751,7 +5852,7 @@
           <a:p>
             <a:fld id="{48A87A34-81AB-432B-8DAE-1953F412C126}" type="datetimeFigureOut">
               <a:rPr lang="en-US" smtClean="0"/>
-              <a:t>12/24/2021</a:t>
+              <a:t>12/26/2021</a:t>
             </a:fld>
             <a:endParaRPr lang="en-US" dirty="0"/>
           </a:p>
@@ -5995,7 +6096,7 @@
             <a:fld id="{48A87A34-81AB-432B-8DAE-1953F412C126}" type="datetimeFigureOut">
               <a:rPr lang="en-US" smtClean="0"/>
               <a:pPr/>
-              <a:t>12/24/2021</a:t>
+              <a:t>12/26/2021</a:t>
             </a:fld>
             <a:endParaRPr lang="en-US" dirty="0"/>
           </a:p>
@@ -6645,13 +6746,13 @@
               </a:spcAft>
             </a:pPr>
             <a:r>
-              <a:rPr lang="en-US" sz="2800" kern="1200" dirty="0">
+              <a:rPr lang="en-US" sz="2400" kern="1200" dirty="0">
                 <a:solidFill>
                   <a:srgbClr val="080808"/>
                 </a:solidFill>
-                <a:latin typeface="+mj-lt"/>
-                <a:ea typeface="+mj-ea"/>
-                <a:cs typeface="+mj-cs"/>
+                <a:latin typeface="Lato" panose="020F0502020204030203" pitchFamily="34" charset="0"/>
+                <a:ea typeface="Lato" panose="020F0502020204030203" pitchFamily="34" charset="0"/>
+                <a:cs typeface="Lato" panose="020F0502020204030203" pitchFamily="34" charset="0"/>
               </a:rPr>
               <a:t>Topics in Programming Languages</a:t>
             </a:r>
@@ -6668,13 +6769,13 @@
                 <a:spcPts val="600"/>
               </a:spcAft>
             </a:pPr>
-            <a:endParaRPr lang="en-US" sz="2800" kern="1200" dirty="0">
+            <a:endParaRPr lang="en-US" sz="2400" kern="1200" dirty="0">
               <a:solidFill>
                 <a:srgbClr val="080808"/>
               </a:solidFill>
-              <a:latin typeface="+mj-lt"/>
-              <a:ea typeface="+mj-ea"/>
-              <a:cs typeface="+mj-cs"/>
+              <a:latin typeface="Lato" panose="020F0502020204030203" pitchFamily="34" charset="0"/>
+              <a:ea typeface="Lato" panose="020F0502020204030203" pitchFamily="34" charset="0"/>
+              <a:cs typeface="Lato" panose="020F0502020204030203" pitchFamily="34" charset="0"/>
             </a:endParaRPr>
           </a:p>
         </p:txBody>
@@ -6780,22 +6881,42 @@
           <a:p>
             <a:pPr algn="l"/>
             <a:r>
-              <a:rPr lang="en-US" dirty="0"/>
+              <a:rPr lang="en-US" dirty="0">
+                <a:latin typeface="Lato" panose="020F0502020204030203" pitchFamily="34" charset="0"/>
+                <a:ea typeface="Lato" panose="020F0502020204030203" pitchFamily="34" charset="0"/>
+                <a:cs typeface="Lato" panose="020F0502020204030203" pitchFamily="34" charset="0"/>
+              </a:rPr>
               <a:t>Max Gelmadin &amp; </a:t>
             </a:r>
             <a:r>
-              <a:rPr lang="en-US" dirty="0" err="1"/>
+              <a:rPr lang="en-US" dirty="0" err="1">
+                <a:latin typeface="Lato" panose="020F0502020204030203" pitchFamily="34" charset="0"/>
+                <a:ea typeface="Lato" panose="020F0502020204030203" pitchFamily="34" charset="0"/>
+                <a:cs typeface="Lato" panose="020F0502020204030203" pitchFamily="34" charset="0"/>
+              </a:rPr>
               <a:t>Lior</a:t>
             </a:r>
             <a:r>
-              <a:rPr lang="en-US" dirty="0"/>
+              <a:rPr lang="en-US" dirty="0">
+                <a:latin typeface="Lato" panose="020F0502020204030203" pitchFamily="34" charset="0"/>
+                <a:ea typeface="Lato" panose="020F0502020204030203" pitchFamily="34" charset="0"/>
+                <a:cs typeface="Lato" panose="020F0502020204030203" pitchFamily="34" charset="0"/>
+              </a:rPr>
               <a:t> </a:t>
             </a:r>
             <a:r>
-              <a:rPr lang="en-US" dirty="0" err="1"/>
+              <a:rPr lang="en-US" dirty="0" err="1">
+                <a:latin typeface="Lato" panose="020F0502020204030203" pitchFamily="34" charset="0"/>
+                <a:ea typeface="Lato" panose="020F0502020204030203" pitchFamily="34" charset="0"/>
+                <a:cs typeface="Lato" panose="020F0502020204030203" pitchFamily="34" charset="0"/>
+              </a:rPr>
               <a:t>Fradin</a:t>
             </a:r>
-            <a:endParaRPr lang="en-US" dirty="0"/>
+            <a:endParaRPr lang="en-US" dirty="0">
+              <a:latin typeface="Lato" panose="020F0502020204030203" pitchFamily="34" charset="0"/>
+              <a:ea typeface="Lato" panose="020F0502020204030203" pitchFamily="34" charset="0"/>
+              <a:cs typeface="Lato" panose="020F0502020204030203" pitchFamily="34" charset="0"/>
+            </a:endParaRPr>
           </a:p>
         </p:txBody>
       </p:sp>
@@ -6812,7 +6933,1098 @@
 </p:sld>
 </file>
 
-<file path=ppt/slides/slide2.xml><?xml version="1.0" encoding="utf-8"?>
+<file path=ppt/slides/slide10.xml><?xml version="1.0" encoding="utf-8"?>
+<p:sld xmlns:a="http://schemas.openxmlformats.org/drawingml/2006/main" xmlns:r="http://schemas.openxmlformats.org/officeDocument/2006/relationships" xmlns:p="http://schemas.openxmlformats.org/presentationml/2006/main">
+  <p:cSld>
+    <p:spTree>
+      <p:nvGrpSpPr>
+        <p:cNvPr id="1" name=""/>
+        <p:cNvGrpSpPr/>
+        <p:nvPr/>
+      </p:nvGrpSpPr>
+      <p:grpSpPr>
+        <a:xfrm>
+          <a:off x="0" y="0"/>
+          <a:ext cx="0" cy="0"/>
+          <a:chOff x="0" y="0"/>
+          <a:chExt cx="0" cy="0"/>
+        </a:xfrm>
+      </p:grpSpPr>
+      <p:sp>
+        <p:nvSpPr>
+          <p:cNvPr id="4" name="מלבן 3">
+            <a:extLst>
+              <a:ext uri="{FF2B5EF4-FFF2-40B4-BE49-F238E27FC236}">
+                <a16:creationId xmlns:a16="http://schemas.microsoft.com/office/drawing/2014/main" id="{19416200-851B-4A9C-AFBD-1BD23AABCCAC}"/>
+              </a:ext>
+            </a:extLst>
+          </p:cNvPr>
+          <p:cNvSpPr/>
+          <p:nvPr/>
+        </p:nvSpPr>
+        <p:spPr>
+          <a:xfrm>
+            <a:off x="346500" y="177953"/>
+            <a:ext cx="4830360" cy="584775"/>
+          </a:xfrm>
+          <a:prstGeom prst="rect">
+            <a:avLst/>
+          </a:prstGeom>
+          <a:noFill/>
+        </p:spPr>
+        <p:txBody>
+          <a:bodyPr wrap="none" lIns="91440" tIns="45720" rIns="91440" bIns="45720">
+            <a:spAutoFit/>
+          </a:bodyPr>
+          <a:lstStyle/>
+          <a:p>
+            <a:pPr algn="ctr"/>
+            <a:r>
+              <a:rPr lang="en-US" sz="3200" b="0" cap="none" spc="0" dirty="0">
+                <a:ln w="0"/>
+                <a:gradFill>
+                  <a:gsLst>
+                    <a:gs pos="0">
+                      <a:schemeClr val="accent5">
+                        <a:lumMod val="50000"/>
+                      </a:schemeClr>
+                    </a:gs>
+                    <a:gs pos="50000">
+                      <a:schemeClr val="accent5"/>
+                    </a:gs>
+                    <a:gs pos="100000">
+                      <a:schemeClr val="accent5">
+                        <a:lumMod val="60000"/>
+                        <a:lumOff val="40000"/>
+                      </a:schemeClr>
+                    </a:gs>
+                  </a:gsLst>
+                  <a:lin ang="5400000"/>
+                </a:gradFill>
+                <a:effectLst>
+                  <a:reflection blurRad="6350" stA="53000" endA="300" endPos="35500" dir="5400000" sy="-90000" algn="bl" rotWithShape="0"/>
+                </a:effectLst>
+              </a:rPr>
+              <a:t>Manipulate User’s database</a:t>
+            </a:r>
+            <a:endParaRPr lang="he-IL" sz="3200" b="0" cap="none" spc="0" dirty="0">
+              <a:ln w="0"/>
+              <a:gradFill>
+                <a:gsLst>
+                  <a:gs pos="0">
+                    <a:schemeClr val="accent5">
+                      <a:lumMod val="50000"/>
+                    </a:schemeClr>
+                  </a:gs>
+                  <a:gs pos="50000">
+                    <a:schemeClr val="accent5"/>
+                  </a:gs>
+                  <a:gs pos="100000">
+                    <a:schemeClr val="accent5">
+                      <a:lumMod val="60000"/>
+                      <a:lumOff val="40000"/>
+                    </a:schemeClr>
+                  </a:gs>
+                </a:gsLst>
+                <a:lin ang="5400000"/>
+              </a:gradFill>
+              <a:effectLst>
+                <a:reflection blurRad="6350" stA="53000" endA="300" endPos="35500" dir="5400000" sy="-90000" algn="bl" rotWithShape="0"/>
+              </a:effectLst>
+            </a:endParaRPr>
+          </a:p>
+        </p:txBody>
+      </p:sp>
+      <p:pic>
+        <p:nvPicPr>
+          <p:cNvPr id="6" name="תמונה 5" descr="תמונה שמכילה טקסט&#10;&#10;התיאור נוצר באופן אוטומטי">
+            <a:extLst>
+              <a:ext uri="{FF2B5EF4-FFF2-40B4-BE49-F238E27FC236}">
+                <a16:creationId xmlns:a16="http://schemas.microsoft.com/office/drawing/2014/main" id="{97338014-4064-49FC-BBCD-0D65B7C3EA08}"/>
+              </a:ext>
+            </a:extLst>
+          </p:cNvPr>
+          <p:cNvPicPr>
+            <a:picLocks noChangeAspect="1"/>
+          </p:cNvPicPr>
+          <p:nvPr/>
+        </p:nvPicPr>
+        <p:blipFill>
+          <a:blip r:embed="rId2"/>
+          <a:stretch>
+            <a:fillRect/>
+          </a:stretch>
+        </p:blipFill>
+        <p:spPr>
+          <a:xfrm>
+            <a:off x="513392" y="974436"/>
+            <a:ext cx="6159106" cy="3412838"/>
+          </a:xfrm>
+          <a:prstGeom prst="rect">
+            <a:avLst/>
+          </a:prstGeom>
+        </p:spPr>
+      </p:pic>
+      <p:pic>
+        <p:nvPicPr>
+          <p:cNvPr id="8" name="תמונה 7" descr="תמונה שמכילה טקסט&#10;&#10;התיאור נוצר באופן אוטומטי">
+            <a:extLst>
+              <a:ext uri="{FF2B5EF4-FFF2-40B4-BE49-F238E27FC236}">
+                <a16:creationId xmlns:a16="http://schemas.microsoft.com/office/drawing/2014/main" id="{A66AE654-8C30-42A3-B69A-1A11006D8726}"/>
+              </a:ext>
+            </a:extLst>
+          </p:cNvPr>
+          <p:cNvPicPr>
+            <a:picLocks noChangeAspect="1"/>
+          </p:cNvPicPr>
+          <p:nvPr/>
+        </p:nvPicPr>
+        <p:blipFill>
+          <a:blip r:embed="rId3"/>
+          <a:stretch>
+            <a:fillRect/>
+          </a:stretch>
+        </p:blipFill>
+        <p:spPr>
+          <a:xfrm>
+            <a:off x="982730" y="4387274"/>
+            <a:ext cx="7237634" cy="1809410"/>
+          </a:xfrm>
+          <a:prstGeom prst="rect">
+            <a:avLst/>
+          </a:prstGeom>
+        </p:spPr>
+      </p:pic>
+      <p:pic>
+        <p:nvPicPr>
+          <p:cNvPr id="10" name="תמונה 9" descr="תמונה שמכילה טקסט&#10;&#10;התיאור נוצר באופן אוטומטי">
+            <a:extLst>
+              <a:ext uri="{FF2B5EF4-FFF2-40B4-BE49-F238E27FC236}">
+                <a16:creationId xmlns:a16="http://schemas.microsoft.com/office/drawing/2014/main" id="{0D183F0E-DA4C-4A5B-87F7-7C35FE325438}"/>
+              </a:ext>
+            </a:extLst>
+          </p:cNvPr>
+          <p:cNvPicPr>
+            <a:picLocks noChangeAspect="1"/>
+          </p:cNvPicPr>
+          <p:nvPr/>
+        </p:nvPicPr>
+        <p:blipFill>
+          <a:blip r:embed="rId4"/>
+          <a:stretch>
+            <a:fillRect/>
+          </a:stretch>
+        </p:blipFill>
+        <p:spPr>
+          <a:xfrm>
+            <a:off x="7097690" y="974436"/>
+            <a:ext cx="4846070" cy="2071978"/>
+          </a:xfrm>
+          <a:prstGeom prst="rect">
+            <a:avLst/>
+          </a:prstGeom>
+        </p:spPr>
+      </p:pic>
+    </p:spTree>
+    <p:extLst>
+      <p:ext uri="{BB962C8B-B14F-4D97-AF65-F5344CB8AC3E}">
+        <p14:creationId xmlns:p14="http://schemas.microsoft.com/office/powerpoint/2010/main" val="809713745"/>
+      </p:ext>
+    </p:extLst>
+  </p:cSld>
+  <p:clrMapOvr>
+    <a:masterClrMapping/>
+  </p:clrMapOvr>
+</p:sld>
+</file>
+
+<file path=ppt/slides/slide11.xml><?xml version="1.0" encoding="utf-8"?>
+<p:sld xmlns:a="http://schemas.openxmlformats.org/drawingml/2006/main" xmlns:r="http://schemas.openxmlformats.org/officeDocument/2006/relationships" xmlns:p="http://schemas.openxmlformats.org/presentationml/2006/main">
+  <p:cSld>
+    <p:spTree>
+      <p:nvGrpSpPr>
+        <p:cNvPr id="1" name=""/>
+        <p:cNvGrpSpPr/>
+        <p:nvPr/>
+      </p:nvGrpSpPr>
+      <p:grpSpPr>
+        <a:xfrm>
+          <a:off x="0" y="0"/>
+          <a:ext cx="0" cy="0"/>
+          <a:chOff x="0" y="0"/>
+          <a:chExt cx="0" cy="0"/>
+        </a:xfrm>
+      </p:grpSpPr>
+      <p:sp>
+        <p:nvSpPr>
+          <p:cNvPr id="4" name="מלבן 3">
+            <a:extLst>
+              <a:ext uri="{FF2B5EF4-FFF2-40B4-BE49-F238E27FC236}">
+                <a16:creationId xmlns:a16="http://schemas.microsoft.com/office/drawing/2014/main" id="{A19F5BDC-BC94-4787-BEA0-338356C3E8EC}"/>
+              </a:ext>
+            </a:extLst>
+          </p:cNvPr>
+          <p:cNvSpPr/>
+          <p:nvPr/>
+        </p:nvSpPr>
+        <p:spPr>
+          <a:xfrm>
+            <a:off x="0" y="156434"/>
+            <a:ext cx="5043041" cy="584775"/>
+          </a:xfrm>
+          <a:prstGeom prst="rect">
+            <a:avLst/>
+          </a:prstGeom>
+          <a:noFill/>
+        </p:spPr>
+        <p:txBody>
+          <a:bodyPr wrap="square" lIns="91440" tIns="45720" rIns="91440" bIns="45720">
+            <a:spAutoFit/>
+          </a:bodyPr>
+          <a:lstStyle/>
+          <a:p>
+            <a:pPr algn="ctr"/>
+            <a:r>
+              <a:rPr lang="en-US" sz="3200" b="0" cap="none" spc="0">
+                <a:ln w="0"/>
+                <a:gradFill>
+                  <a:gsLst>
+                    <a:gs pos="0">
+                      <a:schemeClr val="accent5">
+                        <a:lumMod val="50000"/>
+                      </a:schemeClr>
+                    </a:gs>
+                    <a:gs pos="50000">
+                      <a:schemeClr val="accent5"/>
+                    </a:gs>
+                    <a:gs pos="100000">
+                      <a:schemeClr val="accent5">
+                        <a:lumMod val="60000"/>
+                        <a:lumOff val="40000"/>
+                      </a:schemeClr>
+                    </a:gs>
+                  </a:gsLst>
+                  <a:lin ang="5400000"/>
+                </a:gradFill>
+                <a:effectLst>
+                  <a:reflection blurRad="6350" stA="53000" endA="300" endPos="35500" dir="5400000" sy="-90000" algn="bl" rotWithShape="0"/>
+                </a:effectLst>
+              </a:rPr>
+              <a:t>Add or view</a:t>
+            </a:r>
+            <a:r>
+              <a:rPr lang="en-US" sz="3200">
+                <a:ln w="0"/>
+                <a:gradFill>
+                  <a:gsLst>
+                    <a:gs pos="0">
+                      <a:schemeClr val="accent5">
+                        <a:lumMod val="50000"/>
+                      </a:schemeClr>
+                    </a:gs>
+                    <a:gs pos="50000">
+                      <a:schemeClr val="accent5"/>
+                    </a:gs>
+                    <a:gs pos="100000">
+                      <a:schemeClr val="accent5">
+                        <a:lumMod val="60000"/>
+                        <a:lumOff val="40000"/>
+                      </a:schemeClr>
+                    </a:gs>
+                  </a:gsLst>
+                  <a:lin ang="5400000"/>
+                </a:gradFill>
+                <a:effectLst>
+                  <a:reflection blurRad="6350" stA="53000" endA="300" endPos="35500" dir="5400000" sy="-90000" algn="bl" rotWithShape="0"/>
+                </a:effectLst>
+              </a:rPr>
+              <a:t> person’s tasks</a:t>
+            </a:r>
+            <a:endParaRPr lang="he-IL" sz="3200" b="0" cap="none" spc="0" dirty="0">
+              <a:ln w="0"/>
+              <a:gradFill>
+                <a:gsLst>
+                  <a:gs pos="0">
+                    <a:schemeClr val="accent5">
+                      <a:lumMod val="50000"/>
+                    </a:schemeClr>
+                  </a:gs>
+                  <a:gs pos="50000">
+                    <a:schemeClr val="accent5"/>
+                  </a:gs>
+                  <a:gs pos="100000">
+                    <a:schemeClr val="accent5">
+                      <a:lumMod val="60000"/>
+                      <a:lumOff val="40000"/>
+                    </a:schemeClr>
+                  </a:gs>
+                </a:gsLst>
+                <a:lin ang="5400000"/>
+              </a:gradFill>
+              <a:effectLst>
+                <a:reflection blurRad="6350" stA="53000" endA="300" endPos="35500" dir="5400000" sy="-90000" algn="bl" rotWithShape="0"/>
+              </a:effectLst>
+            </a:endParaRPr>
+          </a:p>
+        </p:txBody>
+      </p:sp>
+      <p:pic>
+        <p:nvPicPr>
+          <p:cNvPr id="6" name="תמונה 5" descr="תמונה שמכילה טקסט&#10;&#10;התיאור נוצר באופן אוטומטי">
+            <a:extLst>
+              <a:ext uri="{FF2B5EF4-FFF2-40B4-BE49-F238E27FC236}">
+                <a16:creationId xmlns:a16="http://schemas.microsoft.com/office/drawing/2014/main" id="{13AAF58E-4CF1-4B1F-A814-56029D265934}"/>
+              </a:ext>
+            </a:extLst>
+          </p:cNvPr>
+          <p:cNvPicPr>
+            <a:picLocks noChangeAspect="1"/>
+          </p:cNvPicPr>
+          <p:nvPr/>
+        </p:nvPicPr>
+        <p:blipFill>
+          <a:blip r:embed="rId2"/>
+          <a:stretch>
+            <a:fillRect/>
+          </a:stretch>
+        </p:blipFill>
+        <p:spPr>
+          <a:xfrm>
+            <a:off x="517421" y="948908"/>
+            <a:ext cx="4525620" cy="2480092"/>
+          </a:xfrm>
+          <a:prstGeom prst="rect">
+            <a:avLst/>
+          </a:prstGeom>
+        </p:spPr>
+      </p:pic>
+      <p:pic>
+        <p:nvPicPr>
+          <p:cNvPr id="8" name="תמונה 7" descr="תמונה שמכילה טקסט&#10;&#10;התיאור נוצר באופן אוטומטי">
+            <a:extLst>
+              <a:ext uri="{FF2B5EF4-FFF2-40B4-BE49-F238E27FC236}">
+                <a16:creationId xmlns:a16="http://schemas.microsoft.com/office/drawing/2014/main" id="{2E18593D-DF2F-4686-903C-1453490D743F}"/>
+              </a:ext>
+            </a:extLst>
+          </p:cNvPr>
+          <p:cNvPicPr>
+            <a:picLocks noChangeAspect="1"/>
+          </p:cNvPicPr>
+          <p:nvPr/>
+        </p:nvPicPr>
+        <p:blipFill>
+          <a:blip r:embed="rId3"/>
+          <a:stretch>
+            <a:fillRect/>
+          </a:stretch>
+        </p:blipFill>
+        <p:spPr>
+          <a:xfrm>
+            <a:off x="662609" y="3562253"/>
+            <a:ext cx="5440018" cy="2675482"/>
+          </a:xfrm>
+          <a:prstGeom prst="rect">
+            <a:avLst/>
+          </a:prstGeom>
+        </p:spPr>
+      </p:pic>
+      <p:pic>
+        <p:nvPicPr>
+          <p:cNvPr id="10" name="תמונה 9" descr="תמונה שמכילה טקסט&#10;&#10;התיאור נוצר באופן אוטומטי">
+            <a:extLst>
+              <a:ext uri="{FF2B5EF4-FFF2-40B4-BE49-F238E27FC236}">
+                <a16:creationId xmlns:a16="http://schemas.microsoft.com/office/drawing/2014/main" id="{1E90F026-D919-475F-AFB9-BCE484FB0A33}"/>
+              </a:ext>
+            </a:extLst>
+          </p:cNvPr>
+          <p:cNvPicPr>
+            <a:picLocks noChangeAspect="1"/>
+          </p:cNvPicPr>
+          <p:nvPr/>
+        </p:nvPicPr>
+        <p:blipFill>
+          <a:blip r:embed="rId4"/>
+          <a:stretch>
+            <a:fillRect/>
+          </a:stretch>
+        </p:blipFill>
+        <p:spPr>
+          <a:xfrm>
+            <a:off x="6096000" y="4766741"/>
+            <a:ext cx="5940287" cy="1470994"/>
+          </a:xfrm>
+          <a:prstGeom prst="rect">
+            <a:avLst/>
+          </a:prstGeom>
+        </p:spPr>
+      </p:pic>
+      <p:pic>
+        <p:nvPicPr>
+          <p:cNvPr id="12" name="תמונה 11" descr="תמונה שמכילה טקסט&#10;&#10;התיאור נוצר באופן אוטומטי">
+            <a:extLst>
+              <a:ext uri="{FF2B5EF4-FFF2-40B4-BE49-F238E27FC236}">
+                <a16:creationId xmlns:a16="http://schemas.microsoft.com/office/drawing/2014/main" id="{D8B47B4C-C3BA-4734-BBAD-583C21B0BB6D}"/>
+              </a:ext>
+            </a:extLst>
+          </p:cNvPr>
+          <p:cNvPicPr>
+            <a:picLocks noChangeAspect="1"/>
+          </p:cNvPicPr>
+          <p:nvPr/>
+        </p:nvPicPr>
+        <p:blipFill>
+          <a:blip r:embed="rId5"/>
+          <a:stretch>
+            <a:fillRect/>
+          </a:stretch>
+        </p:blipFill>
+        <p:spPr>
+          <a:xfrm>
+            <a:off x="6765235" y="889273"/>
+            <a:ext cx="4764156" cy="3437308"/>
+          </a:xfrm>
+          <a:prstGeom prst="rect">
+            <a:avLst/>
+          </a:prstGeom>
+        </p:spPr>
+      </p:pic>
+    </p:spTree>
+    <p:extLst>
+      <p:ext uri="{BB962C8B-B14F-4D97-AF65-F5344CB8AC3E}">
+        <p14:creationId xmlns:p14="http://schemas.microsoft.com/office/powerpoint/2010/main" val="3621035637"/>
+      </p:ext>
+    </p:extLst>
+  </p:cSld>
+  <p:clrMapOvr>
+    <a:masterClrMapping/>
+  </p:clrMapOvr>
+</p:sld>
+</file>
+
+<file path=ppt/slides/slide12.xml><?xml version="1.0" encoding="utf-8"?>
+<p:sld xmlns:a="http://schemas.openxmlformats.org/drawingml/2006/main" xmlns:r="http://schemas.openxmlformats.org/officeDocument/2006/relationships" xmlns:p="http://schemas.openxmlformats.org/presentationml/2006/main">
+  <p:cSld>
+    <p:spTree>
+      <p:nvGrpSpPr>
+        <p:cNvPr id="1" name=""/>
+        <p:cNvGrpSpPr/>
+        <p:nvPr/>
+      </p:nvGrpSpPr>
+      <p:grpSpPr>
+        <a:xfrm>
+          <a:off x="0" y="0"/>
+          <a:ext cx="0" cy="0"/>
+          <a:chOff x="0" y="0"/>
+          <a:chExt cx="0" cy="0"/>
+        </a:xfrm>
+      </p:grpSpPr>
+      <p:sp>
+        <p:nvSpPr>
+          <p:cNvPr id="4" name="מלבן 3">
+            <a:extLst>
+              <a:ext uri="{FF2B5EF4-FFF2-40B4-BE49-F238E27FC236}">
+                <a16:creationId xmlns:a16="http://schemas.microsoft.com/office/drawing/2014/main" id="{D918F368-113F-4D2D-A8A6-F6BAA2DF32ED}"/>
+              </a:ext>
+            </a:extLst>
+          </p:cNvPr>
+          <p:cNvSpPr/>
+          <p:nvPr/>
+        </p:nvSpPr>
+        <p:spPr>
+          <a:xfrm>
+            <a:off x="188495" y="159481"/>
+            <a:ext cx="6420989" cy="584775"/>
+          </a:xfrm>
+          <a:prstGeom prst="rect">
+            <a:avLst/>
+          </a:prstGeom>
+          <a:noFill/>
+        </p:spPr>
+        <p:txBody>
+          <a:bodyPr wrap="none" lIns="91440" tIns="45720" rIns="91440" bIns="45720">
+            <a:spAutoFit/>
+          </a:bodyPr>
+          <a:lstStyle/>
+          <a:p>
+            <a:pPr algn="ctr"/>
+            <a:r>
+              <a:rPr lang="en-US" sz="3200" b="0" cap="none" spc="0" dirty="0">
+                <a:ln w="0"/>
+                <a:gradFill>
+                  <a:gsLst>
+                    <a:gs pos="0">
+                      <a:schemeClr val="accent5">
+                        <a:lumMod val="50000"/>
+                      </a:schemeClr>
+                    </a:gs>
+                    <a:gs pos="50000">
+                      <a:schemeClr val="accent5"/>
+                    </a:gs>
+                    <a:gs pos="100000">
+                      <a:schemeClr val="accent5">
+                        <a:lumMod val="60000"/>
+                        <a:lumOff val="40000"/>
+                      </a:schemeClr>
+                    </a:gs>
+                  </a:gsLst>
+                  <a:lin ang="5400000"/>
+                </a:gradFill>
+                <a:effectLst>
+                  <a:reflection blurRad="6350" stA="53000" endA="300" endPos="35500" dir="5400000" sy="-90000" algn="bl" rotWithShape="0"/>
+                </a:effectLst>
+              </a:rPr>
+              <a:t>Update or extract the owner of a task</a:t>
+            </a:r>
+            <a:endParaRPr lang="he-IL" sz="3200" b="0" cap="none" spc="0" dirty="0">
+              <a:ln w="0"/>
+              <a:gradFill>
+                <a:gsLst>
+                  <a:gs pos="0">
+                    <a:schemeClr val="accent5">
+                      <a:lumMod val="50000"/>
+                    </a:schemeClr>
+                  </a:gs>
+                  <a:gs pos="50000">
+                    <a:schemeClr val="accent5"/>
+                  </a:gs>
+                  <a:gs pos="100000">
+                    <a:schemeClr val="accent5">
+                      <a:lumMod val="60000"/>
+                      <a:lumOff val="40000"/>
+                    </a:schemeClr>
+                  </a:gs>
+                </a:gsLst>
+                <a:lin ang="5400000"/>
+              </a:gradFill>
+              <a:effectLst>
+                <a:reflection blurRad="6350" stA="53000" endA="300" endPos="35500" dir="5400000" sy="-90000" algn="bl" rotWithShape="0"/>
+              </a:effectLst>
+            </a:endParaRPr>
+          </a:p>
+        </p:txBody>
+      </p:sp>
+      <p:pic>
+        <p:nvPicPr>
+          <p:cNvPr id="6" name="תמונה 5" descr="תמונה שמכילה טקסט&#10;&#10;התיאור נוצר באופן אוטומטי">
+            <a:extLst>
+              <a:ext uri="{FF2B5EF4-FFF2-40B4-BE49-F238E27FC236}">
+                <a16:creationId xmlns:a16="http://schemas.microsoft.com/office/drawing/2014/main" id="{2E3B9DBC-83BE-4807-A8A4-72A246206B04}"/>
+              </a:ext>
+            </a:extLst>
+          </p:cNvPr>
+          <p:cNvPicPr>
+            <a:picLocks noChangeAspect="1"/>
+          </p:cNvPicPr>
+          <p:nvPr/>
+        </p:nvPicPr>
+        <p:blipFill>
+          <a:blip r:embed="rId2"/>
+          <a:stretch>
+            <a:fillRect/>
+          </a:stretch>
+        </p:blipFill>
+        <p:spPr>
+          <a:xfrm>
+            <a:off x="570063" y="1011386"/>
+            <a:ext cx="5657852" cy="2796878"/>
+          </a:xfrm>
+          <a:prstGeom prst="rect">
+            <a:avLst/>
+          </a:prstGeom>
+        </p:spPr>
+      </p:pic>
+      <p:pic>
+        <p:nvPicPr>
+          <p:cNvPr id="8" name="תמונה 7" descr="תמונה שמכילה טקסט&#10;&#10;התיאור נוצר באופן אוטומטי">
+            <a:extLst>
+              <a:ext uri="{FF2B5EF4-FFF2-40B4-BE49-F238E27FC236}">
+                <a16:creationId xmlns:a16="http://schemas.microsoft.com/office/drawing/2014/main" id="{AE9B36D5-7185-4ECB-8095-D93C6DD0D5A6}"/>
+              </a:ext>
+            </a:extLst>
+          </p:cNvPr>
+          <p:cNvPicPr>
+            <a:picLocks noChangeAspect="1"/>
+          </p:cNvPicPr>
+          <p:nvPr/>
+        </p:nvPicPr>
+        <p:blipFill>
+          <a:blip r:embed="rId3"/>
+          <a:stretch>
+            <a:fillRect/>
+          </a:stretch>
+        </p:blipFill>
+        <p:spPr>
+          <a:xfrm>
+            <a:off x="883849" y="3831576"/>
+            <a:ext cx="7145726" cy="3026424"/>
+          </a:xfrm>
+          <a:prstGeom prst="rect">
+            <a:avLst/>
+          </a:prstGeom>
+        </p:spPr>
+      </p:pic>
+      <p:pic>
+        <p:nvPicPr>
+          <p:cNvPr id="10" name="תמונה 9" descr="תמונה שמכילה טקסט&#10;&#10;התיאור נוצר באופן אוטומטי">
+            <a:extLst>
+              <a:ext uri="{FF2B5EF4-FFF2-40B4-BE49-F238E27FC236}">
+                <a16:creationId xmlns:a16="http://schemas.microsoft.com/office/drawing/2014/main" id="{AA245F17-00E7-4CA9-B7A5-2AC7DC206119}"/>
+              </a:ext>
+            </a:extLst>
+          </p:cNvPr>
+          <p:cNvPicPr>
+            <a:picLocks noChangeAspect="1"/>
+          </p:cNvPicPr>
+          <p:nvPr/>
+        </p:nvPicPr>
+        <p:blipFill>
+          <a:blip r:embed="rId4"/>
+          <a:stretch>
+            <a:fillRect/>
+          </a:stretch>
+        </p:blipFill>
+        <p:spPr>
+          <a:xfrm>
+            <a:off x="6955431" y="687106"/>
+            <a:ext cx="4891488" cy="2657534"/>
+          </a:xfrm>
+          <a:prstGeom prst="rect">
+            <a:avLst/>
+          </a:prstGeom>
+        </p:spPr>
+      </p:pic>
+    </p:spTree>
+    <p:extLst>
+      <p:ext uri="{BB962C8B-B14F-4D97-AF65-F5344CB8AC3E}">
+        <p14:creationId xmlns:p14="http://schemas.microsoft.com/office/powerpoint/2010/main" val="2340519482"/>
+      </p:ext>
+    </p:extLst>
+  </p:cSld>
+  <p:clrMapOvr>
+    <a:masterClrMapping/>
+  </p:clrMapOvr>
+</p:sld>
+</file>
+
+<file path=ppt/slides/slide13.xml><?xml version="1.0" encoding="utf-8"?>
+<p:sld xmlns:a="http://schemas.openxmlformats.org/drawingml/2006/main" xmlns:r="http://schemas.openxmlformats.org/officeDocument/2006/relationships" xmlns:p="http://schemas.openxmlformats.org/presentationml/2006/main">
+  <p:cSld>
+    <p:spTree>
+      <p:nvGrpSpPr>
+        <p:cNvPr id="1" name=""/>
+        <p:cNvGrpSpPr/>
+        <p:nvPr/>
+      </p:nvGrpSpPr>
+      <p:grpSpPr>
+        <a:xfrm>
+          <a:off x="0" y="0"/>
+          <a:ext cx="0" cy="0"/>
+          <a:chOff x="0" y="0"/>
+          <a:chExt cx="0" cy="0"/>
+        </a:xfrm>
+      </p:grpSpPr>
+      <p:sp>
+        <p:nvSpPr>
+          <p:cNvPr id="4" name="מלבן 3">
+            <a:extLst>
+              <a:ext uri="{FF2B5EF4-FFF2-40B4-BE49-F238E27FC236}">
+                <a16:creationId xmlns:a16="http://schemas.microsoft.com/office/drawing/2014/main" id="{F9CC597D-DF96-474D-8E66-219DAA5BB22C}"/>
+              </a:ext>
+            </a:extLst>
+          </p:cNvPr>
+          <p:cNvSpPr/>
+          <p:nvPr/>
+        </p:nvSpPr>
+        <p:spPr>
+          <a:xfrm>
+            <a:off x="190781" y="94826"/>
+            <a:ext cx="6102376" cy="646331"/>
+          </a:xfrm>
+          <a:prstGeom prst="rect">
+            <a:avLst/>
+          </a:prstGeom>
+          <a:noFill/>
+        </p:spPr>
+        <p:txBody>
+          <a:bodyPr wrap="none" lIns="91440" tIns="45720" rIns="91440" bIns="45720">
+            <a:spAutoFit/>
+          </a:bodyPr>
+          <a:lstStyle/>
+          <a:p>
+            <a:pPr algn="ctr"/>
+            <a:r>
+              <a:rPr lang="en-US" sz="3600" b="0" cap="none" spc="0" dirty="0">
+                <a:ln w="0"/>
+                <a:gradFill>
+                  <a:gsLst>
+                    <a:gs pos="0">
+                      <a:schemeClr val="accent5">
+                        <a:lumMod val="50000"/>
+                      </a:schemeClr>
+                    </a:gs>
+                    <a:gs pos="50000">
+                      <a:schemeClr val="accent5"/>
+                    </a:gs>
+                    <a:gs pos="100000">
+                      <a:schemeClr val="accent5">
+                        <a:lumMod val="60000"/>
+                        <a:lumOff val="40000"/>
+                      </a:schemeClr>
+                    </a:gs>
+                  </a:gsLst>
+                  <a:lin ang="5400000"/>
+                </a:gradFill>
+                <a:effectLst>
+                  <a:reflection blurRad="6350" stA="53000" endA="300" endPos="35500" dir="5400000" sy="-90000" algn="bl" rotWithShape="0"/>
+                </a:effectLst>
+              </a:rPr>
+              <a:t>Extract or update a task</a:t>
+            </a:r>
+            <a:r>
+              <a:rPr lang="en-US" sz="3600" dirty="0">
+                <a:ln w="0"/>
+                <a:gradFill>
+                  <a:gsLst>
+                    <a:gs pos="0">
+                      <a:schemeClr val="accent5">
+                        <a:lumMod val="50000"/>
+                      </a:schemeClr>
+                    </a:gs>
+                    <a:gs pos="50000">
+                      <a:schemeClr val="accent5"/>
+                    </a:gs>
+                    <a:gs pos="100000">
+                      <a:schemeClr val="accent5">
+                        <a:lumMod val="60000"/>
+                        <a:lumOff val="40000"/>
+                      </a:schemeClr>
+                    </a:gs>
+                  </a:gsLst>
+                  <a:lin ang="5400000"/>
+                </a:gradFill>
+                <a:effectLst>
+                  <a:reflection blurRad="6350" stA="53000" endA="300" endPos="35500" dir="5400000" sy="-90000" algn="bl" rotWithShape="0"/>
+                </a:effectLst>
+              </a:rPr>
+              <a:t>’s status</a:t>
+            </a:r>
+          </a:p>
+        </p:txBody>
+      </p:sp>
+      <p:pic>
+        <p:nvPicPr>
+          <p:cNvPr id="6" name="תמונה 5" descr="תמונה שמכילה טקסט&#10;&#10;התיאור נוצר באופן אוטומטי">
+            <a:extLst>
+              <a:ext uri="{FF2B5EF4-FFF2-40B4-BE49-F238E27FC236}">
+                <a16:creationId xmlns:a16="http://schemas.microsoft.com/office/drawing/2014/main" id="{C190477C-43FE-45BE-8EDC-DFF153559A39}"/>
+              </a:ext>
+            </a:extLst>
+          </p:cNvPr>
+          <p:cNvPicPr>
+            <a:picLocks noChangeAspect="1"/>
+          </p:cNvPicPr>
+          <p:nvPr/>
+        </p:nvPicPr>
+        <p:blipFill>
+          <a:blip r:embed="rId2"/>
+          <a:stretch>
+            <a:fillRect/>
+          </a:stretch>
+        </p:blipFill>
+        <p:spPr>
+          <a:xfrm>
+            <a:off x="740063" y="845448"/>
+            <a:ext cx="5826992" cy="3374800"/>
+          </a:xfrm>
+          <a:prstGeom prst="rect">
+            <a:avLst/>
+          </a:prstGeom>
+        </p:spPr>
+      </p:pic>
+      <p:pic>
+        <p:nvPicPr>
+          <p:cNvPr id="8" name="תמונה 7" descr="תמונה שמכילה טקסט&#10;&#10;התיאור נוצר באופן אוטומטי">
+            <a:extLst>
+              <a:ext uri="{FF2B5EF4-FFF2-40B4-BE49-F238E27FC236}">
+                <a16:creationId xmlns:a16="http://schemas.microsoft.com/office/drawing/2014/main" id="{C50A5705-0629-48D7-8F44-B1F89A97EA94}"/>
+              </a:ext>
+            </a:extLst>
+          </p:cNvPr>
+          <p:cNvPicPr>
+            <a:picLocks noChangeAspect="1"/>
+          </p:cNvPicPr>
+          <p:nvPr/>
+        </p:nvPicPr>
+        <p:blipFill>
+          <a:blip r:embed="rId3"/>
+          <a:stretch>
+            <a:fillRect/>
+          </a:stretch>
+        </p:blipFill>
+        <p:spPr>
+          <a:xfrm>
+            <a:off x="1179025" y="4220248"/>
+            <a:ext cx="5916578" cy="2637752"/>
+          </a:xfrm>
+          <a:prstGeom prst="rect">
+            <a:avLst/>
+          </a:prstGeom>
+        </p:spPr>
+      </p:pic>
+      <p:pic>
+        <p:nvPicPr>
+          <p:cNvPr id="10" name="תמונה 9" descr="תמונה שמכילה טקסט&#10;&#10;התיאור נוצר באופן אוטומטי">
+            <a:extLst>
+              <a:ext uri="{FF2B5EF4-FFF2-40B4-BE49-F238E27FC236}">
+                <a16:creationId xmlns:a16="http://schemas.microsoft.com/office/drawing/2014/main" id="{BC6D30B8-2C6A-4BDA-A598-8C1EC2CAEB8C}"/>
+              </a:ext>
+            </a:extLst>
+          </p:cNvPr>
+          <p:cNvPicPr>
+            <a:picLocks noChangeAspect="1"/>
+          </p:cNvPicPr>
+          <p:nvPr/>
+        </p:nvPicPr>
+        <p:blipFill>
+          <a:blip r:embed="rId4"/>
+          <a:stretch>
+            <a:fillRect/>
+          </a:stretch>
+        </p:blipFill>
+        <p:spPr>
+          <a:xfrm>
+            <a:off x="7095603" y="741157"/>
+            <a:ext cx="4604658" cy="2933700"/>
+          </a:xfrm>
+          <a:prstGeom prst="rect">
+            <a:avLst/>
+          </a:prstGeom>
+        </p:spPr>
+      </p:pic>
+    </p:spTree>
+    <p:extLst>
+      <p:ext uri="{BB962C8B-B14F-4D97-AF65-F5344CB8AC3E}">
+        <p14:creationId xmlns:p14="http://schemas.microsoft.com/office/powerpoint/2010/main" val="3541443578"/>
+      </p:ext>
+    </p:extLst>
+  </p:cSld>
+  <p:clrMapOvr>
+    <a:masterClrMapping/>
+  </p:clrMapOvr>
+</p:sld>
+</file>
+
+<file path=ppt/slides/slide14.xml><?xml version="1.0" encoding="utf-8"?>
+<p:sld xmlns:a="http://schemas.openxmlformats.org/drawingml/2006/main" xmlns:r="http://schemas.openxmlformats.org/officeDocument/2006/relationships" xmlns:p="http://schemas.openxmlformats.org/presentationml/2006/main">
+  <p:cSld>
+    <p:spTree>
+      <p:nvGrpSpPr>
+        <p:cNvPr id="1" name=""/>
+        <p:cNvGrpSpPr/>
+        <p:nvPr/>
+      </p:nvGrpSpPr>
+      <p:grpSpPr>
+        <a:xfrm>
+          <a:off x="0" y="0"/>
+          <a:ext cx="0" cy="0"/>
+          <a:chOff x="0" y="0"/>
+          <a:chExt cx="0" cy="0"/>
+        </a:xfrm>
+      </p:grpSpPr>
+      <p:sp>
+        <p:nvSpPr>
+          <p:cNvPr id="4" name="מלבן 3">
+            <a:extLst>
+              <a:ext uri="{FF2B5EF4-FFF2-40B4-BE49-F238E27FC236}">
+                <a16:creationId xmlns:a16="http://schemas.microsoft.com/office/drawing/2014/main" id="{73965695-1ED3-4505-AD48-8820BC49277F}"/>
+              </a:ext>
+            </a:extLst>
+          </p:cNvPr>
+          <p:cNvSpPr/>
+          <p:nvPr/>
+        </p:nvSpPr>
+        <p:spPr>
+          <a:xfrm>
+            <a:off x="0" y="0"/>
+            <a:ext cx="4932205" cy="584775"/>
+          </a:xfrm>
+          <a:prstGeom prst="rect">
+            <a:avLst/>
+          </a:prstGeom>
+          <a:noFill/>
+        </p:spPr>
+        <p:txBody>
+          <a:bodyPr wrap="square" lIns="91440" tIns="45720" rIns="91440" bIns="45720">
+            <a:spAutoFit/>
+          </a:bodyPr>
+          <a:lstStyle/>
+          <a:p>
+            <a:pPr algn="ctr"/>
+            <a:r>
+              <a:rPr lang="en-US" sz="3200" dirty="0">
+                <a:ln w="0"/>
+                <a:gradFill>
+                  <a:gsLst>
+                    <a:gs pos="0">
+                      <a:schemeClr val="accent5">
+                        <a:lumMod val="50000"/>
+                      </a:schemeClr>
+                    </a:gs>
+                    <a:gs pos="50000">
+                      <a:schemeClr val="accent5"/>
+                    </a:gs>
+                    <a:gs pos="100000">
+                      <a:schemeClr val="accent5">
+                        <a:lumMod val="60000"/>
+                        <a:lumOff val="40000"/>
+                      </a:schemeClr>
+                    </a:gs>
+                  </a:gsLst>
+                  <a:lin ang="5400000"/>
+                </a:gradFill>
+                <a:effectLst>
+                  <a:reflection blurRad="6350" stA="53000" endA="300" endPos="35500" dir="5400000" sy="-90000" algn="bl" rotWithShape="0"/>
+                </a:effectLst>
+              </a:rPr>
+              <a:t>Manipulate Task’s database</a:t>
+            </a:r>
+          </a:p>
+        </p:txBody>
+      </p:sp>
+      <p:pic>
+        <p:nvPicPr>
+          <p:cNvPr id="6" name="תמונה 5" descr="תמונה שמכילה טקסט&#10;&#10;התיאור נוצר באופן אוטומטי">
+            <a:extLst>
+              <a:ext uri="{FF2B5EF4-FFF2-40B4-BE49-F238E27FC236}">
+                <a16:creationId xmlns:a16="http://schemas.microsoft.com/office/drawing/2014/main" id="{08D0BA05-5B6D-4C73-82F0-0F78A61AA83E}"/>
+              </a:ext>
+            </a:extLst>
+          </p:cNvPr>
+          <p:cNvPicPr>
+            <a:picLocks noChangeAspect="1"/>
+          </p:cNvPicPr>
+          <p:nvPr/>
+        </p:nvPicPr>
+        <p:blipFill>
+          <a:blip r:embed="rId2"/>
+          <a:stretch>
+            <a:fillRect/>
+          </a:stretch>
+        </p:blipFill>
+        <p:spPr>
+          <a:xfrm>
+            <a:off x="297124" y="824844"/>
+            <a:ext cx="5664198" cy="3681170"/>
+          </a:xfrm>
+          <a:prstGeom prst="rect">
+            <a:avLst/>
+          </a:prstGeom>
+        </p:spPr>
+      </p:pic>
+      <p:pic>
+        <p:nvPicPr>
+          <p:cNvPr id="8" name="תמונה 7" descr="תמונה שמכילה טקסט&#10;&#10;התיאור נוצר באופן אוטומטי">
+            <a:extLst>
+              <a:ext uri="{FF2B5EF4-FFF2-40B4-BE49-F238E27FC236}">
+                <a16:creationId xmlns:a16="http://schemas.microsoft.com/office/drawing/2014/main" id="{B491AD5A-7127-443C-91BE-42C74EBFB95A}"/>
+              </a:ext>
+            </a:extLst>
+          </p:cNvPr>
+          <p:cNvPicPr>
+            <a:picLocks noChangeAspect="1"/>
+          </p:cNvPicPr>
+          <p:nvPr/>
+        </p:nvPicPr>
+        <p:blipFill>
+          <a:blip r:embed="rId3"/>
+          <a:stretch>
+            <a:fillRect/>
+          </a:stretch>
+        </p:blipFill>
+        <p:spPr>
+          <a:xfrm>
+            <a:off x="5961322" y="824844"/>
+            <a:ext cx="6230678" cy="3304476"/>
+          </a:xfrm>
+          <a:prstGeom prst="rect">
+            <a:avLst/>
+          </a:prstGeom>
+        </p:spPr>
+      </p:pic>
+      <p:pic>
+        <p:nvPicPr>
+          <p:cNvPr id="10" name="תמונה 9" descr="תמונה שמכילה טקסט&#10;&#10;התיאור נוצר באופן אוטומטי">
+            <a:extLst>
+              <a:ext uri="{FF2B5EF4-FFF2-40B4-BE49-F238E27FC236}">
+                <a16:creationId xmlns:a16="http://schemas.microsoft.com/office/drawing/2014/main" id="{496EA40E-9497-489E-ACFB-1799C7335FDC}"/>
+              </a:ext>
+            </a:extLst>
+          </p:cNvPr>
+          <p:cNvPicPr>
+            <a:picLocks noChangeAspect="1"/>
+          </p:cNvPicPr>
+          <p:nvPr/>
+        </p:nvPicPr>
+        <p:blipFill>
+          <a:blip r:embed="rId4"/>
+          <a:stretch>
+            <a:fillRect/>
+          </a:stretch>
+        </p:blipFill>
+        <p:spPr>
+          <a:xfrm>
+            <a:off x="297124" y="4506014"/>
+            <a:ext cx="8015498" cy="2215866"/>
+          </a:xfrm>
+          <a:prstGeom prst="rect">
+            <a:avLst/>
+          </a:prstGeom>
+        </p:spPr>
+      </p:pic>
+      <p:pic>
+        <p:nvPicPr>
+          <p:cNvPr id="12" name="תמונה 11" descr="תמונה שמכילה טקסט&#10;&#10;התיאור נוצר באופן אוטומטי">
+            <a:extLst>
+              <a:ext uri="{FF2B5EF4-FFF2-40B4-BE49-F238E27FC236}">
+                <a16:creationId xmlns:a16="http://schemas.microsoft.com/office/drawing/2014/main" id="{255B542B-E77F-4327-A17B-F5429EEC58CB}"/>
+              </a:ext>
+            </a:extLst>
+          </p:cNvPr>
+          <p:cNvPicPr>
+            <a:picLocks noChangeAspect="1"/>
+          </p:cNvPicPr>
+          <p:nvPr/>
+        </p:nvPicPr>
+        <p:blipFill>
+          <a:blip r:embed="rId5"/>
+          <a:stretch>
+            <a:fillRect/>
+          </a:stretch>
+        </p:blipFill>
+        <p:spPr>
+          <a:xfrm>
+            <a:off x="8312622" y="4223422"/>
+            <a:ext cx="3848954" cy="1955834"/>
+          </a:xfrm>
+          <a:prstGeom prst="rect">
+            <a:avLst/>
+          </a:prstGeom>
+        </p:spPr>
+      </p:pic>
+    </p:spTree>
+    <p:extLst>
+      <p:ext uri="{BB962C8B-B14F-4D97-AF65-F5344CB8AC3E}">
+        <p14:creationId xmlns:p14="http://schemas.microsoft.com/office/powerpoint/2010/main" val="2030472001"/>
+      </p:ext>
+    </p:extLst>
+  </p:cSld>
+  <p:clrMapOvr>
+    <a:masterClrMapping/>
+  </p:clrMapOvr>
+</p:sld>
+</file>
+
+<file path=ppt/slides/slide15.xml><?xml version="1.0" encoding="utf-8"?>
 <p:sld xmlns:a="http://schemas.openxmlformats.org/drawingml/2006/main" xmlns:r="http://schemas.openxmlformats.org/officeDocument/2006/relationships" xmlns:p="http://schemas.openxmlformats.org/presentationml/2006/main">
   <p:cSld>
     <p:bg>
@@ -6839,7 +8051,7 @@
       </p:grpSpPr>
       <p:sp>
         <p:nvSpPr>
-          <p:cNvPr id="95" name="Rectangle 94">
+          <p:cNvPr id="53" name="Rectangle 52">
             <a:extLst>
               <a:ext uri="{FF2B5EF4-FFF2-40B4-BE49-F238E27FC236}">
                 <a16:creationId xmlns:a16="http://schemas.microsoft.com/office/drawing/2014/main" id="{2B566528-1B12-4246-9431-5C2D7D081168}"/>
@@ -6902,10 +8114,608 @@
       </p:sp>
       <p:sp>
         <p:nvSpPr>
+          <p:cNvPr id="7" name="מלבן 6">
+            <a:extLst>
+              <a:ext uri="{FF2B5EF4-FFF2-40B4-BE49-F238E27FC236}">
+                <a16:creationId xmlns:a16="http://schemas.microsoft.com/office/drawing/2014/main" id="{70B8BF19-79B6-4A0A-A25E-C8155464F5AE}"/>
+              </a:ext>
+            </a:extLst>
+          </p:cNvPr>
+          <p:cNvSpPr/>
+          <p:nvPr/>
+        </p:nvSpPr>
+        <p:spPr>
+          <a:xfrm>
+            <a:off x="643467" y="321734"/>
+            <a:ext cx="4970877" cy="1135737"/>
+          </a:xfrm>
+          <a:prstGeom prst="rect">
+            <a:avLst/>
+          </a:prstGeom>
+        </p:spPr>
+        <p:txBody>
+          <a:bodyPr vert="horz" lIns="91440" tIns="45720" rIns="91440" bIns="45720" rtlCol="0" anchor="ctr">
+            <a:normAutofit/>
+          </a:bodyPr>
+          <a:lstStyle/>
+          <a:p>
+            <a:pPr algn="l" rtl="0">
+              <a:lnSpc>
+                <a:spcPct val="90000"/>
+              </a:lnSpc>
+              <a:spcBef>
+                <a:spcPct val="0"/>
+              </a:spcBef>
+              <a:spcAft>
+                <a:spcPts val="600"/>
+              </a:spcAft>
+            </a:pPr>
+            <a:r>
+              <a:rPr lang="en-US" sz="3600" b="0" cap="none" spc="0" dirty="0">
+                <a:ln w="0"/>
+                <a:effectLst>
+                  <a:reflection blurRad="6350" stA="53000" endA="300" endPos="35500" dir="5400000" sy="-90000" algn="bl" rotWithShape="0"/>
+                </a:effectLst>
+                <a:latin typeface="Lato" panose="020F0502020204030203" pitchFamily="34" charset="0"/>
+                <a:ea typeface="Lato" panose="020F0502020204030203" pitchFamily="34" charset="0"/>
+                <a:cs typeface="Lato" panose="020F0502020204030203" pitchFamily="34" charset="0"/>
+              </a:rPr>
+              <a:t>Pros</a:t>
+            </a:r>
+          </a:p>
+        </p:txBody>
+      </p:sp>
+      <p:sp>
+        <p:nvSpPr>
+          <p:cNvPr id="8" name="תיבת טקסט 7">
+            <a:extLst>
+              <a:ext uri="{FF2B5EF4-FFF2-40B4-BE49-F238E27FC236}">
+                <a16:creationId xmlns:a16="http://schemas.microsoft.com/office/drawing/2014/main" id="{3008B0CA-9E60-4862-8C1E-628C679DAA16}"/>
+              </a:ext>
+            </a:extLst>
+          </p:cNvPr>
+          <p:cNvSpPr txBox="1"/>
+          <p:nvPr/>
+        </p:nvSpPr>
+        <p:spPr>
+          <a:xfrm>
+            <a:off x="643468" y="1782981"/>
+            <a:ext cx="4970877" cy="4393982"/>
+          </a:xfrm>
+          <a:prstGeom prst="rect">
+            <a:avLst/>
+          </a:prstGeom>
+        </p:spPr>
+        <p:txBody>
+          <a:bodyPr vert="horz" lIns="91440" tIns="45720" rIns="91440" bIns="45720" rtlCol="0">
+            <a:normAutofit/>
+          </a:bodyPr>
+          <a:lstStyle/>
+          <a:p>
+            <a:pPr indent="-228600" algn="l" rtl="0">
+              <a:lnSpc>
+                <a:spcPct val="90000"/>
+              </a:lnSpc>
+              <a:spcAft>
+                <a:spcPts val="600"/>
+              </a:spcAft>
+              <a:buFont typeface="Arial" panose="020B0604020202020204" pitchFamily="34" charset="0"/>
+              <a:buChar char="•"/>
+            </a:pPr>
+            <a:r>
+              <a:rPr lang="en-US" sz="2000" dirty="0">
+                <a:latin typeface="Lato" panose="020F0502020204030203" pitchFamily="34" charset="0"/>
+                <a:ea typeface="Lato" panose="020F0502020204030203" pitchFamily="34" charset="0"/>
+                <a:cs typeface="Lato" panose="020F0502020204030203" pitchFamily="34" charset="0"/>
+              </a:rPr>
+              <a:t>Admin panel - </a:t>
+            </a:r>
+            <a:r>
+              <a:rPr lang="en-US" sz="2000" b="0" i="0" dirty="0">
+                <a:effectLst/>
+                <a:latin typeface="Lato" panose="020F0502020204030203" pitchFamily="34" charset="0"/>
+                <a:ea typeface="Lato" panose="020F0502020204030203" pitchFamily="34" charset="0"/>
+                <a:cs typeface="Lato" panose="020F0502020204030203" pitchFamily="34" charset="0"/>
+              </a:rPr>
+              <a:t>One of the most powerful parts of Django is the automatic admin interface. It reads metadata from your models to provide a quick, model-centric interface where trusted users can manage content on your site. The admin’s recommended use is limited to an organization’s internal management tool.</a:t>
+            </a:r>
+            <a:endParaRPr lang="en-US" sz="2000" dirty="0">
+              <a:latin typeface="Lato" panose="020F0502020204030203" pitchFamily="34" charset="0"/>
+              <a:ea typeface="Lato" panose="020F0502020204030203" pitchFamily="34" charset="0"/>
+              <a:cs typeface="Lato" panose="020F0502020204030203" pitchFamily="34" charset="0"/>
+            </a:endParaRPr>
+          </a:p>
+        </p:txBody>
+      </p:sp>
+      <p:pic>
+        <p:nvPicPr>
+          <p:cNvPr id="10" name="תמונה 9" descr="תמונה שמכילה טקסט, צילום מסך, צג, שחור&#10;&#10;התיאור נוצר באופן אוטומטי">
+            <a:extLst>
+              <a:ext uri="{FF2B5EF4-FFF2-40B4-BE49-F238E27FC236}">
+                <a16:creationId xmlns:a16="http://schemas.microsoft.com/office/drawing/2014/main" id="{39984B26-2CAB-4608-BAED-DAB89E3EA19D}"/>
+              </a:ext>
+            </a:extLst>
+          </p:cNvPr>
+          <p:cNvPicPr>
+            <a:picLocks noChangeAspect="1"/>
+          </p:cNvPicPr>
+          <p:nvPr/>
+        </p:nvPicPr>
+        <p:blipFill>
+          <a:blip r:embed="rId2"/>
+          <a:stretch>
+            <a:fillRect/>
+          </a:stretch>
+        </p:blipFill>
+        <p:spPr>
+          <a:xfrm>
+            <a:off x="5559103" y="434820"/>
+            <a:ext cx="6632896" cy="3161800"/>
+          </a:xfrm>
+          <a:prstGeom prst="rect">
+            <a:avLst/>
+          </a:prstGeom>
+        </p:spPr>
+      </p:pic>
+      <p:grpSp>
+        <p:nvGrpSpPr>
+          <p:cNvPr id="55" name="Group 54">
+            <a:extLst>
+              <a:ext uri="{FF2B5EF4-FFF2-40B4-BE49-F238E27FC236}">
+                <a16:creationId xmlns:a16="http://schemas.microsoft.com/office/drawing/2014/main" id="{07EAA094-9CF6-4695-958A-33D9BCAA9474}"/>
+              </a:ext>
+              <a:ext uri="{C183D7F6-B498-43B3-948B-1728B52AA6E4}">
+                <adec:decorative xmlns:adec="http://schemas.microsoft.com/office/drawing/2017/decorative" val="1"/>
+              </a:ext>
+            </a:extLst>
+          </p:cNvPr>
+          <p:cNvGrpSpPr>
+            <a:grpSpLocks noGrp="1" noUngrp="1" noRot="1" noChangeAspect="1" noMove="1" noResize="1"/>
+          </p:cNvGrpSpPr>
+          <p:nvPr>
+            <p:extLst>
+              <p:ext uri="{386F3935-93C4-4BCD-93E2-E3B085C9AB24}">
+                <p16:designElem xmlns:p16="http://schemas.microsoft.com/office/powerpoint/2015/main" val="1"/>
+              </p:ext>
+            </p:extLst>
+          </p:nvPr>
+        </p:nvGrpSpPr>
+        <p:grpSpPr>
+          <a:xfrm>
+            <a:off x="11123132" y="713128"/>
+            <a:ext cx="1068867" cy="2126625"/>
+            <a:chOff x="10918968" y="713127"/>
+            <a:chExt cx="1273032" cy="2532832"/>
+          </a:xfrm>
+        </p:grpSpPr>
+        <p:sp>
+          <p:nvSpPr>
+            <p:cNvPr id="56" name="Rectangle 55">
+              <a:extLst>
+                <a:ext uri="{FF2B5EF4-FFF2-40B4-BE49-F238E27FC236}">
+                  <a16:creationId xmlns:a16="http://schemas.microsoft.com/office/drawing/2014/main" id="{2E80C965-DB6D-4F81-9E9E-B027384D0BD6}"/>
+                </a:ext>
+                <a:ext uri="{C183D7F6-B498-43B3-948B-1728B52AA6E4}">
+                  <adec:decorative xmlns:adec="http://schemas.microsoft.com/office/drawing/2017/decorative" val="1"/>
+                </a:ext>
+              </a:extLst>
+            </p:cNvPr>
+            <p:cNvSpPr/>
+            <p:nvPr>
+              <p:extLst>
+                <p:ext uri="{386F3935-93C4-4BCD-93E2-E3B085C9AB24}">
+                  <p16:designElem xmlns:p16="http://schemas.microsoft.com/office/powerpoint/2015/main" val="1"/>
+                </p:ext>
+              </p:extLst>
+            </p:nvPr>
+          </p:nvSpPr>
+          <p:spPr>
+            <a:xfrm rot="2700000">
+              <a:off x="11052629" y="2120024"/>
+              <a:ext cx="645368" cy="645368"/>
+            </a:xfrm>
+            <a:prstGeom prst="rect">
+              <a:avLst/>
+            </a:prstGeom>
+            <a:solidFill>
+              <a:schemeClr val="accent4">
+                <a:alpha val="30000"/>
+              </a:schemeClr>
+            </a:solidFill>
+            <a:ln>
+              <a:noFill/>
+            </a:ln>
+          </p:spPr>
+          <p:style>
+            <a:lnRef idx="2">
+              <a:schemeClr val="accent1">
+                <a:shade val="50000"/>
+              </a:schemeClr>
+            </a:lnRef>
+            <a:fillRef idx="1">
+              <a:schemeClr val="accent1"/>
+            </a:fillRef>
+            <a:effectRef idx="0">
+              <a:schemeClr val="accent1"/>
+            </a:effectRef>
+            <a:fontRef idx="minor">
+              <a:schemeClr val="lt1"/>
+            </a:fontRef>
+          </p:style>
+          <p:txBody>
+            <a:bodyPr rtlCol="0" anchor="ctr"/>
+            <a:lstStyle/>
+            <a:p>
+              <a:pPr algn="ctr"/>
+              <a:endParaRPr lang="en-US"/>
+            </a:p>
+          </p:txBody>
+        </p:sp>
+        <p:sp>
+          <p:nvSpPr>
+            <p:cNvPr id="57" name="Isosceles Triangle 56">
+              <a:extLst>
+                <a:ext uri="{FF2B5EF4-FFF2-40B4-BE49-F238E27FC236}">
+                  <a16:creationId xmlns:a16="http://schemas.microsoft.com/office/drawing/2014/main" id="{A580F890-B085-4E95-96AA-55AEBEC5CE6E}"/>
+                </a:ext>
+                <a:ext uri="{C183D7F6-B498-43B3-948B-1728B52AA6E4}">
+                  <adec:decorative xmlns:adec="http://schemas.microsoft.com/office/drawing/2017/decorative" val="1"/>
+                </a:ext>
+              </a:extLst>
+            </p:cNvPr>
+            <p:cNvSpPr/>
+            <p:nvPr>
+              <p:extLst>
+                <p:ext uri="{386F3935-93C4-4BCD-93E2-E3B085C9AB24}">
+                  <p16:designElem xmlns:p16="http://schemas.microsoft.com/office/powerpoint/2015/main" val="1"/>
+                </p:ext>
+              </p:extLst>
+            </p:nvPr>
+          </p:nvSpPr>
+          <p:spPr>
+            <a:xfrm rot="16200000">
+              <a:off x="10289068" y="1343027"/>
+              <a:ext cx="2532832" cy="1273032"/>
+            </a:xfrm>
+            <a:prstGeom prst="triangle">
+              <a:avLst>
+                <a:gd name="adj" fmla="val 50000"/>
+              </a:avLst>
+            </a:prstGeom>
+            <a:solidFill>
+              <a:schemeClr val="accent4">
+                <a:alpha val="30000"/>
+              </a:schemeClr>
+            </a:solidFill>
+            <a:ln>
+              <a:noFill/>
+            </a:ln>
+          </p:spPr>
+          <p:style>
+            <a:lnRef idx="2">
+              <a:schemeClr val="accent1">
+                <a:shade val="50000"/>
+              </a:schemeClr>
+            </a:lnRef>
+            <a:fillRef idx="1">
+              <a:schemeClr val="accent1"/>
+            </a:fillRef>
+            <a:effectRef idx="0">
+              <a:schemeClr val="accent1"/>
+            </a:effectRef>
+            <a:fontRef idx="minor">
+              <a:schemeClr val="lt1"/>
+            </a:fontRef>
+          </p:style>
+          <p:txBody>
+            <a:bodyPr rtlCol="0" anchor="ctr"/>
+            <a:lstStyle/>
+            <a:p>
+              <a:pPr algn="ctr"/>
+              <a:endParaRPr lang="en-US" dirty="0"/>
+            </a:p>
+          </p:txBody>
+        </p:sp>
+      </p:grpSp>
+      <p:sp>
+        <p:nvSpPr>
+          <p:cNvPr id="59" name="Isosceles Triangle 58">
+            <a:extLst>
+              <a:ext uri="{FF2B5EF4-FFF2-40B4-BE49-F238E27FC236}">
+                <a16:creationId xmlns:a16="http://schemas.microsoft.com/office/drawing/2014/main" id="{D3F51FEB-38FB-4F6C-9F7B-2F2AFAB65463}"/>
+              </a:ext>
+              <a:ext uri="{C183D7F6-B498-43B3-948B-1728B52AA6E4}">
+                <adec:decorative xmlns:adec="http://schemas.microsoft.com/office/drawing/2017/decorative" val="1"/>
+              </a:ext>
+            </a:extLst>
+          </p:cNvPr>
+          <p:cNvSpPr>
+            <a:spLocks noGrp="1" noRot="1" noChangeAspect="1" noMove="1" noResize="1" noEditPoints="1" noAdjustHandles="1" noChangeArrowheads="1" noChangeShapeType="1" noTextEdit="1"/>
+          </p:cNvSpPr>
+          <p:nvPr>
+            <p:extLst>
+              <p:ext uri="{386F3935-93C4-4BCD-93E2-E3B085C9AB24}">
+                <p16:designElem xmlns:p16="http://schemas.microsoft.com/office/powerpoint/2015/main" val="1"/>
+              </p:ext>
+            </p:extLst>
+          </p:nvPr>
+        </p:nvSpPr>
+        <p:spPr>
+          <a:xfrm rot="5400000">
+            <a:off x="-501760" y="5103257"/>
+            <a:ext cx="2017580" cy="1014060"/>
+          </a:xfrm>
+          <a:prstGeom prst="triangle">
+            <a:avLst>
+              <a:gd name="adj" fmla="val 50000"/>
+            </a:avLst>
+          </a:prstGeom>
+          <a:solidFill>
+            <a:schemeClr val="accent1">
+              <a:alpha val="30000"/>
+            </a:schemeClr>
+          </a:solidFill>
+          <a:ln>
+            <a:noFill/>
+          </a:ln>
+        </p:spPr>
+        <p:style>
+          <a:lnRef idx="2">
+            <a:schemeClr val="accent1">
+              <a:shade val="50000"/>
+            </a:schemeClr>
+          </a:lnRef>
+          <a:fillRef idx="1">
+            <a:schemeClr val="accent1"/>
+          </a:fillRef>
+          <a:effectRef idx="0">
+            <a:schemeClr val="accent1"/>
+          </a:effectRef>
+          <a:fontRef idx="minor">
+            <a:schemeClr val="lt1"/>
+          </a:fontRef>
+        </p:style>
+        <p:txBody>
+          <a:bodyPr rtlCol="0" anchor="ctr"/>
+          <a:lstStyle/>
+          <a:p>
+            <a:pPr algn="ctr"/>
+            <a:endParaRPr lang="en-US"/>
+          </a:p>
+        </p:txBody>
+      </p:sp>
+      <p:sp>
+        <p:nvSpPr>
+          <p:cNvPr id="61" name="Rectangle 60">
+            <a:extLst>
+              <a:ext uri="{FF2B5EF4-FFF2-40B4-BE49-F238E27FC236}">
+                <a16:creationId xmlns:a16="http://schemas.microsoft.com/office/drawing/2014/main" id="{1E547BA6-BAE0-43BB-A7CA-60F69CE252F0}"/>
+              </a:ext>
+              <a:ext uri="{C183D7F6-B498-43B3-948B-1728B52AA6E4}">
+                <adec:decorative xmlns:adec="http://schemas.microsoft.com/office/drawing/2017/decorative" val="1"/>
+              </a:ext>
+            </a:extLst>
+          </p:cNvPr>
+          <p:cNvSpPr>
+            <a:spLocks noGrp="1" noRot="1" noChangeAspect="1" noMove="1" noResize="1" noEditPoints="1" noAdjustHandles="1" noChangeArrowheads="1" noChangeShapeType="1" noTextEdit="1"/>
+          </p:cNvSpPr>
+          <p:nvPr>
+            <p:extLst>
+              <p:ext uri="{386F3935-93C4-4BCD-93E2-E3B085C9AB24}">
+                <p16:designElem xmlns:p16="http://schemas.microsoft.com/office/powerpoint/2015/main" val="1"/>
+              </p:ext>
+            </p:extLst>
+          </p:nvPr>
+        </p:nvSpPr>
+        <p:spPr>
+          <a:xfrm rot="2700000">
+            <a:off x="427916" y="5728708"/>
+            <a:ext cx="485578" cy="485578"/>
+          </a:xfrm>
+          <a:prstGeom prst="rect">
+            <a:avLst/>
+          </a:prstGeom>
+          <a:solidFill>
+            <a:schemeClr val="accent1">
+              <a:alpha val="30000"/>
+            </a:schemeClr>
+          </a:solidFill>
+          <a:ln>
+            <a:noFill/>
+          </a:ln>
+        </p:spPr>
+        <p:style>
+          <a:lnRef idx="2">
+            <a:schemeClr val="accent1">
+              <a:shade val="50000"/>
+            </a:schemeClr>
+          </a:lnRef>
+          <a:fillRef idx="1">
+            <a:schemeClr val="accent1"/>
+          </a:fillRef>
+          <a:effectRef idx="0">
+            <a:schemeClr val="accent1"/>
+          </a:effectRef>
+          <a:fontRef idx="minor">
+            <a:schemeClr val="lt1"/>
+          </a:fontRef>
+        </p:style>
+        <p:txBody>
+          <a:bodyPr rtlCol="0" anchor="ctr"/>
+          <a:lstStyle/>
+          <a:p>
+            <a:pPr algn="ctr"/>
+            <a:endParaRPr lang="en-US"/>
+          </a:p>
+        </p:txBody>
+      </p:sp>
+      <p:pic>
+        <p:nvPicPr>
+          <p:cNvPr id="14" name="תמונה 13">
+            <a:extLst>
+              <a:ext uri="{FF2B5EF4-FFF2-40B4-BE49-F238E27FC236}">
+                <a16:creationId xmlns:a16="http://schemas.microsoft.com/office/drawing/2014/main" id="{ECA63C28-9395-46F3-88E2-C821F0D8772E}"/>
+              </a:ext>
+            </a:extLst>
+          </p:cNvPr>
+          <p:cNvPicPr>
+            <a:picLocks noChangeAspect="1"/>
+          </p:cNvPicPr>
+          <p:nvPr/>
+        </p:nvPicPr>
+        <p:blipFill>
+          <a:blip r:embed="rId3"/>
+          <a:stretch>
+            <a:fillRect/>
+          </a:stretch>
+        </p:blipFill>
+        <p:spPr>
+          <a:xfrm>
+            <a:off x="1175843" y="4560852"/>
+            <a:ext cx="6292188" cy="2029230"/>
+          </a:xfrm>
+          <a:prstGeom prst="rect">
+            <a:avLst/>
+          </a:prstGeom>
+        </p:spPr>
+      </p:pic>
+      <p:pic>
+        <p:nvPicPr>
+          <p:cNvPr id="12" name="תמונה 11" descr="תמונה שמכילה טקסט&#10;&#10;התיאור נוצר באופן אוטומטי">
+            <a:extLst>
+              <a:ext uri="{FF2B5EF4-FFF2-40B4-BE49-F238E27FC236}">
+                <a16:creationId xmlns:a16="http://schemas.microsoft.com/office/drawing/2014/main" id="{ED9BB458-CFE5-4D65-8A66-F3A2B8B6DB2E}"/>
+              </a:ext>
+            </a:extLst>
+          </p:cNvPr>
+          <p:cNvPicPr>
+            <a:picLocks noChangeAspect="1"/>
+          </p:cNvPicPr>
+          <p:nvPr/>
+        </p:nvPicPr>
+        <p:blipFill>
+          <a:blip r:embed="rId4"/>
+          <a:stretch>
+            <a:fillRect/>
+          </a:stretch>
+        </p:blipFill>
+        <p:spPr>
+          <a:xfrm>
+            <a:off x="8135916" y="4560852"/>
+            <a:ext cx="2590053" cy="1180651"/>
+          </a:xfrm>
+          <a:prstGeom prst="rect">
+            <a:avLst/>
+          </a:prstGeom>
+        </p:spPr>
+      </p:pic>
+    </p:spTree>
+    <p:extLst>
+      <p:ext uri="{BB962C8B-B14F-4D97-AF65-F5344CB8AC3E}">
+        <p14:creationId xmlns:p14="http://schemas.microsoft.com/office/powerpoint/2010/main" val="1383476071"/>
+      </p:ext>
+    </p:extLst>
+  </p:cSld>
+  <p:clrMapOvr>
+    <a:masterClrMapping/>
+  </p:clrMapOvr>
+</p:sld>
+</file>
+
+<file path=ppt/slides/slide16.xml><?xml version="1.0" encoding="utf-8"?>
+<p:sld xmlns:a="http://schemas.openxmlformats.org/drawingml/2006/main" xmlns:r="http://schemas.openxmlformats.org/officeDocument/2006/relationships" xmlns:p="http://schemas.openxmlformats.org/presentationml/2006/main">
+  <p:cSld>
+    <p:bg>
+      <p:bgPr>
+        <a:solidFill>
+          <a:schemeClr val="bg1"/>
+        </a:solidFill>
+        <a:effectLst/>
+      </p:bgPr>
+    </p:bg>
+    <p:spTree>
+      <p:nvGrpSpPr>
+        <p:cNvPr id="1" name=""/>
+        <p:cNvGrpSpPr/>
+        <p:nvPr/>
+      </p:nvGrpSpPr>
+      <p:grpSpPr>
+        <a:xfrm>
+          <a:off x="0" y="0"/>
+          <a:ext cx="0" cy="0"/>
+          <a:chOff x="0" y="0"/>
+          <a:chExt cx="0" cy="0"/>
+        </a:xfrm>
+      </p:grpSpPr>
+      <p:sp>
+        <p:nvSpPr>
+          <p:cNvPr id="30" name="Rectangle 29">
+            <a:extLst>
+              <a:ext uri="{FF2B5EF4-FFF2-40B4-BE49-F238E27FC236}">
+                <a16:creationId xmlns:a16="http://schemas.microsoft.com/office/drawing/2014/main" id="{2B566528-1B12-4246-9431-5C2D7D081168}"/>
+              </a:ext>
+              <a:ext uri="{C183D7F6-B498-43B3-948B-1728B52AA6E4}">
+                <adec:decorative xmlns:adec="http://schemas.microsoft.com/office/drawing/2017/decorative" val="1"/>
+              </a:ext>
+            </a:extLst>
+          </p:cNvPr>
+          <p:cNvSpPr>
+            <a:spLocks noGrp="1" noRot="1" noChangeAspect="1" noMove="1" noResize="1" noEditPoints="1" noAdjustHandles="1" noChangeArrowheads="1" noChangeShapeType="1" noTextEdit="1"/>
+          </p:cNvSpPr>
+          <p:nvPr>
+            <p:extLst>
+              <p:ext uri="{386F3935-93C4-4BCD-93E2-E3B085C9AB24}">
+                <p16:designElem xmlns:p16="http://schemas.microsoft.com/office/powerpoint/2015/main" val="1"/>
+              </p:ext>
+            </p:extLst>
+          </p:nvPr>
+        </p:nvSpPr>
+        <p:spPr>
+          <a:xfrm>
+            <a:off x="0" y="0"/>
+            <a:ext cx="12192000" cy="6858000"/>
+          </a:xfrm>
+          <a:prstGeom prst="rect">
+            <a:avLst/>
+          </a:prstGeom>
+          <a:solidFill>
+            <a:schemeClr val="bg1"/>
+          </a:solidFill>
+          <a:ln>
+            <a:noFill/>
+          </a:ln>
+        </p:spPr>
+        <p:style>
+          <a:lnRef idx="2">
+            <a:schemeClr val="accent1">
+              <a:shade val="50000"/>
+            </a:schemeClr>
+          </a:lnRef>
+          <a:fillRef idx="1">
+            <a:schemeClr val="accent1"/>
+          </a:fillRef>
+          <a:effectRef idx="0">
+            <a:schemeClr val="accent1"/>
+          </a:effectRef>
+          <a:fontRef idx="minor">
+            <a:schemeClr val="lt1"/>
+          </a:fontRef>
+        </p:style>
+        <p:txBody>
+          <a:bodyPr rtlCol="0" anchor="ctr"/>
+          <a:lstStyle/>
+          <a:p>
+            <a:pPr algn="ctr"/>
+            <a:endParaRPr lang="en-US" dirty="0"/>
+          </a:p>
+        </p:txBody>
+      </p:sp>
+      <p:sp>
+        <p:nvSpPr>
           <p:cNvPr id="4" name="מלבן 3">
             <a:extLst>
               <a:ext uri="{FF2B5EF4-FFF2-40B4-BE49-F238E27FC236}">
-                <a16:creationId xmlns:a16="http://schemas.microsoft.com/office/drawing/2014/main" id="{E57E4AB9-9A6F-46E1-A6FF-7D070CF91F5A}"/>
+                <a16:creationId xmlns:a16="http://schemas.microsoft.com/office/drawing/2014/main" id="{E3F14B95-0DAB-4836-AA09-233C5C576F51}"/>
               </a:ext>
             </a:extLst>
           </p:cNvPr>
@@ -6939,7 +8749,7 @@
               </a:spcAft>
             </a:pPr>
             <a:r>
-              <a:rPr lang="en-US" sz="3600" b="0" kern="1200" cap="none" spc="0">
+              <a:rPr lang="en-US" sz="3600" b="0" kern="1200" cap="none" spc="0" dirty="0">
                 <a:ln w="0"/>
                 <a:solidFill>
                   <a:schemeClr val="tx1"/>
@@ -6947,18 +8757,195 @@
                 <a:effectLst>
                   <a:reflection blurRad="6350" stA="53000" endA="300" endPos="35500" dir="5400000" sy="-90000" algn="bl" rotWithShape="0"/>
                 </a:effectLst>
-                <a:latin typeface="+mj-lt"/>
-                <a:ea typeface="+mj-ea"/>
-                <a:cs typeface="+mj-cs"/>
+                <a:latin typeface="Lato" panose="020F0502020204030203" pitchFamily="34" charset="0"/>
+                <a:ea typeface="Lato" panose="020F0502020204030203" pitchFamily="34" charset="0"/>
+                <a:cs typeface="Lato" panose="020F0502020204030203" pitchFamily="34" charset="0"/>
               </a:rPr>
-              <a:t>Python</a:t>
+              <a:t>Pros</a:t>
             </a:r>
           </a:p>
         </p:txBody>
       </p:sp>
       <p:sp>
         <p:nvSpPr>
-          <p:cNvPr id="97" name="Rectangle 96">
+          <p:cNvPr id="5" name="תיבת טקסט 4">
+            <a:extLst>
+              <a:ext uri="{FF2B5EF4-FFF2-40B4-BE49-F238E27FC236}">
+                <a16:creationId xmlns:a16="http://schemas.microsoft.com/office/drawing/2014/main" id="{C72F8CA4-E1FD-4F80-87AF-5067B7393D5D}"/>
+              </a:ext>
+            </a:extLst>
+          </p:cNvPr>
+          <p:cNvSpPr txBox="1"/>
+          <p:nvPr/>
+        </p:nvSpPr>
+        <p:spPr>
+          <a:xfrm>
+            <a:off x="643467" y="1782981"/>
+            <a:ext cx="10905066" cy="4393982"/>
+          </a:xfrm>
+          <a:prstGeom prst="rect">
+            <a:avLst/>
+          </a:prstGeom>
+        </p:spPr>
+        <p:txBody>
+          <a:bodyPr vert="horz" lIns="91440" tIns="45720" rIns="91440" bIns="45720" rtlCol="0">
+            <a:normAutofit/>
+          </a:bodyPr>
+          <a:lstStyle/>
+          <a:p>
+            <a:pPr indent="-228600" algn="l" rtl="0">
+              <a:lnSpc>
+                <a:spcPct val="90000"/>
+              </a:lnSpc>
+              <a:spcAft>
+                <a:spcPts val="600"/>
+              </a:spcAft>
+              <a:buFont typeface="Arial" panose="020B0604020202020204" pitchFamily="34" charset="0"/>
+              <a:buChar char="•"/>
+            </a:pPr>
+            <a:r>
+              <a:rPr lang="en-US" sz="2000"/>
+              <a:t>The MVC model in Django:</a:t>
+            </a:r>
+          </a:p>
+          <a:p>
+            <a:pPr marL="285750" indent="-228600" algn="l" rtl="0">
+              <a:lnSpc>
+                <a:spcPct val="90000"/>
+              </a:lnSpc>
+              <a:spcAft>
+                <a:spcPts val="600"/>
+              </a:spcAft>
+              <a:buFont typeface="Arial" panose="020B0604020202020204" pitchFamily="34" charset="0"/>
+              <a:buChar char="•"/>
+            </a:pPr>
+            <a:r>
+              <a:rPr lang="en-US" sz="2000" b="1" i="0">
+                <a:effectLst/>
+              </a:rPr>
+              <a:t>Controller</a:t>
+            </a:r>
+            <a:r>
+              <a:rPr lang="en-US" sz="2000" b="0" i="0">
+                <a:effectLst/>
+              </a:rPr>
+              <a:t>. A controller is the heart of the system, it steers everything. For a web framework, this means handling requests and responses, setting up database connections and loading add-ons. For this, Django reads a </a:t>
+            </a:r>
+            <a:r>
+              <a:rPr lang="en-US" sz="2000" b="0" i="1">
+                <a:effectLst/>
+              </a:rPr>
+              <a:t>settings file</a:t>
+            </a:r>
+            <a:r>
+              <a:rPr lang="en-US" sz="2000" b="0" i="0">
+                <a:effectLst/>
+              </a:rPr>
+              <a:t> so that it knows what to load and set up. And Django reads a </a:t>
+            </a:r>
+            <a:r>
+              <a:rPr lang="en-US" sz="2000" b="0" i="1">
+                <a:effectLst/>
+              </a:rPr>
+              <a:t>URL config file</a:t>
+            </a:r>
+            <a:r>
+              <a:rPr lang="en-US" sz="2000" b="0" i="0">
+                <a:effectLst/>
+              </a:rPr>
+              <a:t> that tells it what to do with the incoming requests from browsers.</a:t>
+            </a:r>
+          </a:p>
+          <a:p>
+            <a:pPr marL="285750" indent="-228600" algn="l" rtl="0">
+              <a:lnSpc>
+                <a:spcPct val="90000"/>
+              </a:lnSpc>
+              <a:spcAft>
+                <a:spcPts val="600"/>
+              </a:spcAft>
+              <a:buFont typeface="Arial" panose="020B0604020202020204" pitchFamily="34" charset="0"/>
+              <a:buChar char="•"/>
+            </a:pPr>
+            <a:r>
+              <a:rPr lang="en-US" sz="2000" b="1" i="0">
+                <a:effectLst/>
+              </a:rPr>
+              <a:t>Model</a:t>
+            </a:r>
+            <a:r>
+              <a:rPr lang="en-US" sz="2000" b="0" i="0">
+                <a:effectLst/>
+              </a:rPr>
+              <a:t>. The model layer in Django means the database plus the Python code that directly uses it. It models reality. You capture whatever your website needs in database tables. Django helps you write Python classes (called </a:t>
+            </a:r>
+            <a:r>
+              <a:rPr lang="en-US" sz="2000" b="0" i="1">
+                <a:effectLst/>
+              </a:rPr>
+              <a:t>models</a:t>
+            </a:r>
+            <a:r>
+              <a:rPr lang="en-US" sz="2000" b="0" i="0">
+                <a:effectLst/>
+              </a:rPr>
+              <a:t>) that tie 1:1 to the database tables.</a:t>
+            </a:r>
+          </a:p>
+          <a:p>
+            <a:pPr marL="285750" indent="-228600" algn="l" rtl="0">
+              <a:lnSpc>
+                <a:spcPct val="90000"/>
+              </a:lnSpc>
+              <a:spcAft>
+                <a:spcPts val="600"/>
+              </a:spcAft>
+              <a:buFont typeface="Arial" panose="020B0604020202020204" pitchFamily="34" charset="0"/>
+              <a:buChar char="•"/>
+            </a:pPr>
+            <a:r>
+              <a:rPr lang="en-US" sz="2000" b="1" i="0">
+                <a:effectLst/>
+              </a:rPr>
+              <a:t>View</a:t>
+            </a:r>
+            <a:r>
+              <a:rPr lang="en-US" sz="2000" b="0" i="0">
+                <a:effectLst/>
+              </a:rPr>
+              <a:t>. The view layer is the user interface. Django splits this up in the actual HTML pages and the Python code (called </a:t>
+            </a:r>
+            <a:r>
+              <a:rPr lang="en-US" sz="2000" b="0" i="1">
+                <a:effectLst/>
+              </a:rPr>
+              <a:t>views</a:t>
+            </a:r>
+            <a:r>
+              <a:rPr lang="en-US" sz="2000" b="0" i="0">
+                <a:effectLst/>
+              </a:rPr>
+              <a:t>) that renders them. And it also has an automatic web admin interface for editing the models.</a:t>
+            </a:r>
+          </a:p>
+          <a:p>
+            <a:pPr indent="-228600" algn="l" rtl="0">
+              <a:lnSpc>
+                <a:spcPct val="90000"/>
+              </a:lnSpc>
+              <a:spcAft>
+                <a:spcPts val="600"/>
+              </a:spcAft>
+              <a:buFont typeface="Arial" panose="020B0604020202020204" pitchFamily="34" charset="0"/>
+              <a:buChar char="•"/>
+            </a:pPr>
+            <a:endParaRPr lang="en-US" sz="2000"/>
+          </a:p>
+        </p:txBody>
+      </p:sp>
+      <p:sp>
+        <p:nvSpPr>
+          <p:cNvPr id="32" name="Rectangle 31">
             <a:extLst>
               <a:ext uri="{FF2B5EF4-FFF2-40B4-BE49-F238E27FC236}">
                 <a16:creationId xmlns:a16="http://schemas.microsoft.com/office/drawing/2014/main" id="{2E80C965-DB6D-4F81-9E9E-B027384D0BD6}"/>
@@ -7023,7 +9010,7 @@
       </p:sp>
       <p:sp>
         <p:nvSpPr>
-          <p:cNvPr id="99" name="Isosceles Triangle 98">
+          <p:cNvPr id="34" name="Isosceles Triangle 33">
             <a:extLst>
               <a:ext uri="{FF2B5EF4-FFF2-40B4-BE49-F238E27FC236}">
                 <a16:creationId xmlns:a16="http://schemas.microsoft.com/office/drawing/2014/main" id="{A580F890-B085-4E95-96AA-55AEBEC5CE6E}"/>
@@ -7090,6 +9077,2355 @@
       </p:sp>
       <p:sp>
         <p:nvSpPr>
+          <p:cNvPr id="36" name="Isosceles Triangle 35">
+            <a:extLst>
+              <a:ext uri="{FF2B5EF4-FFF2-40B4-BE49-F238E27FC236}">
+                <a16:creationId xmlns:a16="http://schemas.microsoft.com/office/drawing/2014/main" id="{D3F51FEB-38FB-4F6C-9F7B-2F2AFAB65463}"/>
+              </a:ext>
+              <a:ext uri="{C183D7F6-B498-43B3-948B-1728B52AA6E4}">
+                <adec:decorative xmlns:adec="http://schemas.microsoft.com/office/drawing/2017/decorative" val="1"/>
+              </a:ext>
+            </a:extLst>
+          </p:cNvPr>
+          <p:cNvSpPr>
+            <a:spLocks noGrp="1" noRot="1" noChangeAspect="1" noMove="1" noResize="1" noEditPoints="1" noAdjustHandles="1" noChangeArrowheads="1" noChangeShapeType="1" noTextEdit="1"/>
+          </p:cNvSpPr>
+          <p:nvPr>
+            <p:extLst>
+              <p:ext uri="{386F3935-93C4-4BCD-93E2-E3B085C9AB24}">
+                <p16:designElem xmlns:p16="http://schemas.microsoft.com/office/powerpoint/2015/main" val="1"/>
+              </p:ext>
+            </p:extLst>
+          </p:nvPr>
+        </p:nvSpPr>
+        <p:spPr>
+          <a:xfrm rot="5400000">
+            <a:off x="-501760" y="5103257"/>
+            <a:ext cx="2017580" cy="1014060"/>
+          </a:xfrm>
+          <a:prstGeom prst="triangle">
+            <a:avLst>
+              <a:gd name="adj" fmla="val 50000"/>
+            </a:avLst>
+          </a:prstGeom>
+          <a:solidFill>
+            <a:schemeClr val="accent1">
+              <a:alpha val="30000"/>
+            </a:schemeClr>
+          </a:solidFill>
+          <a:ln>
+            <a:noFill/>
+          </a:ln>
+        </p:spPr>
+        <p:style>
+          <a:lnRef idx="2">
+            <a:schemeClr val="accent1">
+              <a:shade val="50000"/>
+            </a:schemeClr>
+          </a:lnRef>
+          <a:fillRef idx="1">
+            <a:schemeClr val="accent1"/>
+          </a:fillRef>
+          <a:effectRef idx="0">
+            <a:schemeClr val="accent1"/>
+          </a:effectRef>
+          <a:fontRef idx="minor">
+            <a:schemeClr val="lt1"/>
+          </a:fontRef>
+        </p:style>
+        <p:txBody>
+          <a:bodyPr wrap="square" rtlCol="0" anchor="ctr">
+            <a:noAutofit/>
+          </a:bodyPr>
+          <a:lstStyle/>
+          <a:p>
+            <a:pPr algn="ctr"/>
+            <a:endParaRPr lang="en-US"/>
+          </a:p>
+        </p:txBody>
+      </p:sp>
+      <p:sp>
+        <p:nvSpPr>
+          <p:cNvPr id="38" name="Rectangle 37">
+            <a:extLst>
+              <a:ext uri="{FF2B5EF4-FFF2-40B4-BE49-F238E27FC236}">
+                <a16:creationId xmlns:a16="http://schemas.microsoft.com/office/drawing/2014/main" id="{1E547BA6-BAE0-43BB-A7CA-60F69CE252F0}"/>
+              </a:ext>
+              <a:ext uri="{C183D7F6-B498-43B3-948B-1728B52AA6E4}">
+                <adec:decorative xmlns:adec="http://schemas.microsoft.com/office/drawing/2017/decorative" val="1"/>
+              </a:ext>
+            </a:extLst>
+          </p:cNvPr>
+          <p:cNvSpPr>
+            <a:spLocks noGrp="1" noRot="1" noChangeAspect="1" noMove="1" noResize="1" noEditPoints="1" noAdjustHandles="1" noChangeArrowheads="1" noChangeShapeType="1" noTextEdit="1"/>
+          </p:cNvSpPr>
+          <p:nvPr>
+            <p:extLst>
+              <p:ext uri="{386F3935-93C4-4BCD-93E2-E3B085C9AB24}">
+                <p16:designElem xmlns:p16="http://schemas.microsoft.com/office/powerpoint/2015/main" val="1"/>
+              </p:ext>
+            </p:extLst>
+          </p:nvPr>
+        </p:nvSpPr>
+        <p:spPr>
+          <a:xfrm rot="2700000">
+            <a:off x="427916" y="5728708"/>
+            <a:ext cx="485578" cy="485578"/>
+          </a:xfrm>
+          <a:prstGeom prst="rect">
+            <a:avLst/>
+          </a:prstGeom>
+          <a:solidFill>
+            <a:schemeClr val="accent1">
+              <a:alpha val="30000"/>
+            </a:schemeClr>
+          </a:solidFill>
+          <a:ln>
+            <a:noFill/>
+          </a:ln>
+        </p:spPr>
+        <p:style>
+          <a:lnRef idx="2">
+            <a:schemeClr val="accent1">
+              <a:shade val="50000"/>
+            </a:schemeClr>
+          </a:lnRef>
+          <a:fillRef idx="1">
+            <a:schemeClr val="accent1"/>
+          </a:fillRef>
+          <a:effectRef idx="0">
+            <a:schemeClr val="accent1"/>
+          </a:effectRef>
+          <a:fontRef idx="minor">
+            <a:schemeClr val="lt1"/>
+          </a:fontRef>
+        </p:style>
+        <p:txBody>
+          <a:bodyPr wrap="square" rtlCol="0" anchor="ctr">
+            <a:noAutofit/>
+          </a:bodyPr>
+          <a:lstStyle/>
+          <a:p>
+            <a:pPr algn="ctr"/>
+            <a:endParaRPr lang="en-US"/>
+          </a:p>
+        </p:txBody>
+      </p:sp>
+    </p:spTree>
+    <p:extLst>
+      <p:ext uri="{BB962C8B-B14F-4D97-AF65-F5344CB8AC3E}">
+        <p14:creationId xmlns:p14="http://schemas.microsoft.com/office/powerpoint/2010/main" val="411753828"/>
+      </p:ext>
+    </p:extLst>
+  </p:cSld>
+  <p:clrMapOvr>
+    <a:masterClrMapping/>
+  </p:clrMapOvr>
+</p:sld>
+</file>
+
+<file path=ppt/slides/slide17.xml><?xml version="1.0" encoding="utf-8"?>
+<p:sld xmlns:a="http://schemas.openxmlformats.org/drawingml/2006/main" xmlns:r="http://schemas.openxmlformats.org/officeDocument/2006/relationships" xmlns:p="http://schemas.openxmlformats.org/presentationml/2006/main">
+  <p:cSld>
+    <p:bg>
+      <p:bgPr>
+        <a:solidFill>
+          <a:schemeClr val="bg1"/>
+        </a:solidFill>
+        <a:effectLst/>
+      </p:bgPr>
+    </p:bg>
+    <p:spTree>
+      <p:nvGrpSpPr>
+        <p:cNvPr id="1" name=""/>
+        <p:cNvGrpSpPr/>
+        <p:nvPr/>
+      </p:nvGrpSpPr>
+      <p:grpSpPr>
+        <a:xfrm>
+          <a:off x="0" y="0"/>
+          <a:ext cx="0" cy="0"/>
+          <a:chOff x="0" y="0"/>
+          <a:chExt cx="0" cy="0"/>
+        </a:xfrm>
+      </p:grpSpPr>
+      <p:sp>
+        <p:nvSpPr>
+          <p:cNvPr id="19" name="Rectangle 18">
+            <a:extLst>
+              <a:ext uri="{FF2B5EF4-FFF2-40B4-BE49-F238E27FC236}">
+                <a16:creationId xmlns:a16="http://schemas.microsoft.com/office/drawing/2014/main" id="{2B566528-1B12-4246-9431-5C2D7D081168}"/>
+              </a:ext>
+              <a:ext uri="{C183D7F6-B498-43B3-948B-1728B52AA6E4}">
+                <adec:decorative xmlns:adec="http://schemas.microsoft.com/office/drawing/2017/decorative" val="1"/>
+              </a:ext>
+            </a:extLst>
+          </p:cNvPr>
+          <p:cNvSpPr>
+            <a:spLocks noGrp="1" noRot="1" noChangeAspect="1" noMove="1" noResize="1" noEditPoints="1" noAdjustHandles="1" noChangeArrowheads="1" noChangeShapeType="1" noTextEdit="1"/>
+          </p:cNvSpPr>
+          <p:nvPr>
+            <p:extLst>
+              <p:ext uri="{386F3935-93C4-4BCD-93E2-E3B085C9AB24}">
+                <p16:designElem xmlns:p16="http://schemas.microsoft.com/office/powerpoint/2015/main" val="1"/>
+              </p:ext>
+            </p:extLst>
+          </p:nvPr>
+        </p:nvSpPr>
+        <p:spPr>
+          <a:xfrm>
+            <a:off x="0" y="0"/>
+            <a:ext cx="12192000" cy="6858000"/>
+          </a:xfrm>
+          <a:prstGeom prst="rect">
+            <a:avLst/>
+          </a:prstGeom>
+          <a:solidFill>
+            <a:schemeClr val="bg1"/>
+          </a:solidFill>
+          <a:ln>
+            <a:noFill/>
+          </a:ln>
+        </p:spPr>
+        <p:style>
+          <a:lnRef idx="2">
+            <a:schemeClr val="accent1">
+              <a:shade val="50000"/>
+            </a:schemeClr>
+          </a:lnRef>
+          <a:fillRef idx="1">
+            <a:schemeClr val="accent1"/>
+          </a:fillRef>
+          <a:effectRef idx="0">
+            <a:schemeClr val="accent1"/>
+          </a:effectRef>
+          <a:fontRef idx="minor">
+            <a:schemeClr val="lt1"/>
+          </a:fontRef>
+        </p:style>
+        <p:txBody>
+          <a:bodyPr rtlCol="0" anchor="ctr"/>
+          <a:lstStyle/>
+          <a:p>
+            <a:pPr algn="ctr"/>
+            <a:endParaRPr lang="en-US" dirty="0"/>
+          </a:p>
+        </p:txBody>
+      </p:sp>
+      <p:sp>
+        <p:nvSpPr>
+          <p:cNvPr id="4" name="תיבת טקסט 3">
+            <a:extLst>
+              <a:ext uri="{FF2B5EF4-FFF2-40B4-BE49-F238E27FC236}">
+                <a16:creationId xmlns:a16="http://schemas.microsoft.com/office/drawing/2014/main" id="{28F3CE5E-59E2-48AA-91AF-B18B43AB92A8}"/>
+              </a:ext>
+            </a:extLst>
+          </p:cNvPr>
+          <p:cNvSpPr txBox="1"/>
+          <p:nvPr/>
+        </p:nvSpPr>
+        <p:spPr>
+          <a:xfrm>
+            <a:off x="643467" y="321734"/>
+            <a:ext cx="10905066" cy="1135737"/>
+          </a:xfrm>
+          <a:prstGeom prst="rect">
+            <a:avLst/>
+          </a:prstGeom>
+        </p:spPr>
+        <p:txBody>
+          <a:bodyPr vert="horz" lIns="91440" tIns="45720" rIns="91440" bIns="45720" rtlCol="0" anchor="ctr">
+            <a:normAutofit/>
+          </a:bodyPr>
+          <a:lstStyle/>
+          <a:p>
+            <a:pPr algn="l" rtl="0">
+              <a:lnSpc>
+                <a:spcPct val="90000"/>
+              </a:lnSpc>
+              <a:spcBef>
+                <a:spcPct val="0"/>
+              </a:spcBef>
+              <a:spcAft>
+                <a:spcPts val="600"/>
+              </a:spcAft>
+            </a:pPr>
+            <a:r>
+              <a:rPr lang="en-US" sz="3600" kern="1200" dirty="0">
+                <a:solidFill>
+                  <a:schemeClr val="tx1"/>
+                </a:solidFill>
+                <a:latin typeface="Lato" panose="020F0502020204030203" pitchFamily="34" charset="0"/>
+                <a:ea typeface="Lato" panose="020F0502020204030203" pitchFamily="34" charset="0"/>
+                <a:cs typeface="Lato" panose="020F0502020204030203" pitchFamily="34" charset="0"/>
+              </a:rPr>
+              <a:t>Cons</a:t>
+            </a:r>
+          </a:p>
+        </p:txBody>
+      </p:sp>
+      <p:sp>
+        <p:nvSpPr>
+          <p:cNvPr id="5" name="תיבת טקסט 4">
+            <a:extLst>
+              <a:ext uri="{FF2B5EF4-FFF2-40B4-BE49-F238E27FC236}">
+                <a16:creationId xmlns:a16="http://schemas.microsoft.com/office/drawing/2014/main" id="{E2AD40DB-746B-4B03-9799-C5AD41B55B1B}"/>
+              </a:ext>
+            </a:extLst>
+          </p:cNvPr>
+          <p:cNvSpPr txBox="1"/>
+          <p:nvPr/>
+        </p:nvSpPr>
+        <p:spPr>
+          <a:xfrm>
+            <a:off x="643467" y="1782981"/>
+            <a:ext cx="10905066" cy="4393982"/>
+          </a:xfrm>
+          <a:prstGeom prst="rect">
+            <a:avLst/>
+          </a:prstGeom>
+        </p:spPr>
+        <p:txBody>
+          <a:bodyPr vert="horz" lIns="91440" tIns="45720" rIns="91440" bIns="45720" rtlCol="0">
+            <a:normAutofit/>
+          </a:bodyPr>
+          <a:lstStyle/>
+          <a:p>
+            <a:pPr marL="285750" indent="-228600" algn="l" rtl="0">
+              <a:lnSpc>
+                <a:spcPct val="90000"/>
+              </a:lnSpc>
+              <a:spcAft>
+                <a:spcPts val="600"/>
+              </a:spcAft>
+              <a:buFont typeface="Arial" panose="020B0604020202020204" pitchFamily="34" charset="0"/>
+              <a:buChar char="•"/>
+            </a:pPr>
+            <a:r>
+              <a:rPr lang="en-US" sz="1700" dirty="0">
+                <a:latin typeface="Lato" panose="020F0502020204030203" pitchFamily="34" charset="0"/>
+                <a:ea typeface="Lato" panose="020F0502020204030203" pitchFamily="34" charset="0"/>
+                <a:cs typeface="Lato" panose="020F0502020204030203" pitchFamily="34" charset="0"/>
+              </a:rPr>
+              <a:t>Very strict working convention with Django framework. Thus, any deviation is bug prone.</a:t>
+            </a:r>
+          </a:p>
+          <a:p>
+            <a:pPr marL="685800" lvl="2" algn="l" rtl="0">
+              <a:lnSpc>
+                <a:spcPct val="90000"/>
+              </a:lnSpc>
+              <a:spcAft>
+                <a:spcPts val="600"/>
+              </a:spcAft>
+            </a:pPr>
+            <a:r>
+              <a:rPr lang="en-US" sz="1700" dirty="0">
+                <a:latin typeface="Lato" panose="020F0502020204030203" pitchFamily="34" charset="0"/>
+                <a:ea typeface="Lato" panose="020F0502020204030203" pitchFamily="34" charset="0"/>
+                <a:cs typeface="Lato" panose="020F0502020204030203" pitchFamily="34" charset="0"/>
+              </a:rPr>
+              <a:t>For example:</a:t>
+            </a:r>
+          </a:p>
+          <a:p>
+            <a:pPr marL="685800" lvl="2" algn="l" rtl="0">
+              <a:lnSpc>
+                <a:spcPct val="90000"/>
+              </a:lnSpc>
+              <a:spcAft>
+                <a:spcPts val="600"/>
+              </a:spcAft>
+            </a:pPr>
+            <a:r>
+              <a:rPr lang="en-US" sz="1700" dirty="0">
+                <a:latin typeface="Lato" panose="020F0502020204030203" pitchFamily="34" charset="0"/>
+                <a:ea typeface="Lato" panose="020F0502020204030203" pitchFamily="34" charset="0"/>
+                <a:cs typeface="Lato" panose="020F0502020204030203" pitchFamily="34" charset="0"/>
+              </a:rPr>
+              <a:t>	We decided to add a home page when entering the website (127.0.0.1:9000).</a:t>
+            </a:r>
+          </a:p>
+          <a:p>
+            <a:pPr marL="685800" lvl="2" algn="l" rtl="0">
+              <a:lnSpc>
+                <a:spcPct val="90000"/>
+              </a:lnSpc>
+              <a:spcAft>
+                <a:spcPts val="600"/>
+              </a:spcAft>
+            </a:pPr>
+            <a:r>
+              <a:rPr lang="en-US" sz="1700" dirty="0">
+                <a:latin typeface="Lato" panose="020F0502020204030203" pitchFamily="34" charset="0"/>
+                <a:ea typeface="Lato" panose="020F0502020204030203" pitchFamily="34" charset="0"/>
+                <a:cs typeface="Lato" panose="020F0502020204030203" pitchFamily="34" charset="0"/>
+              </a:rPr>
+              <a:t>	This page contains some explanation about the project and how to use its features.</a:t>
+            </a:r>
+          </a:p>
+          <a:p>
+            <a:pPr marL="685800" lvl="2" algn="l" rtl="0">
+              <a:lnSpc>
+                <a:spcPct val="90000"/>
+              </a:lnSpc>
+              <a:spcAft>
+                <a:spcPts val="600"/>
+              </a:spcAft>
+            </a:pPr>
+            <a:r>
+              <a:rPr lang="en-US" sz="1700" dirty="0">
+                <a:latin typeface="Lato" panose="020F0502020204030203" pitchFamily="34" charset="0"/>
+                <a:ea typeface="Lato" panose="020F0502020204030203" pitchFamily="34" charset="0"/>
+                <a:cs typeface="Lato" panose="020F0502020204030203" pitchFamily="34" charset="0"/>
+              </a:rPr>
+              <a:t>	To clarify things, we wanted to add an image that depicts the API of the project.</a:t>
+            </a:r>
+          </a:p>
+          <a:p>
+            <a:pPr marL="685800" lvl="2" algn="l" rtl="0">
+              <a:lnSpc>
+                <a:spcPct val="90000"/>
+              </a:lnSpc>
+              <a:spcAft>
+                <a:spcPts val="600"/>
+              </a:spcAft>
+            </a:pPr>
+            <a:r>
+              <a:rPr lang="en-US" sz="1700" dirty="0">
+                <a:latin typeface="Lato" panose="020F0502020204030203" pitchFamily="34" charset="0"/>
+                <a:ea typeface="Lato" panose="020F0502020204030203" pitchFamily="34" charset="0"/>
+                <a:cs typeface="Lato" panose="020F0502020204030203" pitchFamily="34" charset="0"/>
+              </a:rPr>
+              <a:t>	Apparently, the regular convention of displaying an image in HTML did not work and</a:t>
+            </a:r>
+          </a:p>
+          <a:p>
+            <a:pPr marL="685800" lvl="2" algn="l" rtl="0">
+              <a:lnSpc>
+                <a:spcPct val="90000"/>
+              </a:lnSpc>
+              <a:spcAft>
+                <a:spcPts val="600"/>
+              </a:spcAft>
+            </a:pPr>
+            <a:r>
+              <a:rPr lang="en-US" sz="1700" dirty="0">
+                <a:latin typeface="Lato" panose="020F0502020204030203" pitchFamily="34" charset="0"/>
+                <a:ea typeface="Lato" panose="020F0502020204030203" pitchFamily="34" charset="0"/>
+                <a:cs typeface="Lato" panose="020F0502020204030203" pitchFamily="34" charset="0"/>
+              </a:rPr>
+              <a:t>	we were required to create a very specific path that allows Django to load images.</a:t>
+            </a:r>
+          </a:p>
+          <a:p>
+            <a:pPr lvl="1" indent="-228600" algn="l" rtl="0">
+              <a:lnSpc>
+                <a:spcPct val="90000"/>
+              </a:lnSpc>
+              <a:spcAft>
+                <a:spcPts val="600"/>
+              </a:spcAft>
+              <a:buFont typeface="Arial" panose="020B0604020202020204" pitchFamily="34" charset="0"/>
+              <a:buChar char="•"/>
+            </a:pPr>
+            <a:endParaRPr lang="en-US" sz="1700" dirty="0">
+              <a:latin typeface="Lato" panose="020F0502020204030203" pitchFamily="34" charset="0"/>
+              <a:ea typeface="Lato" panose="020F0502020204030203" pitchFamily="34" charset="0"/>
+              <a:cs typeface="Lato" panose="020F0502020204030203" pitchFamily="34" charset="0"/>
+            </a:endParaRPr>
+          </a:p>
+          <a:p>
+            <a:pPr marL="285750" indent="-228600" algn="l" rtl="0">
+              <a:lnSpc>
+                <a:spcPct val="90000"/>
+              </a:lnSpc>
+              <a:spcAft>
+                <a:spcPts val="600"/>
+              </a:spcAft>
+              <a:buFont typeface="Arial" panose="020B0604020202020204" pitchFamily="34" charset="0"/>
+              <a:buChar char="•"/>
+            </a:pPr>
+            <a:r>
+              <a:rPr lang="en-US" sz="1700" dirty="0">
+                <a:latin typeface="Lato" panose="020F0502020204030203" pitchFamily="34" charset="0"/>
+                <a:ea typeface="Lato" panose="020F0502020204030203" pitchFamily="34" charset="0"/>
+                <a:cs typeface="Lato" panose="020F0502020204030203" pitchFamily="34" charset="0"/>
+              </a:rPr>
+              <a:t>Django includes many functionalities that remain unused in small project like our own.</a:t>
+            </a:r>
+          </a:p>
+          <a:p>
+            <a:pPr marL="685800" lvl="2" algn="l" rtl="0">
+              <a:lnSpc>
+                <a:spcPct val="90000"/>
+              </a:lnSpc>
+              <a:spcAft>
+                <a:spcPts val="600"/>
+              </a:spcAft>
+            </a:pPr>
+            <a:r>
+              <a:rPr lang="en-US" sz="1700" dirty="0">
+                <a:latin typeface="Lato" panose="020F0502020204030203" pitchFamily="34" charset="0"/>
+                <a:ea typeface="Lato" panose="020F0502020204030203" pitchFamily="34" charset="0"/>
+                <a:cs typeface="Lato" panose="020F0502020204030203" pitchFamily="34" charset="0"/>
+              </a:rPr>
+              <a:t>For example:</a:t>
+            </a:r>
+          </a:p>
+          <a:p>
+            <a:pPr marL="685800" lvl="2" algn="l" rtl="0">
+              <a:lnSpc>
+                <a:spcPct val="90000"/>
+              </a:lnSpc>
+              <a:spcAft>
+                <a:spcPts val="600"/>
+              </a:spcAft>
+            </a:pPr>
+            <a:r>
+              <a:rPr lang="en-US" sz="1700" dirty="0">
+                <a:latin typeface="Lato" panose="020F0502020204030203" pitchFamily="34" charset="0"/>
+                <a:ea typeface="Lato" panose="020F0502020204030203" pitchFamily="34" charset="0"/>
+                <a:cs typeface="Lato" panose="020F0502020204030203" pitchFamily="34" charset="0"/>
+              </a:rPr>
+              <a:t>	The setting.py file that includes security libraries for security checks </a:t>
+            </a:r>
+          </a:p>
+          <a:p>
+            <a:pPr marL="685800" lvl="2" algn="l" rtl="0">
+              <a:lnSpc>
+                <a:spcPct val="90000"/>
+              </a:lnSpc>
+              <a:spcAft>
+                <a:spcPts val="600"/>
+              </a:spcAft>
+            </a:pPr>
+            <a:r>
+              <a:rPr lang="en-US" sz="1700" dirty="0">
+                <a:latin typeface="Lato" panose="020F0502020204030203" pitchFamily="34" charset="0"/>
+                <a:ea typeface="Lato" panose="020F0502020204030203" pitchFamily="34" charset="0"/>
+                <a:cs typeface="Lato" panose="020F0502020204030203" pitchFamily="34" charset="0"/>
+              </a:rPr>
+              <a:t>	(session and key authentication) that are not required during this project.</a:t>
+            </a:r>
+          </a:p>
+          <a:p>
+            <a:pPr indent="-228600" algn="l" rtl="0">
+              <a:lnSpc>
+                <a:spcPct val="90000"/>
+              </a:lnSpc>
+              <a:spcAft>
+                <a:spcPts val="600"/>
+              </a:spcAft>
+              <a:buFont typeface="Arial" panose="020B0604020202020204" pitchFamily="34" charset="0"/>
+              <a:buChar char="•"/>
+            </a:pPr>
+            <a:endParaRPr lang="en-US" sz="1700" dirty="0">
+              <a:latin typeface="Lato" panose="020F0502020204030203" pitchFamily="34" charset="0"/>
+              <a:ea typeface="Lato" panose="020F0502020204030203" pitchFamily="34" charset="0"/>
+              <a:cs typeface="Lato" panose="020F0502020204030203" pitchFamily="34" charset="0"/>
+            </a:endParaRPr>
+          </a:p>
+        </p:txBody>
+      </p:sp>
+      <p:sp>
+        <p:nvSpPr>
+          <p:cNvPr id="21" name="Rectangle 20">
+            <a:extLst>
+              <a:ext uri="{FF2B5EF4-FFF2-40B4-BE49-F238E27FC236}">
+                <a16:creationId xmlns:a16="http://schemas.microsoft.com/office/drawing/2014/main" id="{2E80C965-DB6D-4F81-9E9E-B027384D0BD6}"/>
+              </a:ext>
+              <a:ext uri="{C183D7F6-B498-43B3-948B-1728B52AA6E4}">
+                <adec:decorative xmlns:adec="http://schemas.microsoft.com/office/drawing/2017/decorative" val="1"/>
+              </a:ext>
+            </a:extLst>
+          </p:cNvPr>
+          <p:cNvSpPr>
+            <a:spLocks noGrp="1" noRot="1" noChangeAspect="1" noMove="1" noResize="1" noEditPoints="1" noAdjustHandles="1" noChangeArrowheads="1" noChangeShapeType="1" noTextEdit="1"/>
+          </p:cNvSpPr>
+          <p:nvPr>
+            <p:extLst>
+              <p:ext uri="{386F3935-93C4-4BCD-93E2-E3B085C9AB24}">
+                <p16:designElem xmlns:p16="http://schemas.microsoft.com/office/powerpoint/2015/main" val="1"/>
+              </p:ext>
+            </p:extLst>
+          </p:nvPr>
+        </p:nvSpPr>
+        <p:spPr>
+          <a:xfrm rot="2700000">
+            <a:off x="11052629" y="2120024"/>
+            <a:ext cx="645368" cy="645368"/>
+          </a:xfrm>
+          <a:prstGeom prst="rect">
+            <a:avLst/>
+          </a:prstGeom>
+          <a:solidFill>
+            <a:schemeClr val="accent4">
+              <a:alpha val="30000"/>
+            </a:schemeClr>
+          </a:solidFill>
+          <a:ln>
+            <a:noFill/>
+          </a:ln>
+        </p:spPr>
+        <p:style>
+          <a:lnRef idx="2">
+            <a:schemeClr val="accent1">
+              <a:shade val="50000"/>
+            </a:schemeClr>
+          </a:lnRef>
+          <a:fillRef idx="1">
+            <a:schemeClr val="accent1"/>
+          </a:fillRef>
+          <a:effectRef idx="0">
+            <a:schemeClr val="accent1"/>
+          </a:effectRef>
+          <a:fontRef idx="minor">
+            <a:schemeClr val="lt1"/>
+          </a:fontRef>
+        </p:style>
+        <p:txBody>
+          <a:bodyPr rtlCol="0" anchor="ctr"/>
+          <a:lstStyle/>
+          <a:p>
+            <a:pPr algn="ctr"/>
+            <a:endParaRPr lang="en-US"/>
+          </a:p>
+        </p:txBody>
+      </p:sp>
+      <p:sp>
+        <p:nvSpPr>
+          <p:cNvPr id="23" name="Isosceles Triangle 22">
+            <a:extLst>
+              <a:ext uri="{FF2B5EF4-FFF2-40B4-BE49-F238E27FC236}">
+                <a16:creationId xmlns:a16="http://schemas.microsoft.com/office/drawing/2014/main" id="{A580F890-B085-4E95-96AA-55AEBEC5CE6E}"/>
+              </a:ext>
+              <a:ext uri="{C183D7F6-B498-43B3-948B-1728B52AA6E4}">
+                <adec:decorative xmlns:adec="http://schemas.microsoft.com/office/drawing/2017/decorative" val="1"/>
+              </a:ext>
+            </a:extLst>
+          </p:cNvPr>
+          <p:cNvSpPr>
+            <a:spLocks noGrp="1" noRot="1" noChangeAspect="1" noMove="1" noResize="1" noEditPoints="1" noAdjustHandles="1" noChangeArrowheads="1" noChangeShapeType="1" noTextEdit="1"/>
+          </p:cNvSpPr>
+          <p:nvPr>
+            <p:extLst>
+              <p:ext uri="{386F3935-93C4-4BCD-93E2-E3B085C9AB24}">
+                <p16:designElem xmlns:p16="http://schemas.microsoft.com/office/powerpoint/2015/main" val="1"/>
+              </p:ext>
+            </p:extLst>
+          </p:nvPr>
+        </p:nvSpPr>
+        <p:spPr>
+          <a:xfrm rot="16200000">
+            <a:off x="10289068" y="1343027"/>
+            <a:ext cx="2532832" cy="1273032"/>
+          </a:xfrm>
+          <a:prstGeom prst="triangle">
+            <a:avLst>
+              <a:gd name="adj" fmla="val 50000"/>
+            </a:avLst>
+          </a:prstGeom>
+          <a:solidFill>
+            <a:schemeClr val="accent4">
+              <a:alpha val="30000"/>
+            </a:schemeClr>
+          </a:solidFill>
+          <a:ln>
+            <a:noFill/>
+          </a:ln>
+        </p:spPr>
+        <p:style>
+          <a:lnRef idx="2">
+            <a:schemeClr val="accent1">
+              <a:shade val="50000"/>
+            </a:schemeClr>
+          </a:lnRef>
+          <a:fillRef idx="1">
+            <a:schemeClr val="accent1"/>
+          </a:fillRef>
+          <a:effectRef idx="0">
+            <a:schemeClr val="accent1"/>
+          </a:effectRef>
+          <a:fontRef idx="minor">
+            <a:schemeClr val="lt1"/>
+          </a:fontRef>
+        </p:style>
+        <p:txBody>
+          <a:bodyPr rtlCol="0" anchor="ctr"/>
+          <a:lstStyle/>
+          <a:p>
+            <a:pPr algn="ctr"/>
+            <a:endParaRPr lang="en-US"/>
+          </a:p>
+        </p:txBody>
+      </p:sp>
+      <p:sp>
+        <p:nvSpPr>
+          <p:cNvPr id="25" name="Isosceles Triangle 24">
+            <a:extLst>
+              <a:ext uri="{FF2B5EF4-FFF2-40B4-BE49-F238E27FC236}">
+                <a16:creationId xmlns:a16="http://schemas.microsoft.com/office/drawing/2014/main" id="{D3F51FEB-38FB-4F6C-9F7B-2F2AFAB65463}"/>
+              </a:ext>
+              <a:ext uri="{C183D7F6-B498-43B3-948B-1728B52AA6E4}">
+                <adec:decorative xmlns:adec="http://schemas.microsoft.com/office/drawing/2017/decorative" val="1"/>
+              </a:ext>
+            </a:extLst>
+          </p:cNvPr>
+          <p:cNvSpPr>
+            <a:spLocks noGrp="1" noRot="1" noChangeAspect="1" noMove="1" noResize="1" noEditPoints="1" noAdjustHandles="1" noChangeArrowheads="1" noChangeShapeType="1" noTextEdit="1"/>
+          </p:cNvSpPr>
+          <p:nvPr>
+            <p:extLst>
+              <p:ext uri="{386F3935-93C4-4BCD-93E2-E3B085C9AB24}">
+                <p16:designElem xmlns:p16="http://schemas.microsoft.com/office/powerpoint/2015/main" val="1"/>
+              </p:ext>
+            </p:extLst>
+          </p:nvPr>
+        </p:nvSpPr>
+        <p:spPr>
+          <a:xfrm rot="5400000">
+            <a:off x="-501760" y="5103257"/>
+            <a:ext cx="2017580" cy="1014060"/>
+          </a:xfrm>
+          <a:prstGeom prst="triangle">
+            <a:avLst>
+              <a:gd name="adj" fmla="val 50000"/>
+            </a:avLst>
+          </a:prstGeom>
+          <a:solidFill>
+            <a:schemeClr val="accent1">
+              <a:alpha val="30000"/>
+            </a:schemeClr>
+          </a:solidFill>
+          <a:ln>
+            <a:noFill/>
+          </a:ln>
+        </p:spPr>
+        <p:style>
+          <a:lnRef idx="2">
+            <a:schemeClr val="accent1">
+              <a:shade val="50000"/>
+            </a:schemeClr>
+          </a:lnRef>
+          <a:fillRef idx="1">
+            <a:schemeClr val="accent1"/>
+          </a:fillRef>
+          <a:effectRef idx="0">
+            <a:schemeClr val="accent1"/>
+          </a:effectRef>
+          <a:fontRef idx="minor">
+            <a:schemeClr val="lt1"/>
+          </a:fontRef>
+        </p:style>
+        <p:txBody>
+          <a:bodyPr wrap="square" rtlCol="0" anchor="ctr">
+            <a:noAutofit/>
+          </a:bodyPr>
+          <a:lstStyle/>
+          <a:p>
+            <a:pPr algn="ctr"/>
+            <a:endParaRPr lang="en-US"/>
+          </a:p>
+        </p:txBody>
+      </p:sp>
+      <p:sp>
+        <p:nvSpPr>
+          <p:cNvPr id="27" name="Rectangle 26">
+            <a:extLst>
+              <a:ext uri="{FF2B5EF4-FFF2-40B4-BE49-F238E27FC236}">
+                <a16:creationId xmlns:a16="http://schemas.microsoft.com/office/drawing/2014/main" id="{1E547BA6-BAE0-43BB-A7CA-60F69CE252F0}"/>
+              </a:ext>
+              <a:ext uri="{C183D7F6-B498-43B3-948B-1728B52AA6E4}">
+                <adec:decorative xmlns:adec="http://schemas.microsoft.com/office/drawing/2017/decorative" val="1"/>
+              </a:ext>
+            </a:extLst>
+          </p:cNvPr>
+          <p:cNvSpPr>
+            <a:spLocks noGrp="1" noRot="1" noChangeAspect="1" noMove="1" noResize="1" noEditPoints="1" noAdjustHandles="1" noChangeArrowheads="1" noChangeShapeType="1" noTextEdit="1"/>
+          </p:cNvSpPr>
+          <p:nvPr>
+            <p:extLst>
+              <p:ext uri="{386F3935-93C4-4BCD-93E2-E3B085C9AB24}">
+                <p16:designElem xmlns:p16="http://schemas.microsoft.com/office/powerpoint/2015/main" val="1"/>
+              </p:ext>
+            </p:extLst>
+          </p:nvPr>
+        </p:nvSpPr>
+        <p:spPr>
+          <a:xfrm rot="2700000">
+            <a:off x="427916" y="5728708"/>
+            <a:ext cx="485578" cy="485578"/>
+          </a:xfrm>
+          <a:prstGeom prst="rect">
+            <a:avLst/>
+          </a:prstGeom>
+          <a:solidFill>
+            <a:schemeClr val="accent1">
+              <a:alpha val="30000"/>
+            </a:schemeClr>
+          </a:solidFill>
+          <a:ln>
+            <a:noFill/>
+          </a:ln>
+        </p:spPr>
+        <p:style>
+          <a:lnRef idx="2">
+            <a:schemeClr val="accent1">
+              <a:shade val="50000"/>
+            </a:schemeClr>
+          </a:lnRef>
+          <a:fillRef idx="1">
+            <a:schemeClr val="accent1"/>
+          </a:fillRef>
+          <a:effectRef idx="0">
+            <a:schemeClr val="accent1"/>
+          </a:effectRef>
+          <a:fontRef idx="minor">
+            <a:schemeClr val="lt1"/>
+          </a:fontRef>
+        </p:style>
+        <p:txBody>
+          <a:bodyPr wrap="square" rtlCol="0" anchor="ctr">
+            <a:noAutofit/>
+          </a:bodyPr>
+          <a:lstStyle/>
+          <a:p>
+            <a:pPr algn="ctr"/>
+            <a:endParaRPr lang="en-US"/>
+          </a:p>
+        </p:txBody>
+      </p:sp>
+    </p:spTree>
+    <p:extLst>
+      <p:ext uri="{BB962C8B-B14F-4D97-AF65-F5344CB8AC3E}">
+        <p14:creationId xmlns:p14="http://schemas.microsoft.com/office/powerpoint/2010/main" val="4071479013"/>
+      </p:ext>
+    </p:extLst>
+  </p:cSld>
+  <p:clrMapOvr>
+    <a:masterClrMapping/>
+  </p:clrMapOvr>
+</p:sld>
+</file>
+
+<file path=ppt/slides/slide18.xml><?xml version="1.0" encoding="utf-8"?>
+<p:sld xmlns:a="http://schemas.openxmlformats.org/drawingml/2006/main" xmlns:r="http://schemas.openxmlformats.org/officeDocument/2006/relationships" xmlns:p="http://schemas.openxmlformats.org/presentationml/2006/main">
+  <p:cSld>
+    <p:bg>
+      <p:bgPr>
+        <a:solidFill>
+          <a:schemeClr val="bg1"/>
+        </a:solidFill>
+        <a:effectLst/>
+      </p:bgPr>
+    </p:bg>
+    <p:spTree>
+      <p:nvGrpSpPr>
+        <p:cNvPr id="1" name=""/>
+        <p:cNvGrpSpPr/>
+        <p:nvPr/>
+      </p:nvGrpSpPr>
+      <p:grpSpPr>
+        <a:xfrm>
+          <a:off x="0" y="0"/>
+          <a:ext cx="0" cy="0"/>
+          <a:chOff x="0" y="0"/>
+          <a:chExt cx="0" cy="0"/>
+        </a:xfrm>
+      </p:grpSpPr>
+      <p:sp>
+        <p:nvSpPr>
+          <p:cNvPr id="34" name="Rectangle 33">
+            <a:extLst>
+              <a:ext uri="{FF2B5EF4-FFF2-40B4-BE49-F238E27FC236}">
+                <a16:creationId xmlns:a16="http://schemas.microsoft.com/office/drawing/2014/main" id="{88294908-8B00-4F58-BBBA-20F71A40AA9E}"/>
+              </a:ext>
+              <a:ext uri="{C183D7F6-B498-43B3-948B-1728B52AA6E4}">
+                <adec:decorative xmlns:adec="http://schemas.microsoft.com/office/drawing/2017/decorative" val="1"/>
+              </a:ext>
+            </a:extLst>
+          </p:cNvPr>
+          <p:cNvSpPr>
+            <a:spLocks noGrp="1" noRot="1" noChangeAspect="1" noMove="1" noResize="1" noEditPoints="1" noAdjustHandles="1" noChangeArrowheads="1" noChangeShapeType="1" noTextEdit="1"/>
+          </p:cNvSpPr>
+          <p:nvPr>
+            <p:extLst>
+              <p:ext uri="{386F3935-93C4-4BCD-93E2-E3B085C9AB24}">
+                <p16:designElem xmlns:p16="http://schemas.microsoft.com/office/powerpoint/2015/main" val="1"/>
+              </p:ext>
+            </p:extLst>
+          </p:nvPr>
+        </p:nvSpPr>
+        <p:spPr>
+          <a:xfrm>
+            <a:off x="0" y="0"/>
+            <a:ext cx="12192000" cy="6858000"/>
+          </a:xfrm>
+          <a:prstGeom prst="rect">
+            <a:avLst/>
+          </a:prstGeom>
+          <a:solidFill>
+            <a:schemeClr val="bg2"/>
+          </a:solidFill>
+          <a:ln>
+            <a:noFill/>
+          </a:ln>
+        </p:spPr>
+        <p:style>
+          <a:lnRef idx="2">
+            <a:schemeClr val="accent1">
+              <a:shade val="50000"/>
+            </a:schemeClr>
+          </a:lnRef>
+          <a:fillRef idx="1">
+            <a:schemeClr val="accent1"/>
+          </a:fillRef>
+          <a:effectRef idx="0">
+            <a:schemeClr val="accent1"/>
+          </a:effectRef>
+          <a:fontRef idx="minor">
+            <a:schemeClr val="lt1"/>
+          </a:fontRef>
+        </p:style>
+        <p:txBody>
+          <a:bodyPr rtlCol="0" anchor="ctr"/>
+          <a:lstStyle/>
+          <a:p>
+            <a:pPr algn="ctr"/>
+            <a:endParaRPr lang="en-US" dirty="0"/>
+          </a:p>
+        </p:txBody>
+      </p:sp>
+      <p:sp>
+        <p:nvSpPr>
+          <p:cNvPr id="36" name="Freeform: Shape 35">
+            <a:extLst>
+              <a:ext uri="{FF2B5EF4-FFF2-40B4-BE49-F238E27FC236}">
+                <a16:creationId xmlns:a16="http://schemas.microsoft.com/office/drawing/2014/main" id="{4364C879-1404-4203-8E9D-CC5DE0A621A2}"/>
+              </a:ext>
+              <a:ext uri="{C183D7F6-B498-43B3-948B-1728B52AA6E4}">
+                <adec:decorative xmlns:adec="http://schemas.microsoft.com/office/drawing/2017/decorative" val="1"/>
+              </a:ext>
+            </a:extLst>
+          </p:cNvPr>
+          <p:cNvSpPr>
+            <a:spLocks noGrp="1" noRot="1" noChangeAspect="1" noMove="1" noResize="1" noEditPoints="1" noAdjustHandles="1" noChangeArrowheads="1" noChangeShapeType="1" noTextEdit="1"/>
+          </p:cNvSpPr>
+          <p:nvPr>
+            <p:extLst>
+              <p:ext uri="{386F3935-93C4-4BCD-93E2-E3B085C9AB24}">
+                <p16:designElem xmlns:p16="http://schemas.microsoft.com/office/powerpoint/2015/main" val="1"/>
+              </p:ext>
+            </p:extLst>
+          </p:nvPr>
+        </p:nvSpPr>
+        <p:spPr>
+          <a:xfrm rot="2700000">
+            <a:off x="82782" y="-1386168"/>
+            <a:ext cx="2424873" cy="3611191"/>
+          </a:xfrm>
+          <a:custGeom>
+            <a:avLst/>
+            <a:gdLst>
+              <a:gd name="connsiteX0" fmla="*/ 0 w 2424873"/>
+              <a:gd name="connsiteY0" fmla="*/ 2424874 h 3611191"/>
+              <a:gd name="connsiteX1" fmla="*/ 2424873 w 2424873"/>
+              <a:gd name="connsiteY1" fmla="*/ 0 h 3611191"/>
+              <a:gd name="connsiteX2" fmla="*/ 2424873 w 2424873"/>
+              <a:gd name="connsiteY2" fmla="*/ 3611191 h 3611191"/>
+              <a:gd name="connsiteX3" fmla="*/ 1186317 w 2424873"/>
+              <a:gd name="connsiteY3" fmla="*/ 3611191 h 3611191"/>
+            </a:gdLst>
+            <a:ahLst/>
+            <a:cxnLst>
+              <a:cxn ang="0">
+                <a:pos x="connsiteX0" y="connsiteY0"/>
+              </a:cxn>
+              <a:cxn ang="0">
+                <a:pos x="connsiteX1" y="connsiteY1"/>
+              </a:cxn>
+              <a:cxn ang="0">
+                <a:pos x="connsiteX2" y="connsiteY2"/>
+              </a:cxn>
+              <a:cxn ang="0">
+                <a:pos x="connsiteX3" y="connsiteY3"/>
+              </a:cxn>
+            </a:cxnLst>
+            <a:rect l="l" t="t" r="r" b="b"/>
+            <a:pathLst>
+              <a:path w="2424873" h="3611191">
+                <a:moveTo>
+                  <a:pt x="0" y="2424874"/>
+                </a:moveTo>
+                <a:lnTo>
+                  <a:pt x="2424873" y="0"/>
+                </a:lnTo>
+                <a:lnTo>
+                  <a:pt x="2424873" y="3611191"/>
+                </a:lnTo>
+                <a:lnTo>
+                  <a:pt x="1186317" y="3611191"/>
+                </a:lnTo>
+                <a:close/>
+              </a:path>
+            </a:pathLst>
+          </a:custGeom>
+          <a:solidFill>
+            <a:schemeClr val="accent4">
+              <a:alpha val="40000"/>
+            </a:schemeClr>
+          </a:solidFill>
+          <a:ln>
+            <a:noFill/>
+          </a:ln>
+        </p:spPr>
+        <p:style>
+          <a:lnRef idx="2">
+            <a:schemeClr val="accent1">
+              <a:shade val="50000"/>
+            </a:schemeClr>
+          </a:lnRef>
+          <a:fillRef idx="1">
+            <a:schemeClr val="accent1"/>
+          </a:fillRef>
+          <a:effectRef idx="0">
+            <a:schemeClr val="accent1"/>
+          </a:effectRef>
+          <a:fontRef idx="minor">
+            <a:schemeClr val="lt1"/>
+          </a:fontRef>
+        </p:style>
+        <p:txBody>
+          <a:bodyPr wrap="square" rtlCol="0" anchor="ctr">
+            <a:noAutofit/>
+          </a:bodyPr>
+          <a:lstStyle/>
+          <a:p>
+            <a:pPr algn="ctr"/>
+            <a:endParaRPr lang="en-US"/>
+          </a:p>
+        </p:txBody>
+      </p:sp>
+      <p:sp>
+        <p:nvSpPr>
+          <p:cNvPr id="38" name="Freeform: Shape 37">
+            <a:extLst>
+              <a:ext uri="{FF2B5EF4-FFF2-40B4-BE49-F238E27FC236}">
+                <a16:creationId xmlns:a16="http://schemas.microsoft.com/office/drawing/2014/main" id="{84617302-4B0D-4351-A6BB-6F0930D943AC}"/>
+              </a:ext>
+              <a:ext uri="{C183D7F6-B498-43B3-948B-1728B52AA6E4}">
+                <adec:decorative xmlns:adec="http://schemas.microsoft.com/office/drawing/2017/decorative" val="1"/>
+              </a:ext>
+            </a:extLst>
+          </p:cNvPr>
+          <p:cNvSpPr>
+            <a:spLocks noGrp="1" noRot="1" noChangeAspect="1" noMove="1" noResize="1" noEditPoints="1" noAdjustHandles="1" noChangeArrowheads="1" noChangeShapeType="1" noTextEdit="1"/>
+          </p:cNvSpPr>
+          <p:nvPr>
+            <p:extLst>
+              <p:ext uri="{386F3935-93C4-4BCD-93E2-E3B085C9AB24}">
+                <p16:designElem xmlns:p16="http://schemas.microsoft.com/office/powerpoint/2015/main" val="1"/>
+              </p:ext>
+            </p:extLst>
+          </p:nvPr>
+        </p:nvSpPr>
+        <p:spPr>
+          <a:xfrm rot="2700000">
+            <a:off x="1571000" y="-338582"/>
+            <a:ext cx="1635955" cy="1635955"/>
+          </a:xfrm>
+          <a:custGeom>
+            <a:avLst/>
+            <a:gdLst>
+              <a:gd name="connsiteX0" fmla="*/ 0 w 1635955"/>
+              <a:gd name="connsiteY0" fmla="*/ 957987 h 1635955"/>
+              <a:gd name="connsiteX1" fmla="*/ 957987 w 1635955"/>
+              <a:gd name="connsiteY1" fmla="*/ 0 h 1635955"/>
+              <a:gd name="connsiteX2" fmla="*/ 1635955 w 1635955"/>
+              <a:gd name="connsiteY2" fmla="*/ 0 h 1635955"/>
+              <a:gd name="connsiteX3" fmla="*/ 1635955 w 1635955"/>
+              <a:gd name="connsiteY3" fmla="*/ 1635955 h 1635955"/>
+              <a:gd name="connsiteX4" fmla="*/ 0 w 1635955"/>
+              <a:gd name="connsiteY4" fmla="*/ 1635955 h 1635955"/>
+            </a:gdLst>
+            <a:ahLst/>
+            <a:cxnLst>
+              <a:cxn ang="0">
+                <a:pos x="connsiteX0" y="connsiteY0"/>
+              </a:cxn>
+              <a:cxn ang="0">
+                <a:pos x="connsiteX1" y="connsiteY1"/>
+              </a:cxn>
+              <a:cxn ang="0">
+                <a:pos x="connsiteX2" y="connsiteY2"/>
+              </a:cxn>
+              <a:cxn ang="0">
+                <a:pos x="connsiteX3" y="connsiteY3"/>
+              </a:cxn>
+              <a:cxn ang="0">
+                <a:pos x="connsiteX4" y="connsiteY4"/>
+              </a:cxn>
+            </a:cxnLst>
+            <a:rect l="l" t="t" r="r" b="b"/>
+            <a:pathLst>
+              <a:path w="1635955" h="1635955">
+                <a:moveTo>
+                  <a:pt x="0" y="957987"/>
+                </a:moveTo>
+                <a:lnTo>
+                  <a:pt x="957987" y="0"/>
+                </a:lnTo>
+                <a:lnTo>
+                  <a:pt x="1635955" y="0"/>
+                </a:lnTo>
+                <a:lnTo>
+                  <a:pt x="1635955" y="1635955"/>
+                </a:lnTo>
+                <a:lnTo>
+                  <a:pt x="0" y="1635955"/>
+                </a:lnTo>
+                <a:close/>
+              </a:path>
+            </a:pathLst>
+          </a:custGeom>
+          <a:solidFill>
+            <a:schemeClr val="accent4">
+              <a:alpha val="40000"/>
+            </a:schemeClr>
+          </a:solidFill>
+          <a:ln>
+            <a:noFill/>
+          </a:ln>
+        </p:spPr>
+        <p:style>
+          <a:lnRef idx="2">
+            <a:schemeClr val="accent1">
+              <a:shade val="50000"/>
+            </a:schemeClr>
+          </a:lnRef>
+          <a:fillRef idx="1">
+            <a:schemeClr val="accent1"/>
+          </a:fillRef>
+          <a:effectRef idx="0">
+            <a:schemeClr val="accent1"/>
+          </a:effectRef>
+          <a:fontRef idx="minor">
+            <a:schemeClr val="lt1"/>
+          </a:fontRef>
+        </p:style>
+        <p:txBody>
+          <a:bodyPr wrap="square" rtlCol="0" anchor="ctr">
+            <a:noAutofit/>
+          </a:bodyPr>
+          <a:lstStyle/>
+          <a:p>
+            <a:pPr algn="ctr"/>
+            <a:endParaRPr lang="en-US"/>
+          </a:p>
+        </p:txBody>
+      </p:sp>
+      <p:sp>
+        <p:nvSpPr>
+          <p:cNvPr id="40" name="Freeform: Shape 39">
+            <a:extLst>
+              <a:ext uri="{FF2B5EF4-FFF2-40B4-BE49-F238E27FC236}">
+                <a16:creationId xmlns:a16="http://schemas.microsoft.com/office/drawing/2014/main" id="{DA2C7802-C2E0-4218-8F89-8DD7CCD2CD1C}"/>
+              </a:ext>
+              <a:ext uri="{C183D7F6-B498-43B3-948B-1728B52AA6E4}">
+                <adec:decorative xmlns:adec="http://schemas.microsoft.com/office/drawing/2017/decorative" val="1"/>
+              </a:ext>
+            </a:extLst>
+          </p:cNvPr>
+          <p:cNvSpPr>
+            <a:spLocks noGrp="1" noRot="1" noChangeAspect="1" noMove="1" noResize="1" noEditPoints="1" noAdjustHandles="1" noChangeArrowheads="1" noChangeShapeType="1" noTextEdit="1"/>
+          </p:cNvSpPr>
+          <p:nvPr>
+            <p:extLst>
+              <p:ext uri="{386F3935-93C4-4BCD-93E2-E3B085C9AB24}">
+                <p16:designElem xmlns:p16="http://schemas.microsoft.com/office/powerpoint/2015/main" val="1"/>
+              </p:ext>
+            </p:extLst>
+          </p:nvPr>
+        </p:nvSpPr>
+        <p:spPr>
+          <a:xfrm rot="2700000">
+            <a:off x="9627985" y="-6588"/>
+            <a:ext cx="4059393" cy="2548110"/>
+          </a:xfrm>
+          <a:custGeom>
+            <a:avLst/>
+            <a:gdLst>
+              <a:gd name="connsiteX0" fmla="*/ 0 w 4059393"/>
+              <a:gd name="connsiteY0" fmla="*/ 1511282 h 2548110"/>
+              <a:gd name="connsiteX1" fmla="*/ 1511282 w 4059393"/>
+              <a:gd name="connsiteY1" fmla="*/ 0 h 2548110"/>
+              <a:gd name="connsiteX2" fmla="*/ 4059393 w 4059393"/>
+              <a:gd name="connsiteY2" fmla="*/ 2548110 h 2548110"/>
+              <a:gd name="connsiteX3" fmla="*/ 0 w 4059393"/>
+              <a:gd name="connsiteY3" fmla="*/ 2548110 h 2548110"/>
+            </a:gdLst>
+            <a:ahLst/>
+            <a:cxnLst>
+              <a:cxn ang="0">
+                <a:pos x="connsiteX0" y="connsiteY0"/>
+              </a:cxn>
+              <a:cxn ang="0">
+                <a:pos x="connsiteX1" y="connsiteY1"/>
+              </a:cxn>
+              <a:cxn ang="0">
+                <a:pos x="connsiteX2" y="connsiteY2"/>
+              </a:cxn>
+              <a:cxn ang="0">
+                <a:pos x="connsiteX3" y="connsiteY3"/>
+              </a:cxn>
+            </a:cxnLst>
+            <a:rect l="l" t="t" r="r" b="b"/>
+            <a:pathLst>
+              <a:path w="4059393" h="2548110">
+                <a:moveTo>
+                  <a:pt x="0" y="1511282"/>
+                </a:moveTo>
+                <a:lnTo>
+                  <a:pt x="1511282" y="0"/>
+                </a:lnTo>
+                <a:lnTo>
+                  <a:pt x="4059393" y="2548110"/>
+                </a:lnTo>
+                <a:lnTo>
+                  <a:pt x="0" y="2548110"/>
+                </a:lnTo>
+                <a:close/>
+              </a:path>
+            </a:pathLst>
+          </a:custGeom>
+          <a:solidFill>
+            <a:schemeClr val="accent1">
+              <a:alpha val="30000"/>
+            </a:schemeClr>
+          </a:solidFill>
+          <a:ln>
+            <a:noFill/>
+          </a:ln>
+        </p:spPr>
+        <p:style>
+          <a:lnRef idx="2">
+            <a:schemeClr val="accent1">
+              <a:shade val="50000"/>
+            </a:schemeClr>
+          </a:lnRef>
+          <a:fillRef idx="1">
+            <a:schemeClr val="accent1"/>
+          </a:fillRef>
+          <a:effectRef idx="0">
+            <a:schemeClr val="accent1"/>
+          </a:effectRef>
+          <a:fontRef idx="minor">
+            <a:schemeClr val="lt1"/>
+          </a:fontRef>
+        </p:style>
+        <p:txBody>
+          <a:bodyPr wrap="square" rtlCol="0" anchor="ctr">
+            <a:noAutofit/>
+          </a:bodyPr>
+          <a:lstStyle/>
+          <a:p>
+            <a:pPr algn="ctr"/>
+            <a:endParaRPr lang="en-US"/>
+          </a:p>
+        </p:txBody>
+      </p:sp>
+      <p:sp>
+        <p:nvSpPr>
+          <p:cNvPr id="42" name="Rectangle 41">
+            <a:extLst>
+              <a:ext uri="{FF2B5EF4-FFF2-40B4-BE49-F238E27FC236}">
+                <a16:creationId xmlns:a16="http://schemas.microsoft.com/office/drawing/2014/main" id="{A6D7111A-21E5-4EE9-8A78-10E5530F0116}"/>
+              </a:ext>
+              <a:ext uri="{C183D7F6-B498-43B3-948B-1728B52AA6E4}">
+                <adec:decorative xmlns:adec="http://schemas.microsoft.com/office/drawing/2017/decorative" val="1"/>
+              </a:ext>
+            </a:extLst>
+          </p:cNvPr>
+          <p:cNvSpPr>
+            <a:spLocks noGrp="1" noRot="1" noChangeAspect="1" noMove="1" noResize="1" noEditPoints="1" noAdjustHandles="1" noChangeArrowheads="1" noChangeShapeType="1" noTextEdit="1"/>
+          </p:cNvSpPr>
+          <p:nvPr>
+            <p:extLst>
+              <p:ext uri="{386F3935-93C4-4BCD-93E2-E3B085C9AB24}">
+                <p16:designElem xmlns:p16="http://schemas.microsoft.com/office/powerpoint/2015/main" val="1"/>
+              </p:ext>
+            </p:extLst>
+          </p:nvPr>
+        </p:nvSpPr>
+        <p:spPr>
+          <a:xfrm rot="2700000">
+            <a:off x="10262924" y="1465780"/>
+            <a:ext cx="1185708" cy="1185708"/>
+          </a:xfrm>
+          <a:prstGeom prst="rect">
+            <a:avLst/>
+          </a:prstGeom>
+          <a:solidFill>
+            <a:schemeClr val="accent1">
+              <a:alpha val="30000"/>
+            </a:schemeClr>
+          </a:solidFill>
+          <a:ln>
+            <a:noFill/>
+          </a:ln>
+        </p:spPr>
+        <p:style>
+          <a:lnRef idx="2">
+            <a:schemeClr val="accent1">
+              <a:shade val="50000"/>
+            </a:schemeClr>
+          </a:lnRef>
+          <a:fillRef idx="1">
+            <a:schemeClr val="accent1"/>
+          </a:fillRef>
+          <a:effectRef idx="0">
+            <a:schemeClr val="accent1"/>
+          </a:effectRef>
+          <a:fontRef idx="minor">
+            <a:schemeClr val="lt1"/>
+          </a:fontRef>
+        </p:style>
+        <p:txBody>
+          <a:bodyPr wrap="square" rtlCol="0" anchor="ctr">
+            <a:noAutofit/>
+          </a:bodyPr>
+          <a:lstStyle/>
+          <a:p>
+            <a:pPr algn="ctr"/>
+            <a:endParaRPr lang="en-US"/>
+          </a:p>
+        </p:txBody>
+      </p:sp>
+      <p:sp>
+        <p:nvSpPr>
+          <p:cNvPr id="44" name="Freeform: Shape 43">
+            <a:extLst>
+              <a:ext uri="{FF2B5EF4-FFF2-40B4-BE49-F238E27FC236}">
+                <a16:creationId xmlns:a16="http://schemas.microsoft.com/office/drawing/2014/main" id="{A3969E80-A77B-49FC-9122-D89AFD5EE118}"/>
+              </a:ext>
+              <a:ext uri="{C183D7F6-B498-43B3-948B-1728B52AA6E4}">
+                <adec:decorative xmlns:adec="http://schemas.microsoft.com/office/drawing/2017/decorative" val="1"/>
+              </a:ext>
+            </a:extLst>
+          </p:cNvPr>
+          <p:cNvSpPr>
+            <a:spLocks noGrp="1" noRot="1" noChangeAspect="1" noMove="1" noResize="1" noEditPoints="1" noAdjustHandles="1" noChangeArrowheads="1" noChangeShapeType="1" noTextEdit="1"/>
+          </p:cNvSpPr>
+          <p:nvPr>
+            <p:extLst>
+              <p:ext uri="{386F3935-93C4-4BCD-93E2-E3B085C9AB24}">
+                <p16:designElem xmlns:p16="http://schemas.microsoft.com/office/powerpoint/2015/main" val="1"/>
+              </p:ext>
+            </p:extLst>
+          </p:nvPr>
+        </p:nvSpPr>
+        <p:spPr>
+          <a:xfrm rot="2700000">
+            <a:off x="-29557" y="5198743"/>
+            <a:ext cx="2444907" cy="2366116"/>
+          </a:xfrm>
+          <a:custGeom>
+            <a:avLst/>
+            <a:gdLst>
+              <a:gd name="connsiteX0" fmla="*/ 0 w 2203753"/>
+              <a:gd name="connsiteY0" fmla="*/ 0 h 2132734"/>
+              <a:gd name="connsiteX1" fmla="*/ 2203753 w 2203753"/>
+              <a:gd name="connsiteY1" fmla="*/ 0 h 2132734"/>
+              <a:gd name="connsiteX2" fmla="*/ 2203753 w 2203753"/>
+              <a:gd name="connsiteY2" fmla="*/ 576461 h 2132734"/>
+              <a:gd name="connsiteX3" fmla="*/ 647480 w 2203753"/>
+              <a:gd name="connsiteY3" fmla="*/ 2132734 h 2132734"/>
+              <a:gd name="connsiteX4" fmla="*/ 0 w 2203753"/>
+              <a:gd name="connsiteY4" fmla="*/ 1485255 h 2132734"/>
+            </a:gdLst>
+            <a:ahLst/>
+            <a:cxnLst>
+              <a:cxn ang="0">
+                <a:pos x="connsiteX0" y="connsiteY0"/>
+              </a:cxn>
+              <a:cxn ang="0">
+                <a:pos x="connsiteX1" y="connsiteY1"/>
+              </a:cxn>
+              <a:cxn ang="0">
+                <a:pos x="connsiteX2" y="connsiteY2"/>
+              </a:cxn>
+              <a:cxn ang="0">
+                <a:pos x="connsiteX3" y="connsiteY3"/>
+              </a:cxn>
+              <a:cxn ang="0">
+                <a:pos x="connsiteX4" y="connsiteY4"/>
+              </a:cxn>
+            </a:cxnLst>
+            <a:rect l="l" t="t" r="r" b="b"/>
+            <a:pathLst>
+              <a:path w="2203753" h="2132734">
+                <a:moveTo>
+                  <a:pt x="0" y="0"/>
+                </a:moveTo>
+                <a:lnTo>
+                  <a:pt x="2203753" y="0"/>
+                </a:lnTo>
+                <a:lnTo>
+                  <a:pt x="2203753" y="576461"/>
+                </a:lnTo>
+                <a:lnTo>
+                  <a:pt x="647480" y="2132734"/>
+                </a:lnTo>
+                <a:lnTo>
+                  <a:pt x="0" y="1485255"/>
+                </a:lnTo>
+                <a:close/>
+              </a:path>
+            </a:pathLst>
+          </a:custGeom>
+          <a:solidFill>
+            <a:schemeClr val="accent1">
+              <a:alpha val="30000"/>
+            </a:schemeClr>
+          </a:solidFill>
+          <a:ln>
+            <a:noFill/>
+          </a:ln>
+        </p:spPr>
+        <p:style>
+          <a:lnRef idx="2">
+            <a:schemeClr val="accent1">
+              <a:shade val="50000"/>
+            </a:schemeClr>
+          </a:lnRef>
+          <a:fillRef idx="1">
+            <a:schemeClr val="accent1"/>
+          </a:fillRef>
+          <a:effectRef idx="0">
+            <a:schemeClr val="accent1"/>
+          </a:effectRef>
+          <a:fontRef idx="minor">
+            <a:schemeClr val="lt1"/>
+          </a:fontRef>
+        </p:style>
+        <p:txBody>
+          <a:bodyPr wrap="square" rtlCol="0" anchor="ctr">
+            <a:noAutofit/>
+          </a:bodyPr>
+          <a:lstStyle/>
+          <a:p>
+            <a:pPr algn="ctr"/>
+            <a:endParaRPr lang="en-US"/>
+          </a:p>
+        </p:txBody>
+      </p:sp>
+      <p:sp>
+        <p:nvSpPr>
+          <p:cNvPr id="46" name="Rectangle 45">
+            <a:extLst>
+              <a:ext uri="{FF2B5EF4-FFF2-40B4-BE49-F238E27FC236}">
+                <a16:creationId xmlns:a16="http://schemas.microsoft.com/office/drawing/2014/main" id="{1849CA57-76BD-4CF2-80BA-D7A46A01B7B1}"/>
+              </a:ext>
+              <a:ext uri="{C183D7F6-B498-43B3-948B-1728B52AA6E4}">
+                <adec:decorative xmlns:adec="http://schemas.microsoft.com/office/drawing/2017/decorative" val="1"/>
+              </a:ext>
+            </a:extLst>
+          </p:cNvPr>
+          <p:cNvSpPr>
+            <a:spLocks noGrp="1" noRot="1" noChangeAspect="1" noMove="1" noResize="1" noEditPoints="1" noAdjustHandles="1" noChangeArrowheads="1" noChangeShapeType="1" noTextEdit="1"/>
+          </p:cNvSpPr>
+          <p:nvPr>
+            <p:extLst>
+              <p:ext uri="{386F3935-93C4-4BCD-93E2-E3B085C9AB24}">
+                <p16:designElem xmlns:p16="http://schemas.microsoft.com/office/powerpoint/2015/main" val="1"/>
+              </p:ext>
+            </p:extLst>
+          </p:nvPr>
+        </p:nvSpPr>
+        <p:spPr>
+          <a:xfrm rot="2700000">
+            <a:off x="1769787" y="5439893"/>
+            <a:ext cx="928467" cy="928467"/>
+          </a:xfrm>
+          <a:prstGeom prst="rect">
+            <a:avLst/>
+          </a:prstGeom>
+          <a:solidFill>
+            <a:schemeClr val="accent1">
+              <a:alpha val="30000"/>
+            </a:schemeClr>
+          </a:solidFill>
+          <a:ln>
+            <a:noFill/>
+          </a:ln>
+        </p:spPr>
+        <p:style>
+          <a:lnRef idx="2">
+            <a:schemeClr val="accent1">
+              <a:shade val="50000"/>
+            </a:schemeClr>
+          </a:lnRef>
+          <a:fillRef idx="1">
+            <a:schemeClr val="accent1"/>
+          </a:fillRef>
+          <a:effectRef idx="0">
+            <a:schemeClr val="accent1"/>
+          </a:effectRef>
+          <a:fontRef idx="minor">
+            <a:schemeClr val="lt1"/>
+          </a:fontRef>
+        </p:style>
+        <p:txBody>
+          <a:bodyPr wrap="square" rtlCol="0" anchor="ctr">
+            <a:noAutofit/>
+          </a:bodyPr>
+          <a:lstStyle/>
+          <a:p>
+            <a:pPr algn="ctr"/>
+            <a:endParaRPr lang="en-US">
+              <a:solidFill>
+                <a:srgbClr val="FFFFFF"/>
+              </a:solidFill>
+              <a:effectLst>
+                <a:outerShdw blurRad="38100" dist="38100" dir="2700000" algn="tl">
+                  <a:srgbClr val="000000">
+                    <a:alpha val="43137"/>
+                  </a:srgbClr>
+                </a:outerShdw>
+              </a:effectLst>
+            </a:endParaRPr>
+          </a:p>
+        </p:txBody>
+      </p:sp>
+      <p:sp>
+        <p:nvSpPr>
+          <p:cNvPr id="48" name="Freeform: Shape 47">
+            <a:extLst>
+              <a:ext uri="{FF2B5EF4-FFF2-40B4-BE49-F238E27FC236}">
+                <a16:creationId xmlns:a16="http://schemas.microsoft.com/office/drawing/2014/main" id="{35E9085E-E730-4768-83D4-6CB7E9897153}"/>
+              </a:ext>
+              <a:ext uri="{C183D7F6-B498-43B3-948B-1728B52AA6E4}">
+                <adec:decorative xmlns:adec="http://schemas.microsoft.com/office/drawing/2017/decorative" val="1"/>
+              </a:ext>
+            </a:extLst>
+          </p:cNvPr>
+          <p:cNvSpPr>
+            <a:spLocks noGrp="1" noRot="1" noChangeAspect="1" noMove="1" noResize="1" noEditPoints="1" noAdjustHandles="1" noChangeArrowheads="1" noChangeShapeType="1" noTextEdit="1"/>
+          </p:cNvSpPr>
+          <p:nvPr>
+            <p:extLst>
+              <p:ext uri="{386F3935-93C4-4BCD-93E2-E3B085C9AB24}">
+                <p16:designElem xmlns:p16="http://schemas.microsoft.com/office/powerpoint/2015/main" val="1"/>
+              </p:ext>
+            </p:extLst>
+          </p:nvPr>
+        </p:nvSpPr>
+        <p:spPr>
+          <a:xfrm rot="2700000">
+            <a:off x="3401311" y="734311"/>
+            <a:ext cx="5389379" cy="5389379"/>
+          </a:xfrm>
+          <a:custGeom>
+            <a:avLst/>
+            <a:gdLst>
+              <a:gd name="connsiteX0" fmla="*/ 0 w 5389379"/>
+              <a:gd name="connsiteY0" fmla="*/ 540040 h 5389379"/>
+              <a:gd name="connsiteX1" fmla="*/ 540040 w 5389379"/>
+              <a:gd name="connsiteY1" fmla="*/ 0 h 5389379"/>
+              <a:gd name="connsiteX2" fmla="*/ 5389379 w 5389379"/>
+              <a:gd name="connsiteY2" fmla="*/ 0 h 5389379"/>
+              <a:gd name="connsiteX3" fmla="*/ 5389379 w 5389379"/>
+              <a:gd name="connsiteY3" fmla="*/ 4838655 h 5389379"/>
+              <a:gd name="connsiteX4" fmla="*/ 4838655 w 5389379"/>
+              <a:gd name="connsiteY4" fmla="*/ 5389379 h 5389379"/>
+              <a:gd name="connsiteX5" fmla="*/ 0 w 5389379"/>
+              <a:gd name="connsiteY5" fmla="*/ 5389379 h 5389379"/>
+            </a:gdLst>
+            <a:ahLst/>
+            <a:cxnLst>
+              <a:cxn ang="0">
+                <a:pos x="connsiteX0" y="connsiteY0"/>
+              </a:cxn>
+              <a:cxn ang="0">
+                <a:pos x="connsiteX1" y="connsiteY1"/>
+              </a:cxn>
+              <a:cxn ang="0">
+                <a:pos x="connsiteX2" y="connsiteY2"/>
+              </a:cxn>
+              <a:cxn ang="0">
+                <a:pos x="connsiteX3" y="connsiteY3"/>
+              </a:cxn>
+              <a:cxn ang="0">
+                <a:pos x="connsiteX4" y="connsiteY4"/>
+              </a:cxn>
+              <a:cxn ang="0">
+                <a:pos x="connsiteX5" y="connsiteY5"/>
+              </a:cxn>
+            </a:cxnLst>
+            <a:rect l="l" t="t" r="r" b="b"/>
+            <a:pathLst>
+              <a:path w="5389379" h="5389379">
+                <a:moveTo>
+                  <a:pt x="0" y="540040"/>
+                </a:moveTo>
+                <a:lnTo>
+                  <a:pt x="540040" y="0"/>
+                </a:lnTo>
+                <a:lnTo>
+                  <a:pt x="5389379" y="0"/>
+                </a:lnTo>
+                <a:lnTo>
+                  <a:pt x="5389379" y="4838655"/>
+                </a:lnTo>
+                <a:lnTo>
+                  <a:pt x="4838655" y="5389379"/>
+                </a:lnTo>
+                <a:lnTo>
+                  <a:pt x="0" y="5389379"/>
+                </a:lnTo>
+                <a:close/>
+              </a:path>
+            </a:pathLst>
+          </a:custGeom>
+          <a:solidFill>
+            <a:srgbClr val="FFFFFF"/>
+          </a:solidFill>
+          <a:ln>
+            <a:noFill/>
+          </a:ln>
+        </p:spPr>
+        <p:style>
+          <a:lnRef idx="2">
+            <a:schemeClr val="accent1">
+              <a:shade val="50000"/>
+            </a:schemeClr>
+          </a:lnRef>
+          <a:fillRef idx="1">
+            <a:schemeClr val="accent1"/>
+          </a:fillRef>
+          <a:effectRef idx="0">
+            <a:schemeClr val="accent1"/>
+          </a:effectRef>
+          <a:fontRef idx="minor">
+            <a:schemeClr val="lt1"/>
+          </a:fontRef>
+        </p:style>
+        <p:txBody>
+          <a:bodyPr wrap="square" rtlCol="0" anchor="ctr">
+            <a:noAutofit/>
+          </a:bodyPr>
+          <a:lstStyle/>
+          <a:p>
+            <a:pPr algn="ctr"/>
+            <a:endParaRPr lang="en-US"/>
+          </a:p>
+        </p:txBody>
+      </p:sp>
+      <p:sp>
+        <p:nvSpPr>
+          <p:cNvPr id="4" name="מלבן 3">
+            <a:extLst>
+              <a:ext uri="{FF2B5EF4-FFF2-40B4-BE49-F238E27FC236}">
+                <a16:creationId xmlns:a16="http://schemas.microsoft.com/office/drawing/2014/main" id="{94E18E42-E740-427D-A288-7F33A7A4C79E}"/>
+              </a:ext>
+            </a:extLst>
+          </p:cNvPr>
+          <p:cNvSpPr/>
+          <p:nvPr/>
+        </p:nvSpPr>
+        <p:spPr>
+          <a:xfrm>
+            <a:off x="3204642" y="2353641"/>
+            <a:ext cx="5782716" cy="2150719"/>
+          </a:xfrm>
+          <a:prstGeom prst="rect">
+            <a:avLst/>
+          </a:prstGeom>
+          <a:noFill/>
+        </p:spPr>
+        <p:txBody>
+          <a:bodyPr vert="horz" lIns="91440" tIns="45720" rIns="91440" bIns="45720" rtlCol="0" anchor="ctr">
+            <a:normAutofit/>
+          </a:bodyPr>
+          <a:lstStyle/>
+          <a:p>
+            <a:pPr algn="ctr" rtl="0">
+              <a:lnSpc>
+                <a:spcPct val="90000"/>
+              </a:lnSpc>
+              <a:spcBef>
+                <a:spcPct val="0"/>
+              </a:spcBef>
+              <a:spcAft>
+                <a:spcPts val="600"/>
+              </a:spcAft>
+            </a:pPr>
+            <a:r>
+              <a:rPr lang="en-US" sz="8800" b="0" kern="1200" cap="none" spc="0" dirty="0">
+                <a:ln w="0"/>
+                <a:solidFill>
+                  <a:srgbClr val="080808"/>
+                </a:solidFill>
+                <a:effectLst>
+                  <a:reflection blurRad="6350" stA="53000" endA="300" endPos="35500" dir="5400000" sy="-90000" algn="bl" rotWithShape="0"/>
+                </a:effectLst>
+                <a:latin typeface="Lato" panose="020F0502020204030203" pitchFamily="34" charset="0"/>
+                <a:ea typeface="Lato" panose="020F0502020204030203" pitchFamily="34" charset="0"/>
+                <a:cs typeface="Lato" panose="020F0502020204030203" pitchFamily="34" charset="0"/>
+              </a:rPr>
+              <a:t>Questions?</a:t>
+            </a:r>
+          </a:p>
+        </p:txBody>
+      </p:sp>
+      <p:sp>
+        <p:nvSpPr>
+          <p:cNvPr id="50" name="Freeform: Shape 49">
+            <a:extLst>
+              <a:ext uri="{FF2B5EF4-FFF2-40B4-BE49-F238E27FC236}">
+                <a16:creationId xmlns:a16="http://schemas.microsoft.com/office/drawing/2014/main" id="{973272FE-A474-4CAE-8CA2-BCC8B476C3F4}"/>
+              </a:ext>
+              <a:ext uri="{C183D7F6-B498-43B3-948B-1728B52AA6E4}">
+                <adec:decorative xmlns:adec="http://schemas.microsoft.com/office/drawing/2017/decorative" val="1"/>
+              </a:ext>
+            </a:extLst>
+          </p:cNvPr>
+          <p:cNvSpPr>
+            <a:spLocks noGrp="1" noRot="1" noChangeAspect="1" noMove="1" noResize="1" noEditPoints="1" noAdjustHandles="1" noChangeArrowheads="1" noChangeShapeType="1" noTextEdit="1"/>
+          </p:cNvSpPr>
+          <p:nvPr>
+            <p:extLst>
+              <p:ext uri="{386F3935-93C4-4BCD-93E2-E3B085C9AB24}">
+                <p16:designElem xmlns:p16="http://schemas.microsoft.com/office/powerpoint/2015/main" val="1"/>
+              </p:ext>
+            </p:extLst>
+          </p:nvPr>
+        </p:nvSpPr>
+        <p:spPr>
+          <a:xfrm rot="2700000">
+            <a:off x="2700283" y="33283"/>
+            <a:ext cx="6791435" cy="6791435"/>
+          </a:xfrm>
+          <a:custGeom>
+            <a:avLst/>
+            <a:gdLst>
+              <a:gd name="connsiteX0" fmla="*/ 1860938 w 6791435"/>
+              <a:gd name="connsiteY0" fmla="*/ 81158 h 6791435"/>
+              <a:gd name="connsiteX1" fmla="*/ 1942096 w 6791435"/>
+              <a:gd name="connsiteY1" fmla="*/ 0 h 6791435"/>
+              <a:gd name="connsiteX2" fmla="*/ 6791435 w 6791435"/>
+              <a:gd name="connsiteY2" fmla="*/ 0 h 6791435"/>
+              <a:gd name="connsiteX3" fmla="*/ 6791435 w 6791435"/>
+              <a:gd name="connsiteY3" fmla="*/ 4838655 h 6791435"/>
+              <a:gd name="connsiteX4" fmla="*/ 6710277 w 6791435"/>
+              <a:gd name="connsiteY4" fmla="*/ 4919813 h 6791435"/>
+              <a:gd name="connsiteX5" fmla="*/ 6710277 w 6791435"/>
+              <a:gd name="connsiteY5" fmla="*/ 81158 h 6791435"/>
+              <a:gd name="connsiteX6" fmla="*/ 0 w 6791435"/>
+              <a:gd name="connsiteY6" fmla="*/ 1942096 h 6791435"/>
+              <a:gd name="connsiteX7" fmla="*/ 81158 w 6791435"/>
+              <a:gd name="connsiteY7" fmla="*/ 1860938 h 6791435"/>
+              <a:gd name="connsiteX8" fmla="*/ 81158 w 6791435"/>
+              <a:gd name="connsiteY8" fmla="*/ 6710277 h 6791435"/>
+              <a:gd name="connsiteX9" fmla="*/ 4919813 w 6791435"/>
+              <a:gd name="connsiteY9" fmla="*/ 6710277 h 6791435"/>
+              <a:gd name="connsiteX10" fmla="*/ 4838655 w 6791435"/>
+              <a:gd name="connsiteY10" fmla="*/ 6791435 h 6791435"/>
+              <a:gd name="connsiteX11" fmla="*/ 0 w 6791435"/>
+              <a:gd name="connsiteY11" fmla="*/ 6791435 h 6791435"/>
+            </a:gdLst>
+            <a:ahLst/>
+            <a:cxnLst>
+              <a:cxn ang="0">
+                <a:pos x="connsiteX0" y="connsiteY0"/>
+              </a:cxn>
+              <a:cxn ang="0">
+                <a:pos x="connsiteX1" y="connsiteY1"/>
+              </a:cxn>
+              <a:cxn ang="0">
+                <a:pos x="connsiteX2" y="connsiteY2"/>
+              </a:cxn>
+              <a:cxn ang="0">
+                <a:pos x="connsiteX3" y="connsiteY3"/>
+              </a:cxn>
+              <a:cxn ang="0">
+                <a:pos x="connsiteX4" y="connsiteY4"/>
+              </a:cxn>
+              <a:cxn ang="0">
+                <a:pos x="connsiteX5" y="connsiteY5"/>
+              </a:cxn>
+              <a:cxn ang="0">
+                <a:pos x="connsiteX6" y="connsiteY6"/>
+              </a:cxn>
+              <a:cxn ang="0">
+                <a:pos x="connsiteX7" y="connsiteY7"/>
+              </a:cxn>
+              <a:cxn ang="0">
+                <a:pos x="connsiteX8" y="connsiteY8"/>
+              </a:cxn>
+              <a:cxn ang="0">
+                <a:pos x="connsiteX9" y="connsiteY9"/>
+              </a:cxn>
+              <a:cxn ang="0">
+                <a:pos x="connsiteX10" y="connsiteY10"/>
+              </a:cxn>
+              <a:cxn ang="0">
+                <a:pos x="connsiteX11" y="connsiteY11"/>
+              </a:cxn>
+            </a:cxnLst>
+            <a:rect l="l" t="t" r="r" b="b"/>
+            <a:pathLst>
+              <a:path w="6791435" h="6791435">
+                <a:moveTo>
+                  <a:pt x="1860938" y="81158"/>
+                </a:moveTo>
+                <a:lnTo>
+                  <a:pt x="1942096" y="0"/>
+                </a:lnTo>
+                <a:lnTo>
+                  <a:pt x="6791435" y="0"/>
+                </a:lnTo>
+                <a:lnTo>
+                  <a:pt x="6791435" y="4838655"/>
+                </a:lnTo>
+                <a:lnTo>
+                  <a:pt x="6710277" y="4919813"/>
+                </a:lnTo>
+                <a:lnTo>
+                  <a:pt x="6710277" y="81158"/>
+                </a:lnTo>
+                <a:close/>
+                <a:moveTo>
+                  <a:pt x="0" y="1942096"/>
+                </a:moveTo>
+                <a:lnTo>
+                  <a:pt x="81158" y="1860938"/>
+                </a:lnTo>
+                <a:lnTo>
+                  <a:pt x="81158" y="6710277"/>
+                </a:lnTo>
+                <a:lnTo>
+                  <a:pt x="4919813" y="6710277"/>
+                </a:lnTo>
+                <a:lnTo>
+                  <a:pt x="4838655" y="6791435"/>
+                </a:lnTo>
+                <a:lnTo>
+                  <a:pt x="0" y="6791435"/>
+                </a:lnTo>
+                <a:close/>
+              </a:path>
+            </a:pathLst>
+          </a:custGeom>
+          <a:solidFill>
+            <a:srgbClr val="FFFFFF">
+              <a:alpha val="60000"/>
+            </a:srgbClr>
+          </a:solidFill>
+          <a:ln>
+            <a:noFill/>
+          </a:ln>
+        </p:spPr>
+        <p:style>
+          <a:lnRef idx="2">
+            <a:schemeClr val="accent1">
+              <a:shade val="50000"/>
+            </a:schemeClr>
+          </a:lnRef>
+          <a:fillRef idx="1">
+            <a:schemeClr val="accent1"/>
+          </a:fillRef>
+          <a:effectRef idx="0">
+            <a:schemeClr val="accent1"/>
+          </a:effectRef>
+          <a:fontRef idx="minor">
+            <a:schemeClr val="lt1"/>
+          </a:fontRef>
+        </p:style>
+        <p:txBody>
+          <a:bodyPr wrap="square" rtlCol="0" anchor="ctr">
+            <a:noAutofit/>
+          </a:bodyPr>
+          <a:lstStyle/>
+          <a:p>
+            <a:pPr algn="ctr"/>
+            <a:endParaRPr lang="en-US">
+              <a:solidFill>
+                <a:schemeClr val="tx1"/>
+              </a:solidFill>
+            </a:endParaRPr>
+          </a:p>
+        </p:txBody>
+      </p:sp>
+      <p:sp>
+        <p:nvSpPr>
+          <p:cNvPr id="52" name="Freeform: Shape 51">
+            <a:extLst>
+              <a:ext uri="{FF2B5EF4-FFF2-40B4-BE49-F238E27FC236}">
+                <a16:creationId xmlns:a16="http://schemas.microsoft.com/office/drawing/2014/main" id="{E07981EA-05A6-437C-88D7-B377B92B031D}"/>
+              </a:ext>
+              <a:ext uri="{C183D7F6-B498-43B3-948B-1728B52AA6E4}">
+                <adec:decorative xmlns:adec="http://schemas.microsoft.com/office/drawing/2017/decorative" val="1"/>
+              </a:ext>
+            </a:extLst>
+          </p:cNvPr>
+          <p:cNvSpPr>
+            <a:spLocks noGrp="1" noRot="1" noChangeAspect="1" noMove="1" noResize="1" noEditPoints="1" noAdjustHandles="1" noChangeArrowheads="1" noChangeShapeType="1" noTextEdit="1"/>
+          </p:cNvSpPr>
+          <p:nvPr>
+            <p:extLst>
+              <p:ext uri="{386F3935-93C4-4BCD-93E2-E3B085C9AB24}">
+                <p16:designElem xmlns:p16="http://schemas.microsoft.com/office/powerpoint/2015/main" val="1"/>
+              </p:ext>
+            </p:extLst>
+          </p:nvPr>
+        </p:nvSpPr>
+        <p:spPr>
+          <a:xfrm rot="2700000">
+            <a:off x="9629823" y="5457591"/>
+            <a:ext cx="2231794" cy="2568811"/>
+          </a:xfrm>
+          <a:custGeom>
+            <a:avLst/>
+            <a:gdLst>
+              <a:gd name="connsiteX0" fmla="*/ 0 w 2940086"/>
+              <a:gd name="connsiteY0" fmla="*/ 0 h 3384061"/>
+              <a:gd name="connsiteX1" fmla="*/ 2496112 w 2940086"/>
+              <a:gd name="connsiteY1" fmla="*/ 0 h 3384061"/>
+              <a:gd name="connsiteX2" fmla="*/ 2940086 w 2940086"/>
+              <a:gd name="connsiteY2" fmla="*/ 443975 h 3384061"/>
+              <a:gd name="connsiteX3" fmla="*/ 0 w 2940086"/>
+              <a:gd name="connsiteY3" fmla="*/ 3384061 h 3384061"/>
+            </a:gdLst>
+            <a:ahLst/>
+            <a:cxnLst>
+              <a:cxn ang="0">
+                <a:pos x="connsiteX0" y="connsiteY0"/>
+              </a:cxn>
+              <a:cxn ang="0">
+                <a:pos x="connsiteX1" y="connsiteY1"/>
+              </a:cxn>
+              <a:cxn ang="0">
+                <a:pos x="connsiteX2" y="connsiteY2"/>
+              </a:cxn>
+              <a:cxn ang="0">
+                <a:pos x="connsiteX3" y="connsiteY3"/>
+              </a:cxn>
+            </a:cxnLst>
+            <a:rect l="l" t="t" r="r" b="b"/>
+            <a:pathLst>
+              <a:path w="2940086" h="3384061">
+                <a:moveTo>
+                  <a:pt x="0" y="0"/>
+                </a:moveTo>
+                <a:lnTo>
+                  <a:pt x="2496112" y="0"/>
+                </a:lnTo>
+                <a:lnTo>
+                  <a:pt x="2940086" y="443975"/>
+                </a:lnTo>
+                <a:lnTo>
+                  <a:pt x="0" y="3384061"/>
+                </a:lnTo>
+                <a:close/>
+              </a:path>
+            </a:pathLst>
+          </a:custGeom>
+          <a:solidFill>
+            <a:schemeClr val="accent4">
+              <a:alpha val="40000"/>
+            </a:schemeClr>
+          </a:solidFill>
+          <a:ln>
+            <a:noFill/>
+          </a:ln>
+        </p:spPr>
+        <p:style>
+          <a:lnRef idx="2">
+            <a:schemeClr val="accent1">
+              <a:shade val="50000"/>
+            </a:schemeClr>
+          </a:lnRef>
+          <a:fillRef idx="1">
+            <a:schemeClr val="accent1"/>
+          </a:fillRef>
+          <a:effectRef idx="0">
+            <a:schemeClr val="accent1"/>
+          </a:effectRef>
+          <a:fontRef idx="minor">
+            <a:schemeClr val="lt1"/>
+          </a:fontRef>
+        </p:style>
+        <p:txBody>
+          <a:bodyPr wrap="square" rtlCol="0" anchor="ctr">
+            <a:noAutofit/>
+          </a:bodyPr>
+          <a:lstStyle/>
+          <a:p>
+            <a:pPr algn="ctr"/>
+            <a:endParaRPr lang="en-US"/>
+          </a:p>
+        </p:txBody>
+      </p:sp>
+      <p:sp>
+        <p:nvSpPr>
+          <p:cNvPr id="54" name="Rectangle 53">
+            <a:extLst>
+              <a:ext uri="{FF2B5EF4-FFF2-40B4-BE49-F238E27FC236}">
+                <a16:creationId xmlns:a16="http://schemas.microsoft.com/office/drawing/2014/main" id="{15E3C750-986E-4769-B1AE-49289FBEE757}"/>
+              </a:ext>
+              <a:ext uri="{C183D7F6-B498-43B3-948B-1728B52AA6E4}">
+                <adec:decorative xmlns:adec="http://schemas.microsoft.com/office/drawing/2017/decorative" val="1"/>
+              </a:ext>
+            </a:extLst>
+          </p:cNvPr>
+          <p:cNvSpPr>
+            <a:spLocks noGrp="1" noRot="1" noChangeAspect="1" noMove="1" noResize="1" noEditPoints="1" noAdjustHandles="1" noChangeArrowheads="1" noChangeShapeType="1" noTextEdit="1"/>
+          </p:cNvSpPr>
+          <p:nvPr>
+            <p:extLst>
+              <p:ext uri="{386F3935-93C4-4BCD-93E2-E3B085C9AB24}">
+                <p16:designElem xmlns:p16="http://schemas.microsoft.com/office/powerpoint/2015/main" val="1"/>
+              </p:ext>
+            </p:extLst>
+          </p:nvPr>
+        </p:nvSpPr>
+        <p:spPr>
+          <a:xfrm rot="2700000">
+            <a:off x="9720059" y="5243545"/>
+            <a:ext cx="959985" cy="959985"/>
+          </a:xfrm>
+          <a:prstGeom prst="rect">
+            <a:avLst/>
+          </a:prstGeom>
+          <a:solidFill>
+            <a:schemeClr val="accent4">
+              <a:alpha val="40000"/>
+            </a:schemeClr>
+          </a:solidFill>
+          <a:ln>
+            <a:noFill/>
+          </a:ln>
+        </p:spPr>
+        <p:style>
+          <a:lnRef idx="2">
+            <a:schemeClr val="accent1">
+              <a:shade val="50000"/>
+            </a:schemeClr>
+          </a:lnRef>
+          <a:fillRef idx="1">
+            <a:schemeClr val="accent1"/>
+          </a:fillRef>
+          <a:effectRef idx="0">
+            <a:schemeClr val="accent1"/>
+          </a:effectRef>
+          <a:fontRef idx="minor">
+            <a:schemeClr val="lt1"/>
+          </a:fontRef>
+        </p:style>
+        <p:txBody>
+          <a:bodyPr wrap="square" rtlCol="0" anchor="ctr">
+            <a:noAutofit/>
+          </a:bodyPr>
+          <a:lstStyle/>
+          <a:p>
+            <a:pPr algn="ctr"/>
+            <a:endParaRPr lang="en-US"/>
+          </a:p>
+        </p:txBody>
+      </p:sp>
+    </p:spTree>
+    <p:extLst>
+      <p:ext uri="{BB962C8B-B14F-4D97-AF65-F5344CB8AC3E}">
+        <p14:creationId xmlns:p14="http://schemas.microsoft.com/office/powerpoint/2010/main" val="3628693664"/>
+      </p:ext>
+    </p:extLst>
+  </p:cSld>
+  <p:clrMapOvr>
+    <a:masterClrMapping/>
+  </p:clrMapOvr>
+</p:sld>
+</file>
+
+<file path=ppt/slides/slide2.xml><?xml version="1.0" encoding="utf-8"?>
+<p:sld xmlns:a="http://schemas.openxmlformats.org/drawingml/2006/main" xmlns:r="http://schemas.openxmlformats.org/officeDocument/2006/relationships" xmlns:p="http://schemas.openxmlformats.org/presentationml/2006/main">
+  <p:cSld>
+    <p:bg>
+      <p:bgPr>
+        <a:solidFill>
+          <a:schemeClr val="bg1"/>
+        </a:solidFill>
+        <a:effectLst/>
+      </p:bgPr>
+    </p:bg>
+    <p:spTree>
+      <p:nvGrpSpPr>
+        <p:cNvPr id="1" name=""/>
+        <p:cNvGrpSpPr/>
+        <p:nvPr/>
+      </p:nvGrpSpPr>
+      <p:grpSpPr>
+        <a:xfrm>
+          <a:off x="0" y="0"/>
+          <a:ext cx="0" cy="0"/>
+          <a:chOff x="0" y="0"/>
+          <a:chExt cx="0" cy="0"/>
+        </a:xfrm>
+      </p:grpSpPr>
+      <p:sp>
+        <p:nvSpPr>
+          <p:cNvPr id="95" name="Rectangle 94">
+            <a:extLst>
+              <a:ext uri="{FF2B5EF4-FFF2-40B4-BE49-F238E27FC236}">
+                <a16:creationId xmlns:a16="http://schemas.microsoft.com/office/drawing/2014/main" id="{2B566528-1B12-4246-9431-5C2D7D081168}"/>
+              </a:ext>
+              <a:ext uri="{C183D7F6-B498-43B3-948B-1728B52AA6E4}">
+                <adec:decorative xmlns:adec="http://schemas.microsoft.com/office/drawing/2017/decorative" val="1"/>
+              </a:ext>
+            </a:extLst>
+          </p:cNvPr>
+          <p:cNvSpPr>
+            <a:spLocks noGrp="1" noRot="1" noChangeAspect="1" noMove="1" noResize="1" noEditPoints="1" noAdjustHandles="1" noChangeArrowheads="1" noChangeShapeType="1" noTextEdit="1"/>
+          </p:cNvSpPr>
+          <p:nvPr>
+            <p:extLst>
+              <p:ext uri="{386F3935-93C4-4BCD-93E2-E3B085C9AB24}">
+                <p16:designElem xmlns:p16="http://schemas.microsoft.com/office/powerpoint/2015/main" val="1"/>
+              </p:ext>
+            </p:extLst>
+          </p:nvPr>
+        </p:nvSpPr>
+        <p:spPr>
+          <a:xfrm>
+            <a:off x="0" y="0"/>
+            <a:ext cx="12192000" cy="6858000"/>
+          </a:xfrm>
+          <a:prstGeom prst="rect">
+            <a:avLst/>
+          </a:prstGeom>
+          <a:solidFill>
+            <a:schemeClr val="bg1"/>
+          </a:solidFill>
+          <a:ln>
+            <a:noFill/>
+          </a:ln>
+        </p:spPr>
+        <p:style>
+          <a:lnRef idx="2">
+            <a:schemeClr val="accent1">
+              <a:shade val="50000"/>
+            </a:schemeClr>
+          </a:lnRef>
+          <a:fillRef idx="1">
+            <a:schemeClr val="accent1"/>
+          </a:fillRef>
+          <a:effectRef idx="0">
+            <a:schemeClr val="accent1"/>
+          </a:effectRef>
+          <a:fontRef idx="minor">
+            <a:schemeClr val="lt1"/>
+          </a:fontRef>
+        </p:style>
+        <p:txBody>
+          <a:bodyPr rtlCol="0" anchor="ctr"/>
+          <a:lstStyle/>
+          <a:p>
+            <a:pPr algn="ctr"/>
+            <a:endParaRPr lang="en-US" dirty="0"/>
+          </a:p>
+        </p:txBody>
+      </p:sp>
+      <p:sp>
+        <p:nvSpPr>
+          <p:cNvPr id="4" name="מלבן 3">
+            <a:extLst>
+              <a:ext uri="{FF2B5EF4-FFF2-40B4-BE49-F238E27FC236}">
+                <a16:creationId xmlns:a16="http://schemas.microsoft.com/office/drawing/2014/main" id="{E57E4AB9-9A6F-46E1-A6FF-7D070CF91F5A}"/>
+              </a:ext>
+            </a:extLst>
+          </p:cNvPr>
+          <p:cNvSpPr/>
+          <p:nvPr/>
+        </p:nvSpPr>
+        <p:spPr>
+          <a:xfrm>
+            <a:off x="643467" y="321734"/>
+            <a:ext cx="10905066" cy="1135737"/>
+          </a:xfrm>
+          <a:prstGeom prst="rect">
+            <a:avLst/>
+          </a:prstGeom>
+        </p:spPr>
+        <p:txBody>
+          <a:bodyPr vert="horz" lIns="91440" tIns="45720" rIns="91440" bIns="45720" rtlCol="0" anchor="ctr">
+            <a:normAutofit/>
+          </a:bodyPr>
+          <a:lstStyle/>
+          <a:p>
+            <a:pPr algn="l" rtl="0">
+              <a:lnSpc>
+                <a:spcPct val="90000"/>
+              </a:lnSpc>
+              <a:spcBef>
+                <a:spcPct val="0"/>
+              </a:spcBef>
+              <a:spcAft>
+                <a:spcPts val="600"/>
+              </a:spcAft>
+            </a:pPr>
+            <a:r>
+              <a:rPr lang="en-US" sz="3600" b="0" kern="1200" cap="none" spc="0" dirty="0">
+                <a:ln w="0"/>
+                <a:solidFill>
+                  <a:schemeClr val="tx1"/>
+                </a:solidFill>
+                <a:effectLst>
+                  <a:reflection blurRad="6350" stA="53000" endA="300" endPos="35500" dir="5400000" sy="-90000" algn="bl" rotWithShape="0"/>
+                </a:effectLst>
+                <a:latin typeface="Lato" panose="020F0502020204030203" pitchFamily="34" charset="0"/>
+                <a:ea typeface="Lato" panose="020F0502020204030203" pitchFamily="34" charset="0"/>
+                <a:cs typeface="Lato" panose="020F0502020204030203" pitchFamily="34" charset="0"/>
+              </a:rPr>
+              <a:t>Python</a:t>
+            </a:r>
+          </a:p>
+        </p:txBody>
+      </p:sp>
+      <p:sp>
+        <p:nvSpPr>
+          <p:cNvPr id="97" name="Rectangle 96">
+            <a:extLst>
+              <a:ext uri="{FF2B5EF4-FFF2-40B4-BE49-F238E27FC236}">
+                <a16:creationId xmlns:a16="http://schemas.microsoft.com/office/drawing/2014/main" id="{2E80C965-DB6D-4F81-9E9E-B027384D0BD6}"/>
+              </a:ext>
+              <a:ext uri="{C183D7F6-B498-43B3-948B-1728B52AA6E4}">
+                <adec:decorative xmlns:adec="http://schemas.microsoft.com/office/drawing/2017/decorative" val="1"/>
+              </a:ext>
+            </a:extLst>
+          </p:cNvPr>
+          <p:cNvSpPr>
+            <a:spLocks noGrp="1" noRot="1" noChangeAspect="1" noMove="1" noResize="1" noEditPoints="1" noAdjustHandles="1" noChangeArrowheads="1" noChangeShapeType="1" noTextEdit="1"/>
+          </p:cNvSpPr>
+          <p:nvPr>
+            <p:extLst>
+              <p:ext uri="{386F3935-93C4-4BCD-93E2-E3B085C9AB24}">
+                <p16:designElem xmlns:p16="http://schemas.microsoft.com/office/powerpoint/2015/main" val="1"/>
+              </p:ext>
+            </p:extLst>
+          </p:nvPr>
+        </p:nvSpPr>
+        <p:spPr>
+          <a:xfrm rot="2700000">
+            <a:off x="11052629" y="2120024"/>
+            <a:ext cx="645368" cy="645368"/>
+          </a:xfrm>
+          <a:prstGeom prst="rect">
+            <a:avLst/>
+          </a:prstGeom>
+          <a:solidFill>
+            <a:schemeClr val="accent4">
+              <a:alpha val="30000"/>
+            </a:schemeClr>
+          </a:solidFill>
+          <a:ln>
+            <a:noFill/>
+          </a:ln>
+        </p:spPr>
+        <p:style>
+          <a:lnRef idx="2">
+            <a:schemeClr val="accent1">
+              <a:shade val="50000"/>
+            </a:schemeClr>
+          </a:lnRef>
+          <a:fillRef idx="1">
+            <a:schemeClr val="accent1"/>
+          </a:fillRef>
+          <a:effectRef idx="0">
+            <a:schemeClr val="accent1"/>
+          </a:effectRef>
+          <a:fontRef idx="minor">
+            <a:schemeClr val="lt1"/>
+          </a:fontRef>
+        </p:style>
+        <p:txBody>
+          <a:bodyPr rtlCol="0" anchor="ctr"/>
+          <a:lstStyle/>
+          <a:p>
+            <a:pPr algn="ctr"/>
+            <a:endParaRPr lang="en-US"/>
+          </a:p>
+        </p:txBody>
+      </p:sp>
+      <p:sp>
+        <p:nvSpPr>
+          <p:cNvPr id="99" name="Isosceles Triangle 98">
+            <a:extLst>
+              <a:ext uri="{FF2B5EF4-FFF2-40B4-BE49-F238E27FC236}">
+                <a16:creationId xmlns:a16="http://schemas.microsoft.com/office/drawing/2014/main" id="{A580F890-B085-4E95-96AA-55AEBEC5CE6E}"/>
+              </a:ext>
+              <a:ext uri="{C183D7F6-B498-43B3-948B-1728B52AA6E4}">
+                <adec:decorative xmlns:adec="http://schemas.microsoft.com/office/drawing/2017/decorative" val="1"/>
+              </a:ext>
+            </a:extLst>
+          </p:cNvPr>
+          <p:cNvSpPr>
+            <a:spLocks noGrp="1" noRot="1" noChangeAspect="1" noMove="1" noResize="1" noEditPoints="1" noAdjustHandles="1" noChangeArrowheads="1" noChangeShapeType="1" noTextEdit="1"/>
+          </p:cNvSpPr>
+          <p:nvPr>
+            <p:extLst>
+              <p:ext uri="{386F3935-93C4-4BCD-93E2-E3B085C9AB24}">
+                <p16:designElem xmlns:p16="http://schemas.microsoft.com/office/powerpoint/2015/main" val="1"/>
+              </p:ext>
+            </p:extLst>
+          </p:nvPr>
+        </p:nvSpPr>
+        <p:spPr>
+          <a:xfrm rot="16200000">
+            <a:off x="10289068" y="1343027"/>
+            <a:ext cx="2532832" cy="1273032"/>
+          </a:xfrm>
+          <a:prstGeom prst="triangle">
+            <a:avLst>
+              <a:gd name="adj" fmla="val 50000"/>
+            </a:avLst>
+          </a:prstGeom>
+          <a:solidFill>
+            <a:schemeClr val="accent4">
+              <a:alpha val="30000"/>
+            </a:schemeClr>
+          </a:solidFill>
+          <a:ln>
+            <a:noFill/>
+          </a:ln>
+        </p:spPr>
+        <p:style>
+          <a:lnRef idx="2">
+            <a:schemeClr val="accent1">
+              <a:shade val="50000"/>
+            </a:schemeClr>
+          </a:lnRef>
+          <a:fillRef idx="1">
+            <a:schemeClr val="accent1"/>
+          </a:fillRef>
+          <a:effectRef idx="0">
+            <a:schemeClr val="accent1"/>
+          </a:effectRef>
+          <a:fontRef idx="minor">
+            <a:schemeClr val="lt1"/>
+          </a:fontRef>
+        </p:style>
+        <p:txBody>
+          <a:bodyPr rtlCol="0" anchor="ctr"/>
+          <a:lstStyle/>
+          <a:p>
+            <a:pPr algn="ctr"/>
+            <a:endParaRPr lang="en-US"/>
+          </a:p>
+        </p:txBody>
+      </p:sp>
+      <p:sp>
+        <p:nvSpPr>
           <p:cNvPr id="101" name="Isosceles Triangle 100">
             <a:extLst>
               <a:ext uri="{FF2B5EF4-FFF2-40B4-BE49-F238E27FC236}">
@@ -7233,7 +11569,7 @@
           <p:nvPr>
             <p:extLst>
               <p:ext uri="{D42A27DB-BD31-4B8C-83A1-F6EECF244321}">
-                <p14:modId xmlns:p14="http://schemas.microsoft.com/office/powerpoint/2010/main" val="2737952970"/>
+                <p14:modId xmlns:p14="http://schemas.microsoft.com/office/powerpoint/2010/main" val="1425269366"/>
               </p:ext>
             </p:extLst>
           </p:nvPr>
@@ -7393,9 +11729,9 @@
                 <a:effectLst>
                   <a:reflection blurRad="6350" stA="53000" endA="300" endPos="35500" dir="5400000" sy="-90000" algn="bl" rotWithShape="0"/>
                 </a:effectLst>
-                <a:latin typeface="+mj-lt"/>
-                <a:ea typeface="+mj-ea"/>
-                <a:cs typeface="+mj-cs"/>
+                <a:latin typeface="Lato" panose="020F0502020204030203" pitchFamily="34" charset="0"/>
+                <a:ea typeface="Lato" panose="020F0502020204030203" pitchFamily="34" charset="0"/>
+                <a:cs typeface="Lato" panose="020F0502020204030203" pitchFamily="34" charset="0"/>
               </a:rPr>
               <a:t>Database</a:t>
             </a:r>
@@ -7440,7 +11776,11 @@
               <a:buChar char="•"/>
             </a:pPr>
             <a:r>
-              <a:rPr lang="en-US" sz="1550" dirty="0"/>
+              <a:rPr lang="en-US" sz="1500" dirty="0">
+                <a:latin typeface="Lato" panose="020F0502020204030203" pitchFamily="34" charset="0"/>
+                <a:ea typeface="Lato" panose="020F0502020204030203" pitchFamily="34" charset="0"/>
+                <a:cs typeface="Lato" panose="020F0502020204030203" pitchFamily="34" charset="0"/>
+              </a:rPr>
               <a:t>Django supports numerous databases:</a:t>
             </a:r>
           </a:p>
@@ -7456,7 +11796,11 @@
               <a:buChar char="•"/>
             </a:pPr>
             <a:r>
-              <a:rPr lang="en-US" sz="1550" dirty="0"/>
+              <a:rPr lang="en-US" sz="1500" dirty="0">
+                <a:latin typeface="Lato" panose="020F0502020204030203" pitchFamily="34" charset="0"/>
+                <a:ea typeface="Lato" panose="020F0502020204030203" pitchFamily="34" charset="0"/>
+                <a:cs typeface="Lato" panose="020F0502020204030203" pitchFamily="34" charset="0"/>
+              </a:rPr>
               <a:t>PostgreSQL</a:t>
             </a:r>
           </a:p>
@@ -7472,7 +11816,11 @@
               <a:buChar char="•"/>
             </a:pPr>
             <a:r>
-              <a:rPr lang="en-US" sz="1550" dirty="0"/>
+              <a:rPr lang="en-US" sz="1500" dirty="0">
+                <a:latin typeface="Lato" panose="020F0502020204030203" pitchFamily="34" charset="0"/>
+                <a:ea typeface="Lato" panose="020F0502020204030203" pitchFamily="34" charset="0"/>
+                <a:cs typeface="Lato" panose="020F0502020204030203" pitchFamily="34" charset="0"/>
+              </a:rPr>
               <a:t>MariaDB</a:t>
             </a:r>
           </a:p>
@@ -7488,7 +11836,11 @@
               <a:buChar char="•"/>
             </a:pPr>
             <a:r>
-              <a:rPr lang="en-US" sz="1550" dirty="0"/>
+              <a:rPr lang="en-US" sz="1500" dirty="0">
+                <a:latin typeface="Lato" panose="020F0502020204030203" pitchFamily="34" charset="0"/>
+                <a:ea typeface="Lato" panose="020F0502020204030203" pitchFamily="34" charset="0"/>
+                <a:cs typeface="Lato" panose="020F0502020204030203" pitchFamily="34" charset="0"/>
+              </a:rPr>
               <a:t>MySQL</a:t>
             </a:r>
           </a:p>
@@ -7504,7 +11856,11 @@
               <a:buChar char="•"/>
             </a:pPr>
             <a:r>
-              <a:rPr lang="en-US" sz="1550" dirty="0"/>
+              <a:rPr lang="en-US" sz="1500" dirty="0">
+                <a:latin typeface="Lato" panose="020F0502020204030203" pitchFamily="34" charset="0"/>
+                <a:ea typeface="Lato" panose="020F0502020204030203" pitchFamily="34" charset="0"/>
+                <a:cs typeface="Lato" panose="020F0502020204030203" pitchFamily="34" charset="0"/>
+              </a:rPr>
               <a:t>Oracle</a:t>
             </a:r>
           </a:p>
@@ -7520,7 +11876,11 @@
               <a:buChar char="•"/>
             </a:pPr>
             <a:r>
-              <a:rPr lang="en-US" sz="1550" dirty="0"/>
+              <a:rPr lang="en-US" sz="1500" dirty="0">
+                <a:latin typeface="Lato" panose="020F0502020204030203" pitchFamily="34" charset="0"/>
+                <a:ea typeface="Lato" panose="020F0502020204030203" pitchFamily="34" charset="0"/>
+                <a:cs typeface="Lato" panose="020F0502020204030203" pitchFamily="34" charset="0"/>
+              </a:rPr>
               <a:t>SQLite</a:t>
             </a:r>
           </a:p>
@@ -7535,7 +11895,11 @@
               <a:buFont typeface="Arial" panose="020B0604020202020204" pitchFamily="34" charset="0"/>
               <a:buChar char="•"/>
             </a:pPr>
-            <a:endParaRPr lang="en-US" sz="1550" dirty="0"/>
+            <a:endParaRPr lang="en-US" sz="1500" dirty="0">
+              <a:latin typeface="Lato" panose="020F0502020204030203" pitchFamily="34" charset="0"/>
+              <a:ea typeface="Lato" panose="020F0502020204030203" pitchFamily="34" charset="0"/>
+              <a:cs typeface="Lato" panose="020F0502020204030203" pitchFamily="34" charset="0"/>
+            </a:endParaRPr>
           </a:p>
           <a:p>
             <a:pPr indent="-228600" algn="l" rtl="0">
@@ -7549,7 +11913,11 @@
               <a:buChar char="•"/>
             </a:pPr>
             <a:r>
-              <a:rPr lang="en-US" sz="1550" dirty="0"/>
+              <a:rPr lang="en-US" sz="1500" dirty="0">
+                <a:latin typeface="Lato" panose="020F0502020204030203" pitchFamily="34" charset="0"/>
+                <a:ea typeface="Lato" panose="020F0502020204030203" pitchFamily="34" charset="0"/>
+                <a:cs typeface="Lato" panose="020F0502020204030203" pitchFamily="34" charset="0"/>
+              </a:rPr>
               <a:t>About SQLite:</a:t>
             </a:r>
           </a:p>
@@ -7565,7 +11933,11 @@
               <a:buChar char="•"/>
             </a:pPr>
             <a:r>
-              <a:rPr lang="en-US" sz="1550" dirty="0"/>
+              <a:rPr lang="en-US" sz="1500" dirty="0">
+                <a:latin typeface="Lato" panose="020F0502020204030203" pitchFamily="34" charset="0"/>
+                <a:ea typeface="Lato" panose="020F0502020204030203" pitchFamily="34" charset="0"/>
+                <a:cs typeface="Lato" panose="020F0502020204030203" pitchFamily="34" charset="0"/>
+              </a:rPr>
               <a:t>SQLite is a relational database management system (RDBMS) contained in a C library. In contrast to many other database management systems, SQLite is not a client–server database engine. Rather, it is embedded into the end program.</a:t>
             </a:r>
           </a:p>
@@ -7580,7 +11952,11 @@
               <a:buFont typeface="Arial" panose="020B0604020202020204" pitchFamily="34" charset="0"/>
               <a:buChar char="•"/>
             </a:pPr>
-            <a:endParaRPr lang="en-US" sz="1550" dirty="0"/>
+            <a:endParaRPr lang="en-US" sz="1500" dirty="0">
+              <a:latin typeface="Lato" panose="020F0502020204030203" pitchFamily="34" charset="0"/>
+              <a:ea typeface="Lato" panose="020F0502020204030203" pitchFamily="34" charset="0"/>
+              <a:cs typeface="Lato" panose="020F0502020204030203" pitchFamily="34" charset="0"/>
+            </a:endParaRPr>
           </a:p>
           <a:p>
             <a:pPr indent="-228600" algn="l" rtl="0">
@@ -7594,8 +11970,30 @@
               <a:buChar char="•"/>
             </a:pPr>
             <a:r>
-              <a:rPr lang="en-US" sz="1550" dirty="0"/>
-              <a:t>Why we decided to use SQLite in this project:</a:t>
+              <a:rPr lang="en-US" sz="1500" dirty="0">
+                <a:latin typeface="Lato" panose="020F0502020204030203" pitchFamily="34" charset="0"/>
+                <a:ea typeface="Lato" panose="020F0502020204030203" pitchFamily="34" charset="0"/>
+                <a:cs typeface="Lato" panose="020F0502020204030203" pitchFamily="34" charset="0"/>
+              </a:rPr>
+              <a:t>Why we decided to use SQLite in this</a:t>
+            </a:r>
+          </a:p>
+          <a:p>
+            <a:pPr algn="l" rtl="0">
+              <a:lnSpc>
+                <a:spcPct val="90000"/>
+              </a:lnSpc>
+              <a:spcAft>
+                <a:spcPts val="600"/>
+              </a:spcAft>
+            </a:pPr>
+            <a:r>
+              <a:rPr lang="en-US" sz="1500" dirty="0">
+                <a:latin typeface="Lato" panose="020F0502020204030203" pitchFamily="34" charset="0"/>
+                <a:ea typeface="Lato" panose="020F0502020204030203" pitchFamily="34" charset="0"/>
+                <a:cs typeface="Lato" panose="020F0502020204030203" pitchFamily="34" charset="0"/>
+              </a:rPr>
+              <a:t>     project:</a:t>
             </a:r>
           </a:p>
           <a:p>
@@ -7610,8 +12008,11 @@
               <a:buChar char="•"/>
             </a:pPr>
             <a:r>
-              <a:rPr lang="en-US" sz="1550" b="0" i="0" dirty="0">
+              <a:rPr lang="en-US" sz="1500" b="0" i="0" dirty="0">
                 <a:effectLst/>
+                <a:latin typeface="Lato" panose="020F0502020204030203" pitchFamily="34" charset="0"/>
+                <a:ea typeface="Lato" panose="020F0502020204030203" pitchFamily="34" charset="0"/>
+                <a:cs typeface="Lato" panose="020F0502020204030203" pitchFamily="34" charset="0"/>
               </a:rPr>
               <a:t>Suitable for basic development and testing</a:t>
             </a:r>
@@ -7628,8 +12029,11 @@
               <a:buChar char="•"/>
             </a:pPr>
             <a:r>
-              <a:rPr lang="en-US" sz="1550" b="0" i="0" dirty="0">
+              <a:rPr lang="en-US" sz="1500" b="0" i="0" dirty="0">
                 <a:effectLst/>
+                <a:latin typeface="Lato" panose="020F0502020204030203" pitchFamily="34" charset="0"/>
+                <a:ea typeface="Lato" panose="020F0502020204030203" pitchFamily="34" charset="0"/>
+                <a:cs typeface="Lato" panose="020F0502020204030203" pitchFamily="34" charset="0"/>
               </a:rPr>
               <a:t>Easy to use</a:t>
             </a:r>
@@ -7646,8 +12050,11 @@
               <a:buChar char="•"/>
             </a:pPr>
             <a:r>
-              <a:rPr lang="en-US" sz="1550" b="0" i="0" dirty="0">
+              <a:rPr lang="en-US" sz="1500" b="0" i="0" dirty="0">
                 <a:effectLst/>
+                <a:latin typeface="Lato" panose="020F0502020204030203" pitchFamily="34" charset="0"/>
+                <a:ea typeface="Lato" panose="020F0502020204030203" pitchFamily="34" charset="0"/>
+                <a:cs typeface="Lato" panose="020F0502020204030203" pitchFamily="34" charset="0"/>
               </a:rPr>
               <a:t>Easily portable</a:t>
             </a:r>
@@ -7664,8 +12071,12 @@
               <a:buChar char="•"/>
             </a:pPr>
             <a:r>
-              <a:rPr lang="en-US" sz="1550" dirty="0"/>
-              <a:t>When scalability becomes an issue, Django’s framework allows us very easily migrate to a more advanced database such as MySQL.</a:t>
+              <a:rPr lang="en-US" sz="1500" dirty="0">
+                <a:latin typeface="Lato" panose="020F0502020204030203" pitchFamily="34" charset="0"/>
+                <a:ea typeface="Lato" panose="020F0502020204030203" pitchFamily="34" charset="0"/>
+                <a:cs typeface="Lato" panose="020F0502020204030203" pitchFamily="34" charset="0"/>
+              </a:rPr>
+              <a:t>When scalability becomes an issue, Django’s framework allows us to migrate very easily to a more advanced database such as MySQL.</a:t>
             </a:r>
           </a:p>
           <a:p>
@@ -7679,7 +12090,11 @@
               <a:buFont typeface="Arial" panose="020B0604020202020204" pitchFamily="34" charset="0"/>
               <a:buChar char="•"/>
             </a:pPr>
-            <a:endParaRPr lang="en-US" sz="1550" dirty="0"/>
+            <a:endParaRPr lang="en-US" sz="1500" dirty="0">
+              <a:latin typeface="Lato" panose="020F0502020204030203" pitchFamily="34" charset="0"/>
+              <a:ea typeface="Lato" panose="020F0502020204030203" pitchFamily="34" charset="0"/>
+              <a:cs typeface="Lato" panose="020F0502020204030203" pitchFamily="34" charset="0"/>
+            </a:endParaRPr>
           </a:p>
         </p:txBody>
       </p:sp>
@@ -8623,6 +13038,485 @@
           <a:chExt cx="0" cy="0"/>
         </a:xfrm>
       </p:grpSpPr>
+      <p:sp useBgFill="1">
+        <p:nvSpPr>
+          <p:cNvPr id="11" name="Rectangle 10">
+            <a:extLst>
+              <a:ext uri="{FF2B5EF4-FFF2-40B4-BE49-F238E27FC236}">
+                <a16:creationId xmlns:a16="http://schemas.microsoft.com/office/drawing/2014/main" id="{04812C46-200A-4DEB-A05E-3ED6C68C2387}"/>
+              </a:ext>
+              <a:ext uri="{C183D7F6-B498-43B3-948B-1728B52AA6E4}">
+                <adec:decorative xmlns:adec="http://schemas.microsoft.com/office/drawing/2017/decorative" val="1"/>
+              </a:ext>
+            </a:extLst>
+          </p:cNvPr>
+          <p:cNvSpPr>
+            <a:spLocks noGrp="1" noRot="1" noChangeAspect="1" noMove="1" noResize="1" noEditPoints="1" noAdjustHandles="1" noChangeArrowheads="1" noChangeShapeType="1" noTextEdit="1"/>
+          </p:cNvSpPr>
+          <p:nvPr>
+            <p:extLst>
+              <p:ext uri="{386F3935-93C4-4BCD-93E2-E3B085C9AB24}">
+                <p16:designElem xmlns:p16="http://schemas.microsoft.com/office/powerpoint/2015/main" val="1"/>
+              </p:ext>
+            </p:extLst>
+          </p:nvPr>
+        </p:nvSpPr>
+        <p:spPr>
+          <a:xfrm>
+            <a:off x="-1" y="0"/>
+            <a:ext cx="12188952" cy="6858000"/>
+          </a:xfrm>
+          <a:prstGeom prst="rect">
+            <a:avLst/>
+          </a:prstGeom>
+          <a:ln>
+            <a:noFill/>
+          </a:ln>
+        </p:spPr>
+        <p:style>
+          <a:lnRef idx="2">
+            <a:schemeClr val="accent1">
+              <a:shade val="50000"/>
+            </a:schemeClr>
+          </a:lnRef>
+          <a:fillRef idx="1">
+            <a:schemeClr val="accent1"/>
+          </a:fillRef>
+          <a:effectRef idx="0">
+            <a:schemeClr val="accent1"/>
+          </a:effectRef>
+          <a:fontRef idx="minor">
+            <a:schemeClr val="lt1"/>
+          </a:fontRef>
+        </p:style>
+        <p:txBody>
+          <a:bodyPr rtlCol="0" anchor="ctr"/>
+          <a:lstStyle/>
+          <a:p>
+            <a:pPr algn="ctr"/>
+            <a:endParaRPr lang="en-US"/>
+          </a:p>
+        </p:txBody>
+      </p:sp>
+      <p:pic>
+        <p:nvPicPr>
+          <p:cNvPr id="7" name="Picture 6" descr="Technological background">
+            <a:extLst>
+              <a:ext uri="{FF2B5EF4-FFF2-40B4-BE49-F238E27FC236}">
+                <a16:creationId xmlns:a16="http://schemas.microsoft.com/office/drawing/2014/main" id="{A1E55624-67A1-4B19-9043-943B67005FCE}"/>
+              </a:ext>
+            </a:extLst>
+          </p:cNvPr>
+          <p:cNvPicPr>
+            <a:picLocks noChangeAspect="1"/>
+          </p:cNvPicPr>
+          <p:nvPr/>
+        </p:nvPicPr>
+        <p:blipFill rotWithShape="1">
+          <a:blip r:embed="rId2"/>
+          <a:srcRect r="5882" b="-1"/>
+          <a:stretch/>
+        </p:blipFill>
+        <p:spPr>
+          <a:xfrm>
+            <a:off x="0" y="10"/>
+            <a:ext cx="9669642" cy="6857990"/>
+          </a:xfrm>
+          <a:prstGeom prst="rect">
+            <a:avLst/>
+          </a:prstGeom>
+        </p:spPr>
+      </p:pic>
+      <p:sp>
+        <p:nvSpPr>
+          <p:cNvPr id="13" name="Rectangle 12">
+            <a:extLst>
+              <a:ext uri="{FF2B5EF4-FFF2-40B4-BE49-F238E27FC236}">
+                <a16:creationId xmlns:a16="http://schemas.microsoft.com/office/drawing/2014/main" id="{D1EA859B-E555-4109-94F3-6700E046E008}"/>
+              </a:ext>
+              <a:ext uri="{C183D7F6-B498-43B3-948B-1728B52AA6E4}">
+                <adec:decorative xmlns:adec="http://schemas.microsoft.com/office/drawing/2017/decorative" val="1"/>
+              </a:ext>
+            </a:extLst>
+          </p:cNvPr>
+          <p:cNvSpPr>
+            <a:spLocks noGrp="1" noRot="1" noChangeAspect="1" noMove="1" noResize="1" noEditPoints="1" noAdjustHandles="1" noChangeArrowheads="1" noChangeShapeType="1" noTextEdit="1"/>
+          </p:cNvSpPr>
+          <p:nvPr>
+            <p:extLst>
+              <p:ext uri="{386F3935-93C4-4BCD-93E2-E3B085C9AB24}">
+                <p16:designElem xmlns:p16="http://schemas.microsoft.com/office/powerpoint/2015/main" val="1"/>
+              </p:ext>
+            </p:extLst>
+          </p:nvPr>
+        </p:nvSpPr>
+        <p:spPr>
+          <a:xfrm flipH="1">
+            <a:off x="5125019" y="0"/>
+            <a:ext cx="7066978" cy="6858000"/>
+          </a:xfrm>
+          <a:prstGeom prst="rect">
+            <a:avLst/>
+          </a:prstGeom>
+          <a:gradFill>
+            <a:gsLst>
+              <a:gs pos="48000">
+                <a:schemeClr val="bg1"/>
+              </a:gs>
+              <a:gs pos="35000">
+                <a:schemeClr val="bg1">
+                  <a:alpha val="77000"/>
+                </a:schemeClr>
+              </a:gs>
+              <a:gs pos="19000">
+                <a:schemeClr val="bg1">
+                  <a:alpha val="38000"/>
+                </a:schemeClr>
+              </a:gs>
+              <a:gs pos="0">
+                <a:schemeClr val="bg1">
+                  <a:alpha val="0"/>
+                </a:schemeClr>
+              </a:gs>
+              <a:gs pos="100000">
+                <a:schemeClr val="bg1"/>
+              </a:gs>
+            </a:gsLst>
+            <a:lin ang="10800000" scaled="0"/>
+          </a:gradFill>
+          <a:ln>
+            <a:noFill/>
+          </a:ln>
+        </p:spPr>
+        <p:style>
+          <a:lnRef idx="2">
+            <a:schemeClr val="accent1">
+              <a:shade val="50000"/>
+            </a:schemeClr>
+          </a:lnRef>
+          <a:fillRef idx="1">
+            <a:schemeClr val="accent1"/>
+          </a:fillRef>
+          <a:effectRef idx="0">
+            <a:schemeClr val="accent1"/>
+          </a:effectRef>
+          <a:fontRef idx="minor">
+            <a:schemeClr val="lt1"/>
+          </a:fontRef>
+        </p:style>
+        <p:txBody>
+          <a:bodyPr rtlCol="0" anchor="ctr"/>
+          <a:lstStyle/>
+          <a:p>
+            <a:pPr algn="ctr"/>
+            <a:endParaRPr lang="en-US" dirty="0"/>
+          </a:p>
+        </p:txBody>
+      </p:sp>
+      <p:sp>
+        <p:nvSpPr>
+          <p:cNvPr id="4" name="מלבן 3">
+            <a:extLst>
+              <a:ext uri="{FF2B5EF4-FFF2-40B4-BE49-F238E27FC236}">
+                <a16:creationId xmlns:a16="http://schemas.microsoft.com/office/drawing/2014/main" id="{82584390-33B0-41BB-8AE8-435AA137883C}"/>
+              </a:ext>
+            </a:extLst>
+          </p:cNvPr>
+          <p:cNvSpPr/>
+          <p:nvPr/>
+        </p:nvSpPr>
+        <p:spPr>
+          <a:xfrm>
+            <a:off x="7531610" y="365125"/>
+            <a:ext cx="3822189" cy="1899912"/>
+          </a:xfrm>
+          <a:prstGeom prst="rect">
+            <a:avLst/>
+          </a:prstGeom>
+        </p:spPr>
+        <p:txBody>
+          <a:bodyPr vert="horz" lIns="91440" tIns="45720" rIns="91440" bIns="45720" rtlCol="0" anchor="ctr">
+            <a:normAutofit/>
+          </a:bodyPr>
+          <a:lstStyle/>
+          <a:p>
+            <a:pPr algn="l" rtl="0">
+              <a:lnSpc>
+                <a:spcPct val="90000"/>
+              </a:lnSpc>
+              <a:spcBef>
+                <a:spcPct val="0"/>
+              </a:spcBef>
+              <a:spcAft>
+                <a:spcPts val="600"/>
+              </a:spcAft>
+            </a:pPr>
+            <a:r>
+              <a:rPr lang="en-US" sz="4000" b="0" cap="none" spc="0" dirty="0">
+                <a:ln w="0"/>
+                <a:effectLst>
+                  <a:reflection blurRad="6350" stA="53000" endA="300" endPos="35500" dir="5400000" sy="-90000" algn="bl" rotWithShape="0"/>
+                </a:effectLst>
+                <a:latin typeface="+mj-lt"/>
+                <a:ea typeface="+mj-ea"/>
+                <a:cs typeface="+mj-cs"/>
+              </a:rPr>
+              <a:t>About Django</a:t>
+            </a:r>
+          </a:p>
+        </p:txBody>
+      </p:sp>
+      <p:sp>
+        <p:nvSpPr>
+          <p:cNvPr id="5" name="תיבת טקסט 4">
+            <a:extLst>
+              <a:ext uri="{FF2B5EF4-FFF2-40B4-BE49-F238E27FC236}">
+                <a16:creationId xmlns:a16="http://schemas.microsoft.com/office/drawing/2014/main" id="{FBF4F7BA-B09C-41A7-9A17-E135F3C681F7}"/>
+              </a:ext>
+            </a:extLst>
+          </p:cNvPr>
+          <p:cNvSpPr txBox="1"/>
+          <p:nvPr/>
+        </p:nvSpPr>
+        <p:spPr>
+          <a:xfrm>
+            <a:off x="7064884" y="2048439"/>
+            <a:ext cx="4755642" cy="4514286"/>
+          </a:xfrm>
+          <a:prstGeom prst="rect">
+            <a:avLst/>
+          </a:prstGeom>
+        </p:spPr>
+        <p:txBody>
+          <a:bodyPr vert="horz" lIns="91440" tIns="45720" rIns="91440" bIns="45720" rtlCol="0">
+            <a:normAutofit lnSpcReduction="10000"/>
+          </a:bodyPr>
+          <a:lstStyle/>
+          <a:p>
+            <a:pPr indent="-228600" algn="l" rtl="0">
+              <a:lnSpc>
+                <a:spcPct val="90000"/>
+              </a:lnSpc>
+              <a:spcAft>
+                <a:spcPts val="600"/>
+              </a:spcAft>
+              <a:buFont typeface="Arial" panose="020B0604020202020204" pitchFamily="34" charset="0"/>
+              <a:buChar char="•"/>
+            </a:pPr>
+            <a:r>
+              <a:rPr lang="en-US" b="0" i="0" dirty="0">
+                <a:effectLst/>
+                <a:latin typeface="Lato" panose="020F0502020204030203" pitchFamily="34" charset="0"/>
+                <a:ea typeface="Lato" panose="020F0502020204030203" pitchFamily="34" charset="0"/>
+                <a:cs typeface="Lato" panose="020F0502020204030203" pitchFamily="34" charset="0"/>
+              </a:rPr>
+              <a:t>Django is an open-source framework for backend web applications based on Python — one of the top web development languages. Its main goals are simplicity, flexibility, reliability, and scalability.</a:t>
+            </a:r>
+          </a:p>
+          <a:p>
+            <a:pPr indent="-228600" algn="l" rtl="0">
+              <a:lnSpc>
+                <a:spcPct val="90000"/>
+              </a:lnSpc>
+              <a:spcAft>
+                <a:spcPts val="600"/>
+              </a:spcAft>
+              <a:buFont typeface="Arial" panose="020B0604020202020204" pitchFamily="34" charset="0"/>
+              <a:buChar char="•"/>
+            </a:pPr>
+            <a:r>
+              <a:rPr lang="en-US" b="0" i="0" dirty="0">
+                <a:effectLst/>
+                <a:latin typeface="Lato" panose="020F0502020204030203" pitchFamily="34" charset="0"/>
+                <a:ea typeface="Lato" panose="020F0502020204030203" pitchFamily="34" charset="0"/>
+                <a:cs typeface="Lato" panose="020F0502020204030203" pitchFamily="34" charset="0"/>
+              </a:rPr>
+              <a:t>Django has its own naming system for all functions and components (e.g., HTTP responses are called “views”). It also has an admin panel (more details will be provided </a:t>
+            </a:r>
+            <a:r>
+              <a:rPr lang="en-US" dirty="0">
+                <a:latin typeface="Lato" panose="020F0502020204030203" pitchFamily="34" charset="0"/>
+                <a:ea typeface="Lato" panose="020F0502020204030203" pitchFamily="34" charset="0"/>
+                <a:cs typeface="Lato" panose="020F0502020204030203" pitchFamily="34" charset="0"/>
+              </a:rPr>
+              <a:t>in further slides).</a:t>
+            </a:r>
+          </a:p>
+          <a:p>
+            <a:pPr algn="l" rtl="0">
+              <a:lnSpc>
+                <a:spcPct val="90000"/>
+              </a:lnSpc>
+              <a:spcAft>
+                <a:spcPts val="600"/>
+              </a:spcAft>
+            </a:pPr>
+            <a:r>
+              <a:rPr lang="en-US" dirty="0">
+                <a:latin typeface="Lato" panose="020F0502020204030203" pitchFamily="34" charset="0"/>
+                <a:ea typeface="Lato" panose="020F0502020204030203" pitchFamily="34" charset="0"/>
+                <a:cs typeface="Lato" panose="020F0502020204030203" pitchFamily="34" charset="0"/>
+              </a:rPr>
+              <a:t>More technical features:</a:t>
+            </a:r>
+          </a:p>
+          <a:p>
+            <a:pPr marL="285750" indent="-228600" algn="l" rtl="0">
+              <a:lnSpc>
+                <a:spcPct val="90000"/>
+              </a:lnSpc>
+              <a:spcAft>
+                <a:spcPts val="600"/>
+              </a:spcAft>
+              <a:buFont typeface="Arial" panose="020B0604020202020204" pitchFamily="34" charset="0"/>
+              <a:buChar char="•"/>
+            </a:pPr>
+            <a:r>
+              <a:rPr lang="en-US" dirty="0">
+                <a:latin typeface="Lato" panose="020F0502020204030203" pitchFamily="34" charset="0"/>
+                <a:ea typeface="Lato" panose="020F0502020204030203" pitchFamily="34" charset="0"/>
+                <a:cs typeface="Lato" panose="020F0502020204030203" pitchFamily="34" charset="0"/>
+              </a:rPr>
+              <a:t>Simple syntax</a:t>
+            </a:r>
+          </a:p>
+          <a:p>
+            <a:pPr marL="285750" indent="-228600" algn="l" rtl="0">
+              <a:lnSpc>
+                <a:spcPct val="90000"/>
+              </a:lnSpc>
+              <a:spcAft>
+                <a:spcPts val="600"/>
+              </a:spcAft>
+              <a:buFont typeface="Arial" panose="020B0604020202020204" pitchFamily="34" charset="0"/>
+              <a:buChar char="•"/>
+            </a:pPr>
+            <a:r>
+              <a:rPr lang="en-US" dirty="0">
+                <a:latin typeface="Lato" panose="020F0502020204030203" pitchFamily="34" charset="0"/>
+                <a:ea typeface="Lato" panose="020F0502020204030203" pitchFamily="34" charset="0"/>
+                <a:cs typeface="Lato" panose="020F0502020204030203" pitchFamily="34" charset="0"/>
+              </a:rPr>
+              <a:t>Model-View-Controller core architecture</a:t>
+            </a:r>
+          </a:p>
+          <a:p>
+            <a:pPr marL="285750" indent="-228600" algn="l" rtl="0">
+              <a:lnSpc>
+                <a:spcPct val="90000"/>
+              </a:lnSpc>
+              <a:spcAft>
+                <a:spcPts val="600"/>
+              </a:spcAft>
+              <a:buFont typeface="Arial" panose="020B0604020202020204" pitchFamily="34" charset="0"/>
+              <a:buChar char="•"/>
+            </a:pPr>
+            <a:r>
+              <a:rPr lang="en-US" dirty="0">
+                <a:latin typeface="Lato" panose="020F0502020204030203" pitchFamily="34" charset="0"/>
+                <a:ea typeface="Lato" panose="020F0502020204030203" pitchFamily="34" charset="0"/>
+                <a:cs typeface="Lato" panose="020F0502020204030203" pitchFamily="34" charset="0"/>
+              </a:rPr>
+              <a:t>Object Relational Mapper</a:t>
+            </a:r>
+          </a:p>
+          <a:p>
+            <a:pPr marL="285750" indent="-228600" algn="l" rtl="0">
+              <a:lnSpc>
+                <a:spcPct val="90000"/>
+              </a:lnSpc>
+              <a:spcAft>
+                <a:spcPts val="600"/>
+              </a:spcAft>
+              <a:buFont typeface="Arial" panose="020B0604020202020204" pitchFamily="34" charset="0"/>
+              <a:buChar char="•"/>
+            </a:pPr>
+            <a:r>
+              <a:rPr lang="en-US" dirty="0">
+                <a:latin typeface="Lato" panose="020F0502020204030203" pitchFamily="34" charset="0"/>
+                <a:ea typeface="Lato" panose="020F0502020204030203" pitchFamily="34" charset="0"/>
+                <a:cs typeface="Lato" panose="020F0502020204030203" pitchFamily="34" charset="0"/>
+              </a:rPr>
+              <a:t>HTTP libraries</a:t>
+            </a:r>
+          </a:p>
+          <a:p>
+            <a:pPr marL="285750" indent="-228600" algn="l" rtl="0">
+              <a:lnSpc>
+                <a:spcPct val="90000"/>
+              </a:lnSpc>
+              <a:spcAft>
+                <a:spcPts val="600"/>
+              </a:spcAft>
+              <a:buFont typeface="Arial" panose="020B0604020202020204" pitchFamily="34" charset="0"/>
+              <a:buChar char="•"/>
+            </a:pPr>
+            <a:r>
+              <a:rPr lang="en-US" dirty="0">
+                <a:latin typeface="Lato" panose="020F0502020204030203" pitchFamily="34" charset="0"/>
+                <a:ea typeface="Lato" panose="020F0502020204030203" pitchFamily="34" charset="0"/>
+                <a:cs typeface="Lato" panose="020F0502020204030203" pitchFamily="34" charset="0"/>
+              </a:rPr>
+              <a:t>Python unit test framework</a:t>
+            </a:r>
+          </a:p>
+          <a:p>
+            <a:pPr marL="285750" indent="-228600" algn="l" rtl="0">
+              <a:lnSpc>
+                <a:spcPct val="90000"/>
+              </a:lnSpc>
+              <a:spcAft>
+                <a:spcPts val="600"/>
+              </a:spcAft>
+              <a:buFont typeface="Arial" panose="020B0604020202020204" pitchFamily="34" charset="0"/>
+              <a:buChar char="•"/>
+            </a:pPr>
+            <a:endParaRPr lang="en-US" dirty="0">
+              <a:latin typeface="Lato" panose="020F0502020204030203" pitchFamily="34" charset="0"/>
+              <a:ea typeface="Lato" panose="020F0502020204030203" pitchFamily="34" charset="0"/>
+              <a:cs typeface="Lato" panose="020F0502020204030203" pitchFamily="34" charset="0"/>
+            </a:endParaRPr>
+          </a:p>
+        </p:txBody>
+      </p:sp>
+    </p:spTree>
+    <p:extLst>
+      <p:ext uri="{BB962C8B-B14F-4D97-AF65-F5344CB8AC3E}">
+        <p14:creationId xmlns:p14="http://schemas.microsoft.com/office/powerpoint/2010/main" val="769586847"/>
+      </p:ext>
+    </p:extLst>
+  </p:cSld>
+  <p:clrMapOvr>
+    <a:masterClrMapping/>
+  </p:clrMapOvr>
+</p:sld>
+</file>
+
+<file path=ppt/slides/slide5.xml><?xml version="1.0" encoding="utf-8"?>
+<p:sld xmlns:a="http://schemas.openxmlformats.org/drawingml/2006/main" xmlns:r="http://schemas.openxmlformats.org/officeDocument/2006/relationships" xmlns:p="http://schemas.openxmlformats.org/presentationml/2006/main">
+  <p:cSld>
+    <p:bg>
+      <p:bgPr>
+        <a:solidFill>
+          <a:schemeClr val="bg1"/>
+        </a:solidFill>
+        <a:effectLst/>
+      </p:bgPr>
+    </p:bg>
+    <p:spTree>
+      <p:nvGrpSpPr>
+        <p:cNvPr id="1" name=""/>
+        <p:cNvGrpSpPr/>
+        <p:nvPr/>
+      </p:nvGrpSpPr>
+      <p:grpSpPr>
+        <a:xfrm>
+          <a:off x="0" y="0"/>
+          <a:ext cx="0" cy="0"/>
+          <a:chOff x="0" y="0"/>
+          <a:chExt cx="0" cy="0"/>
+        </a:xfrm>
+      </p:grpSpPr>
       <p:sp>
         <p:nvSpPr>
           <p:cNvPr id="71" name="Rectangle 70">
@@ -9015,7 +13909,7 @@
         </p:nvSpPr>
         <p:spPr>
           <a:xfrm>
-            <a:off x="6817190" y="2721789"/>
+            <a:off x="6817189" y="2756139"/>
             <a:ext cx="3618284" cy="1345720"/>
           </a:xfrm>
           <a:prstGeom prst="rect">
@@ -9041,7 +13935,7 @@
               </a:spcAft>
             </a:pPr>
             <a:r>
-              <a:rPr lang="en-US" sz="2800" kern="1200">
+              <a:rPr lang="en-US" sz="2800" kern="1200" dirty="0">
                 <a:ln w="0"/>
                 <a:solidFill>
                   <a:srgbClr val="080808"/>
@@ -9049,13 +13943,13 @@
                 <a:effectLst>
                   <a:reflection blurRad="6350" stA="53000" endA="300" endPos="35500" dir="5400000" sy="-90000" algn="bl" rotWithShape="0"/>
                 </a:effectLst>
-                <a:latin typeface="+mj-lt"/>
-                <a:ea typeface="+mj-ea"/>
-                <a:cs typeface="+mj-cs"/>
+                <a:latin typeface="Lato" panose="020F0502020204030203" pitchFamily="34" charset="0"/>
+                <a:ea typeface="Lato" panose="020F0502020204030203" pitchFamily="34" charset="0"/>
+                <a:cs typeface="Lato" panose="020F0502020204030203" pitchFamily="34" charset="0"/>
               </a:rPr>
               <a:t>Flowchart of the Project</a:t>
             </a:r>
-            <a:endParaRPr lang="en-US" sz="2800" b="0" kern="1200" cap="none" spc="0">
+            <a:endParaRPr lang="en-US" sz="2800" b="0" kern="1200" cap="none" spc="0" dirty="0">
               <a:ln w="0"/>
               <a:solidFill>
                 <a:srgbClr val="080808"/>
@@ -9063,9 +13957,9 @@
               <a:effectLst>
                 <a:reflection blurRad="6350" stA="53000" endA="300" endPos="35500" dir="5400000" sy="-90000" algn="bl" rotWithShape="0"/>
               </a:effectLst>
-              <a:latin typeface="+mj-lt"/>
-              <a:ea typeface="+mj-ea"/>
-              <a:cs typeface="+mj-cs"/>
+              <a:latin typeface="Lato" panose="020F0502020204030203" pitchFamily="34" charset="0"/>
+              <a:ea typeface="Lato" panose="020F0502020204030203" pitchFamily="34" charset="0"/>
+              <a:cs typeface="Lato" panose="020F0502020204030203" pitchFamily="34" charset="0"/>
             </a:endParaRPr>
           </a:p>
         </p:txBody>
@@ -9236,6 +14130,2967 @@
     <p:extLst>
       <p:ext uri="{BB962C8B-B14F-4D97-AF65-F5344CB8AC3E}">
         <p14:creationId xmlns:p14="http://schemas.microsoft.com/office/powerpoint/2010/main" val="2660270932"/>
+      </p:ext>
+    </p:extLst>
+  </p:cSld>
+  <p:clrMapOvr>
+    <a:masterClrMapping/>
+  </p:clrMapOvr>
+</p:sld>
+</file>
+
+<file path=ppt/slides/slide6.xml><?xml version="1.0" encoding="utf-8"?>
+<p:sld xmlns:a="http://schemas.openxmlformats.org/drawingml/2006/main" xmlns:r="http://schemas.openxmlformats.org/officeDocument/2006/relationships" xmlns:p="http://schemas.openxmlformats.org/presentationml/2006/main">
+  <p:cSld>
+    <p:bg>
+      <p:bgPr>
+        <a:solidFill>
+          <a:schemeClr val="bg1"/>
+        </a:solidFill>
+        <a:effectLst/>
+      </p:bgPr>
+    </p:bg>
+    <p:spTree>
+      <p:nvGrpSpPr>
+        <p:cNvPr id="1" name=""/>
+        <p:cNvGrpSpPr/>
+        <p:nvPr/>
+      </p:nvGrpSpPr>
+      <p:grpSpPr>
+        <a:xfrm>
+          <a:off x="0" y="0"/>
+          <a:ext cx="0" cy="0"/>
+          <a:chOff x="0" y="0"/>
+          <a:chExt cx="0" cy="0"/>
+        </a:xfrm>
+      </p:grpSpPr>
+      <p:sp useBgFill="1">
+        <p:nvSpPr>
+          <p:cNvPr id="39" name="Rectangle 38">
+            <a:extLst>
+              <a:ext uri="{FF2B5EF4-FFF2-40B4-BE49-F238E27FC236}">
+                <a16:creationId xmlns:a16="http://schemas.microsoft.com/office/drawing/2014/main" id="{3E443FD7-A66B-4AA0-872D-B088B9BC5F17}"/>
+              </a:ext>
+              <a:ext uri="{C183D7F6-B498-43B3-948B-1728B52AA6E4}">
+                <adec:decorative xmlns:adec="http://schemas.microsoft.com/office/drawing/2017/decorative" val="1"/>
+              </a:ext>
+            </a:extLst>
+          </p:cNvPr>
+          <p:cNvSpPr>
+            <a:spLocks noGrp="1" noRot="1" noChangeAspect="1" noMove="1" noResize="1" noEditPoints="1" noAdjustHandles="1" noChangeArrowheads="1" noChangeShapeType="1" noTextEdit="1"/>
+          </p:cNvSpPr>
+          <p:nvPr>
+            <p:extLst>
+              <p:ext uri="{386F3935-93C4-4BCD-93E2-E3B085C9AB24}">
+                <p16:designElem xmlns:p16="http://schemas.microsoft.com/office/powerpoint/2015/main" val="1"/>
+              </p:ext>
+            </p:extLst>
+          </p:nvPr>
+        </p:nvSpPr>
+        <p:spPr>
+          <a:xfrm>
+            <a:off x="0" y="0"/>
+            <a:ext cx="12192000" cy="6858000"/>
+          </a:xfrm>
+          <a:prstGeom prst="rect">
+            <a:avLst/>
+          </a:prstGeom>
+          <a:ln>
+            <a:noFill/>
+          </a:ln>
+        </p:spPr>
+        <p:style>
+          <a:lnRef idx="2">
+            <a:schemeClr val="accent1">
+              <a:shade val="50000"/>
+            </a:schemeClr>
+          </a:lnRef>
+          <a:fillRef idx="1">
+            <a:schemeClr val="accent1"/>
+          </a:fillRef>
+          <a:effectRef idx="0">
+            <a:schemeClr val="accent1"/>
+          </a:effectRef>
+          <a:fontRef idx="minor">
+            <a:schemeClr val="lt1"/>
+          </a:fontRef>
+        </p:style>
+        <p:txBody>
+          <a:bodyPr rtlCol="0" anchor="ctr"/>
+          <a:lstStyle/>
+          <a:p>
+            <a:pPr algn="ctr"/>
+            <a:endParaRPr lang="en-US"/>
+          </a:p>
+        </p:txBody>
+      </p:sp>
+      <p:sp>
+        <p:nvSpPr>
+          <p:cNvPr id="4" name="תיבת טקסט 3">
+            <a:extLst>
+              <a:ext uri="{FF2B5EF4-FFF2-40B4-BE49-F238E27FC236}">
+                <a16:creationId xmlns:a16="http://schemas.microsoft.com/office/drawing/2014/main" id="{C0D12953-5077-42E5-B41C-6EE25CE6B405}"/>
+              </a:ext>
+            </a:extLst>
+          </p:cNvPr>
+          <p:cNvSpPr txBox="1"/>
+          <p:nvPr/>
+        </p:nvSpPr>
+        <p:spPr>
+          <a:xfrm>
+            <a:off x="1094095" y="851517"/>
+            <a:ext cx="5238466" cy="2991416"/>
+          </a:xfrm>
+          <a:prstGeom prst="rect">
+            <a:avLst/>
+          </a:prstGeom>
+        </p:spPr>
+        <p:txBody>
+          <a:bodyPr vert="horz" lIns="91440" tIns="45720" rIns="91440" bIns="45720" rtlCol="0" anchor="b">
+            <a:normAutofit/>
+          </a:bodyPr>
+          <a:lstStyle/>
+          <a:p>
+            <a:pPr algn="l" rtl="0">
+              <a:lnSpc>
+                <a:spcPct val="90000"/>
+              </a:lnSpc>
+              <a:spcBef>
+                <a:spcPct val="0"/>
+              </a:spcBef>
+              <a:spcAft>
+                <a:spcPts val="600"/>
+              </a:spcAft>
+            </a:pPr>
+            <a:r>
+              <a:rPr lang="en-US" sz="6000" kern="1200" dirty="0">
+                <a:solidFill>
+                  <a:schemeClr val="tx1"/>
+                </a:solidFill>
+                <a:latin typeface="Lato" panose="020F0502020204030203" pitchFamily="34" charset="0"/>
+                <a:ea typeface="Lato" panose="020F0502020204030203" pitchFamily="34" charset="0"/>
+                <a:cs typeface="Lato" panose="020F0502020204030203" pitchFamily="34" charset="0"/>
+              </a:rPr>
+              <a:t>Diving into the code</a:t>
+            </a:r>
+          </a:p>
+        </p:txBody>
+      </p:sp>
+      <p:sp>
+        <p:nvSpPr>
+          <p:cNvPr id="41" name="Freeform: Shape 40">
+            <a:extLst>
+              <a:ext uri="{FF2B5EF4-FFF2-40B4-BE49-F238E27FC236}">
+                <a16:creationId xmlns:a16="http://schemas.microsoft.com/office/drawing/2014/main" id="{C04BE0EF-3561-49B4-9A29-F283168A91C7}"/>
+              </a:ext>
+              <a:ext uri="{C183D7F6-B498-43B3-948B-1728B52AA6E4}">
+                <adec:decorative xmlns:adec="http://schemas.microsoft.com/office/drawing/2017/decorative" val="1"/>
+              </a:ext>
+            </a:extLst>
+          </p:cNvPr>
+          <p:cNvSpPr>
+            <a:spLocks noGrp="1" noRot="1" noChangeAspect="1" noMove="1" noResize="1" noEditPoints="1" noAdjustHandles="1" noChangeArrowheads="1" noChangeShapeType="1" noTextEdit="1"/>
+          </p:cNvSpPr>
+          <p:nvPr>
+            <p:extLst>
+              <p:ext uri="{386F3935-93C4-4BCD-93E2-E3B085C9AB24}">
+                <p16:designElem xmlns:p16="http://schemas.microsoft.com/office/powerpoint/2015/main" val="1"/>
+              </p:ext>
+            </p:extLst>
+          </p:nvPr>
+        </p:nvSpPr>
+        <p:spPr>
+          <a:xfrm>
+            <a:off x="5510370" y="851518"/>
+            <a:ext cx="6184806" cy="5154967"/>
+          </a:xfrm>
+          <a:custGeom>
+            <a:avLst/>
+            <a:gdLst>
+              <a:gd name="connsiteX0" fmla="*/ 363179 w 6184806"/>
+              <a:gd name="connsiteY0" fmla="*/ 3125191 h 5154967"/>
+              <a:gd name="connsiteX1" fmla="*/ 898270 w 6184806"/>
+              <a:gd name="connsiteY1" fmla="*/ 3125191 h 5154967"/>
+              <a:gd name="connsiteX2" fmla="*/ 980326 w 6184806"/>
+              <a:gd name="connsiteY2" fmla="*/ 3173551 h 5154967"/>
+              <a:gd name="connsiteX3" fmla="*/ 1248448 w 6184806"/>
+              <a:gd name="connsiteY3" fmla="*/ 3635277 h 5154967"/>
+              <a:gd name="connsiteX4" fmla="*/ 1248448 w 6184806"/>
+              <a:gd name="connsiteY4" fmla="*/ 3729695 h 5154967"/>
+              <a:gd name="connsiteX5" fmla="*/ 980326 w 6184806"/>
+              <a:gd name="connsiteY5" fmla="*/ 4191421 h 5154967"/>
+              <a:gd name="connsiteX6" fmla="*/ 898270 w 6184806"/>
+              <a:gd name="connsiteY6" fmla="*/ 4239781 h 5154967"/>
+              <a:gd name="connsiteX7" fmla="*/ 363179 w 6184806"/>
+              <a:gd name="connsiteY7" fmla="*/ 4239781 h 5154967"/>
+              <a:gd name="connsiteX8" fmla="*/ 279969 w 6184806"/>
+              <a:gd name="connsiteY8" fmla="*/ 4191421 h 5154967"/>
+              <a:gd name="connsiteX9" fmla="*/ 13002 w 6184806"/>
+              <a:gd name="connsiteY9" fmla="*/ 3729695 h 5154967"/>
+              <a:gd name="connsiteX10" fmla="*/ 13002 w 6184806"/>
+              <a:gd name="connsiteY10" fmla="*/ 3635277 h 5154967"/>
+              <a:gd name="connsiteX11" fmla="*/ 279969 w 6184806"/>
+              <a:gd name="connsiteY11" fmla="*/ 3173551 h 5154967"/>
+              <a:gd name="connsiteX12" fmla="*/ 363179 w 6184806"/>
+              <a:gd name="connsiteY12" fmla="*/ 3125191 h 5154967"/>
+              <a:gd name="connsiteX13" fmla="*/ 2489721 w 6184806"/>
+              <a:gd name="connsiteY13" fmla="*/ 570035 h 5154967"/>
+              <a:gd name="connsiteX14" fmla="*/ 2764862 w 6184806"/>
+              <a:gd name="connsiteY14" fmla="*/ 570035 h 5154967"/>
+              <a:gd name="connsiteX15" fmla="*/ 2796959 w 6184806"/>
+              <a:gd name="connsiteY15" fmla="*/ 570035 h 5154967"/>
+              <a:gd name="connsiteX16" fmla="*/ 2827587 w 6184806"/>
+              <a:gd name="connsiteY16" fmla="*/ 622777 h 5154967"/>
+              <a:gd name="connsiteX17" fmla="*/ 2977604 w 6184806"/>
+              <a:gd name="connsiteY17" fmla="*/ 881117 h 5154967"/>
+              <a:gd name="connsiteX18" fmla="*/ 2977604 w 6184806"/>
+              <a:gd name="connsiteY18" fmla="*/ 1025720 h 5154967"/>
+              <a:gd name="connsiteX19" fmla="*/ 2566968 w 6184806"/>
+              <a:gd name="connsiteY19" fmla="*/ 1732863 h 5154967"/>
+              <a:gd name="connsiteX20" fmla="*/ 2441299 w 6184806"/>
+              <a:gd name="connsiteY20" fmla="*/ 1806927 h 5154967"/>
+              <a:gd name="connsiteX21" fmla="*/ 1621798 w 6184806"/>
+              <a:gd name="connsiteY21" fmla="*/ 1806927 h 5154967"/>
+              <a:gd name="connsiteX22" fmla="*/ 1583218 w 6184806"/>
+              <a:gd name="connsiteY22" fmla="*/ 1801802 h 5154967"/>
+              <a:gd name="connsiteX23" fmla="*/ 1556683 w 6184806"/>
+              <a:gd name="connsiteY23" fmla="*/ 1790677 h 5154967"/>
+              <a:gd name="connsiteX24" fmla="*/ 1572899 w 6184806"/>
+              <a:gd name="connsiteY24" fmla="*/ 1762630 h 5154967"/>
+              <a:gd name="connsiteX25" fmla="*/ 2147429 w 6184806"/>
+              <a:gd name="connsiteY25" fmla="*/ 768968 h 5154967"/>
+              <a:gd name="connsiteX26" fmla="*/ 2489721 w 6184806"/>
+              <a:gd name="connsiteY26" fmla="*/ 570035 h 5154967"/>
+              <a:gd name="connsiteX27" fmla="*/ 1573268 w 6184806"/>
+              <a:gd name="connsiteY27" fmla="*/ 0 h 5154967"/>
+              <a:gd name="connsiteX28" fmla="*/ 2497662 w 6184806"/>
+              <a:gd name="connsiteY28" fmla="*/ 0 h 5154967"/>
+              <a:gd name="connsiteX29" fmla="*/ 2639415 w 6184806"/>
+              <a:gd name="connsiteY29" fmla="*/ 83546 h 5154967"/>
+              <a:gd name="connsiteX30" fmla="*/ 2887862 w 6184806"/>
+              <a:gd name="connsiteY30" fmla="*/ 511387 h 5154967"/>
+              <a:gd name="connsiteX31" fmla="*/ 2915928 w 6184806"/>
+              <a:gd name="connsiteY31" fmla="*/ 559720 h 5154967"/>
+              <a:gd name="connsiteX32" fmla="*/ 2893844 w 6184806"/>
+              <a:gd name="connsiteY32" fmla="*/ 559720 h 5154967"/>
+              <a:gd name="connsiteX33" fmla="*/ 2789466 w 6184806"/>
+              <a:gd name="connsiteY33" fmla="*/ 559720 h 5154967"/>
+              <a:gd name="connsiteX34" fmla="*/ 2744122 w 6184806"/>
+              <a:gd name="connsiteY34" fmla="*/ 481634 h 5154967"/>
+              <a:gd name="connsiteX35" fmla="*/ 2570885 w 6184806"/>
+              <a:gd name="connsiteY35" fmla="*/ 183309 h 5154967"/>
+              <a:gd name="connsiteX36" fmla="*/ 2445216 w 6184806"/>
+              <a:gd name="connsiteY36" fmla="*/ 109243 h 5154967"/>
+              <a:gd name="connsiteX37" fmla="*/ 1625714 w 6184806"/>
+              <a:gd name="connsiteY37" fmla="*/ 109243 h 5154967"/>
+              <a:gd name="connsiteX38" fmla="*/ 1498276 w 6184806"/>
+              <a:gd name="connsiteY38" fmla="*/ 183309 h 5154967"/>
+              <a:gd name="connsiteX39" fmla="*/ 1089410 w 6184806"/>
+              <a:gd name="connsiteY39" fmla="*/ 890450 h 5154967"/>
+              <a:gd name="connsiteX40" fmla="*/ 1089410 w 6184806"/>
+              <a:gd name="connsiteY40" fmla="*/ 1035054 h 5154967"/>
+              <a:gd name="connsiteX41" fmla="*/ 1498276 w 6184806"/>
+              <a:gd name="connsiteY41" fmla="*/ 1742196 h 5154967"/>
+              <a:gd name="connsiteX42" fmla="*/ 1552039 w 6184806"/>
+              <a:gd name="connsiteY42" fmla="*/ 1796422 h 5154967"/>
+              <a:gd name="connsiteX43" fmla="*/ 1558260 w 6184806"/>
+              <a:gd name="connsiteY43" fmla="*/ 1799029 h 5154967"/>
+              <a:gd name="connsiteX44" fmla="*/ 1524911 w 6184806"/>
+              <a:gd name="connsiteY44" fmla="*/ 1856707 h 5154967"/>
+              <a:gd name="connsiteX45" fmla="*/ 1500108 w 6184806"/>
+              <a:gd name="connsiteY45" fmla="*/ 1899604 h 5154967"/>
+              <a:gd name="connsiteX46" fmla="*/ 1525834 w 6184806"/>
+              <a:gd name="connsiteY46" fmla="*/ 1910390 h 5154967"/>
+              <a:gd name="connsiteX47" fmla="*/ 1569352 w 6184806"/>
+              <a:gd name="connsiteY47" fmla="*/ 1916170 h 5154967"/>
+              <a:gd name="connsiteX48" fmla="*/ 2493745 w 6184806"/>
+              <a:gd name="connsiteY48" fmla="*/ 1916170 h 5154967"/>
+              <a:gd name="connsiteX49" fmla="*/ 2635498 w 6184806"/>
+              <a:gd name="connsiteY49" fmla="*/ 1832627 h 5154967"/>
+              <a:gd name="connsiteX50" fmla="*/ 3098693 w 6184806"/>
+              <a:gd name="connsiteY50" fmla="*/ 1034974 h 5154967"/>
+              <a:gd name="connsiteX51" fmla="*/ 3098693 w 6184806"/>
+              <a:gd name="connsiteY51" fmla="*/ 871863 h 5154967"/>
+              <a:gd name="connsiteX52" fmla="*/ 2945803 w 6184806"/>
+              <a:gd name="connsiteY52" fmla="*/ 608576 h 5154967"/>
+              <a:gd name="connsiteX53" fmla="*/ 2923422 w 6184806"/>
+              <a:gd name="connsiteY53" fmla="*/ 570035 h 5154967"/>
+              <a:gd name="connsiteX54" fmla="*/ 3027104 w 6184806"/>
+              <a:gd name="connsiteY54" fmla="*/ 570035 h 5154967"/>
+              <a:gd name="connsiteX55" fmla="*/ 4690846 w 6184806"/>
+              <a:gd name="connsiteY55" fmla="*/ 570035 h 5154967"/>
+              <a:gd name="connsiteX56" fmla="*/ 5028384 w 6184806"/>
+              <a:gd name="connsiteY56" fmla="*/ 768968 h 5154967"/>
+              <a:gd name="connsiteX57" fmla="*/ 6131323 w 6184806"/>
+              <a:gd name="connsiteY57" fmla="*/ 2668304 h 5154967"/>
+              <a:gd name="connsiteX58" fmla="*/ 6131323 w 6184806"/>
+              <a:gd name="connsiteY58" fmla="*/ 3056698 h 5154967"/>
+              <a:gd name="connsiteX59" fmla="*/ 5028384 w 6184806"/>
+              <a:gd name="connsiteY59" fmla="*/ 4956035 h 5154967"/>
+              <a:gd name="connsiteX60" fmla="*/ 4690846 w 6184806"/>
+              <a:gd name="connsiteY60" fmla="*/ 5154967 h 5154967"/>
+              <a:gd name="connsiteX61" fmla="*/ 2489721 w 6184806"/>
+              <a:gd name="connsiteY61" fmla="*/ 5154967 h 5154967"/>
+              <a:gd name="connsiteX62" fmla="*/ 2147429 w 6184806"/>
+              <a:gd name="connsiteY62" fmla="*/ 4956035 h 5154967"/>
+              <a:gd name="connsiteX63" fmla="*/ 1049243 w 6184806"/>
+              <a:gd name="connsiteY63" fmla="*/ 3056698 h 5154967"/>
+              <a:gd name="connsiteX64" fmla="*/ 1049243 w 6184806"/>
+              <a:gd name="connsiteY64" fmla="*/ 2668304 h 5154967"/>
+              <a:gd name="connsiteX65" fmla="*/ 1457007 w 6184806"/>
+              <a:gd name="connsiteY65" fmla="*/ 1963067 h 5154967"/>
+              <a:gd name="connsiteX66" fmla="*/ 1491373 w 6184806"/>
+              <a:gd name="connsiteY66" fmla="*/ 1903634 h 5154967"/>
+              <a:gd name="connsiteX67" fmla="*/ 1490164 w 6184806"/>
+              <a:gd name="connsiteY67" fmla="*/ 1903127 h 5154967"/>
+              <a:gd name="connsiteX68" fmla="*/ 1429519 w 6184806"/>
+              <a:gd name="connsiteY68" fmla="*/ 1841960 h 5154967"/>
+              <a:gd name="connsiteX69" fmla="*/ 968320 w 6184806"/>
+              <a:gd name="connsiteY69" fmla="*/ 1044307 h 5154967"/>
+              <a:gd name="connsiteX70" fmla="*/ 968320 w 6184806"/>
+              <a:gd name="connsiteY70" fmla="*/ 881196 h 5154967"/>
+              <a:gd name="connsiteX71" fmla="*/ 1429519 w 6184806"/>
+              <a:gd name="connsiteY71" fmla="*/ 83546 h 5154967"/>
+              <a:gd name="connsiteX72" fmla="*/ 1573268 w 6184806"/>
+              <a:gd name="connsiteY72" fmla="*/ 0 h 5154967"/>
+            </a:gdLst>
+            <a:ahLst/>
+            <a:cxnLst>
+              <a:cxn ang="0">
+                <a:pos x="connsiteX0" y="connsiteY0"/>
+              </a:cxn>
+              <a:cxn ang="0">
+                <a:pos x="connsiteX1" y="connsiteY1"/>
+              </a:cxn>
+              <a:cxn ang="0">
+                <a:pos x="connsiteX2" y="connsiteY2"/>
+              </a:cxn>
+              <a:cxn ang="0">
+                <a:pos x="connsiteX3" y="connsiteY3"/>
+              </a:cxn>
+              <a:cxn ang="0">
+                <a:pos x="connsiteX4" y="connsiteY4"/>
+              </a:cxn>
+              <a:cxn ang="0">
+                <a:pos x="connsiteX5" y="connsiteY5"/>
+              </a:cxn>
+              <a:cxn ang="0">
+                <a:pos x="connsiteX6" y="connsiteY6"/>
+              </a:cxn>
+              <a:cxn ang="0">
+                <a:pos x="connsiteX7" y="connsiteY7"/>
+              </a:cxn>
+              <a:cxn ang="0">
+                <a:pos x="connsiteX8" y="connsiteY8"/>
+              </a:cxn>
+              <a:cxn ang="0">
+                <a:pos x="connsiteX9" y="connsiteY9"/>
+              </a:cxn>
+              <a:cxn ang="0">
+                <a:pos x="connsiteX10" y="connsiteY10"/>
+              </a:cxn>
+              <a:cxn ang="0">
+                <a:pos x="connsiteX11" y="connsiteY11"/>
+              </a:cxn>
+              <a:cxn ang="0">
+                <a:pos x="connsiteX12" y="connsiteY12"/>
+              </a:cxn>
+              <a:cxn ang="0">
+                <a:pos x="connsiteX13" y="connsiteY13"/>
+              </a:cxn>
+              <a:cxn ang="0">
+                <a:pos x="connsiteX14" y="connsiteY14"/>
+              </a:cxn>
+              <a:cxn ang="0">
+                <a:pos x="connsiteX15" y="connsiteY15"/>
+              </a:cxn>
+              <a:cxn ang="0">
+                <a:pos x="connsiteX16" y="connsiteY16"/>
+              </a:cxn>
+              <a:cxn ang="0">
+                <a:pos x="connsiteX17" y="connsiteY17"/>
+              </a:cxn>
+              <a:cxn ang="0">
+                <a:pos x="connsiteX18" y="connsiteY18"/>
+              </a:cxn>
+              <a:cxn ang="0">
+                <a:pos x="connsiteX19" y="connsiteY19"/>
+              </a:cxn>
+              <a:cxn ang="0">
+                <a:pos x="connsiteX20" y="connsiteY20"/>
+              </a:cxn>
+              <a:cxn ang="0">
+                <a:pos x="connsiteX21" y="connsiteY21"/>
+              </a:cxn>
+              <a:cxn ang="0">
+                <a:pos x="connsiteX22" y="connsiteY22"/>
+              </a:cxn>
+              <a:cxn ang="0">
+                <a:pos x="connsiteX23" y="connsiteY23"/>
+              </a:cxn>
+              <a:cxn ang="0">
+                <a:pos x="connsiteX24" y="connsiteY24"/>
+              </a:cxn>
+              <a:cxn ang="0">
+                <a:pos x="connsiteX25" y="connsiteY25"/>
+              </a:cxn>
+              <a:cxn ang="0">
+                <a:pos x="connsiteX26" y="connsiteY26"/>
+              </a:cxn>
+              <a:cxn ang="0">
+                <a:pos x="connsiteX27" y="connsiteY27"/>
+              </a:cxn>
+              <a:cxn ang="0">
+                <a:pos x="connsiteX28" y="connsiteY28"/>
+              </a:cxn>
+              <a:cxn ang="0">
+                <a:pos x="connsiteX29" y="connsiteY29"/>
+              </a:cxn>
+              <a:cxn ang="0">
+                <a:pos x="connsiteX30" y="connsiteY30"/>
+              </a:cxn>
+              <a:cxn ang="0">
+                <a:pos x="connsiteX31" y="connsiteY31"/>
+              </a:cxn>
+              <a:cxn ang="0">
+                <a:pos x="connsiteX32" y="connsiteY32"/>
+              </a:cxn>
+              <a:cxn ang="0">
+                <a:pos x="connsiteX33" y="connsiteY33"/>
+              </a:cxn>
+              <a:cxn ang="0">
+                <a:pos x="connsiteX34" y="connsiteY34"/>
+              </a:cxn>
+              <a:cxn ang="0">
+                <a:pos x="connsiteX35" y="connsiteY35"/>
+              </a:cxn>
+              <a:cxn ang="0">
+                <a:pos x="connsiteX36" y="connsiteY36"/>
+              </a:cxn>
+              <a:cxn ang="0">
+                <a:pos x="connsiteX37" y="connsiteY37"/>
+              </a:cxn>
+              <a:cxn ang="0">
+                <a:pos x="connsiteX38" y="connsiteY38"/>
+              </a:cxn>
+              <a:cxn ang="0">
+                <a:pos x="connsiteX39" y="connsiteY39"/>
+              </a:cxn>
+              <a:cxn ang="0">
+                <a:pos x="connsiteX40" y="connsiteY40"/>
+              </a:cxn>
+              <a:cxn ang="0">
+                <a:pos x="connsiteX41" y="connsiteY41"/>
+              </a:cxn>
+              <a:cxn ang="0">
+                <a:pos x="connsiteX42" y="connsiteY42"/>
+              </a:cxn>
+              <a:cxn ang="0">
+                <a:pos x="connsiteX43" y="connsiteY43"/>
+              </a:cxn>
+              <a:cxn ang="0">
+                <a:pos x="connsiteX44" y="connsiteY44"/>
+              </a:cxn>
+              <a:cxn ang="0">
+                <a:pos x="connsiteX45" y="connsiteY45"/>
+              </a:cxn>
+              <a:cxn ang="0">
+                <a:pos x="connsiteX46" y="connsiteY46"/>
+              </a:cxn>
+              <a:cxn ang="0">
+                <a:pos x="connsiteX47" y="connsiteY47"/>
+              </a:cxn>
+              <a:cxn ang="0">
+                <a:pos x="connsiteX48" y="connsiteY48"/>
+              </a:cxn>
+              <a:cxn ang="0">
+                <a:pos x="connsiteX49" y="connsiteY49"/>
+              </a:cxn>
+              <a:cxn ang="0">
+                <a:pos x="connsiteX50" y="connsiteY50"/>
+              </a:cxn>
+              <a:cxn ang="0">
+                <a:pos x="connsiteX51" y="connsiteY51"/>
+              </a:cxn>
+              <a:cxn ang="0">
+                <a:pos x="connsiteX52" y="connsiteY52"/>
+              </a:cxn>
+              <a:cxn ang="0">
+                <a:pos x="connsiteX53" y="connsiteY53"/>
+              </a:cxn>
+              <a:cxn ang="0">
+                <a:pos x="connsiteX54" y="connsiteY54"/>
+              </a:cxn>
+              <a:cxn ang="0">
+                <a:pos x="connsiteX55" y="connsiteY55"/>
+              </a:cxn>
+              <a:cxn ang="0">
+                <a:pos x="connsiteX56" y="connsiteY56"/>
+              </a:cxn>
+              <a:cxn ang="0">
+                <a:pos x="connsiteX57" y="connsiteY57"/>
+              </a:cxn>
+              <a:cxn ang="0">
+                <a:pos x="connsiteX58" y="connsiteY58"/>
+              </a:cxn>
+              <a:cxn ang="0">
+                <a:pos x="connsiteX59" y="connsiteY59"/>
+              </a:cxn>
+              <a:cxn ang="0">
+                <a:pos x="connsiteX60" y="connsiteY60"/>
+              </a:cxn>
+              <a:cxn ang="0">
+                <a:pos x="connsiteX61" y="connsiteY61"/>
+              </a:cxn>
+              <a:cxn ang="0">
+                <a:pos x="connsiteX62" y="connsiteY62"/>
+              </a:cxn>
+              <a:cxn ang="0">
+                <a:pos x="connsiteX63" y="connsiteY63"/>
+              </a:cxn>
+              <a:cxn ang="0">
+                <a:pos x="connsiteX64" y="connsiteY64"/>
+              </a:cxn>
+              <a:cxn ang="0">
+                <a:pos x="connsiteX65" y="connsiteY65"/>
+              </a:cxn>
+              <a:cxn ang="0">
+                <a:pos x="connsiteX66" y="connsiteY66"/>
+              </a:cxn>
+              <a:cxn ang="0">
+                <a:pos x="connsiteX67" y="connsiteY67"/>
+              </a:cxn>
+              <a:cxn ang="0">
+                <a:pos x="connsiteX68" y="connsiteY68"/>
+              </a:cxn>
+              <a:cxn ang="0">
+                <a:pos x="connsiteX69" y="connsiteY69"/>
+              </a:cxn>
+              <a:cxn ang="0">
+                <a:pos x="connsiteX70" y="connsiteY70"/>
+              </a:cxn>
+              <a:cxn ang="0">
+                <a:pos x="connsiteX71" y="connsiteY71"/>
+              </a:cxn>
+              <a:cxn ang="0">
+                <a:pos x="connsiteX72" y="connsiteY72"/>
+              </a:cxn>
+            </a:cxnLst>
+            <a:rect l="l" t="t" r="r" b="b"/>
+            <a:pathLst>
+              <a:path w="6184806" h="5154967">
+                <a:moveTo>
+                  <a:pt x="363179" y="3125191"/>
+                </a:moveTo>
+                <a:cubicBezTo>
+                  <a:pt x="363179" y="3125191"/>
+                  <a:pt x="363179" y="3125191"/>
+                  <a:pt x="898270" y="3125191"/>
+                </a:cubicBezTo>
+                <a:cubicBezTo>
+                  <a:pt x="931786" y="3125191"/>
+                  <a:pt x="964145" y="3143614"/>
+                  <a:pt x="980326" y="3173551"/>
+                </a:cubicBezTo>
+                <a:cubicBezTo>
+                  <a:pt x="980326" y="3173551"/>
+                  <a:pt x="980326" y="3173551"/>
+                  <a:pt x="1248448" y="3635277"/>
+                </a:cubicBezTo>
+                <a:cubicBezTo>
+                  <a:pt x="1265784" y="3664063"/>
+                  <a:pt x="1265784" y="3700909"/>
+                  <a:pt x="1248448" y="3729695"/>
+                </a:cubicBezTo>
+                <a:cubicBezTo>
+                  <a:pt x="1248448" y="3729695"/>
+                  <a:pt x="1248448" y="3729695"/>
+                  <a:pt x="980326" y="4191421"/>
+                </a:cubicBezTo>
+                <a:cubicBezTo>
+                  <a:pt x="964145" y="4221358"/>
+                  <a:pt x="931786" y="4239781"/>
+                  <a:pt x="898270" y="4239781"/>
+                </a:cubicBezTo>
+                <a:cubicBezTo>
+                  <a:pt x="898270" y="4239781"/>
+                  <a:pt x="898270" y="4239781"/>
+                  <a:pt x="363179" y="4239781"/>
+                </a:cubicBezTo>
+                <a:cubicBezTo>
+                  <a:pt x="328508" y="4239781"/>
+                  <a:pt x="297305" y="4221358"/>
+                  <a:pt x="279969" y="4191421"/>
+                </a:cubicBezTo>
+                <a:cubicBezTo>
+                  <a:pt x="279969" y="4191421"/>
+                  <a:pt x="279969" y="4191421"/>
+                  <a:pt x="13002" y="3729695"/>
+                </a:cubicBezTo>
+                <a:cubicBezTo>
+                  <a:pt x="-4334" y="3700909"/>
+                  <a:pt x="-4334" y="3664063"/>
+                  <a:pt x="13002" y="3635277"/>
+                </a:cubicBezTo>
+                <a:cubicBezTo>
+                  <a:pt x="13002" y="3635277"/>
+                  <a:pt x="13002" y="3635277"/>
+                  <a:pt x="279969" y="3173551"/>
+                </a:cubicBezTo>
+                <a:cubicBezTo>
+                  <a:pt x="297305" y="3143614"/>
+                  <a:pt x="328508" y="3125191"/>
+                  <a:pt x="363179" y="3125191"/>
+                </a:cubicBezTo>
+                <a:close/>
+                <a:moveTo>
+                  <a:pt x="2489721" y="570035"/>
+                </a:moveTo>
+                <a:cubicBezTo>
+                  <a:pt x="2489721" y="570035"/>
+                  <a:pt x="2489721" y="570035"/>
+                  <a:pt x="2764862" y="570035"/>
+                </a:cubicBezTo>
+                <a:lnTo>
+                  <a:pt x="2796959" y="570035"/>
+                </a:lnTo>
+                <a:lnTo>
+                  <a:pt x="2827587" y="622777"/>
+                </a:lnTo>
+                <a:cubicBezTo>
+                  <a:pt x="2870233" y="696217"/>
+                  <a:pt x="2919858" y="781675"/>
+                  <a:pt x="2977604" y="881117"/>
+                </a:cubicBezTo>
+                <a:cubicBezTo>
+                  <a:pt x="3004153" y="925204"/>
+                  <a:pt x="3004153" y="981634"/>
+                  <a:pt x="2977604" y="1025720"/>
+                </a:cubicBezTo>
+                <a:cubicBezTo>
+                  <a:pt x="2977604" y="1025720"/>
+                  <a:pt x="2977604" y="1025720"/>
+                  <a:pt x="2566968" y="1732863"/>
+                </a:cubicBezTo>
+                <a:cubicBezTo>
+                  <a:pt x="2542188" y="1778712"/>
+                  <a:pt x="2492629" y="1806927"/>
+                  <a:pt x="2441299" y="1806927"/>
+                </a:cubicBezTo>
+                <a:cubicBezTo>
+                  <a:pt x="2441299" y="1806927"/>
+                  <a:pt x="2441299" y="1806927"/>
+                  <a:pt x="1621798" y="1806927"/>
+                </a:cubicBezTo>
+                <a:cubicBezTo>
+                  <a:pt x="1608523" y="1806927"/>
+                  <a:pt x="1595580" y="1805163"/>
+                  <a:pt x="1583218" y="1801802"/>
+                </a:cubicBezTo>
+                <a:lnTo>
+                  <a:pt x="1556683" y="1790677"/>
+                </a:lnTo>
+                <a:lnTo>
+                  <a:pt x="1572899" y="1762630"/>
+                </a:lnTo>
+                <a:cubicBezTo>
+                  <a:pt x="1719523" y="1509042"/>
+                  <a:pt x="1907201" y="1184448"/>
+                  <a:pt x="2147429" y="768968"/>
+                </a:cubicBezTo>
+                <a:cubicBezTo>
+                  <a:pt x="2218739" y="645819"/>
+                  <a:pt x="2347099" y="570035"/>
+                  <a:pt x="2489721" y="570035"/>
+                </a:cubicBezTo>
+                <a:close/>
+                <a:moveTo>
+                  <a:pt x="1573268" y="0"/>
+                </a:moveTo>
+                <a:cubicBezTo>
+                  <a:pt x="1573268" y="0"/>
+                  <a:pt x="1573268" y="0"/>
+                  <a:pt x="2497662" y="0"/>
+                </a:cubicBezTo>
+                <a:cubicBezTo>
+                  <a:pt x="2555561" y="0"/>
+                  <a:pt x="2611463" y="31828"/>
+                  <a:pt x="2639415" y="83546"/>
+                </a:cubicBezTo>
+                <a:cubicBezTo>
+                  <a:pt x="2639415" y="83546"/>
+                  <a:pt x="2639415" y="83546"/>
+                  <a:pt x="2887862" y="511387"/>
+                </a:cubicBezTo>
+                <a:lnTo>
+                  <a:pt x="2915928" y="559720"/>
+                </a:lnTo>
+                <a:lnTo>
+                  <a:pt x="2893844" y="559720"/>
+                </a:lnTo>
+                <a:lnTo>
+                  <a:pt x="2789466" y="559720"/>
+                </a:lnTo>
+                <a:lnTo>
+                  <a:pt x="2744122" y="481634"/>
+                </a:lnTo>
+                <a:cubicBezTo>
+                  <a:pt x="2570885" y="183309"/>
+                  <a:pt x="2570885" y="183309"/>
+                  <a:pt x="2570885" y="183309"/>
+                </a:cubicBezTo>
+                <a:cubicBezTo>
+                  <a:pt x="2546104" y="137459"/>
+                  <a:pt x="2496545" y="109243"/>
+                  <a:pt x="2445216" y="109243"/>
+                </a:cubicBezTo>
+                <a:cubicBezTo>
+                  <a:pt x="1625714" y="109243"/>
+                  <a:pt x="1625714" y="109243"/>
+                  <a:pt x="1625714" y="109243"/>
+                </a:cubicBezTo>
+                <a:cubicBezTo>
+                  <a:pt x="1572615" y="109243"/>
+                  <a:pt x="1524825" y="137459"/>
+                  <a:pt x="1498276" y="183309"/>
+                </a:cubicBezTo>
+                <a:cubicBezTo>
+                  <a:pt x="1089410" y="890450"/>
+                  <a:pt x="1089410" y="890450"/>
+                  <a:pt x="1089410" y="890450"/>
+                </a:cubicBezTo>
+                <a:cubicBezTo>
+                  <a:pt x="1062860" y="934537"/>
+                  <a:pt x="1062860" y="990967"/>
+                  <a:pt x="1089410" y="1035054"/>
+                </a:cubicBezTo>
+                <a:cubicBezTo>
+                  <a:pt x="1498276" y="1742196"/>
+                  <a:pt x="1498276" y="1742196"/>
+                  <a:pt x="1498276" y="1742196"/>
+                </a:cubicBezTo>
+                <a:cubicBezTo>
+                  <a:pt x="1511551" y="1765121"/>
+                  <a:pt x="1530135" y="1783637"/>
+                  <a:pt x="1552039" y="1796422"/>
+                </a:cubicBezTo>
+                <a:lnTo>
+                  <a:pt x="1558260" y="1799029"/>
+                </a:lnTo>
+                <a:lnTo>
+                  <a:pt x="1524911" y="1856707"/>
+                </a:lnTo>
+                <a:lnTo>
+                  <a:pt x="1500108" y="1899604"/>
+                </a:lnTo>
+                <a:lnTo>
+                  <a:pt x="1525834" y="1910390"/>
+                </a:lnTo>
+                <a:cubicBezTo>
+                  <a:pt x="1539779" y="1914181"/>
+                  <a:pt x="1554378" y="1916170"/>
+                  <a:pt x="1569352" y="1916170"/>
+                </a:cubicBezTo>
+                <a:cubicBezTo>
+                  <a:pt x="2493745" y="1916170"/>
+                  <a:pt x="2493745" y="1916170"/>
+                  <a:pt x="2493745" y="1916170"/>
+                </a:cubicBezTo>
+                <a:cubicBezTo>
+                  <a:pt x="2551645" y="1916170"/>
+                  <a:pt x="2607546" y="1884345"/>
+                  <a:pt x="2635498" y="1832627"/>
+                </a:cubicBezTo>
+                <a:cubicBezTo>
+                  <a:pt x="3098693" y="1034974"/>
+                  <a:pt x="3098693" y="1034974"/>
+                  <a:pt x="3098693" y="1034974"/>
+                </a:cubicBezTo>
+                <a:cubicBezTo>
+                  <a:pt x="3128641" y="985246"/>
+                  <a:pt x="3128641" y="921593"/>
+                  <a:pt x="3098693" y="871863"/>
+                </a:cubicBezTo>
+                <a:cubicBezTo>
+                  <a:pt x="3040794" y="772157"/>
+                  <a:pt x="2990132" y="684914"/>
+                  <a:pt x="2945803" y="608576"/>
+                </a:cubicBezTo>
+                <a:lnTo>
+                  <a:pt x="2923422" y="570035"/>
+                </a:lnTo>
+                <a:lnTo>
+                  <a:pt x="3027104" y="570035"/>
+                </a:lnTo>
+                <a:cubicBezTo>
+                  <a:pt x="3349535" y="570035"/>
+                  <a:pt x="3865424" y="570035"/>
+                  <a:pt x="4690846" y="570035"/>
+                </a:cubicBezTo>
+                <a:cubicBezTo>
+                  <a:pt x="4828714" y="570035"/>
+                  <a:pt x="4961827" y="645819"/>
+                  <a:pt x="5028384" y="768968"/>
+                </a:cubicBezTo>
+                <a:cubicBezTo>
+                  <a:pt x="5028384" y="768968"/>
+                  <a:pt x="5028384" y="768968"/>
+                  <a:pt x="6131323" y="2668304"/>
+                </a:cubicBezTo>
+                <a:cubicBezTo>
+                  <a:pt x="6202634" y="2786717"/>
+                  <a:pt x="6202634" y="2938285"/>
+                  <a:pt x="6131323" y="3056698"/>
+                </a:cubicBezTo>
+                <a:cubicBezTo>
+                  <a:pt x="6131323" y="3056698"/>
+                  <a:pt x="6131323" y="3056698"/>
+                  <a:pt x="5028384" y="4956035"/>
+                </a:cubicBezTo>
+                <a:cubicBezTo>
+                  <a:pt x="4961827" y="5079184"/>
+                  <a:pt x="4828714" y="5154967"/>
+                  <a:pt x="4690846" y="5154967"/>
+                </a:cubicBezTo>
+                <a:cubicBezTo>
+                  <a:pt x="4690846" y="5154967"/>
+                  <a:pt x="4690846" y="5154967"/>
+                  <a:pt x="2489721" y="5154967"/>
+                </a:cubicBezTo>
+                <a:cubicBezTo>
+                  <a:pt x="2347099" y="5154967"/>
+                  <a:pt x="2218739" y="5079184"/>
+                  <a:pt x="2147429" y="4956035"/>
+                </a:cubicBezTo>
+                <a:cubicBezTo>
+                  <a:pt x="2147429" y="4956035"/>
+                  <a:pt x="2147429" y="4956035"/>
+                  <a:pt x="1049243" y="3056698"/>
+                </a:cubicBezTo>
+                <a:cubicBezTo>
+                  <a:pt x="977932" y="2938285"/>
+                  <a:pt x="977932" y="2786717"/>
+                  <a:pt x="1049243" y="2668304"/>
+                </a:cubicBezTo>
+                <a:cubicBezTo>
+                  <a:pt x="1049243" y="2668304"/>
+                  <a:pt x="1049243" y="2668304"/>
+                  <a:pt x="1457007" y="1963067"/>
+                </a:cubicBezTo>
+                <a:lnTo>
+                  <a:pt x="1491373" y="1903634"/>
+                </a:lnTo>
+                <a:lnTo>
+                  <a:pt x="1490164" y="1903127"/>
+                </a:lnTo>
+                <a:cubicBezTo>
+                  <a:pt x="1465456" y="1888705"/>
+                  <a:pt x="1444493" y="1867820"/>
+                  <a:pt x="1429519" y="1841960"/>
+                </a:cubicBezTo>
+                <a:cubicBezTo>
+                  <a:pt x="1429519" y="1841960"/>
+                  <a:pt x="1429519" y="1841960"/>
+                  <a:pt x="968320" y="1044307"/>
+                </a:cubicBezTo>
+                <a:cubicBezTo>
+                  <a:pt x="938371" y="994579"/>
+                  <a:pt x="938371" y="930926"/>
+                  <a:pt x="968320" y="881196"/>
+                </a:cubicBezTo>
+                <a:cubicBezTo>
+                  <a:pt x="968320" y="881196"/>
+                  <a:pt x="968320" y="881196"/>
+                  <a:pt x="1429519" y="83546"/>
+                </a:cubicBezTo>
+                <a:cubicBezTo>
+                  <a:pt x="1459466" y="31828"/>
+                  <a:pt x="1513373" y="0"/>
+                  <a:pt x="1573268" y="0"/>
+                </a:cubicBezTo>
+                <a:close/>
+              </a:path>
+            </a:pathLst>
+          </a:custGeom>
+          <a:solidFill>
+            <a:schemeClr val="tx1">
+              <a:lumMod val="50000"/>
+              <a:lumOff val="50000"/>
+              <a:alpha val="15000"/>
+            </a:schemeClr>
+          </a:solidFill>
+          <a:ln>
+            <a:noFill/>
+          </a:ln>
+        </p:spPr>
+        <p:style>
+          <a:lnRef idx="2">
+            <a:schemeClr val="accent1">
+              <a:shade val="50000"/>
+            </a:schemeClr>
+          </a:lnRef>
+          <a:fillRef idx="1">
+            <a:schemeClr val="accent1"/>
+          </a:fillRef>
+          <a:effectRef idx="0">
+            <a:schemeClr val="accent1"/>
+          </a:effectRef>
+          <a:fontRef idx="minor">
+            <a:schemeClr val="lt1"/>
+          </a:fontRef>
+        </p:style>
+        <p:txBody>
+          <a:bodyPr wrap="square" rtlCol="0" anchor="ctr">
+            <a:noAutofit/>
+          </a:bodyPr>
+          <a:lstStyle/>
+          <a:p>
+            <a:pPr algn="ctr"/>
+            <a:endParaRPr lang="en-US"/>
+          </a:p>
+        </p:txBody>
+      </p:sp>
+      <p:pic>
+        <p:nvPicPr>
+          <p:cNvPr id="8" name="Graphic 7" descr="צלילה">
+            <a:extLst>
+              <a:ext uri="{FF2B5EF4-FFF2-40B4-BE49-F238E27FC236}">
+                <a16:creationId xmlns:a16="http://schemas.microsoft.com/office/drawing/2014/main" id="{EAAB41E1-B30E-44B7-98A4-36B9284E26B6}"/>
+              </a:ext>
+            </a:extLst>
+          </p:cNvPr>
+          <p:cNvPicPr>
+            <a:picLocks noChangeAspect="1"/>
+          </p:cNvPicPr>
+          <p:nvPr/>
+        </p:nvPicPr>
+        <p:blipFill>
+          <a:blip r:embed="rId2">
+            <a:extLst>
+              <a:ext uri="{28A0092B-C50C-407E-A947-70E740481C1C}">
+                <a14:useLocalDpi xmlns:a14="http://schemas.microsoft.com/office/drawing/2010/main" val="0"/>
+              </a:ext>
+              <a:ext uri="{96DAC541-7B7A-43D3-8B79-37D633B846F1}">
+                <asvg:svgBlip xmlns:asvg="http://schemas.microsoft.com/office/drawing/2016/SVG/main" r:embed="rId3"/>
+              </a:ext>
+            </a:extLst>
+          </a:blip>
+          <a:stretch>
+            <a:fillRect/>
+          </a:stretch>
+        </p:blipFill>
+        <p:spPr>
+          <a:xfrm>
+            <a:off x="7531503" y="2129307"/>
+            <a:ext cx="3217333" cy="3217333"/>
+          </a:xfrm>
+          <a:prstGeom prst="rect">
+            <a:avLst/>
+          </a:prstGeom>
+        </p:spPr>
+      </p:pic>
+    </p:spTree>
+    <p:extLst>
+      <p:ext uri="{BB962C8B-B14F-4D97-AF65-F5344CB8AC3E}">
+        <p14:creationId xmlns:p14="http://schemas.microsoft.com/office/powerpoint/2010/main" val="1642159065"/>
+      </p:ext>
+    </p:extLst>
+  </p:cSld>
+  <p:clrMapOvr>
+    <a:masterClrMapping/>
+  </p:clrMapOvr>
+  <p:timing>
+    <p:tnLst>
+      <p:par>
+        <p:cTn id="1" dur="indefinite" restart="never" nodeType="tmRoot">
+          <p:childTnLst>
+            <p:seq concurrent="1" nextAc="seek">
+              <p:cTn id="2" dur="indefinite" nodeType="mainSeq">
+                <p:childTnLst>
+                  <p:par>
+                    <p:cTn id="3" fill="hold">
+                      <p:stCondLst>
+                        <p:cond delay="indefinite"/>
+                        <p:cond evt="onBegin" delay="0">
+                          <p:tn val="2"/>
+                        </p:cond>
+                      </p:stCondLst>
+                      <p:childTnLst>
+                        <p:par>
+                          <p:cTn id="4" fill="hold">
+                            <p:stCondLst>
+                              <p:cond delay="0"/>
+                            </p:stCondLst>
+                            <p:childTnLst>
+                              <p:par>
+                                <p:cTn id="5" presetID="10" presetClass="entr" presetSubtype="0" fill="hold" nodeType="withEffect">
+                                  <p:stCondLst>
+                                    <p:cond delay="500"/>
+                                  </p:stCondLst>
+                                  <p:iterate>
+                                    <p:tmPct val="10000"/>
+                                  </p:iterate>
+                                  <p:childTnLst>
+                                    <p:set>
+                                      <p:cBhvr>
+                                        <p:cTn id="6" dur="1" fill="hold">
+                                          <p:stCondLst>
+                                            <p:cond delay="0"/>
+                                          </p:stCondLst>
+                                        </p:cTn>
+                                        <p:tgtEl>
+                                          <p:spTgt spid="8"/>
+                                        </p:tgtEl>
+                                        <p:attrNameLst>
+                                          <p:attrName>style.visibility</p:attrName>
+                                        </p:attrNameLst>
+                                      </p:cBhvr>
+                                      <p:to>
+                                        <p:strVal val="visible"/>
+                                      </p:to>
+                                    </p:set>
+                                    <p:animEffect transition="in" filter="fade">
+                                      <p:cBhvr>
+                                        <p:cTn id="7" dur="700"/>
+                                        <p:tgtEl>
+                                          <p:spTgt spid="8"/>
+                                        </p:tgtEl>
+                                      </p:cBhvr>
+                                    </p:animEffect>
+                                  </p:childTnLst>
+                                </p:cTn>
+                              </p:par>
+                            </p:childTnLst>
+                          </p:cTn>
+                        </p:par>
+                      </p:childTnLst>
+                    </p:cTn>
+                  </p:par>
+                </p:childTnLst>
+              </p:cTn>
+              <p:prevCondLst>
+                <p:cond evt="onPrev" delay="0">
+                  <p:tgtEl>
+                    <p:sldTgt/>
+                  </p:tgtEl>
+                </p:cond>
+              </p:prevCondLst>
+              <p:nextCondLst>
+                <p:cond evt="onNext" delay="0">
+                  <p:tgtEl>
+                    <p:sldTgt/>
+                  </p:tgtEl>
+                </p:cond>
+              </p:nextCondLst>
+            </p:seq>
+          </p:childTnLst>
+        </p:cTn>
+      </p:par>
+    </p:tnLst>
+  </p:timing>
+</p:sld>
+</file>
+
+<file path=ppt/slides/slide7.xml><?xml version="1.0" encoding="utf-8"?>
+<p:sld xmlns:a="http://schemas.openxmlformats.org/drawingml/2006/main" xmlns:r="http://schemas.openxmlformats.org/officeDocument/2006/relationships" xmlns:p="http://schemas.openxmlformats.org/presentationml/2006/main">
+  <p:cSld>
+    <p:bg>
+      <p:bgPr>
+        <a:solidFill>
+          <a:schemeClr val="bg1"/>
+        </a:solidFill>
+        <a:effectLst/>
+      </p:bgPr>
+    </p:bg>
+    <p:spTree>
+      <p:nvGrpSpPr>
+        <p:cNvPr id="1" name=""/>
+        <p:cNvGrpSpPr/>
+        <p:nvPr/>
+      </p:nvGrpSpPr>
+      <p:grpSpPr>
+        <a:xfrm>
+          <a:off x="0" y="0"/>
+          <a:ext cx="0" cy="0"/>
+          <a:chOff x="0" y="0"/>
+          <a:chExt cx="0" cy="0"/>
+        </a:xfrm>
+      </p:grpSpPr>
+      <p:sp useBgFill="1">
+        <p:nvSpPr>
+          <p:cNvPr id="42" name="Rectangle 41">
+            <a:extLst>
+              <a:ext uri="{FF2B5EF4-FFF2-40B4-BE49-F238E27FC236}">
+                <a16:creationId xmlns:a16="http://schemas.microsoft.com/office/drawing/2014/main" id="{2151139A-886F-4B97-8815-729AD3831BBD}"/>
+              </a:ext>
+              <a:ext uri="{C183D7F6-B498-43B3-948B-1728B52AA6E4}">
+                <adec:decorative xmlns:adec="http://schemas.microsoft.com/office/drawing/2017/decorative" val="1"/>
+              </a:ext>
+            </a:extLst>
+          </p:cNvPr>
+          <p:cNvSpPr>
+            <a:spLocks noGrp="1" noRot="1" noChangeAspect="1" noMove="1" noResize="1" noEditPoints="1" noAdjustHandles="1" noChangeArrowheads="1" noChangeShapeType="1" noTextEdit="1"/>
+          </p:cNvSpPr>
+          <p:nvPr>
+            <p:extLst>
+              <p:ext uri="{386F3935-93C4-4BCD-93E2-E3B085C9AB24}">
+                <p16:designElem xmlns:p16="http://schemas.microsoft.com/office/powerpoint/2015/main" val="1"/>
+              </p:ext>
+            </p:extLst>
+          </p:nvPr>
+        </p:nvSpPr>
+        <p:spPr>
+          <a:xfrm>
+            <a:off x="0" y="0"/>
+            <a:ext cx="12192000" cy="6858000"/>
+          </a:xfrm>
+          <a:prstGeom prst="rect">
+            <a:avLst/>
+          </a:prstGeom>
+          <a:ln w="12700" cap="flat" cmpd="sng" algn="ctr">
+            <a:noFill/>
+            <a:prstDash val="solid"/>
+            <a:miter lim="800000"/>
+          </a:ln>
+          <a:effectLst/>
+          <a:extLst>
+            <a:ext uri="{91240B29-F687-4F45-9708-019B960494DF}">
+              <a14:hiddenLine xmlns:a14="http://schemas.microsoft.com/office/drawing/2010/main" w="12700" cap="flat" cmpd="sng" algn="ctr">
+                <a:solidFill>
+                  <a:schemeClr val="accent1">
+                    <a:shade val="50000"/>
+                  </a:schemeClr>
+                </a:solidFill>
+                <a:prstDash val="solid"/>
+                <a:miter lim="800000"/>
+              </a14:hiddenLine>
+            </a:ext>
+          </a:extLst>
+        </p:spPr>
+        <p:style>
+          <a:lnRef idx="2">
+            <a:schemeClr val="accent1">
+              <a:shade val="50000"/>
+            </a:schemeClr>
+          </a:lnRef>
+          <a:fillRef idx="1">
+            <a:schemeClr val="accent1"/>
+          </a:fillRef>
+          <a:effectRef idx="0">
+            <a:schemeClr val="accent1"/>
+          </a:effectRef>
+          <a:fontRef idx="minor">
+            <a:schemeClr val="lt1"/>
+          </a:fontRef>
+        </p:style>
+        <p:txBody>
+          <a:bodyPr rtlCol="0" anchor="ctr"/>
+          <a:lstStyle/>
+          <a:p>
+            <a:pPr algn="ctr"/>
+            <a:endParaRPr lang="en-US" sz="2000"/>
+          </a:p>
+        </p:txBody>
+      </p:sp>
+      <p:sp>
+        <p:nvSpPr>
+          <p:cNvPr id="44" name="Rectangle 43">
+            <a:extLst>
+              <a:ext uri="{FF2B5EF4-FFF2-40B4-BE49-F238E27FC236}">
+                <a16:creationId xmlns:a16="http://schemas.microsoft.com/office/drawing/2014/main" id="{AB5E08C4-8CDD-4623-A5B8-E998C6DEE3B7}"/>
+              </a:ext>
+              <a:ext uri="{C183D7F6-B498-43B3-948B-1728B52AA6E4}">
+                <adec:decorative xmlns:adec="http://schemas.microsoft.com/office/drawing/2017/decorative" val="1"/>
+              </a:ext>
+            </a:extLst>
+          </p:cNvPr>
+          <p:cNvSpPr>
+            <a:spLocks noGrp="1" noRot="1" noChangeAspect="1" noMove="1" noResize="1" noEditPoints="1" noAdjustHandles="1" noChangeArrowheads="1" noChangeShapeType="1" noTextEdit="1"/>
+          </p:cNvSpPr>
+          <p:nvPr>
+            <p:extLst>
+              <p:ext uri="{386F3935-93C4-4BCD-93E2-E3B085C9AB24}">
+                <p16:designElem xmlns:p16="http://schemas.microsoft.com/office/powerpoint/2015/main" val="1"/>
+              </p:ext>
+            </p:extLst>
+          </p:nvPr>
+        </p:nvSpPr>
+        <p:spPr>
+          <a:xfrm flipH="1">
+            <a:off x="2" y="492"/>
+            <a:ext cx="12191998" cy="1575955"/>
+          </a:xfrm>
+          <a:prstGeom prst="rect">
+            <a:avLst/>
+          </a:prstGeom>
+          <a:gradFill>
+            <a:gsLst>
+              <a:gs pos="0">
+                <a:schemeClr val="accent1">
+                  <a:lumMod val="50000"/>
+                </a:schemeClr>
+              </a:gs>
+              <a:gs pos="100000">
+                <a:schemeClr val="accent1">
+                  <a:lumMod val="75000"/>
+                </a:schemeClr>
+              </a:gs>
+            </a:gsLst>
+            <a:lin ang="8400000" scaled="0"/>
+          </a:gradFill>
+          <a:ln>
+            <a:noFill/>
+          </a:ln>
+        </p:spPr>
+        <p:style>
+          <a:lnRef idx="2">
+            <a:schemeClr val="accent1">
+              <a:shade val="50000"/>
+            </a:schemeClr>
+          </a:lnRef>
+          <a:fillRef idx="1">
+            <a:schemeClr val="accent1"/>
+          </a:fillRef>
+          <a:effectRef idx="0">
+            <a:schemeClr val="accent1"/>
+          </a:effectRef>
+          <a:fontRef idx="minor">
+            <a:schemeClr val="lt1"/>
+          </a:fontRef>
+        </p:style>
+        <p:txBody>
+          <a:bodyPr rtlCol="0" anchor="ctr"/>
+          <a:lstStyle/>
+          <a:p>
+            <a:pPr algn="ctr"/>
+            <a:endParaRPr lang="en-US"/>
+          </a:p>
+        </p:txBody>
+      </p:sp>
+      <p:sp>
+        <p:nvSpPr>
+          <p:cNvPr id="46" name="Rectangle 45">
+            <a:extLst>
+              <a:ext uri="{FF2B5EF4-FFF2-40B4-BE49-F238E27FC236}">
+                <a16:creationId xmlns:a16="http://schemas.microsoft.com/office/drawing/2014/main" id="{15F33878-D502-4FFA-8ACE-F2AECDB2A23F}"/>
+              </a:ext>
+              <a:ext uri="{C183D7F6-B498-43B3-948B-1728B52AA6E4}">
+                <adec:decorative xmlns:adec="http://schemas.microsoft.com/office/drawing/2017/decorative" val="1"/>
+              </a:ext>
+            </a:extLst>
+          </p:cNvPr>
+          <p:cNvSpPr>
+            <a:spLocks noGrp="1" noRot="1" noChangeAspect="1" noMove="1" noResize="1" noEditPoints="1" noAdjustHandles="1" noChangeArrowheads="1" noChangeShapeType="1" noTextEdit="1"/>
+          </p:cNvSpPr>
+          <p:nvPr>
+            <p:extLst>
+              <p:ext uri="{386F3935-93C4-4BCD-93E2-E3B085C9AB24}">
+                <p16:designElem xmlns:p16="http://schemas.microsoft.com/office/powerpoint/2015/main" val="1"/>
+              </p:ext>
+            </p:extLst>
+          </p:nvPr>
+        </p:nvSpPr>
+        <p:spPr>
+          <a:xfrm rot="10800000" flipH="1">
+            <a:off x="8128857" y="35"/>
+            <a:ext cx="4063143" cy="1576412"/>
+          </a:xfrm>
+          <a:prstGeom prst="rect">
+            <a:avLst/>
+          </a:prstGeom>
+          <a:gradFill>
+            <a:gsLst>
+              <a:gs pos="19000">
+                <a:schemeClr val="accent1">
+                  <a:lumMod val="50000"/>
+                  <a:alpha val="68000"/>
+                </a:schemeClr>
+              </a:gs>
+              <a:gs pos="100000">
+                <a:schemeClr val="accent1">
+                  <a:alpha val="79000"/>
+                </a:schemeClr>
+              </a:gs>
+            </a:gsLst>
+            <a:lin ang="19200000" scaled="0"/>
+          </a:gradFill>
+          <a:ln>
+            <a:noFill/>
+          </a:ln>
+        </p:spPr>
+        <p:style>
+          <a:lnRef idx="2">
+            <a:schemeClr val="accent1">
+              <a:shade val="50000"/>
+            </a:schemeClr>
+          </a:lnRef>
+          <a:fillRef idx="1">
+            <a:schemeClr val="accent1"/>
+          </a:fillRef>
+          <a:effectRef idx="0">
+            <a:schemeClr val="accent1"/>
+          </a:effectRef>
+          <a:fontRef idx="minor">
+            <a:schemeClr val="lt1"/>
+          </a:fontRef>
+        </p:style>
+        <p:txBody>
+          <a:bodyPr rtlCol="0" anchor="ctr"/>
+          <a:lstStyle/>
+          <a:p>
+            <a:pPr algn="ctr"/>
+            <a:endParaRPr lang="en-US"/>
+          </a:p>
+        </p:txBody>
+      </p:sp>
+      <p:sp>
+        <p:nvSpPr>
+          <p:cNvPr id="48" name="Rectangle 47">
+            <a:extLst>
+              <a:ext uri="{FF2B5EF4-FFF2-40B4-BE49-F238E27FC236}">
+                <a16:creationId xmlns:a16="http://schemas.microsoft.com/office/drawing/2014/main" id="{D3539FEE-81D3-4406-802E-60B20B16F4F6}"/>
+              </a:ext>
+              <a:ext uri="{C183D7F6-B498-43B3-948B-1728B52AA6E4}">
+                <adec:decorative xmlns:adec="http://schemas.microsoft.com/office/drawing/2017/decorative" val="1"/>
+              </a:ext>
+            </a:extLst>
+          </p:cNvPr>
+          <p:cNvSpPr>
+            <a:spLocks noGrp="1" noRot="1" noChangeAspect="1" noMove="1" noResize="1" noEditPoints="1" noAdjustHandles="1" noChangeArrowheads="1" noChangeShapeType="1" noTextEdit="1"/>
+          </p:cNvSpPr>
+          <p:nvPr>
+            <p:extLst>
+              <p:ext uri="{386F3935-93C4-4BCD-93E2-E3B085C9AB24}">
+                <p16:designElem xmlns:p16="http://schemas.microsoft.com/office/powerpoint/2015/main" val="1"/>
+              </p:ext>
+            </p:extLst>
+          </p:nvPr>
+        </p:nvSpPr>
+        <p:spPr>
+          <a:xfrm rot="5400000">
+            <a:off x="5307778" y="-5307777"/>
+            <a:ext cx="1576446" cy="12192001"/>
+          </a:xfrm>
+          <a:prstGeom prst="rect">
+            <a:avLst/>
+          </a:prstGeom>
+          <a:gradFill>
+            <a:gsLst>
+              <a:gs pos="16000">
+                <a:srgbClr val="000000">
+                  <a:alpha val="0"/>
+                </a:srgbClr>
+              </a:gs>
+              <a:gs pos="99000">
+                <a:srgbClr val="000000">
+                  <a:alpha val="87000"/>
+                </a:srgbClr>
+              </a:gs>
+            </a:gsLst>
+            <a:lin ang="11400000" scaled="0"/>
+          </a:gradFill>
+          <a:ln>
+            <a:noFill/>
+          </a:ln>
+        </p:spPr>
+        <p:style>
+          <a:lnRef idx="2">
+            <a:schemeClr val="accent1">
+              <a:shade val="50000"/>
+            </a:schemeClr>
+          </a:lnRef>
+          <a:fillRef idx="1">
+            <a:schemeClr val="accent1"/>
+          </a:fillRef>
+          <a:effectRef idx="0">
+            <a:schemeClr val="accent1"/>
+          </a:effectRef>
+          <a:fontRef idx="minor">
+            <a:schemeClr val="lt1"/>
+          </a:fontRef>
+        </p:style>
+        <p:txBody>
+          <a:bodyPr rtlCol="0" anchor="ctr"/>
+          <a:lstStyle/>
+          <a:p>
+            <a:pPr algn="ctr"/>
+            <a:endParaRPr lang="en-US" dirty="0"/>
+          </a:p>
+        </p:txBody>
+      </p:sp>
+      <p:sp>
+        <p:nvSpPr>
+          <p:cNvPr id="54" name="Rectangle 49">
+            <a:extLst>
+              <a:ext uri="{FF2B5EF4-FFF2-40B4-BE49-F238E27FC236}">
+                <a16:creationId xmlns:a16="http://schemas.microsoft.com/office/drawing/2014/main" id="{DC701763-729E-462F-A5A8-E0DEFEB1E2E4}"/>
+              </a:ext>
+              <a:ext uri="{C183D7F6-B498-43B3-948B-1728B52AA6E4}">
+                <adec:decorative xmlns:adec="http://schemas.microsoft.com/office/drawing/2017/decorative" val="1"/>
+              </a:ext>
+            </a:extLst>
+          </p:cNvPr>
+          <p:cNvSpPr>
+            <a:spLocks noGrp="1" noRot="1" noChangeAspect="1" noMove="1" noResize="1" noEditPoints="1" noAdjustHandles="1" noChangeArrowheads="1" noChangeShapeType="1" noTextEdit="1"/>
+          </p:cNvSpPr>
+          <p:nvPr>
+            <p:extLst>
+              <p:ext uri="{386F3935-93C4-4BCD-93E2-E3B085C9AB24}">
+                <p16:designElem xmlns:p16="http://schemas.microsoft.com/office/powerpoint/2015/main" val="1"/>
+              </p:ext>
+            </p:extLst>
+          </p:nvPr>
+        </p:nvSpPr>
+        <p:spPr>
+          <a:xfrm>
+            <a:off x="3825434" y="986"/>
+            <a:ext cx="4303422" cy="1575461"/>
+          </a:xfrm>
+          <a:prstGeom prst="rect">
+            <a:avLst/>
+          </a:prstGeom>
+          <a:gradFill>
+            <a:gsLst>
+              <a:gs pos="0">
+                <a:schemeClr val="accent1">
+                  <a:alpha val="17000"/>
+                </a:schemeClr>
+              </a:gs>
+              <a:gs pos="74000">
+                <a:schemeClr val="accent1">
+                  <a:lumMod val="50000"/>
+                  <a:alpha val="0"/>
+                </a:schemeClr>
+              </a:gs>
+            </a:gsLst>
+            <a:lin ang="14400000" scaled="0"/>
+          </a:gradFill>
+          <a:ln>
+            <a:noFill/>
+          </a:ln>
+        </p:spPr>
+        <p:style>
+          <a:lnRef idx="2">
+            <a:schemeClr val="accent1">
+              <a:shade val="50000"/>
+            </a:schemeClr>
+          </a:lnRef>
+          <a:fillRef idx="1">
+            <a:schemeClr val="accent1"/>
+          </a:fillRef>
+          <a:effectRef idx="0">
+            <a:schemeClr val="accent1"/>
+          </a:effectRef>
+          <a:fontRef idx="minor">
+            <a:schemeClr val="lt1"/>
+          </a:fontRef>
+        </p:style>
+        <p:txBody>
+          <a:bodyPr rtlCol="0" anchor="ctr"/>
+          <a:lstStyle/>
+          <a:p>
+            <a:pPr algn="ctr"/>
+            <a:endParaRPr lang="en-US"/>
+          </a:p>
+        </p:txBody>
+      </p:sp>
+      <p:sp>
+        <p:nvSpPr>
+          <p:cNvPr id="5" name="מלבן 4">
+            <a:extLst>
+              <a:ext uri="{FF2B5EF4-FFF2-40B4-BE49-F238E27FC236}">
+                <a16:creationId xmlns:a16="http://schemas.microsoft.com/office/drawing/2014/main" id="{D55F408A-FE2C-4D61-8E9F-9F2054F07A3A}"/>
+              </a:ext>
+            </a:extLst>
+          </p:cNvPr>
+          <p:cNvSpPr/>
+          <p:nvPr/>
+        </p:nvSpPr>
+        <p:spPr>
+          <a:xfrm>
+            <a:off x="699714" y="353160"/>
+            <a:ext cx="7091300" cy="898581"/>
+          </a:xfrm>
+          <a:prstGeom prst="rect">
+            <a:avLst/>
+          </a:prstGeom>
+        </p:spPr>
+        <p:txBody>
+          <a:bodyPr vert="horz" lIns="91440" tIns="45720" rIns="91440" bIns="45720" rtlCol="0" anchor="ctr">
+            <a:normAutofit/>
+          </a:bodyPr>
+          <a:lstStyle/>
+          <a:p>
+            <a:pPr algn="l" rtl="0">
+              <a:lnSpc>
+                <a:spcPct val="90000"/>
+              </a:lnSpc>
+              <a:spcBef>
+                <a:spcPct val="0"/>
+              </a:spcBef>
+              <a:spcAft>
+                <a:spcPts val="600"/>
+              </a:spcAft>
+            </a:pPr>
+            <a:r>
+              <a:rPr lang="en-US" sz="4000" dirty="0">
+                <a:ln w="0"/>
+                <a:solidFill>
+                  <a:srgbClr val="FFFFFF"/>
+                </a:solidFill>
+                <a:effectLst>
+                  <a:reflection blurRad="6350" stA="53000" endA="300" endPos="35500" dir="5400000" sy="-90000" algn="bl" rotWithShape="0"/>
+                </a:effectLst>
+                <a:latin typeface="Lato" panose="020F0502020204030203" pitchFamily="34" charset="0"/>
+                <a:ea typeface="Lato" panose="020F0502020204030203" pitchFamily="34" charset="0"/>
+                <a:cs typeface="Lato" panose="020F0502020204030203" pitchFamily="34" charset="0"/>
+              </a:rPr>
+              <a:t>Models</a:t>
+            </a:r>
+          </a:p>
+        </p:txBody>
+      </p:sp>
+      <p:pic>
+        <p:nvPicPr>
+          <p:cNvPr id="7" name="תמונה 6" descr="תמונה שמכילה טקסט&#10;&#10;התיאור נוצר באופן אוטומטי">
+            <a:extLst>
+              <a:ext uri="{FF2B5EF4-FFF2-40B4-BE49-F238E27FC236}">
+                <a16:creationId xmlns:a16="http://schemas.microsoft.com/office/drawing/2014/main" id="{6D3B70DC-415C-4721-AFD4-F6E3FBCAA33E}"/>
+              </a:ext>
+            </a:extLst>
+          </p:cNvPr>
+          <p:cNvPicPr>
+            <a:picLocks noChangeAspect="1"/>
+          </p:cNvPicPr>
+          <p:nvPr/>
+        </p:nvPicPr>
+        <p:blipFill>
+          <a:blip r:embed="rId2"/>
+          <a:stretch>
+            <a:fillRect/>
+          </a:stretch>
+        </p:blipFill>
+        <p:spPr>
+          <a:xfrm>
+            <a:off x="184175" y="2117754"/>
+            <a:ext cx="7070534" cy="1502488"/>
+          </a:xfrm>
+          <a:prstGeom prst="rect">
+            <a:avLst/>
+          </a:prstGeom>
+        </p:spPr>
+      </p:pic>
+      <p:pic>
+        <p:nvPicPr>
+          <p:cNvPr id="13" name="תמונה 12" descr="תמונה שמכילה טקסט&#10;&#10;התיאור נוצר באופן אוטומטי">
+            <a:extLst>
+              <a:ext uri="{FF2B5EF4-FFF2-40B4-BE49-F238E27FC236}">
+                <a16:creationId xmlns:a16="http://schemas.microsoft.com/office/drawing/2014/main" id="{9D5B8CE2-D875-4416-BB26-381863E90B41}"/>
+              </a:ext>
+            </a:extLst>
+          </p:cNvPr>
+          <p:cNvPicPr>
+            <a:picLocks noChangeAspect="1"/>
+          </p:cNvPicPr>
+          <p:nvPr/>
+        </p:nvPicPr>
+        <p:blipFill>
+          <a:blip r:embed="rId3"/>
+          <a:stretch>
+            <a:fillRect/>
+          </a:stretch>
+        </p:blipFill>
+        <p:spPr>
+          <a:xfrm>
+            <a:off x="184175" y="4552939"/>
+            <a:ext cx="6722006" cy="1562864"/>
+          </a:xfrm>
+          <a:prstGeom prst="rect">
+            <a:avLst/>
+          </a:prstGeom>
+        </p:spPr>
+      </p:pic>
+    </p:spTree>
+    <p:extLst>
+      <p:ext uri="{BB962C8B-B14F-4D97-AF65-F5344CB8AC3E}">
+        <p14:creationId xmlns:p14="http://schemas.microsoft.com/office/powerpoint/2010/main" val="4231013204"/>
+      </p:ext>
+    </p:extLst>
+  </p:cSld>
+  <p:clrMapOvr>
+    <a:masterClrMapping/>
+  </p:clrMapOvr>
+</p:sld>
+</file>
+
+<file path=ppt/slides/slide8.xml><?xml version="1.0" encoding="utf-8"?>
+<p:sld xmlns:a="http://schemas.openxmlformats.org/drawingml/2006/main" xmlns:r="http://schemas.openxmlformats.org/officeDocument/2006/relationships" xmlns:p="http://schemas.openxmlformats.org/presentationml/2006/main">
+  <p:cSld>
+    <p:bg>
+      <p:bgPr>
+        <a:solidFill>
+          <a:schemeClr val="bg1"/>
+        </a:solidFill>
+        <a:effectLst/>
+      </p:bgPr>
+    </p:bg>
+    <p:spTree>
+      <p:nvGrpSpPr>
+        <p:cNvPr id="1" name=""/>
+        <p:cNvGrpSpPr/>
+        <p:nvPr/>
+      </p:nvGrpSpPr>
+      <p:grpSpPr>
+        <a:xfrm>
+          <a:off x="0" y="0"/>
+          <a:ext cx="0" cy="0"/>
+          <a:chOff x="0" y="0"/>
+          <a:chExt cx="0" cy="0"/>
+        </a:xfrm>
+      </p:grpSpPr>
+      <p:sp useBgFill="1">
+        <p:nvSpPr>
+          <p:cNvPr id="38" name="Rectangle 21">
+            <a:extLst>
+              <a:ext uri="{FF2B5EF4-FFF2-40B4-BE49-F238E27FC236}">
+                <a16:creationId xmlns:a16="http://schemas.microsoft.com/office/drawing/2014/main" id="{16F9E488-0718-4E1E-9D12-26779F606252}"/>
+              </a:ext>
+              <a:ext uri="{C183D7F6-B498-43B3-948B-1728B52AA6E4}">
+                <adec:decorative xmlns:adec="http://schemas.microsoft.com/office/drawing/2017/decorative" val="1"/>
+              </a:ext>
+            </a:extLst>
+          </p:cNvPr>
+          <p:cNvSpPr>
+            <a:spLocks noGrp="1" noRot="1" noChangeAspect="1" noMove="1" noResize="1" noEditPoints="1" noAdjustHandles="1" noChangeArrowheads="1" noChangeShapeType="1" noTextEdit="1"/>
+          </p:cNvSpPr>
+          <p:nvPr>
+            <p:extLst>
+              <p:ext uri="{386F3935-93C4-4BCD-93E2-E3B085C9AB24}">
+                <p16:designElem xmlns:p16="http://schemas.microsoft.com/office/powerpoint/2015/main" val="1"/>
+              </p:ext>
+            </p:extLst>
+          </p:nvPr>
+        </p:nvSpPr>
+        <p:spPr>
+          <a:xfrm>
+            <a:off x="0" y="0"/>
+            <a:ext cx="12192000" cy="6858000"/>
+          </a:xfrm>
+          <a:prstGeom prst="rect">
+            <a:avLst/>
+          </a:prstGeom>
+          <a:ln>
+            <a:noFill/>
+          </a:ln>
+        </p:spPr>
+        <p:style>
+          <a:lnRef idx="2">
+            <a:schemeClr val="accent1">
+              <a:shade val="50000"/>
+            </a:schemeClr>
+          </a:lnRef>
+          <a:fillRef idx="1">
+            <a:schemeClr val="accent1"/>
+          </a:fillRef>
+          <a:effectRef idx="0">
+            <a:schemeClr val="accent1"/>
+          </a:effectRef>
+          <a:fontRef idx="minor">
+            <a:schemeClr val="lt1"/>
+          </a:fontRef>
+        </p:style>
+        <p:txBody>
+          <a:bodyPr rtlCol="0" anchor="ctr"/>
+          <a:lstStyle/>
+          <a:p>
+            <a:pPr algn="ctr"/>
+            <a:endParaRPr lang="en-US"/>
+          </a:p>
+        </p:txBody>
+      </p:sp>
+      <p:sp>
+        <p:nvSpPr>
+          <p:cNvPr id="39" name="Freeform: Shape 23">
+            <a:extLst>
+              <a:ext uri="{FF2B5EF4-FFF2-40B4-BE49-F238E27FC236}">
+                <a16:creationId xmlns:a16="http://schemas.microsoft.com/office/drawing/2014/main" id="{D20AEB5B-DFC7-42B4-9FAA-6B95E01D0FCE}"/>
+              </a:ext>
+              <a:ext uri="{C183D7F6-B498-43B3-948B-1728B52AA6E4}">
+                <adec:decorative xmlns:adec="http://schemas.microsoft.com/office/drawing/2017/decorative" val="1"/>
+              </a:ext>
+            </a:extLst>
+          </p:cNvPr>
+          <p:cNvSpPr>
+            <a:spLocks noGrp="1" noRot="1" noChangeAspect="1" noMove="1" noResize="1" noEditPoints="1" noAdjustHandles="1" noChangeArrowheads="1" noChangeShapeType="1" noTextEdit="1"/>
+          </p:cNvSpPr>
+          <p:nvPr>
+            <p:extLst>
+              <p:ext uri="{386F3935-93C4-4BCD-93E2-E3B085C9AB24}">
+                <p16:designElem xmlns:p16="http://schemas.microsoft.com/office/powerpoint/2015/main" val="1"/>
+              </p:ext>
+            </p:extLst>
+          </p:nvPr>
+        </p:nvSpPr>
+        <p:spPr>
+          <a:xfrm>
+            <a:off x="4715124" y="0"/>
+            <a:ext cx="7476877" cy="6858000"/>
+          </a:xfrm>
+          <a:custGeom>
+            <a:avLst/>
+            <a:gdLst>
+              <a:gd name="connsiteX0" fmla="*/ 637332 w 7476877"/>
+              <a:gd name="connsiteY0" fmla="*/ 4332728 h 6858000"/>
+              <a:gd name="connsiteX1" fmla="*/ 1576347 w 7476877"/>
+              <a:gd name="connsiteY1" fmla="*/ 4332728 h 6858000"/>
+              <a:gd name="connsiteX2" fmla="*/ 1720345 w 7476877"/>
+              <a:gd name="connsiteY2" fmla="*/ 4419228 h 6858000"/>
+              <a:gd name="connsiteX3" fmla="*/ 2190864 w 7476877"/>
+              <a:gd name="connsiteY3" fmla="*/ 5245095 h 6858000"/>
+              <a:gd name="connsiteX4" fmla="*/ 2190864 w 7476877"/>
+              <a:gd name="connsiteY4" fmla="*/ 5413976 h 6858000"/>
+              <a:gd name="connsiteX5" fmla="*/ 1720345 w 7476877"/>
+              <a:gd name="connsiteY5" fmla="*/ 6239844 h 6858000"/>
+              <a:gd name="connsiteX6" fmla="*/ 1576347 w 7476877"/>
+              <a:gd name="connsiteY6" fmla="*/ 6326343 h 6858000"/>
+              <a:gd name="connsiteX7" fmla="*/ 637332 w 7476877"/>
+              <a:gd name="connsiteY7" fmla="*/ 6326343 h 6858000"/>
+              <a:gd name="connsiteX8" fmla="*/ 491309 w 7476877"/>
+              <a:gd name="connsiteY8" fmla="*/ 6239844 h 6858000"/>
+              <a:gd name="connsiteX9" fmla="*/ 22817 w 7476877"/>
+              <a:gd name="connsiteY9" fmla="*/ 5413976 h 6858000"/>
+              <a:gd name="connsiteX10" fmla="*/ 22817 w 7476877"/>
+              <a:gd name="connsiteY10" fmla="*/ 5245095 h 6858000"/>
+              <a:gd name="connsiteX11" fmla="*/ 491309 w 7476877"/>
+              <a:gd name="connsiteY11" fmla="*/ 4419228 h 6858000"/>
+              <a:gd name="connsiteX12" fmla="*/ 637332 w 7476877"/>
+              <a:gd name="connsiteY12" fmla="*/ 4332728 h 6858000"/>
+              <a:gd name="connsiteX13" fmla="*/ 3853980 w 7476877"/>
+              <a:gd name="connsiteY13" fmla="*/ 0 h 6858000"/>
+              <a:gd name="connsiteX14" fmla="*/ 5043644 w 7476877"/>
+              <a:gd name="connsiteY14" fmla="*/ 0 h 6858000"/>
+              <a:gd name="connsiteX15" fmla="*/ 5083740 w 7476877"/>
+              <a:gd name="connsiteY15" fmla="*/ 70378 h 6858000"/>
+              <a:gd name="connsiteX16" fmla="*/ 5225307 w 7476877"/>
+              <a:gd name="connsiteY16" fmla="*/ 318859 h 6858000"/>
+              <a:gd name="connsiteX17" fmla="*/ 5225307 w 7476877"/>
+              <a:gd name="connsiteY17" fmla="*/ 577503 h 6858000"/>
+              <a:gd name="connsiteX18" fmla="*/ 4504695 w 7476877"/>
+              <a:gd name="connsiteY18" fmla="*/ 1842337 h 6858000"/>
+              <a:gd name="connsiteX19" fmla="*/ 4284162 w 7476877"/>
+              <a:gd name="connsiteY19" fmla="*/ 1974811 h 6858000"/>
+              <a:gd name="connsiteX20" fmla="*/ 2846045 w 7476877"/>
+              <a:gd name="connsiteY20" fmla="*/ 1974811 h 6858000"/>
+              <a:gd name="connsiteX21" fmla="*/ 2778342 w 7476877"/>
+              <a:gd name="connsiteY21" fmla="*/ 1965645 h 6858000"/>
+              <a:gd name="connsiteX22" fmla="*/ 2731777 w 7476877"/>
+              <a:gd name="connsiteY22" fmla="*/ 1945746 h 6858000"/>
+              <a:gd name="connsiteX23" fmla="*/ 2760233 w 7476877"/>
+              <a:gd name="connsiteY23" fmla="*/ 1895581 h 6858000"/>
+              <a:gd name="connsiteX24" fmla="*/ 3768459 w 7476877"/>
+              <a:gd name="connsiteY24" fmla="*/ 118263 h 6858000"/>
+              <a:gd name="connsiteX25" fmla="*/ 3819932 w 7476877"/>
+              <a:gd name="connsiteY25" fmla="*/ 39732 h 6858000"/>
+              <a:gd name="connsiteX26" fmla="*/ 1880237 w 7476877"/>
+              <a:gd name="connsiteY26" fmla="*/ 0 h 6858000"/>
+              <a:gd name="connsiteX27" fmla="*/ 2102124 w 7476877"/>
+              <a:gd name="connsiteY27" fmla="*/ 0 h 6858000"/>
+              <a:gd name="connsiteX28" fmla="*/ 2086946 w 7476877"/>
+              <a:gd name="connsiteY28" fmla="*/ 26756 h 6858000"/>
+              <a:gd name="connsiteX29" fmla="*/ 1911773 w 7476877"/>
+              <a:gd name="connsiteY29" fmla="*/ 335552 h 6858000"/>
+              <a:gd name="connsiteX30" fmla="*/ 1911773 w 7476877"/>
+              <a:gd name="connsiteY30" fmla="*/ 594199 h 6858000"/>
+              <a:gd name="connsiteX31" fmla="*/ 2629280 w 7476877"/>
+              <a:gd name="connsiteY31" fmla="*/ 1859030 h 6858000"/>
+              <a:gd name="connsiteX32" fmla="*/ 2723627 w 7476877"/>
+              <a:gd name="connsiteY32" fmla="*/ 1956020 h 6858000"/>
+              <a:gd name="connsiteX33" fmla="*/ 2734544 w 7476877"/>
+              <a:gd name="connsiteY33" fmla="*/ 1960685 h 6858000"/>
+              <a:gd name="connsiteX34" fmla="*/ 2676021 w 7476877"/>
+              <a:gd name="connsiteY34" fmla="*/ 2063851 h 6858000"/>
+              <a:gd name="connsiteX35" fmla="*/ 2632495 w 7476877"/>
+              <a:gd name="connsiteY35" fmla="*/ 2140578 h 6858000"/>
+              <a:gd name="connsiteX36" fmla="*/ 2677641 w 7476877"/>
+              <a:gd name="connsiteY36" fmla="*/ 2159871 h 6858000"/>
+              <a:gd name="connsiteX37" fmla="*/ 2754009 w 7476877"/>
+              <a:gd name="connsiteY37" fmla="*/ 2170210 h 6858000"/>
+              <a:gd name="connsiteX38" fmla="*/ 4376198 w 7476877"/>
+              <a:gd name="connsiteY38" fmla="*/ 2170210 h 6858000"/>
+              <a:gd name="connsiteX39" fmla="*/ 4624956 w 7476877"/>
+              <a:gd name="connsiteY39" fmla="*/ 2020780 h 6858000"/>
+              <a:gd name="connsiteX40" fmla="*/ 5437803 w 7476877"/>
+              <a:gd name="connsiteY40" fmla="*/ 594055 h 6858000"/>
+              <a:gd name="connsiteX41" fmla="*/ 5437803 w 7476877"/>
+              <a:gd name="connsiteY41" fmla="*/ 302307 h 6858000"/>
+              <a:gd name="connsiteX42" fmla="*/ 5294722 w 7476877"/>
+              <a:gd name="connsiteY42" fmla="*/ 51168 h 6858000"/>
+              <a:gd name="connsiteX43" fmla="*/ 5265570 w 7476877"/>
+              <a:gd name="connsiteY43" fmla="*/ 0 h 6858000"/>
+              <a:gd name="connsiteX44" fmla="*/ 7476877 w 7476877"/>
+              <a:gd name="connsiteY44" fmla="*/ 0 h 6858000"/>
+              <a:gd name="connsiteX45" fmla="*/ 7476877 w 7476877"/>
+              <a:gd name="connsiteY45" fmla="*/ 6858000 h 6858000"/>
+              <a:gd name="connsiteX46" fmla="*/ 3343303 w 7476877"/>
+              <a:gd name="connsiteY46" fmla="*/ 6858000 h 6858000"/>
+              <a:gd name="connsiteX47" fmla="*/ 3297958 w 7476877"/>
+              <a:gd name="connsiteY47" fmla="*/ 6778065 h 6858000"/>
+              <a:gd name="connsiteX48" fmla="*/ 1841286 w 7476877"/>
+              <a:gd name="connsiteY48" fmla="*/ 4210218 h 6858000"/>
+              <a:gd name="connsiteX49" fmla="*/ 1841286 w 7476877"/>
+              <a:gd name="connsiteY49" fmla="*/ 3515516 h 6858000"/>
+              <a:gd name="connsiteX50" fmla="*/ 2556859 w 7476877"/>
+              <a:gd name="connsiteY50" fmla="*/ 2254092 h 6858000"/>
+              <a:gd name="connsiteX51" fmla="*/ 2617166 w 7476877"/>
+              <a:gd name="connsiteY51" fmla="*/ 2147787 h 6858000"/>
+              <a:gd name="connsiteX52" fmla="*/ 2615044 w 7476877"/>
+              <a:gd name="connsiteY52" fmla="*/ 2146880 h 6858000"/>
+              <a:gd name="connsiteX53" fmla="*/ 2508620 w 7476877"/>
+              <a:gd name="connsiteY53" fmla="*/ 2037473 h 6858000"/>
+              <a:gd name="connsiteX54" fmla="*/ 1699276 w 7476877"/>
+              <a:gd name="connsiteY54" fmla="*/ 610749 h 6858000"/>
+              <a:gd name="connsiteX55" fmla="*/ 1699276 w 7476877"/>
+              <a:gd name="connsiteY55" fmla="*/ 319000 h 6858000"/>
+              <a:gd name="connsiteX56" fmla="*/ 1843322 w 7476877"/>
+              <a:gd name="connsiteY56" fmla="*/ 65075 h 6858000"/>
+            </a:gdLst>
+            <a:ahLst/>
+            <a:cxnLst>
+              <a:cxn ang="0">
+                <a:pos x="connsiteX0" y="connsiteY0"/>
+              </a:cxn>
+              <a:cxn ang="0">
+                <a:pos x="connsiteX1" y="connsiteY1"/>
+              </a:cxn>
+              <a:cxn ang="0">
+                <a:pos x="connsiteX2" y="connsiteY2"/>
+              </a:cxn>
+              <a:cxn ang="0">
+                <a:pos x="connsiteX3" y="connsiteY3"/>
+              </a:cxn>
+              <a:cxn ang="0">
+                <a:pos x="connsiteX4" y="connsiteY4"/>
+              </a:cxn>
+              <a:cxn ang="0">
+                <a:pos x="connsiteX5" y="connsiteY5"/>
+              </a:cxn>
+              <a:cxn ang="0">
+                <a:pos x="connsiteX6" y="connsiteY6"/>
+              </a:cxn>
+              <a:cxn ang="0">
+                <a:pos x="connsiteX7" y="connsiteY7"/>
+              </a:cxn>
+              <a:cxn ang="0">
+                <a:pos x="connsiteX8" y="connsiteY8"/>
+              </a:cxn>
+              <a:cxn ang="0">
+                <a:pos x="connsiteX9" y="connsiteY9"/>
+              </a:cxn>
+              <a:cxn ang="0">
+                <a:pos x="connsiteX10" y="connsiteY10"/>
+              </a:cxn>
+              <a:cxn ang="0">
+                <a:pos x="connsiteX11" y="connsiteY11"/>
+              </a:cxn>
+              <a:cxn ang="0">
+                <a:pos x="connsiteX12" y="connsiteY12"/>
+              </a:cxn>
+              <a:cxn ang="0">
+                <a:pos x="connsiteX13" y="connsiteY13"/>
+              </a:cxn>
+              <a:cxn ang="0">
+                <a:pos x="connsiteX14" y="connsiteY14"/>
+              </a:cxn>
+              <a:cxn ang="0">
+                <a:pos x="connsiteX15" y="connsiteY15"/>
+              </a:cxn>
+              <a:cxn ang="0">
+                <a:pos x="connsiteX16" y="connsiteY16"/>
+              </a:cxn>
+              <a:cxn ang="0">
+                <a:pos x="connsiteX17" y="connsiteY17"/>
+              </a:cxn>
+              <a:cxn ang="0">
+                <a:pos x="connsiteX18" y="connsiteY18"/>
+              </a:cxn>
+              <a:cxn ang="0">
+                <a:pos x="connsiteX19" y="connsiteY19"/>
+              </a:cxn>
+              <a:cxn ang="0">
+                <a:pos x="connsiteX20" y="connsiteY20"/>
+              </a:cxn>
+              <a:cxn ang="0">
+                <a:pos x="connsiteX21" y="connsiteY21"/>
+              </a:cxn>
+              <a:cxn ang="0">
+                <a:pos x="connsiteX22" y="connsiteY22"/>
+              </a:cxn>
+              <a:cxn ang="0">
+                <a:pos x="connsiteX23" y="connsiteY23"/>
+              </a:cxn>
+              <a:cxn ang="0">
+                <a:pos x="connsiteX24" y="connsiteY24"/>
+              </a:cxn>
+              <a:cxn ang="0">
+                <a:pos x="connsiteX25" y="connsiteY25"/>
+              </a:cxn>
+              <a:cxn ang="0">
+                <a:pos x="connsiteX26" y="connsiteY26"/>
+              </a:cxn>
+              <a:cxn ang="0">
+                <a:pos x="connsiteX27" y="connsiteY27"/>
+              </a:cxn>
+              <a:cxn ang="0">
+                <a:pos x="connsiteX28" y="connsiteY28"/>
+              </a:cxn>
+              <a:cxn ang="0">
+                <a:pos x="connsiteX29" y="connsiteY29"/>
+              </a:cxn>
+              <a:cxn ang="0">
+                <a:pos x="connsiteX30" y="connsiteY30"/>
+              </a:cxn>
+              <a:cxn ang="0">
+                <a:pos x="connsiteX31" y="connsiteY31"/>
+              </a:cxn>
+              <a:cxn ang="0">
+                <a:pos x="connsiteX32" y="connsiteY32"/>
+              </a:cxn>
+              <a:cxn ang="0">
+                <a:pos x="connsiteX33" y="connsiteY33"/>
+              </a:cxn>
+              <a:cxn ang="0">
+                <a:pos x="connsiteX34" y="connsiteY34"/>
+              </a:cxn>
+              <a:cxn ang="0">
+                <a:pos x="connsiteX35" y="connsiteY35"/>
+              </a:cxn>
+              <a:cxn ang="0">
+                <a:pos x="connsiteX36" y="connsiteY36"/>
+              </a:cxn>
+              <a:cxn ang="0">
+                <a:pos x="connsiteX37" y="connsiteY37"/>
+              </a:cxn>
+              <a:cxn ang="0">
+                <a:pos x="connsiteX38" y="connsiteY38"/>
+              </a:cxn>
+              <a:cxn ang="0">
+                <a:pos x="connsiteX39" y="connsiteY39"/>
+              </a:cxn>
+              <a:cxn ang="0">
+                <a:pos x="connsiteX40" y="connsiteY40"/>
+              </a:cxn>
+              <a:cxn ang="0">
+                <a:pos x="connsiteX41" y="connsiteY41"/>
+              </a:cxn>
+              <a:cxn ang="0">
+                <a:pos x="connsiteX42" y="connsiteY42"/>
+              </a:cxn>
+              <a:cxn ang="0">
+                <a:pos x="connsiteX43" y="connsiteY43"/>
+              </a:cxn>
+              <a:cxn ang="0">
+                <a:pos x="connsiteX44" y="connsiteY44"/>
+              </a:cxn>
+              <a:cxn ang="0">
+                <a:pos x="connsiteX45" y="connsiteY45"/>
+              </a:cxn>
+              <a:cxn ang="0">
+                <a:pos x="connsiteX46" y="connsiteY46"/>
+              </a:cxn>
+              <a:cxn ang="0">
+                <a:pos x="connsiteX47" y="connsiteY47"/>
+              </a:cxn>
+              <a:cxn ang="0">
+                <a:pos x="connsiteX48" y="connsiteY48"/>
+              </a:cxn>
+              <a:cxn ang="0">
+                <a:pos x="connsiteX49" y="connsiteY49"/>
+              </a:cxn>
+              <a:cxn ang="0">
+                <a:pos x="connsiteX50" y="connsiteY50"/>
+              </a:cxn>
+              <a:cxn ang="0">
+                <a:pos x="connsiteX51" y="connsiteY51"/>
+              </a:cxn>
+              <a:cxn ang="0">
+                <a:pos x="connsiteX52" y="connsiteY52"/>
+              </a:cxn>
+              <a:cxn ang="0">
+                <a:pos x="connsiteX53" y="connsiteY53"/>
+              </a:cxn>
+              <a:cxn ang="0">
+                <a:pos x="connsiteX54" y="connsiteY54"/>
+              </a:cxn>
+              <a:cxn ang="0">
+                <a:pos x="connsiteX55" y="connsiteY55"/>
+              </a:cxn>
+              <a:cxn ang="0">
+                <a:pos x="connsiteX56" y="connsiteY56"/>
+              </a:cxn>
+            </a:cxnLst>
+            <a:rect l="l" t="t" r="r" b="b"/>
+            <a:pathLst>
+              <a:path w="7476877" h="6858000">
+                <a:moveTo>
+                  <a:pt x="637332" y="4332728"/>
+                </a:moveTo>
+                <a:cubicBezTo>
+                  <a:pt x="637332" y="4332728"/>
+                  <a:pt x="637332" y="4332728"/>
+                  <a:pt x="1576347" y="4332728"/>
+                </a:cubicBezTo>
+                <a:cubicBezTo>
+                  <a:pt x="1635163" y="4332728"/>
+                  <a:pt x="1691949" y="4365681"/>
+                  <a:pt x="1720345" y="4419228"/>
+                </a:cubicBezTo>
+                <a:cubicBezTo>
+                  <a:pt x="1720345" y="4419228"/>
+                  <a:pt x="1720345" y="4419228"/>
+                  <a:pt x="2190864" y="5245095"/>
+                </a:cubicBezTo>
+                <a:cubicBezTo>
+                  <a:pt x="2221287" y="5296583"/>
+                  <a:pt x="2221287" y="5362488"/>
+                  <a:pt x="2190864" y="5413976"/>
+                </a:cubicBezTo>
+                <a:cubicBezTo>
+                  <a:pt x="2190864" y="5413976"/>
+                  <a:pt x="2190864" y="5413976"/>
+                  <a:pt x="1720345" y="6239844"/>
+                </a:cubicBezTo>
+                <a:cubicBezTo>
+                  <a:pt x="1691949" y="6293391"/>
+                  <a:pt x="1635163" y="6326343"/>
+                  <a:pt x="1576347" y="6326343"/>
+                </a:cubicBezTo>
+                <a:cubicBezTo>
+                  <a:pt x="1576347" y="6326343"/>
+                  <a:pt x="1576347" y="6326343"/>
+                  <a:pt x="637332" y="6326343"/>
+                </a:cubicBezTo>
+                <a:cubicBezTo>
+                  <a:pt x="576490" y="6326343"/>
+                  <a:pt x="521732" y="6293391"/>
+                  <a:pt x="491309" y="6239844"/>
+                </a:cubicBezTo>
+                <a:cubicBezTo>
+                  <a:pt x="491309" y="6239844"/>
+                  <a:pt x="491309" y="6239844"/>
+                  <a:pt x="22817" y="5413976"/>
+                </a:cubicBezTo>
+                <a:cubicBezTo>
+                  <a:pt x="-7605" y="5362488"/>
+                  <a:pt x="-7605" y="5296583"/>
+                  <a:pt x="22817" y="5245095"/>
+                </a:cubicBezTo>
+                <a:cubicBezTo>
+                  <a:pt x="22817" y="5245095"/>
+                  <a:pt x="22817" y="5245095"/>
+                  <a:pt x="491309" y="4419228"/>
+                </a:cubicBezTo>
+                <a:cubicBezTo>
+                  <a:pt x="521732" y="4365681"/>
+                  <a:pt x="576490" y="4332728"/>
+                  <a:pt x="637332" y="4332728"/>
+                </a:cubicBezTo>
+                <a:close/>
+                <a:moveTo>
+                  <a:pt x="3853980" y="0"/>
+                </a:moveTo>
+                <a:lnTo>
+                  <a:pt x="5043644" y="0"/>
+                </a:lnTo>
+                <a:lnTo>
+                  <a:pt x="5083740" y="70378"/>
+                </a:lnTo>
+                <a:cubicBezTo>
+                  <a:pt x="5127533" y="147245"/>
+                  <a:pt x="5174639" y="229925"/>
+                  <a:pt x="5225307" y="318859"/>
+                </a:cubicBezTo>
+                <a:cubicBezTo>
+                  <a:pt x="5271897" y="397715"/>
+                  <a:pt x="5271897" y="498649"/>
+                  <a:pt x="5225307" y="577503"/>
+                </a:cubicBezTo>
+                <a:cubicBezTo>
+                  <a:pt x="5225307" y="577503"/>
+                  <a:pt x="5225307" y="577503"/>
+                  <a:pt x="4504695" y="1842337"/>
+                </a:cubicBezTo>
+                <a:cubicBezTo>
+                  <a:pt x="4461209" y="1924345"/>
+                  <a:pt x="4374239" y="1974811"/>
+                  <a:pt x="4284162" y="1974811"/>
+                </a:cubicBezTo>
+                <a:cubicBezTo>
+                  <a:pt x="4284162" y="1974811"/>
+                  <a:pt x="4284162" y="1974811"/>
+                  <a:pt x="2846045" y="1974811"/>
+                </a:cubicBezTo>
+                <a:cubicBezTo>
+                  <a:pt x="2822750" y="1974811"/>
+                  <a:pt x="2800035" y="1971656"/>
+                  <a:pt x="2778342" y="1965645"/>
+                </a:cubicBezTo>
+                <a:lnTo>
+                  <a:pt x="2731777" y="1945746"/>
+                </a:lnTo>
+                <a:lnTo>
+                  <a:pt x="2760233" y="1895581"/>
+                </a:lnTo>
+                <a:cubicBezTo>
+                  <a:pt x="3017539" y="1441999"/>
+                  <a:pt x="3346890" y="861413"/>
+                  <a:pt x="3768459" y="118263"/>
+                </a:cubicBezTo>
+                <a:cubicBezTo>
+                  <a:pt x="3784101" y="90729"/>
+                  <a:pt x="3801308" y="64519"/>
+                  <a:pt x="3819932" y="39732"/>
+                </a:cubicBezTo>
+                <a:close/>
+                <a:moveTo>
+                  <a:pt x="1880237" y="0"/>
+                </a:moveTo>
+                <a:lnTo>
+                  <a:pt x="2102124" y="0"/>
+                </a:lnTo>
+                <a:lnTo>
+                  <a:pt x="2086946" y="26756"/>
+                </a:lnTo>
+                <a:cubicBezTo>
+                  <a:pt x="1911773" y="335552"/>
+                  <a:pt x="1911773" y="335552"/>
+                  <a:pt x="1911773" y="335552"/>
+                </a:cubicBezTo>
+                <a:cubicBezTo>
+                  <a:pt x="1865182" y="414408"/>
+                  <a:pt x="1865182" y="515344"/>
+                  <a:pt x="1911773" y="594199"/>
+                </a:cubicBezTo>
+                <a:cubicBezTo>
+                  <a:pt x="2629280" y="1859030"/>
+                  <a:pt x="2629280" y="1859030"/>
+                  <a:pt x="2629280" y="1859030"/>
+                </a:cubicBezTo>
+                <a:cubicBezTo>
+                  <a:pt x="2652576" y="1900035"/>
+                  <a:pt x="2685189" y="1933154"/>
+                  <a:pt x="2723627" y="1956020"/>
+                </a:cubicBezTo>
+                <a:lnTo>
+                  <a:pt x="2734544" y="1960685"/>
+                </a:lnTo>
+                <a:lnTo>
+                  <a:pt x="2676021" y="2063851"/>
+                </a:lnTo>
+                <a:lnTo>
+                  <a:pt x="2632495" y="2140578"/>
+                </a:lnTo>
+                <a:lnTo>
+                  <a:pt x="2677641" y="2159871"/>
+                </a:lnTo>
+                <a:cubicBezTo>
+                  <a:pt x="2702113" y="2166652"/>
+                  <a:pt x="2727732" y="2170210"/>
+                  <a:pt x="2754009" y="2170210"/>
+                </a:cubicBezTo>
+                <a:cubicBezTo>
+                  <a:pt x="4376198" y="2170210"/>
+                  <a:pt x="4376198" y="2170210"/>
+                  <a:pt x="4376198" y="2170210"/>
+                </a:cubicBezTo>
+                <a:cubicBezTo>
+                  <a:pt x="4477805" y="2170210"/>
+                  <a:pt x="4575904" y="2113286"/>
+                  <a:pt x="4624956" y="2020780"/>
+                </a:cubicBezTo>
+                <a:cubicBezTo>
+                  <a:pt x="5437803" y="594055"/>
+                  <a:pt x="5437803" y="594055"/>
+                  <a:pt x="5437803" y="594055"/>
+                </a:cubicBezTo>
+                <a:cubicBezTo>
+                  <a:pt x="5490358" y="505109"/>
+                  <a:pt x="5490358" y="391256"/>
+                  <a:pt x="5437803" y="302307"/>
+                </a:cubicBezTo>
+                <a:cubicBezTo>
+                  <a:pt x="5387000" y="213137"/>
+                  <a:pt x="5339373" y="129540"/>
+                  <a:pt x="5294722" y="51168"/>
+                </a:cubicBezTo>
+                <a:lnTo>
+                  <a:pt x="5265570" y="0"/>
+                </a:lnTo>
+                <a:lnTo>
+                  <a:pt x="7476877" y="0"/>
+                </a:lnTo>
+                <a:lnTo>
+                  <a:pt x="7476877" y="6858000"/>
+                </a:lnTo>
+                <a:lnTo>
+                  <a:pt x="3343303" y="6858000"/>
+                </a:lnTo>
+                <a:lnTo>
+                  <a:pt x="3297958" y="6778065"/>
+                </a:lnTo>
+                <a:cubicBezTo>
+                  <a:pt x="3015657" y="6280421"/>
+                  <a:pt x="2563976" y="5484189"/>
+                  <a:pt x="1841286" y="4210218"/>
+                </a:cubicBezTo>
+                <a:cubicBezTo>
+                  <a:pt x="1716144" y="3998418"/>
+                  <a:pt x="1716144" y="3727316"/>
+                  <a:pt x="1841286" y="3515516"/>
+                </a:cubicBezTo>
+                <a:cubicBezTo>
+                  <a:pt x="1841286" y="3515516"/>
+                  <a:pt x="1841286" y="3515516"/>
+                  <a:pt x="2556859" y="2254092"/>
+                </a:cubicBezTo>
+                <a:lnTo>
+                  <a:pt x="2617166" y="2147787"/>
+                </a:lnTo>
+                <a:lnTo>
+                  <a:pt x="2615044" y="2146880"/>
+                </a:lnTo>
+                <a:cubicBezTo>
+                  <a:pt x="2571686" y="2121084"/>
+                  <a:pt x="2534897" y="2083728"/>
+                  <a:pt x="2508620" y="2037473"/>
+                </a:cubicBezTo>
+                <a:cubicBezTo>
+                  <a:pt x="2508620" y="2037473"/>
+                  <a:pt x="2508620" y="2037473"/>
+                  <a:pt x="1699276" y="610749"/>
+                </a:cubicBezTo>
+                <a:cubicBezTo>
+                  <a:pt x="1646720" y="521803"/>
+                  <a:pt x="1646720" y="407950"/>
+                  <a:pt x="1699276" y="319000"/>
+                </a:cubicBezTo>
+                <a:cubicBezTo>
+                  <a:pt x="1699276" y="319000"/>
+                  <a:pt x="1699276" y="319000"/>
+                  <a:pt x="1843322" y="65075"/>
+                </a:cubicBezTo>
+                <a:close/>
+              </a:path>
+            </a:pathLst>
+          </a:custGeom>
+          <a:solidFill>
+            <a:schemeClr val="tx1">
+              <a:lumMod val="50000"/>
+              <a:lumOff val="50000"/>
+              <a:alpha val="15000"/>
+            </a:schemeClr>
+          </a:solidFill>
+          <a:ln>
+            <a:noFill/>
+          </a:ln>
+        </p:spPr>
+        <p:style>
+          <a:lnRef idx="2">
+            <a:schemeClr val="accent1">
+              <a:shade val="50000"/>
+            </a:schemeClr>
+          </a:lnRef>
+          <a:fillRef idx="1">
+            <a:schemeClr val="accent1"/>
+          </a:fillRef>
+          <a:effectRef idx="0">
+            <a:schemeClr val="accent1"/>
+          </a:effectRef>
+          <a:fontRef idx="minor">
+            <a:schemeClr val="lt1"/>
+          </a:fontRef>
+        </p:style>
+        <p:txBody>
+          <a:bodyPr wrap="square" rtlCol="0" anchor="ctr">
+            <a:noAutofit/>
+          </a:bodyPr>
+          <a:lstStyle/>
+          <a:p>
+            <a:pPr algn="ctr"/>
+            <a:endParaRPr lang="en-US"/>
+          </a:p>
+        </p:txBody>
+      </p:sp>
+      <p:sp>
+        <p:nvSpPr>
+          <p:cNvPr id="4" name="מלבן 3">
+            <a:extLst>
+              <a:ext uri="{FF2B5EF4-FFF2-40B4-BE49-F238E27FC236}">
+                <a16:creationId xmlns:a16="http://schemas.microsoft.com/office/drawing/2014/main" id="{D650572E-BECC-46C1-B33B-F783E36D367D}"/>
+              </a:ext>
+            </a:extLst>
+          </p:cNvPr>
+          <p:cNvSpPr/>
+          <p:nvPr/>
+        </p:nvSpPr>
+        <p:spPr>
+          <a:xfrm>
+            <a:off x="1356919" y="2945524"/>
+            <a:ext cx="6457183" cy="2274388"/>
+          </a:xfrm>
+          <a:prstGeom prst="rect">
+            <a:avLst/>
+          </a:prstGeom>
+        </p:spPr>
+        <p:txBody>
+          <a:bodyPr vert="horz" lIns="91440" tIns="45720" rIns="91440" bIns="45720" rtlCol="0" anchor="t">
+            <a:normAutofit/>
+          </a:bodyPr>
+          <a:lstStyle/>
+          <a:p>
+            <a:pPr algn="l" rtl="0">
+              <a:lnSpc>
+                <a:spcPct val="90000"/>
+              </a:lnSpc>
+              <a:spcBef>
+                <a:spcPct val="0"/>
+              </a:spcBef>
+              <a:spcAft>
+                <a:spcPts val="600"/>
+              </a:spcAft>
+            </a:pPr>
+            <a:r>
+              <a:rPr lang="en-US" sz="7200" b="0" kern="1200" cap="none" spc="0" dirty="0">
+                <a:ln w="0"/>
+                <a:solidFill>
+                  <a:schemeClr val="tx1"/>
+                </a:solidFill>
+                <a:effectLst>
+                  <a:reflection blurRad="6350" stA="53000" endA="300" endPos="35500" dir="5400000" sy="-90000" algn="bl" rotWithShape="0"/>
+                </a:effectLst>
+                <a:latin typeface="Lato" panose="020F0502020204030203" pitchFamily="34" charset="0"/>
+                <a:ea typeface="Lato" panose="020F0502020204030203" pitchFamily="34" charset="0"/>
+                <a:cs typeface="Lato" panose="020F0502020204030203" pitchFamily="34" charset="0"/>
+              </a:rPr>
+              <a:t>Views</a:t>
+            </a:r>
+          </a:p>
+        </p:txBody>
+      </p:sp>
+      <p:grpSp>
+        <p:nvGrpSpPr>
+          <p:cNvPr id="40" name="Group 25">
+            <a:extLst>
+              <a:ext uri="{FF2B5EF4-FFF2-40B4-BE49-F238E27FC236}">
+                <a16:creationId xmlns:a16="http://schemas.microsoft.com/office/drawing/2014/main" id="{64B93721-934F-4F1E-A868-0B2BA110D3B5}"/>
+              </a:ext>
+              <a:ext uri="{C183D7F6-B498-43B3-948B-1728B52AA6E4}">
+                <adec:decorative xmlns:adec="http://schemas.microsoft.com/office/drawing/2017/decorative" val="1"/>
+              </a:ext>
+            </a:extLst>
+          </p:cNvPr>
+          <p:cNvGrpSpPr>
+            <a:grpSpLocks noGrp="1" noUngrp="1" noRot="1" noChangeAspect="1" noMove="1" noResize="1"/>
+          </p:cNvGrpSpPr>
+          <p:nvPr>
+            <p:extLst>
+              <p:ext uri="{386F3935-93C4-4BCD-93E2-E3B085C9AB24}">
+                <p16:designElem xmlns:p16="http://schemas.microsoft.com/office/powerpoint/2015/main" val="1"/>
+              </p:ext>
+            </p:extLst>
+          </p:nvPr>
+        </p:nvGrpSpPr>
+        <p:grpSpPr>
+          <a:xfrm>
+            <a:off x="441960" y="561256"/>
+            <a:ext cx="1128382" cy="847206"/>
+            <a:chOff x="7393391" y="1075612"/>
+            <a:chExt cx="1128382" cy="847206"/>
+          </a:xfrm>
+        </p:grpSpPr>
+        <p:sp>
+          <p:nvSpPr>
+            <p:cNvPr id="27" name="Freeform 5">
+              <a:extLst>
+                <a:ext uri="{FF2B5EF4-FFF2-40B4-BE49-F238E27FC236}">
+                  <a16:creationId xmlns:a16="http://schemas.microsoft.com/office/drawing/2014/main" id="{99494AF8-52DE-4016-B1B9-5D16974BAE24}"/>
+                </a:ext>
+                <a:ext uri="{C183D7F6-B498-43B3-948B-1728B52AA6E4}">
+                  <adec:decorative xmlns:adec="http://schemas.microsoft.com/office/drawing/2017/decorative" val="1"/>
+                </a:ext>
+              </a:extLst>
+            </p:cNvPr>
+            <p:cNvSpPr>
+              <a:spLocks/>
+            </p:cNvSpPr>
+            <p:nvPr>
+              <p:extLst>
+                <p:ext uri="{386F3935-93C4-4BCD-93E2-E3B085C9AB24}">
+                  <p16:designElem xmlns:p16="http://schemas.microsoft.com/office/powerpoint/2015/main" val="1"/>
+                </p:ext>
+              </p:extLst>
+            </p:nvPr>
+          </p:nvSpPr>
+          <p:spPr bwMode="auto">
+            <a:xfrm>
+              <a:off x="7393391" y="1327438"/>
+              <a:ext cx="675351" cy="595380"/>
+            </a:xfrm>
+            <a:custGeom>
+              <a:avLst/>
+              <a:gdLst>
+                <a:gd name="T0" fmla="*/ 225 w 785"/>
+                <a:gd name="T1" fmla="*/ 692 h 692"/>
+                <a:gd name="T2" fmla="*/ 177 w 785"/>
+                <a:gd name="T3" fmla="*/ 665 h 692"/>
+                <a:gd name="T4" fmla="*/ 9 w 785"/>
+                <a:gd name="T5" fmla="*/ 374 h 692"/>
+                <a:gd name="T6" fmla="*/ 9 w 785"/>
+                <a:gd name="T7" fmla="*/ 318 h 692"/>
+                <a:gd name="T8" fmla="*/ 177 w 785"/>
+                <a:gd name="T9" fmla="*/ 27 h 692"/>
+                <a:gd name="T10" fmla="*/ 225 w 785"/>
+                <a:gd name="T11" fmla="*/ 0 h 692"/>
+                <a:gd name="T12" fmla="*/ 561 w 785"/>
+                <a:gd name="T13" fmla="*/ 0 h 692"/>
+                <a:gd name="T14" fmla="*/ 609 w 785"/>
+                <a:gd name="T15" fmla="*/ 27 h 692"/>
+                <a:gd name="T16" fmla="*/ 777 w 785"/>
+                <a:gd name="T17" fmla="*/ 318 h 692"/>
+                <a:gd name="T18" fmla="*/ 777 w 785"/>
+                <a:gd name="T19" fmla="*/ 374 h 692"/>
+                <a:gd name="T20" fmla="*/ 609 w 785"/>
+                <a:gd name="T21" fmla="*/ 665 h 692"/>
+                <a:gd name="T22" fmla="*/ 561 w 785"/>
+                <a:gd name="T23" fmla="*/ 692 h 692"/>
+                <a:gd name="T24" fmla="*/ 225 w 785"/>
+                <a:gd name="T25" fmla="*/ 692 h 692"/>
+              </a:gdLst>
+              <a:ahLst/>
+              <a:cxnLst>
+                <a:cxn ang="0">
+                  <a:pos x="T0" y="T1"/>
+                </a:cxn>
+                <a:cxn ang="0">
+                  <a:pos x="T2" y="T3"/>
+                </a:cxn>
+                <a:cxn ang="0">
+                  <a:pos x="T4" y="T5"/>
+                </a:cxn>
+                <a:cxn ang="0">
+                  <a:pos x="T6" y="T7"/>
+                </a:cxn>
+                <a:cxn ang="0">
+                  <a:pos x="T8" y="T9"/>
+                </a:cxn>
+                <a:cxn ang="0">
+                  <a:pos x="T10" y="T11"/>
+                </a:cxn>
+                <a:cxn ang="0">
+                  <a:pos x="T12" y="T13"/>
+                </a:cxn>
+                <a:cxn ang="0">
+                  <a:pos x="T14" y="T15"/>
+                </a:cxn>
+                <a:cxn ang="0">
+                  <a:pos x="T16" y="T17"/>
+                </a:cxn>
+                <a:cxn ang="0">
+                  <a:pos x="T18" y="T19"/>
+                </a:cxn>
+                <a:cxn ang="0">
+                  <a:pos x="T20" y="T21"/>
+                </a:cxn>
+                <a:cxn ang="0">
+                  <a:pos x="T22" y="T23"/>
+                </a:cxn>
+                <a:cxn ang="0">
+                  <a:pos x="T24" y="T25"/>
+                </a:cxn>
+              </a:cxnLst>
+              <a:rect l="0" t="0" r="r" b="b"/>
+              <a:pathLst>
+                <a:path w="785" h="692">
+                  <a:moveTo>
+                    <a:pt x="225" y="692"/>
+                  </a:moveTo>
+                  <a:cubicBezTo>
+                    <a:pt x="207" y="692"/>
+                    <a:pt x="185" y="680"/>
+                    <a:pt x="177" y="665"/>
+                  </a:cubicBezTo>
+                  <a:cubicBezTo>
+                    <a:pt x="9" y="374"/>
+                    <a:pt x="9" y="374"/>
+                    <a:pt x="9" y="374"/>
+                  </a:cubicBezTo>
+                  <a:cubicBezTo>
+                    <a:pt x="0" y="358"/>
+                    <a:pt x="0" y="334"/>
+                    <a:pt x="9" y="318"/>
+                  </a:cubicBezTo>
+                  <a:cubicBezTo>
+                    <a:pt x="177" y="27"/>
+                    <a:pt x="177" y="27"/>
+                    <a:pt x="177" y="27"/>
+                  </a:cubicBezTo>
+                  <a:cubicBezTo>
+                    <a:pt x="185" y="12"/>
+                    <a:pt x="207" y="0"/>
+                    <a:pt x="225" y="0"/>
+                  </a:cubicBezTo>
+                  <a:cubicBezTo>
+                    <a:pt x="561" y="0"/>
+                    <a:pt x="561" y="0"/>
+                    <a:pt x="561" y="0"/>
+                  </a:cubicBezTo>
+                  <a:cubicBezTo>
+                    <a:pt x="578" y="0"/>
+                    <a:pt x="600" y="12"/>
+                    <a:pt x="609" y="27"/>
+                  </a:cubicBezTo>
+                  <a:cubicBezTo>
+                    <a:pt x="777" y="318"/>
+                    <a:pt x="777" y="318"/>
+                    <a:pt x="777" y="318"/>
+                  </a:cubicBezTo>
+                  <a:cubicBezTo>
+                    <a:pt x="785" y="334"/>
+                    <a:pt x="785" y="358"/>
+                    <a:pt x="777" y="374"/>
+                  </a:cubicBezTo>
+                  <a:cubicBezTo>
+                    <a:pt x="609" y="665"/>
+                    <a:pt x="609" y="665"/>
+                    <a:pt x="609" y="665"/>
+                  </a:cubicBezTo>
+                  <a:cubicBezTo>
+                    <a:pt x="600" y="680"/>
+                    <a:pt x="578" y="692"/>
+                    <a:pt x="561" y="692"/>
+                  </a:cubicBezTo>
+                  <a:lnTo>
+                    <a:pt x="225" y="692"/>
+                  </a:lnTo>
+                  <a:close/>
+                </a:path>
+              </a:pathLst>
+            </a:custGeom>
+            <a:noFill/>
+            <a:ln w="28575" cmpd="sng">
+              <a:solidFill>
+                <a:schemeClr val="tx1"/>
+              </a:solidFill>
+            </a:ln>
+          </p:spPr>
+          <p:txBody>
+            <a:bodyPr vert="horz" wrap="square" lIns="91440" tIns="45720" rIns="91440" bIns="45720" numCol="1" anchor="t" anchorCtr="0" compatLnSpc="1">
+              <a:prstTxWarp prst="textNoShape">
+                <a:avLst/>
+              </a:prstTxWarp>
+            </a:bodyPr>
+            <a:lstStyle/>
+            <a:p>
+              <a:endParaRPr lang="en-US"/>
+            </a:p>
+          </p:txBody>
+        </p:sp>
+        <p:sp>
+          <p:nvSpPr>
+            <p:cNvPr id="41" name="Freeform 5">
+              <a:extLst>
+                <a:ext uri="{FF2B5EF4-FFF2-40B4-BE49-F238E27FC236}">
+                  <a16:creationId xmlns:a16="http://schemas.microsoft.com/office/drawing/2014/main" id="{C27115E3-8DBD-460F-8EAD-44E12617413B}"/>
+                </a:ext>
+                <a:ext uri="{C183D7F6-B498-43B3-948B-1728B52AA6E4}">
+                  <adec:decorative xmlns:adec="http://schemas.microsoft.com/office/drawing/2017/decorative" val="1"/>
+                </a:ext>
+              </a:extLst>
+            </p:cNvPr>
+            <p:cNvSpPr>
+              <a:spLocks/>
+            </p:cNvSpPr>
+            <p:nvPr>
+              <p:extLst>
+                <p:ext uri="{386F3935-93C4-4BCD-93E2-E3B085C9AB24}">
+                  <p16:designElem xmlns:p16="http://schemas.microsoft.com/office/powerpoint/2015/main" val="1"/>
+                </p:ext>
+              </p:extLst>
+            </p:nvPr>
+          </p:nvSpPr>
+          <p:spPr bwMode="auto">
+            <a:xfrm>
+              <a:off x="7971281" y="1075612"/>
+              <a:ext cx="550492" cy="485306"/>
+            </a:xfrm>
+            <a:custGeom>
+              <a:avLst/>
+              <a:gdLst>
+                <a:gd name="T0" fmla="*/ 225 w 785"/>
+                <a:gd name="T1" fmla="*/ 692 h 692"/>
+                <a:gd name="T2" fmla="*/ 177 w 785"/>
+                <a:gd name="T3" fmla="*/ 665 h 692"/>
+                <a:gd name="T4" fmla="*/ 9 w 785"/>
+                <a:gd name="T5" fmla="*/ 374 h 692"/>
+                <a:gd name="T6" fmla="*/ 9 w 785"/>
+                <a:gd name="T7" fmla="*/ 318 h 692"/>
+                <a:gd name="T8" fmla="*/ 177 w 785"/>
+                <a:gd name="T9" fmla="*/ 27 h 692"/>
+                <a:gd name="T10" fmla="*/ 225 w 785"/>
+                <a:gd name="T11" fmla="*/ 0 h 692"/>
+                <a:gd name="T12" fmla="*/ 561 w 785"/>
+                <a:gd name="T13" fmla="*/ 0 h 692"/>
+                <a:gd name="T14" fmla="*/ 609 w 785"/>
+                <a:gd name="T15" fmla="*/ 27 h 692"/>
+                <a:gd name="T16" fmla="*/ 777 w 785"/>
+                <a:gd name="T17" fmla="*/ 318 h 692"/>
+                <a:gd name="T18" fmla="*/ 777 w 785"/>
+                <a:gd name="T19" fmla="*/ 374 h 692"/>
+                <a:gd name="T20" fmla="*/ 609 w 785"/>
+                <a:gd name="T21" fmla="*/ 665 h 692"/>
+                <a:gd name="T22" fmla="*/ 561 w 785"/>
+                <a:gd name="T23" fmla="*/ 692 h 692"/>
+                <a:gd name="T24" fmla="*/ 225 w 785"/>
+                <a:gd name="T25" fmla="*/ 692 h 692"/>
+              </a:gdLst>
+              <a:ahLst/>
+              <a:cxnLst>
+                <a:cxn ang="0">
+                  <a:pos x="T0" y="T1"/>
+                </a:cxn>
+                <a:cxn ang="0">
+                  <a:pos x="T2" y="T3"/>
+                </a:cxn>
+                <a:cxn ang="0">
+                  <a:pos x="T4" y="T5"/>
+                </a:cxn>
+                <a:cxn ang="0">
+                  <a:pos x="T6" y="T7"/>
+                </a:cxn>
+                <a:cxn ang="0">
+                  <a:pos x="T8" y="T9"/>
+                </a:cxn>
+                <a:cxn ang="0">
+                  <a:pos x="T10" y="T11"/>
+                </a:cxn>
+                <a:cxn ang="0">
+                  <a:pos x="T12" y="T13"/>
+                </a:cxn>
+                <a:cxn ang="0">
+                  <a:pos x="T14" y="T15"/>
+                </a:cxn>
+                <a:cxn ang="0">
+                  <a:pos x="T16" y="T17"/>
+                </a:cxn>
+                <a:cxn ang="0">
+                  <a:pos x="T18" y="T19"/>
+                </a:cxn>
+                <a:cxn ang="0">
+                  <a:pos x="T20" y="T21"/>
+                </a:cxn>
+                <a:cxn ang="0">
+                  <a:pos x="T22" y="T23"/>
+                </a:cxn>
+                <a:cxn ang="0">
+                  <a:pos x="T24" y="T25"/>
+                </a:cxn>
+              </a:cxnLst>
+              <a:rect l="0" t="0" r="r" b="b"/>
+              <a:pathLst>
+                <a:path w="785" h="692">
+                  <a:moveTo>
+                    <a:pt x="225" y="692"/>
+                  </a:moveTo>
+                  <a:cubicBezTo>
+                    <a:pt x="207" y="692"/>
+                    <a:pt x="185" y="680"/>
+                    <a:pt x="177" y="665"/>
+                  </a:cubicBezTo>
+                  <a:cubicBezTo>
+                    <a:pt x="9" y="374"/>
+                    <a:pt x="9" y="374"/>
+                    <a:pt x="9" y="374"/>
+                  </a:cubicBezTo>
+                  <a:cubicBezTo>
+                    <a:pt x="0" y="358"/>
+                    <a:pt x="0" y="334"/>
+                    <a:pt x="9" y="318"/>
+                  </a:cubicBezTo>
+                  <a:cubicBezTo>
+                    <a:pt x="177" y="27"/>
+                    <a:pt x="177" y="27"/>
+                    <a:pt x="177" y="27"/>
+                  </a:cubicBezTo>
+                  <a:cubicBezTo>
+                    <a:pt x="185" y="12"/>
+                    <a:pt x="207" y="0"/>
+                    <a:pt x="225" y="0"/>
+                  </a:cubicBezTo>
+                  <a:cubicBezTo>
+                    <a:pt x="561" y="0"/>
+                    <a:pt x="561" y="0"/>
+                    <a:pt x="561" y="0"/>
+                  </a:cubicBezTo>
+                  <a:cubicBezTo>
+                    <a:pt x="578" y="0"/>
+                    <a:pt x="600" y="12"/>
+                    <a:pt x="609" y="27"/>
+                  </a:cubicBezTo>
+                  <a:cubicBezTo>
+                    <a:pt x="777" y="318"/>
+                    <a:pt x="777" y="318"/>
+                    <a:pt x="777" y="318"/>
+                  </a:cubicBezTo>
+                  <a:cubicBezTo>
+                    <a:pt x="785" y="334"/>
+                    <a:pt x="785" y="358"/>
+                    <a:pt x="777" y="374"/>
+                  </a:cubicBezTo>
+                  <a:cubicBezTo>
+                    <a:pt x="609" y="665"/>
+                    <a:pt x="609" y="665"/>
+                    <a:pt x="609" y="665"/>
+                  </a:cubicBezTo>
+                  <a:cubicBezTo>
+                    <a:pt x="600" y="680"/>
+                    <a:pt x="578" y="692"/>
+                    <a:pt x="561" y="692"/>
+                  </a:cubicBezTo>
+                  <a:lnTo>
+                    <a:pt x="225" y="692"/>
+                  </a:lnTo>
+                  <a:close/>
+                </a:path>
+              </a:pathLst>
+            </a:custGeom>
+            <a:noFill/>
+            <a:ln w="28575" cmpd="sng">
+              <a:solidFill>
+                <a:schemeClr val="tx1"/>
+              </a:solidFill>
+            </a:ln>
+          </p:spPr>
+          <p:txBody>
+            <a:bodyPr vert="horz" wrap="square" lIns="91440" tIns="45720" rIns="91440" bIns="45720" numCol="1" anchor="t" anchorCtr="0" compatLnSpc="1">
+              <a:prstTxWarp prst="textNoShape">
+                <a:avLst/>
+              </a:prstTxWarp>
+            </a:bodyPr>
+            <a:lstStyle/>
+            <a:p>
+              <a:endParaRPr lang="en-US"/>
+            </a:p>
+          </p:txBody>
+        </p:sp>
+      </p:grpSp>
+    </p:spTree>
+    <p:extLst>
+      <p:ext uri="{BB962C8B-B14F-4D97-AF65-F5344CB8AC3E}">
+        <p14:creationId xmlns:p14="http://schemas.microsoft.com/office/powerpoint/2010/main" val="4242551816"/>
+      </p:ext>
+    </p:extLst>
+  </p:cSld>
+  <p:clrMapOvr>
+    <a:masterClrMapping/>
+  </p:clrMapOvr>
+</p:sld>
+</file>
+
+<file path=ppt/slides/slide9.xml><?xml version="1.0" encoding="utf-8"?>
+<p:sld xmlns:a="http://schemas.openxmlformats.org/drawingml/2006/main" xmlns:r="http://schemas.openxmlformats.org/officeDocument/2006/relationships" xmlns:p="http://schemas.openxmlformats.org/presentationml/2006/main">
+  <p:cSld>
+    <p:spTree>
+      <p:nvGrpSpPr>
+        <p:cNvPr id="1" name=""/>
+        <p:cNvGrpSpPr/>
+        <p:nvPr/>
+      </p:nvGrpSpPr>
+      <p:grpSpPr>
+        <a:xfrm>
+          <a:off x="0" y="0"/>
+          <a:ext cx="0" cy="0"/>
+          <a:chOff x="0" y="0"/>
+          <a:chExt cx="0" cy="0"/>
+        </a:xfrm>
+      </p:grpSpPr>
+      <p:pic>
+        <p:nvPicPr>
+          <p:cNvPr id="8" name="תמונה 7" descr="תמונה שמכילה טקסט&#10;&#10;התיאור נוצר באופן אוטומטי">
+            <a:extLst>
+              <a:ext uri="{FF2B5EF4-FFF2-40B4-BE49-F238E27FC236}">
+                <a16:creationId xmlns:a16="http://schemas.microsoft.com/office/drawing/2014/main" id="{8C22A415-C9C9-4D1E-860D-6707BBA20584}"/>
+              </a:ext>
+            </a:extLst>
+          </p:cNvPr>
+          <p:cNvPicPr>
+            <a:picLocks noChangeAspect="1"/>
+          </p:cNvPicPr>
+          <p:nvPr/>
+        </p:nvPicPr>
+        <p:blipFill>
+          <a:blip r:embed="rId2"/>
+          <a:stretch>
+            <a:fillRect/>
+          </a:stretch>
+        </p:blipFill>
+        <p:spPr>
+          <a:xfrm>
+            <a:off x="603471" y="853114"/>
+            <a:ext cx="6610130" cy="3600062"/>
+          </a:xfrm>
+          <a:prstGeom prst="rect">
+            <a:avLst/>
+          </a:prstGeom>
+        </p:spPr>
+      </p:pic>
+      <p:pic>
+        <p:nvPicPr>
+          <p:cNvPr id="10" name="תמונה 9" descr="תמונה שמכילה טקסט, צילום מסך, אדם&#10;&#10;התיאור נוצר באופן אוטומטי">
+            <a:extLst>
+              <a:ext uri="{FF2B5EF4-FFF2-40B4-BE49-F238E27FC236}">
+                <a16:creationId xmlns:a16="http://schemas.microsoft.com/office/drawing/2014/main" id="{5C67CF77-F0B2-4A59-BE89-8487587C3B6F}"/>
+              </a:ext>
+            </a:extLst>
+          </p:cNvPr>
+          <p:cNvPicPr>
+            <a:picLocks noChangeAspect="1"/>
+          </p:cNvPicPr>
+          <p:nvPr/>
+        </p:nvPicPr>
+        <p:blipFill>
+          <a:blip r:embed="rId3"/>
+          <a:stretch>
+            <a:fillRect/>
+          </a:stretch>
+        </p:blipFill>
+        <p:spPr>
+          <a:xfrm>
+            <a:off x="1106460" y="4453176"/>
+            <a:ext cx="6657098" cy="1775910"/>
+          </a:xfrm>
+          <a:prstGeom prst="rect">
+            <a:avLst/>
+          </a:prstGeom>
+        </p:spPr>
+      </p:pic>
+      <p:sp>
+        <p:nvSpPr>
+          <p:cNvPr id="11" name="מלבן 10">
+            <a:extLst>
+              <a:ext uri="{FF2B5EF4-FFF2-40B4-BE49-F238E27FC236}">
+                <a16:creationId xmlns:a16="http://schemas.microsoft.com/office/drawing/2014/main" id="{554574C6-224C-4909-A23A-9D1F7E370B31}"/>
+              </a:ext>
+            </a:extLst>
+          </p:cNvPr>
+          <p:cNvSpPr/>
+          <p:nvPr/>
+        </p:nvSpPr>
+        <p:spPr>
+          <a:xfrm>
+            <a:off x="323272" y="105694"/>
+            <a:ext cx="6049819" cy="523220"/>
+          </a:xfrm>
+          <a:prstGeom prst="rect">
+            <a:avLst/>
+          </a:prstGeom>
+          <a:noFill/>
+        </p:spPr>
+        <p:txBody>
+          <a:bodyPr wrap="square" lIns="91440" tIns="45720" rIns="91440" bIns="45720">
+            <a:spAutoFit/>
+          </a:bodyPr>
+          <a:lstStyle/>
+          <a:p>
+            <a:pPr algn="ctr"/>
+            <a:r>
+              <a:rPr lang="en-US" sz="2800" b="0" cap="none" spc="0" dirty="0">
+                <a:ln w="0"/>
+                <a:gradFill>
+                  <a:gsLst>
+                    <a:gs pos="0">
+                      <a:schemeClr val="accent5">
+                        <a:lumMod val="50000"/>
+                      </a:schemeClr>
+                    </a:gs>
+                    <a:gs pos="50000">
+                      <a:schemeClr val="accent5"/>
+                    </a:gs>
+                    <a:gs pos="100000">
+                      <a:schemeClr val="accent5">
+                        <a:lumMod val="60000"/>
+                        <a:lumOff val="40000"/>
+                      </a:schemeClr>
+                    </a:gs>
+                  </a:gsLst>
+                  <a:lin ang="5400000"/>
+                </a:gradFill>
+                <a:effectLst>
+                  <a:reflection blurRad="6350" stA="53000" endA="300" endPos="35500" dir="5400000" sy="-90000" algn="bl" rotWithShape="0"/>
+                </a:effectLst>
+              </a:rPr>
+              <a:t>Extract or insert user into the database:</a:t>
+            </a:r>
+            <a:endParaRPr lang="he-IL" sz="2800" b="0" cap="none" spc="0" dirty="0">
+              <a:ln w="0"/>
+              <a:gradFill>
+                <a:gsLst>
+                  <a:gs pos="0">
+                    <a:schemeClr val="accent5">
+                      <a:lumMod val="50000"/>
+                    </a:schemeClr>
+                  </a:gs>
+                  <a:gs pos="50000">
+                    <a:schemeClr val="accent5"/>
+                  </a:gs>
+                  <a:gs pos="100000">
+                    <a:schemeClr val="accent5">
+                      <a:lumMod val="60000"/>
+                      <a:lumOff val="40000"/>
+                    </a:schemeClr>
+                  </a:gs>
+                </a:gsLst>
+                <a:lin ang="5400000"/>
+              </a:gradFill>
+              <a:effectLst>
+                <a:reflection blurRad="6350" stA="53000" endA="300" endPos="35500" dir="5400000" sy="-90000" algn="bl" rotWithShape="0"/>
+              </a:effectLst>
+            </a:endParaRPr>
+          </a:p>
+        </p:txBody>
+      </p:sp>
+      <p:pic>
+        <p:nvPicPr>
+          <p:cNvPr id="3" name="תמונה 2" descr="תמונה שמכילה טקסט, מקורה&#10;&#10;התיאור נוצר באופן אוטומטי">
+            <a:extLst>
+              <a:ext uri="{FF2B5EF4-FFF2-40B4-BE49-F238E27FC236}">
+                <a16:creationId xmlns:a16="http://schemas.microsoft.com/office/drawing/2014/main" id="{31E03DBB-6A63-4538-A109-A5603D6E6C07}"/>
+              </a:ext>
+            </a:extLst>
+          </p:cNvPr>
+          <p:cNvPicPr>
+            <a:picLocks noChangeAspect="1"/>
+          </p:cNvPicPr>
+          <p:nvPr/>
+        </p:nvPicPr>
+        <p:blipFill>
+          <a:blip r:embed="rId4"/>
+          <a:stretch>
+            <a:fillRect/>
+          </a:stretch>
+        </p:blipFill>
+        <p:spPr>
+          <a:xfrm>
+            <a:off x="6937665" y="853114"/>
+            <a:ext cx="4921826" cy="1552930"/>
+          </a:xfrm>
+          <a:prstGeom prst="rect">
+            <a:avLst/>
+          </a:prstGeom>
+        </p:spPr>
+      </p:pic>
+    </p:spTree>
+    <p:extLst>
+      <p:ext uri="{BB962C8B-B14F-4D97-AF65-F5344CB8AC3E}">
+        <p14:creationId xmlns:p14="http://schemas.microsoft.com/office/powerpoint/2010/main" val="2763800761"/>
       </p:ext>
     </p:extLst>
   </p:cSld>
